--- a/Unit21/21.4.3 Monalco Value Drive Tree Jeff Kwan.pptx
+++ b/Unit21/21.4.3 Monalco Value Drive Tree Jeff Kwan.pptx
@@ -1,28 +1,35 @@
 
 <file path=ppt/presentation.xml><?xml version="1.0" encoding="utf-8"?>
-<p:presentation xmlns:a="http://schemas.openxmlformats.org/drawingml/2006/main" xmlns:r="http://schemas.openxmlformats.org/officeDocument/2006/relationships" xmlns:mc="http://schemas.openxmlformats.org/markup-compatibility/2006" xmlns:mv="urn:schemas-microsoft-com:mac:vml" xmlns:p="http://schemas.openxmlformats.org/presentationml/2006/main" xmlns:c="http://schemas.openxmlformats.org/drawingml/2006/chart" xmlns:dgm="http://schemas.openxmlformats.org/drawingml/2006/diagram" xmlns:o="urn:schemas-microsoft-com:office:office" xmlns:v="urn:schemas-microsoft-com:vml" xmlns:pvml="urn:schemas-microsoft-com:office:powerpoint" xmlns:com="http://schemas.openxmlformats.org/drawingml/2006/compatibility" xmlns:p14="http://schemas.microsoft.com/office/powerpoint/2010/main" xmlns:p15="http://schemas.microsoft.com/office/powerpoint/2012/main" xmlns:ahyp="http://schemas.microsoft.com/office/drawing/2018/hyperlinkcolor" autoCompressPictures="0" embedTrueTypeFonts="1" strictFirstAndLastChars="0" saveSubsetFonts="1">
+<p:presentation xmlns:a="http://schemas.openxmlformats.org/drawingml/2006/main" xmlns:r="http://schemas.openxmlformats.org/officeDocument/2006/relationships" xmlns:p="http://schemas.openxmlformats.org/presentationml/2006/main" strictFirstAndLastChars="0" embedTrueTypeFonts="1" saveSubsetFonts="1" autoCompressPictures="0">
   <p:sldMasterIdLst>
-    <p:sldMasterId id="2147483648" r:id="rId3"/>
+    <p:sldMasterId id="2147483648" r:id="rId1"/>
   </p:sldMasterIdLst>
   <p:notesMasterIdLst>
-    <p:notesMasterId r:id="rId4"/>
+    <p:notesMasterId r:id="rId3"/>
   </p:notesMasterIdLst>
   <p:sldIdLst>
-    <p:sldId id="256" r:id="rId5"/>
+    <p:sldId id="256" r:id="rId2"/>
   </p:sldIdLst>
-  <p:sldSz cy="6858000" cx="9144000"/>
+  <p:sldSz cx="9144000" cy="6858000" type="screen4x3"/>
   <p:notesSz cx="6858000" cy="9144000"/>
   <p:embeddedFontLst>
     <p:embeddedFont>
-      <p:font typeface="Quattrocento Sans"/>
-      <p:regular r:id="rId6"/>
-      <p:bold r:id="rId7"/>
-      <p:italic r:id="rId8"/>
-      <p:boldItalic r:id="rId9"/>
+      <p:font typeface="Calibri" panose="020F0502020204030204" pitchFamily="34" charset="0"/>
+      <p:regular r:id="rId4"/>
+      <p:bold r:id="rId5"/>
+      <p:italic r:id="rId6"/>
+      <p:boldItalic r:id="rId7"/>
+    </p:embeddedFont>
+    <p:embeddedFont>
+      <p:font typeface="Quattrocento Sans" panose="020B0604020202020204" charset="0"/>
+      <p:regular r:id="rId8"/>
+      <p:bold r:id="rId9"/>
+      <p:italic r:id="rId10"/>
+      <p:boldItalic r:id="rId11"/>
     </p:embeddedFont>
   </p:embeddedFontLst>
   <p:defaultTextStyle>
-    <a:defPPr lvl="0" marR="0" rtl="0" algn="l">
+    <a:defPPr marR="0" lvl="0" algn="l" rtl="0">
       <a:lnSpc>
         <a:spcPct val="100000"/>
       </a:lnSpc>
@@ -33,7 +40,7 @@
         <a:spcPts val="0"/>
       </a:spcAft>
     </a:defPPr>
-    <a:lvl1pPr lvl="0" marR="0" rtl="0" algn="l">
+    <a:lvl1pPr marR="0" lvl="0" algn="l" rtl="0">
       <a:lnSpc>
         <a:spcPct val="100000"/>
       </a:lnSpc>
@@ -47,7 +54,7 @@
         <a:srgbClr val="000000"/>
       </a:buClr>
       <a:buFont typeface="Arial"/>
-      <a:defRPr b="0" i="0" sz="1400" u="none" cap="none" strike="noStrike">
+      <a:defRPr sz="1400" b="0" i="0" u="none" strike="noStrike" cap="none">
         <a:solidFill>
           <a:srgbClr val="000000"/>
         </a:solidFill>
@@ -57,7 +64,7 @@
         <a:sym typeface="Arial"/>
       </a:defRPr>
     </a:lvl1pPr>
-    <a:lvl2pPr lvl="1" marR="0" rtl="0" algn="l">
+    <a:lvl2pPr marR="0" lvl="1" algn="l" rtl="0">
       <a:lnSpc>
         <a:spcPct val="100000"/>
       </a:lnSpc>
@@ -71,7 +78,7 @@
         <a:srgbClr val="000000"/>
       </a:buClr>
       <a:buFont typeface="Arial"/>
-      <a:defRPr b="0" i="0" sz="1400" u="none" cap="none" strike="noStrike">
+      <a:defRPr sz="1400" b="0" i="0" u="none" strike="noStrike" cap="none">
         <a:solidFill>
           <a:srgbClr val="000000"/>
         </a:solidFill>
@@ -81,7 +88,7 @@
         <a:sym typeface="Arial"/>
       </a:defRPr>
     </a:lvl2pPr>
-    <a:lvl3pPr lvl="2" marR="0" rtl="0" algn="l">
+    <a:lvl3pPr marR="0" lvl="2" algn="l" rtl="0">
       <a:lnSpc>
         <a:spcPct val="100000"/>
       </a:lnSpc>
@@ -95,7 +102,7 @@
         <a:srgbClr val="000000"/>
       </a:buClr>
       <a:buFont typeface="Arial"/>
-      <a:defRPr b="0" i="0" sz="1400" u="none" cap="none" strike="noStrike">
+      <a:defRPr sz="1400" b="0" i="0" u="none" strike="noStrike" cap="none">
         <a:solidFill>
           <a:srgbClr val="000000"/>
         </a:solidFill>
@@ -105,7 +112,7 @@
         <a:sym typeface="Arial"/>
       </a:defRPr>
     </a:lvl3pPr>
-    <a:lvl4pPr lvl="3" marR="0" rtl="0" algn="l">
+    <a:lvl4pPr marR="0" lvl="3" algn="l" rtl="0">
       <a:lnSpc>
         <a:spcPct val="100000"/>
       </a:lnSpc>
@@ -119,7 +126,7 @@
         <a:srgbClr val="000000"/>
       </a:buClr>
       <a:buFont typeface="Arial"/>
-      <a:defRPr b="0" i="0" sz="1400" u="none" cap="none" strike="noStrike">
+      <a:defRPr sz="1400" b="0" i="0" u="none" strike="noStrike" cap="none">
         <a:solidFill>
           <a:srgbClr val="000000"/>
         </a:solidFill>
@@ -129,7 +136,7 @@
         <a:sym typeface="Arial"/>
       </a:defRPr>
     </a:lvl4pPr>
-    <a:lvl5pPr lvl="4" marR="0" rtl="0" algn="l">
+    <a:lvl5pPr marR="0" lvl="4" algn="l" rtl="0">
       <a:lnSpc>
         <a:spcPct val="100000"/>
       </a:lnSpc>
@@ -143,7 +150,7 @@
         <a:srgbClr val="000000"/>
       </a:buClr>
       <a:buFont typeface="Arial"/>
-      <a:defRPr b="0" i="0" sz="1400" u="none" cap="none" strike="noStrike">
+      <a:defRPr sz="1400" b="0" i="0" u="none" strike="noStrike" cap="none">
         <a:solidFill>
           <a:srgbClr val="000000"/>
         </a:solidFill>
@@ -153,7 +160,7 @@
         <a:sym typeface="Arial"/>
       </a:defRPr>
     </a:lvl5pPr>
-    <a:lvl6pPr lvl="5" marR="0" rtl="0" algn="l">
+    <a:lvl6pPr marR="0" lvl="5" algn="l" rtl="0">
       <a:lnSpc>
         <a:spcPct val="100000"/>
       </a:lnSpc>
@@ -167,7 +174,7 @@
         <a:srgbClr val="000000"/>
       </a:buClr>
       <a:buFont typeface="Arial"/>
-      <a:defRPr b="0" i="0" sz="1400" u="none" cap="none" strike="noStrike">
+      <a:defRPr sz="1400" b="0" i="0" u="none" strike="noStrike" cap="none">
         <a:solidFill>
           <a:srgbClr val="000000"/>
         </a:solidFill>
@@ -177,7 +184,7 @@
         <a:sym typeface="Arial"/>
       </a:defRPr>
     </a:lvl6pPr>
-    <a:lvl7pPr lvl="6" marR="0" rtl="0" algn="l">
+    <a:lvl7pPr marR="0" lvl="6" algn="l" rtl="0">
       <a:lnSpc>
         <a:spcPct val="100000"/>
       </a:lnSpc>
@@ -191,7 +198,7 @@
         <a:srgbClr val="000000"/>
       </a:buClr>
       <a:buFont typeface="Arial"/>
-      <a:defRPr b="0" i="0" sz="1400" u="none" cap="none" strike="noStrike">
+      <a:defRPr sz="1400" b="0" i="0" u="none" strike="noStrike" cap="none">
         <a:solidFill>
           <a:srgbClr val="000000"/>
         </a:solidFill>
@@ -201,7 +208,7 @@
         <a:sym typeface="Arial"/>
       </a:defRPr>
     </a:lvl7pPr>
-    <a:lvl8pPr lvl="7" marR="0" rtl="0" algn="l">
+    <a:lvl8pPr marR="0" lvl="7" algn="l" rtl="0">
       <a:lnSpc>
         <a:spcPct val="100000"/>
       </a:lnSpc>
@@ -215,7 +222,7 @@
         <a:srgbClr val="000000"/>
       </a:buClr>
       <a:buFont typeface="Arial"/>
-      <a:defRPr b="0" i="0" sz="1400" u="none" cap="none" strike="noStrike">
+      <a:defRPr sz="1400" b="0" i="0" u="none" strike="noStrike" cap="none">
         <a:solidFill>
           <a:srgbClr val="000000"/>
         </a:solidFill>
@@ -225,7 +232,7 @@
         <a:sym typeface="Arial"/>
       </a:defRPr>
     </a:lvl8pPr>
-    <a:lvl9pPr lvl="8" marR="0" rtl="0" algn="l">
+    <a:lvl9pPr marR="0" lvl="8" algn="l" rtl="0">
       <a:lnSpc>
         <a:spcPct val="100000"/>
       </a:lnSpc>
@@ -239,7 +246,7 @@
         <a:srgbClr val="000000"/>
       </a:buClr>
       <a:buFont typeface="Arial"/>
-      <a:defRPr b="0" i="0" sz="1400" u="none" cap="none" strike="noStrike">
+      <a:defRPr sz="1400" b="0" i="0" u="none" strike="noStrike" cap="none">
         <a:solidFill>
           <a:srgbClr val="000000"/>
         </a:solidFill>
@@ -251,26 +258,30 @@
     </a:lvl9pPr>
   </p:defaultTextStyle>
   <p:extLst>
+    <p:ext uri="{EFAFB233-063F-42B5-8137-9DF3F51BA10A}">
+      <p15:sldGuideLst xmlns:p15="http://schemas.microsoft.com/office/powerpoint/2012/main"/>
+    </p:ext>
     <p:ext uri="http://customooxmlschemas.google.com/">
-      <go:slidesCustomData xmlns:go="http://customooxmlschemas.google.com/" r:id="rId10" roundtripDataSignature="AMtx7mhT1GfyeklW8lpa6sxngyg0nzj6nQ=="/>
+      <go:slidesCustomData xmlns:go="http://customooxmlschemas.google.com/" xmlns:ahyp="http://schemas.microsoft.com/office/drawing/2018/hyperlinkcolor" xmlns:p15="http://schemas.microsoft.com/office/powerpoint/2012/main" xmlns:p14="http://schemas.microsoft.com/office/powerpoint/2010/main" xmlns:com="http://schemas.openxmlformats.org/drawingml/2006/compatibility" xmlns:pvml="urn:schemas-microsoft-com:office:powerpoint" xmlns:v="urn:schemas-microsoft-com:vml" xmlns:o="urn:schemas-microsoft-com:office:office" xmlns:dgm="http://schemas.openxmlformats.org/drawingml/2006/diagram" xmlns:c="http://schemas.openxmlformats.org/drawingml/2006/chart" xmlns:mv="urn:schemas-microsoft-com:mac:vml" xmlns:mc="http://schemas.openxmlformats.org/markup-compatibility/2006" xmlns="" r:id="rId12" roundtripDataSignature="AMtx7mhT1GfyeklW8lpa6sxngyg0nzj6nQ=="/>
     </p:ext>
   </p:extLst>
 </p:presentation>
 </file>
 
 <file path=ppt/notesMasters/notesMaster1.xml><?xml version="1.0" encoding="utf-8"?>
-<p:notesMaster xmlns:a="http://schemas.openxmlformats.org/drawingml/2006/main" xmlns:r="http://schemas.openxmlformats.org/officeDocument/2006/relationships" xmlns:mc="http://schemas.openxmlformats.org/markup-compatibility/2006" xmlns:mv="urn:schemas-microsoft-com:mac:vml" xmlns:p="http://schemas.openxmlformats.org/presentationml/2006/main" xmlns:c="http://schemas.openxmlformats.org/drawingml/2006/chart" xmlns:dgm="http://schemas.openxmlformats.org/drawingml/2006/diagram" xmlns:o="urn:schemas-microsoft-com:office:office" xmlns:v="urn:schemas-microsoft-com:vml" xmlns:pvml="urn:schemas-microsoft-com:office:powerpoint" xmlns:com="http://schemas.openxmlformats.org/drawingml/2006/compatibility" xmlns:p14="http://schemas.microsoft.com/office/powerpoint/2010/main" xmlns:p15="http://schemas.microsoft.com/office/powerpoint/2012/main" xmlns:ahyp="http://schemas.microsoft.com/office/drawing/2018/hyperlinkcolor">
+<p:notesMaster xmlns:a="http://schemas.openxmlformats.org/drawingml/2006/main" xmlns:r="http://schemas.openxmlformats.org/officeDocument/2006/relationships" xmlns:p="http://schemas.openxmlformats.org/presentationml/2006/main">
   <p:cSld>
     <p:bg>
       <p:bgPr>
         <a:solidFill>
           <a:schemeClr val="lt1"/>
         </a:solidFill>
+        <a:effectLst/>
       </p:bgPr>
     </p:bg>
     <p:spTree>
       <p:nvGrpSpPr>
-        <p:cNvPr id="2" name="Shape 2"/>
+        <p:cNvPr id="1" name="Shape 2"/>
         <p:cNvGrpSpPr/>
         <p:nvPr/>
       </p:nvGrpSpPr>
@@ -285,9 +296,11 @@
       <p:sp>
         <p:nvSpPr>
           <p:cNvPr id="3" name="Google Shape;3;n"/>
-          <p:cNvSpPr txBox="1"/>
+          <p:cNvSpPr txBox="1">
+            <a:spLocks noGrp="1"/>
+          </p:cNvSpPr>
           <p:nvPr>
-            <p:ph idx="2" type="hdr"/>
+            <p:ph type="hdr" idx="2"/>
           </p:nvPr>
         </p:nvSpPr>
         <p:spPr>
@@ -304,11 +317,11 @@
           </a:ln>
         </p:spPr>
         <p:txBody>
-          <a:bodyPr anchorCtr="0" anchor="t" bIns="45700" lIns="91425" spcFirstLastPara="1" rIns="91425" wrap="square" tIns="45700">
+          <a:bodyPr spcFirstLastPara="1" wrap="square" lIns="91425" tIns="45700" rIns="91425" bIns="45700" anchor="t" anchorCtr="0">
             <a:noAutofit/>
           </a:bodyPr>
           <a:lstStyle>
-            <a:lvl1pPr lvl="0" marR="0" rtl="0" algn="l">
+            <a:lvl1pPr marR="0" lvl="0" algn="l" rtl="0">
               <a:lnSpc>
                 <a:spcPct val="100000"/>
               </a:lnSpc>
@@ -324,7 +337,7 @@
               <a:buSzPts val="1400"/>
               <a:buFont typeface="Arial"/>
               <a:buNone/>
-              <a:defRPr b="0" i="0" sz="1200" u="none" cap="none" strike="noStrike">
+              <a:defRPr sz="1200" b="0" i="0" u="none" strike="noStrike" cap="none">
                 <a:solidFill>
                   <a:schemeClr val="dk1"/>
                 </a:solidFill>
@@ -334,7 +347,7 @@
                 <a:sym typeface="Calibri"/>
               </a:defRPr>
             </a:lvl1pPr>
-            <a:lvl2pPr lvl="1" marR="0" rtl="0" algn="l">
+            <a:lvl2pPr marR="0" lvl="1" algn="l" rtl="0">
               <a:lnSpc>
                 <a:spcPct val="100000"/>
               </a:lnSpc>
@@ -350,7 +363,7 @@
               <a:buSzPts val="1400"/>
               <a:buFont typeface="Arial"/>
               <a:buNone/>
-              <a:defRPr b="0" i="0" sz="1800" u="none" cap="none" strike="noStrike">
+              <a:defRPr sz="1800" b="0" i="0" u="none" strike="noStrike" cap="none">
                 <a:solidFill>
                   <a:schemeClr val="dk1"/>
                 </a:solidFill>
@@ -360,7 +373,7 @@
                 <a:sym typeface="Calibri"/>
               </a:defRPr>
             </a:lvl2pPr>
-            <a:lvl3pPr lvl="2" marR="0" rtl="0" algn="l">
+            <a:lvl3pPr marR="0" lvl="2" algn="l" rtl="0">
               <a:lnSpc>
                 <a:spcPct val="100000"/>
               </a:lnSpc>
@@ -376,7 +389,7 @@
               <a:buSzPts val="1400"/>
               <a:buFont typeface="Arial"/>
               <a:buNone/>
-              <a:defRPr b="0" i="0" sz="1800" u="none" cap="none" strike="noStrike">
+              <a:defRPr sz="1800" b="0" i="0" u="none" strike="noStrike" cap="none">
                 <a:solidFill>
                   <a:schemeClr val="dk1"/>
                 </a:solidFill>
@@ -386,7 +399,7 @@
                 <a:sym typeface="Calibri"/>
               </a:defRPr>
             </a:lvl3pPr>
-            <a:lvl4pPr lvl="3" marR="0" rtl="0" algn="l">
+            <a:lvl4pPr marR="0" lvl="3" algn="l" rtl="0">
               <a:lnSpc>
                 <a:spcPct val="100000"/>
               </a:lnSpc>
@@ -402,7 +415,7 @@
               <a:buSzPts val="1400"/>
               <a:buFont typeface="Arial"/>
               <a:buNone/>
-              <a:defRPr b="0" i="0" sz="1800" u="none" cap="none" strike="noStrike">
+              <a:defRPr sz="1800" b="0" i="0" u="none" strike="noStrike" cap="none">
                 <a:solidFill>
                   <a:schemeClr val="dk1"/>
                 </a:solidFill>
@@ -412,7 +425,7 @@
                 <a:sym typeface="Calibri"/>
               </a:defRPr>
             </a:lvl4pPr>
-            <a:lvl5pPr lvl="4" marR="0" rtl="0" algn="l">
+            <a:lvl5pPr marR="0" lvl="4" algn="l" rtl="0">
               <a:lnSpc>
                 <a:spcPct val="100000"/>
               </a:lnSpc>
@@ -428,7 +441,7 @@
               <a:buSzPts val="1400"/>
               <a:buFont typeface="Arial"/>
               <a:buNone/>
-              <a:defRPr b="0" i="0" sz="1800" u="none" cap="none" strike="noStrike">
+              <a:defRPr sz="1800" b="0" i="0" u="none" strike="noStrike" cap="none">
                 <a:solidFill>
                   <a:schemeClr val="dk1"/>
                 </a:solidFill>
@@ -438,7 +451,7 @@
                 <a:sym typeface="Calibri"/>
               </a:defRPr>
             </a:lvl5pPr>
-            <a:lvl6pPr lvl="5" marR="0" rtl="0" algn="l">
+            <a:lvl6pPr marR="0" lvl="5" algn="l" rtl="0">
               <a:lnSpc>
                 <a:spcPct val="100000"/>
               </a:lnSpc>
@@ -454,7 +467,7 @@
               <a:buSzPts val="1400"/>
               <a:buFont typeface="Arial"/>
               <a:buNone/>
-              <a:defRPr b="0" i="0" sz="1800" u="none" cap="none" strike="noStrike">
+              <a:defRPr sz="1800" b="0" i="0" u="none" strike="noStrike" cap="none">
                 <a:solidFill>
                   <a:schemeClr val="dk1"/>
                 </a:solidFill>
@@ -464,7 +477,7 @@
                 <a:sym typeface="Calibri"/>
               </a:defRPr>
             </a:lvl6pPr>
-            <a:lvl7pPr lvl="6" marR="0" rtl="0" algn="l">
+            <a:lvl7pPr marR="0" lvl="6" algn="l" rtl="0">
               <a:lnSpc>
                 <a:spcPct val="100000"/>
               </a:lnSpc>
@@ -480,7 +493,7 @@
               <a:buSzPts val="1400"/>
               <a:buFont typeface="Arial"/>
               <a:buNone/>
-              <a:defRPr b="0" i="0" sz="1800" u="none" cap="none" strike="noStrike">
+              <a:defRPr sz="1800" b="0" i="0" u="none" strike="noStrike" cap="none">
                 <a:solidFill>
                   <a:schemeClr val="dk1"/>
                 </a:solidFill>
@@ -490,7 +503,7 @@
                 <a:sym typeface="Calibri"/>
               </a:defRPr>
             </a:lvl7pPr>
-            <a:lvl8pPr lvl="7" marR="0" rtl="0" algn="l">
+            <a:lvl8pPr marR="0" lvl="7" algn="l" rtl="0">
               <a:lnSpc>
                 <a:spcPct val="100000"/>
               </a:lnSpc>
@@ -506,7 +519,7 @@
               <a:buSzPts val="1400"/>
               <a:buFont typeface="Arial"/>
               <a:buNone/>
-              <a:defRPr b="0" i="0" sz="1800" u="none" cap="none" strike="noStrike">
+              <a:defRPr sz="1800" b="0" i="0" u="none" strike="noStrike" cap="none">
                 <a:solidFill>
                   <a:schemeClr val="dk1"/>
                 </a:solidFill>
@@ -516,7 +529,7 @@
                 <a:sym typeface="Calibri"/>
               </a:defRPr>
             </a:lvl8pPr>
-            <a:lvl9pPr lvl="8" marR="0" rtl="0" algn="l">
+            <a:lvl9pPr marR="0" lvl="8" algn="l" rtl="0">
               <a:lnSpc>
                 <a:spcPct val="100000"/>
               </a:lnSpc>
@@ -532,7 +545,7 @@
               <a:buSzPts val="1400"/>
               <a:buFont typeface="Arial"/>
               <a:buNone/>
-              <a:defRPr b="0" i="0" sz="1800" u="none" cap="none" strike="noStrike">
+              <a:defRPr sz="1800" b="0" i="0" u="none" strike="noStrike" cap="none">
                 <a:solidFill>
                   <a:schemeClr val="dk1"/>
                 </a:solidFill>
@@ -543,15 +556,19 @@
               </a:defRPr>
             </a:lvl9pPr>
           </a:lstStyle>
-          <a:p/>
+          <a:p>
+            <a:endParaRPr/>
+          </a:p>
         </p:txBody>
       </p:sp>
       <p:sp>
         <p:nvSpPr>
           <p:cNvPr id="4" name="Google Shape;4;n"/>
-          <p:cNvSpPr txBox="1"/>
+          <p:cNvSpPr txBox="1">
+            <a:spLocks noGrp="1"/>
+          </p:cNvSpPr>
           <p:nvPr>
-            <p:ph idx="10" type="dt"/>
+            <p:ph type="dt" idx="10"/>
           </p:nvPr>
         </p:nvSpPr>
         <p:spPr>
@@ -568,11 +585,11 @@
           </a:ln>
         </p:spPr>
         <p:txBody>
-          <a:bodyPr anchorCtr="0" anchor="t" bIns="45700" lIns="91425" spcFirstLastPara="1" rIns="91425" wrap="square" tIns="45700">
+          <a:bodyPr spcFirstLastPara="1" wrap="square" lIns="91425" tIns="45700" rIns="91425" bIns="45700" anchor="t" anchorCtr="0">
             <a:noAutofit/>
           </a:bodyPr>
           <a:lstStyle>
-            <a:lvl1pPr lvl="0" marR="0" rtl="0" algn="r">
+            <a:lvl1pPr marR="0" lvl="0" algn="r" rtl="0">
               <a:lnSpc>
                 <a:spcPct val="100000"/>
               </a:lnSpc>
@@ -588,7 +605,7 @@
               <a:buSzPts val="1400"/>
               <a:buFont typeface="Arial"/>
               <a:buNone/>
-              <a:defRPr b="0" i="0" sz="1200" u="none" cap="none" strike="noStrike">
+              <a:defRPr sz="1200" b="0" i="0" u="none" strike="noStrike" cap="none">
                 <a:solidFill>
                   <a:schemeClr val="dk1"/>
                 </a:solidFill>
@@ -598,7 +615,7 @@
                 <a:sym typeface="Calibri"/>
               </a:defRPr>
             </a:lvl1pPr>
-            <a:lvl2pPr lvl="1" marR="0" rtl="0" algn="l">
+            <a:lvl2pPr marR="0" lvl="1" algn="l" rtl="0">
               <a:lnSpc>
                 <a:spcPct val="100000"/>
               </a:lnSpc>
@@ -614,7 +631,7 @@
               <a:buSzPts val="1400"/>
               <a:buFont typeface="Arial"/>
               <a:buNone/>
-              <a:defRPr b="0" i="0" sz="1800" u="none" cap="none" strike="noStrike">
+              <a:defRPr sz="1800" b="0" i="0" u="none" strike="noStrike" cap="none">
                 <a:solidFill>
                   <a:schemeClr val="dk1"/>
                 </a:solidFill>
@@ -624,7 +641,7 @@
                 <a:sym typeface="Calibri"/>
               </a:defRPr>
             </a:lvl2pPr>
-            <a:lvl3pPr lvl="2" marR="0" rtl="0" algn="l">
+            <a:lvl3pPr marR="0" lvl="2" algn="l" rtl="0">
               <a:lnSpc>
                 <a:spcPct val="100000"/>
               </a:lnSpc>
@@ -640,7 +657,7 @@
               <a:buSzPts val="1400"/>
               <a:buFont typeface="Arial"/>
               <a:buNone/>
-              <a:defRPr b="0" i="0" sz="1800" u="none" cap="none" strike="noStrike">
+              <a:defRPr sz="1800" b="0" i="0" u="none" strike="noStrike" cap="none">
                 <a:solidFill>
                   <a:schemeClr val="dk1"/>
                 </a:solidFill>
@@ -650,7 +667,7 @@
                 <a:sym typeface="Calibri"/>
               </a:defRPr>
             </a:lvl3pPr>
-            <a:lvl4pPr lvl="3" marR="0" rtl="0" algn="l">
+            <a:lvl4pPr marR="0" lvl="3" algn="l" rtl="0">
               <a:lnSpc>
                 <a:spcPct val="100000"/>
               </a:lnSpc>
@@ -666,7 +683,7 @@
               <a:buSzPts val="1400"/>
               <a:buFont typeface="Arial"/>
               <a:buNone/>
-              <a:defRPr b="0" i="0" sz="1800" u="none" cap="none" strike="noStrike">
+              <a:defRPr sz="1800" b="0" i="0" u="none" strike="noStrike" cap="none">
                 <a:solidFill>
                   <a:schemeClr val="dk1"/>
                 </a:solidFill>
@@ -676,7 +693,7 @@
                 <a:sym typeface="Calibri"/>
               </a:defRPr>
             </a:lvl4pPr>
-            <a:lvl5pPr lvl="4" marR="0" rtl="0" algn="l">
+            <a:lvl5pPr marR="0" lvl="4" algn="l" rtl="0">
               <a:lnSpc>
                 <a:spcPct val="100000"/>
               </a:lnSpc>
@@ -692,7 +709,7 @@
               <a:buSzPts val="1400"/>
               <a:buFont typeface="Arial"/>
               <a:buNone/>
-              <a:defRPr b="0" i="0" sz="1800" u="none" cap="none" strike="noStrike">
+              <a:defRPr sz="1800" b="0" i="0" u="none" strike="noStrike" cap="none">
                 <a:solidFill>
                   <a:schemeClr val="dk1"/>
                 </a:solidFill>
@@ -702,7 +719,7 @@
                 <a:sym typeface="Calibri"/>
               </a:defRPr>
             </a:lvl5pPr>
-            <a:lvl6pPr lvl="5" marR="0" rtl="0" algn="l">
+            <a:lvl6pPr marR="0" lvl="5" algn="l" rtl="0">
               <a:lnSpc>
                 <a:spcPct val="100000"/>
               </a:lnSpc>
@@ -718,7 +735,7 @@
               <a:buSzPts val="1400"/>
               <a:buFont typeface="Arial"/>
               <a:buNone/>
-              <a:defRPr b="0" i="0" sz="1800" u="none" cap="none" strike="noStrike">
+              <a:defRPr sz="1800" b="0" i="0" u="none" strike="noStrike" cap="none">
                 <a:solidFill>
                   <a:schemeClr val="dk1"/>
                 </a:solidFill>
@@ -728,7 +745,7 @@
                 <a:sym typeface="Calibri"/>
               </a:defRPr>
             </a:lvl6pPr>
-            <a:lvl7pPr lvl="6" marR="0" rtl="0" algn="l">
+            <a:lvl7pPr marR="0" lvl="6" algn="l" rtl="0">
               <a:lnSpc>
                 <a:spcPct val="100000"/>
               </a:lnSpc>
@@ -744,7 +761,7 @@
               <a:buSzPts val="1400"/>
               <a:buFont typeface="Arial"/>
               <a:buNone/>
-              <a:defRPr b="0" i="0" sz="1800" u="none" cap="none" strike="noStrike">
+              <a:defRPr sz="1800" b="0" i="0" u="none" strike="noStrike" cap="none">
                 <a:solidFill>
                   <a:schemeClr val="dk1"/>
                 </a:solidFill>
@@ -754,7 +771,7 @@
                 <a:sym typeface="Calibri"/>
               </a:defRPr>
             </a:lvl7pPr>
-            <a:lvl8pPr lvl="7" marR="0" rtl="0" algn="l">
+            <a:lvl8pPr marR="0" lvl="7" algn="l" rtl="0">
               <a:lnSpc>
                 <a:spcPct val="100000"/>
               </a:lnSpc>
@@ -770,7 +787,7 @@
               <a:buSzPts val="1400"/>
               <a:buFont typeface="Arial"/>
               <a:buNone/>
-              <a:defRPr b="0" i="0" sz="1800" u="none" cap="none" strike="noStrike">
+              <a:defRPr sz="1800" b="0" i="0" u="none" strike="noStrike" cap="none">
                 <a:solidFill>
                   <a:schemeClr val="dk1"/>
                 </a:solidFill>
@@ -780,7 +797,7 @@
                 <a:sym typeface="Calibri"/>
               </a:defRPr>
             </a:lvl8pPr>
-            <a:lvl9pPr lvl="8" marR="0" rtl="0" algn="l">
+            <a:lvl9pPr marR="0" lvl="8" algn="l" rtl="0">
               <a:lnSpc>
                 <a:spcPct val="100000"/>
               </a:lnSpc>
@@ -796,7 +813,7 @@
               <a:buSzPts val="1400"/>
               <a:buFont typeface="Arial"/>
               <a:buNone/>
-              <a:defRPr b="0" i="0" sz="1800" u="none" cap="none" strike="noStrike">
+              <a:defRPr sz="1800" b="0" i="0" u="none" strike="noStrike" cap="none">
                 <a:solidFill>
                   <a:schemeClr val="dk1"/>
                 </a:solidFill>
@@ -807,15 +824,19 @@
               </a:defRPr>
             </a:lvl9pPr>
           </a:lstStyle>
-          <a:p/>
+          <a:p>
+            <a:endParaRPr/>
+          </a:p>
         </p:txBody>
       </p:sp>
       <p:sp>
         <p:nvSpPr>
           <p:cNvPr id="5" name="Google Shape;5;n"/>
-          <p:cNvSpPr/>
+          <p:cNvSpPr>
+            <a:spLocks noGrp="1" noRot="1" noChangeAspect="1"/>
+          </p:cNvSpPr>
           <p:nvPr>
-            <p:ph idx="3" type="sldImg"/>
+            <p:ph type="sldImg" idx="3"/>
           </p:nvPr>
         </p:nvSpPr>
         <p:spPr>
@@ -824,9 +845,13 @@
             <a:ext cx="4114800" cy="3086100"/>
           </a:xfrm>
           <a:custGeom>
-            <a:rect b="b" l="l" r="r" t="t"/>
+            <a:avLst/>
+            <a:gdLst/>
+            <a:ahLst/>
+            <a:cxnLst/>
+            <a:rect l="l" t="t" r="r" b="b"/>
             <a:pathLst>
-              <a:path extrusionOk="0" h="120000" w="120000">
+              <a:path w="120000" h="120000" extrusionOk="0">
                 <a:moveTo>
                   <a:pt x="0" y="0"/>
                 </a:moveTo>
@@ -844,23 +869,25 @@
             </a:pathLst>
           </a:custGeom>
           <a:noFill/>
-          <a:ln cap="flat" cmpd="sng" w="12700">
+          <a:ln w="12700" cap="flat" cmpd="sng">
             <a:solidFill>
               <a:srgbClr val="000000"/>
             </a:solidFill>
             <a:prstDash val="solid"/>
             <a:round/>
-            <a:headEnd len="sm" w="sm" type="none"/>
-            <a:tailEnd len="sm" w="sm" type="none"/>
+            <a:headEnd type="none" w="sm" len="sm"/>
+            <a:tailEnd type="none" w="sm" len="sm"/>
           </a:ln>
         </p:spPr>
       </p:sp>
       <p:sp>
         <p:nvSpPr>
           <p:cNvPr id="6" name="Google Shape;6;n"/>
-          <p:cNvSpPr txBox="1"/>
+          <p:cNvSpPr txBox="1">
+            <a:spLocks noGrp="1"/>
+          </p:cNvSpPr>
           <p:nvPr>
-            <p:ph idx="1" type="body"/>
+            <p:ph type="body" idx="1"/>
           </p:nvPr>
         </p:nvSpPr>
         <p:spPr>
@@ -877,11 +904,11 @@
           </a:ln>
         </p:spPr>
         <p:txBody>
-          <a:bodyPr anchorCtr="0" anchor="t" bIns="45700" lIns="91425" spcFirstLastPara="1" rIns="91425" wrap="square" tIns="45700">
+          <a:bodyPr spcFirstLastPara="1" wrap="square" lIns="91425" tIns="45700" rIns="91425" bIns="45700" anchor="t" anchorCtr="0">
             <a:noAutofit/>
           </a:bodyPr>
           <a:lstStyle>
-            <a:lvl1pPr indent="-228600" lvl="0" marL="457200" marR="0" rtl="0" algn="l">
+            <a:lvl1pPr marL="457200" marR="0" lvl="0" indent="-228600" algn="l" rtl="0">
               <a:lnSpc>
                 <a:spcPct val="100000"/>
               </a:lnSpc>
@@ -897,7 +924,7 @@
               <a:buSzPts val="1400"/>
               <a:buFont typeface="Arial"/>
               <a:buNone/>
-              <a:defRPr b="0" i="0" sz="1200" u="none" cap="none" strike="noStrike">
+              <a:defRPr sz="1200" b="0" i="0" u="none" strike="noStrike" cap="none">
                 <a:solidFill>
                   <a:schemeClr val="dk1"/>
                 </a:solidFill>
@@ -907,7 +934,7 @@
                 <a:sym typeface="Calibri"/>
               </a:defRPr>
             </a:lvl1pPr>
-            <a:lvl2pPr indent="-228600" lvl="1" marL="914400" marR="0" rtl="0" algn="l">
+            <a:lvl2pPr marL="914400" marR="0" lvl="1" indent="-228600" algn="l" rtl="0">
               <a:lnSpc>
                 <a:spcPct val="100000"/>
               </a:lnSpc>
@@ -923,7 +950,7 @@
               <a:buSzPts val="1400"/>
               <a:buFont typeface="Arial"/>
               <a:buNone/>
-              <a:defRPr b="0" i="0" sz="1200" u="none" cap="none" strike="noStrike">
+              <a:defRPr sz="1200" b="0" i="0" u="none" strike="noStrike" cap="none">
                 <a:solidFill>
                   <a:schemeClr val="dk1"/>
                 </a:solidFill>
@@ -933,7 +960,7 @@
                 <a:sym typeface="Calibri"/>
               </a:defRPr>
             </a:lvl2pPr>
-            <a:lvl3pPr indent="-228600" lvl="2" marL="1371600" marR="0" rtl="0" algn="l">
+            <a:lvl3pPr marL="1371600" marR="0" lvl="2" indent="-228600" algn="l" rtl="0">
               <a:lnSpc>
                 <a:spcPct val="100000"/>
               </a:lnSpc>
@@ -949,7 +976,7 @@
               <a:buSzPts val="1400"/>
               <a:buFont typeface="Arial"/>
               <a:buNone/>
-              <a:defRPr b="0" i="0" sz="1200" u="none" cap="none" strike="noStrike">
+              <a:defRPr sz="1200" b="0" i="0" u="none" strike="noStrike" cap="none">
                 <a:solidFill>
                   <a:schemeClr val="dk1"/>
                 </a:solidFill>
@@ -959,7 +986,7 @@
                 <a:sym typeface="Calibri"/>
               </a:defRPr>
             </a:lvl3pPr>
-            <a:lvl4pPr indent="-228600" lvl="3" marL="1828800" marR="0" rtl="0" algn="l">
+            <a:lvl4pPr marL="1828800" marR="0" lvl="3" indent="-228600" algn="l" rtl="0">
               <a:lnSpc>
                 <a:spcPct val="100000"/>
               </a:lnSpc>
@@ -975,7 +1002,7 @@
               <a:buSzPts val="1400"/>
               <a:buFont typeface="Arial"/>
               <a:buNone/>
-              <a:defRPr b="0" i="0" sz="1200" u="none" cap="none" strike="noStrike">
+              <a:defRPr sz="1200" b="0" i="0" u="none" strike="noStrike" cap="none">
                 <a:solidFill>
                   <a:schemeClr val="dk1"/>
                 </a:solidFill>
@@ -985,7 +1012,7 @@
                 <a:sym typeface="Calibri"/>
               </a:defRPr>
             </a:lvl4pPr>
-            <a:lvl5pPr indent="-228600" lvl="4" marL="2286000" marR="0" rtl="0" algn="l">
+            <a:lvl5pPr marL="2286000" marR="0" lvl="4" indent="-228600" algn="l" rtl="0">
               <a:lnSpc>
                 <a:spcPct val="100000"/>
               </a:lnSpc>
@@ -1001,7 +1028,7 @@
               <a:buSzPts val="1400"/>
               <a:buFont typeface="Arial"/>
               <a:buNone/>
-              <a:defRPr b="0" i="0" sz="1200" u="none" cap="none" strike="noStrike">
+              <a:defRPr sz="1200" b="0" i="0" u="none" strike="noStrike" cap="none">
                 <a:solidFill>
                   <a:schemeClr val="dk1"/>
                 </a:solidFill>
@@ -1011,7 +1038,7 @@
                 <a:sym typeface="Calibri"/>
               </a:defRPr>
             </a:lvl5pPr>
-            <a:lvl6pPr indent="-228600" lvl="5" marL="2743200" marR="0" rtl="0" algn="l">
+            <a:lvl6pPr marL="2743200" marR="0" lvl="5" indent="-228600" algn="l" rtl="0">
               <a:lnSpc>
                 <a:spcPct val="100000"/>
               </a:lnSpc>
@@ -1027,7 +1054,7 @@
               <a:buSzPts val="1400"/>
               <a:buFont typeface="Arial"/>
               <a:buNone/>
-              <a:defRPr b="0" i="0" sz="1200" u="none" cap="none" strike="noStrike">
+              <a:defRPr sz="1200" b="0" i="0" u="none" strike="noStrike" cap="none">
                 <a:solidFill>
                   <a:schemeClr val="dk1"/>
                 </a:solidFill>
@@ -1037,7 +1064,7 @@
                 <a:sym typeface="Calibri"/>
               </a:defRPr>
             </a:lvl6pPr>
-            <a:lvl7pPr indent="-228600" lvl="6" marL="3200400" marR="0" rtl="0" algn="l">
+            <a:lvl7pPr marL="3200400" marR="0" lvl="6" indent="-228600" algn="l" rtl="0">
               <a:lnSpc>
                 <a:spcPct val="100000"/>
               </a:lnSpc>
@@ -1053,7 +1080,7 @@
               <a:buSzPts val="1400"/>
               <a:buFont typeface="Arial"/>
               <a:buNone/>
-              <a:defRPr b="0" i="0" sz="1200" u="none" cap="none" strike="noStrike">
+              <a:defRPr sz="1200" b="0" i="0" u="none" strike="noStrike" cap="none">
                 <a:solidFill>
                   <a:schemeClr val="dk1"/>
                 </a:solidFill>
@@ -1063,7 +1090,7 @@
                 <a:sym typeface="Calibri"/>
               </a:defRPr>
             </a:lvl7pPr>
-            <a:lvl8pPr indent="-228600" lvl="7" marL="3657600" marR="0" rtl="0" algn="l">
+            <a:lvl8pPr marL="3657600" marR="0" lvl="7" indent="-228600" algn="l" rtl="0">
               <a:lnSpc>
                 <a:spcPct val="100000"/>
               </a:lnSpc>
@@ -1079,7 +1106,7 @@
               <a:buSzPts val="1400"/>
               <a:buFont typeface="Arial"/>
               <a:buNone/>
-              <a:defRPr b="0" i="0" sz="1200" u="none" cap="none" strike="noStrike">
+              <a:defRPr sz="1200" b="0" i="0" u="none" strike="noStrike" cap="none">
                 <a:solidFill>
                   <a:schemeClr val="dk1"/>
                 </a:solidFill>
@@ -1089,7 +1116,7 @@
                 <a:sym typeface="Calibri"/>
               </a:defRPr>
             </a:lvl8pPr>
-            <a:lvl9pPr indent="-228600" lvl="8" marL="4114800" marR="0" rtl="0" algn="l">
+            <a:lvl9pPr marL="4114800" marR="0" lvl="8" indent="-228600" algn="l" rtl="0">
               <a:lnSpc>
                 <a:spcPct val="100000"/>
               </a:lnSpc>
@@ -1105,7 +1132,7 @@
               <a:buSzPts val="1400"/>
               <a:buFont typeface="Arial"/>
               <a:buNone/>
-              <a:defRPr b="0" i="0" sz="1200" u="none" cap="none" strike="noStrike">
+              <a:defRPr sz="1200" b="0" i="0" u="none" strike="noStrike" cap="none">
                 <a:solidFill>
                   <a:schemeClr val="dk1"/>
                 </a:solidFill>
@@ -1116,15 +1143,19 @@
               </a:defRPr>
             </a:lvl9pPr>
           </a:lstStyle>
-          <a:p/>
+          <a:p>
+            <a:endParaRPr/>
+          </a:p>
         </p:txBody>
       </p:sp>
       <p:sp>
         <p:nvSpPr>
           <p:cNvPr id="7" name="Google Shape;7;n"/>
-          <p:cNvSpPr txBox="1"/>
+          <p:cNvSpPr txBox="1">
+            <a:spLocks noGrp="1"/>
+          </p:cNvSpPr>
           <p:nvPr>
-            <p:ph idx="11" type="ftr"/>
+            <p:ph type="ftr" idx="11"/>
           </p:nvPr>
         </p:nvSpPr>
         <p:spPr>
@@ -1141,11 +1172,11 @@
           </a:ln>
         </p:spPr>
         <p:txBody>
-          <a:bodyPr anchorCtr="0" anchor="b" bIns="45700" lIns="91425" spcFirstLastPara="1" rIns="91425" wrap="square" tIns="45700">
+          <a:bodyPr spcFirstLastPara="1" wrap="square" lIns="91425" tIns="45700" rIns="91425" bIns="45700" anchor="b" anchorCtr="0">
             <a:noAutofit/>
           </a:bodyPr>
           <a:lstStyle>
-            <a:lvl1pPr lvl="0" marR="0" rtl="0" algn="l">
+            <a:lvl1pPr marR="0" lvl="0" algn="l" rtl="0">
               <a:lnSpc>
                 <a:spcPct val="100000"/>
               </a:lnSpc>
@@ -1161,7 +1192,7 @@
               <a:buSzPts val="1400"/>
               <a:buFont typeface="Arial"/>
               <a:buNone/>
-              <a:defRPr b="0" i="0" sz="1200" u="none" cap="none" strike="noStrike">
+              <a:defRPr sz="1200" b="0" i="0" u="none" strike="noStrike" cap="none">
                 <a:solidFill>
                   <a:schemeClr val="dk1"/>
                 </a:solidFill>
@@ -1171,7 +1202,7 @@
                 <a:sym typeface="Calibri"/>
               </a:defRPr>
             </a:lvl1pPr>
-            <a:lvl2pPr lvl="1" marR="0" rtl="0" algn="l">
+            <a:lvl2pPr marR="0" lvl="1" algn="l" rtl="0">
               <a:lnSpc>
                 <a:spcPct val="100000"/>
               </a:lnSpc>
@@ -1187,7 +1218,7 @@
               <a:buSzPts val="1400"/>
               <a:buFont typeface="Arial"/>
               <a:buNone/>
-              <a:defRPr b="0" i="0" sz="1800" u="none" cap="none" strike="noStrike">
+              <a:defRPr sz="1800" b="0" i="0" u="none" strike="noStrike" cap="none">
                 <a:solidFill>
                   <a:schemeClr val="dk1"/>
                 </a:solidFill>
@@ -1197,7 +1228,7 @@
                 <a:sym typeface="Calibri"/>
               </a:defRPr>
             </a:lvl2pPr>
-            <a:lvl3pPr lvl="2" marR="0" rtl="0" algn="l">
+            <a:lvl3pPr marR="0" lvl="2" algn="l" rtl="0">
               <a:lnSpc>
                 <a:spcPct val="100000"/>
               </a:lnSpc>
@@ -1213,7 +1244,7 @@
               <a:buSzPts val="1400"/>
               <a:buFont typeface="Arial"/>
               <a:buNone/>
-              <a:defRPr b="0" i="0" sz="1800" u="none" cap="none" strike="noStrike">
+              <a:defRPr sz="1800" b="0" i="0" u="none" strike="noStrike" cap="none">
                 <a:solidFill>
                   <a:schemeClr val="dk1"/>
                 </a:solidFill>
@@ -1223,7 +1254,7 @@
                 <a:sym typeface="Calibri"/>
               </a:defRPr>
             </a:lvl3pPr>
-            <a:lvl4pPr lvl="3" marR="0" rtl="0" algn="l">
+            <a:lvl4pPr marR="0" lvl="3" algn="l" rtl="0">
               <a:lnSpc>
                 <a:spcPct val="100000"/>
               </a:lnSpc>
@@ -1239,7 +1270,7 @@
               <a:buSzPts val="1400"/>
               <a:buFont typeface="Arial"/>
               <a:buNone/>
-              <a:defRPr b="0" i="0" sz="1800" u="none" cap="none" strike="noStrike">
+              <a:defRPr sz="1800" b="0" i="0" u="none" strike="noStrike" cap="none">
                 <a:solidFill>
                   <a:schemeClr val="dk1"/>
                 </a:solidFill>
@@ -1249,7 +1280,7 @@
                 <a:sym typeface="Calibri"/>
               </a:defRPr>
             </a:lvl4pPr>
-            <a:lvl5pPr lvl="4" marR="0" rtl="0" algn="l">
+            <a:lvl5pPr marR="0" lvl="4" algn="l" rtl="0">
               <a:lnSpc>
                 <a:spcPct val="100000"/>
               </a:lnSpc>
@@ -1265,7 +1296,7 @@
               <a:buSzPts val="1400"/>
               <a:buFont typeface="Arial"/>
               <a:buNone/>
-              <a:defRPr b="0" i="0" sz="1800" u="none" cap="none" strike="noStrike">
+              <a:defRPr sz="1800" b="0" i="0" u="none" strike="noStrike" cap="none">
                 <a:solidFill>
                   <a:schemeClr val="dk1"/>
                 </a:solidFill>
@@ -1275,7 +1306,7 @@
                 <a:sym typeface="Calibri"/>
               </a:defRPr>
             </a:lvl5pPr>
-            <a:lvl6pPr lvl="5" marR="0" rtl="0" algn="l">
+            <a:lvl6pPr marR="0" lvl="5" algn="l" rtl="0">
               <a:lnSpc>
                 <a:spcPct val="100000"/>
               </a:lnSpc>
@@ -1291,7 +1322,7 @@
               <a:buSzPts val="1400"/>
               <a:buFont typeface="Arial"/>
               <a:buNone/>
-              <a:defRPr b="0" i="0" sz="1800" u="none" cap="none" strike="noStrike">
+              <a:defRPr sz="1800" b="0" i="0" u="none" strike="noStrike" cap="none">
                 <a:solidFill>
                   <a:schemeClr val="dk1"/>
                 </a:solidFill>
@@ -1301,7 +1332,7 @@
                 <a:sym typeface="Calibri"/>
               </a:defRPr>
             </a:lvl6pPr>
-            <a:lvl7pPr lvl="6" marR="0" rtl="0" algn="l">
+            <a:lvl7pPr marR="0" lvl="6" algn="l" rtl="0">
               <a:lnSpc>
                 <a:spcPct val="100000"/>
               </a:lnSpc>
@@ -1317,7 +1348,7 @@
               <a:buSzPts val="1400"/>
               <a:buFont typeface="Arial"/>
               <a:buNone/>
-              <a:defRPr b="0" i="0" sz="1800" u="none" cap="none" strike="noStrike">
+              <a:defRPr sz="1800" b="0" i="0" u="none" strike="noStrike" cap="none">
                 <a:solidFill>
                   <a:schemeClr val="dk1"/>
                 </a:solidFill>
@@ -1327,7 +1358,7 @@
                 <a:sym typeface="Calibri"/>
               </a:defRPr>
             </a:lvl7pPr>
-            <a:lvl8pPr lvl="7" marR="0" rtl="0" algn="l">
+            <a:lvl8pPr marR="0" lvl="7" algn="l" rtl="0">
               <a:lnSpc>
                 <a:spcPct val="100000"/>
               </a:lnSpc>
@@ -1343,7 +1374,7 @@
               <a:buSzPts val="1400"/>
               <a:buFont typeface="Arial"/>
               <a:buNone/>
-              <a:defRPr b="0" i="0" sz="1800" u="none" cap="none" strike="noStrike">
+              <a:defRPr sz="1800" b="0" i="0" u="none" strike="noStrike" cap="none">
                 <a:solidFill>
                   <a:schemeClr val="dk1"/>
                 </a:solidFill>
@@ -1353,7 +1384,7 @@
                 <a:sym typeface="Calibri"/>
               </a:defRPr>
             </a:lvl8pPr>
-            <a:lvl9pPr lvl="8" marR="0" rtl="0" algn="l">
+            <a:lvl9pPr marR="0" lvl="8" algn="l" rtl="0">
               <a:lnSpc>
                 <a:spcPct val="100000"/>
               </a:lnSpc>
@@ -1369,7 +1400,7 @@
               <a:buSzPts val="1400"/>
               <a:buFont typeface="Arial"/>
               <a:buNone/>
-              <a:defRPr b="0" i="0" sz="1800" u="none" cap="none" strike="noStrike">
+              <a:defRPr sz="1800" b="0" i="0" u="none" strike="noStrike" cap="none">
                 <a:solidFill>
                   <a:schemeClr val="dk1"/>
                 </a:solidFill>
@@ -1380,15 +1411,19 @@
               </a:defRPr>
             </a:lvl9pPr>
           </a:lstStyle>
-          <a:p/>
+          <a:p>
+            <a:endParaRPr/>
+          </a:p>
         </p:txBody>
       </p:sp>
       <p:sp>
         <p:nvSpPr>
           <p:cNvPr id="8" name="Google Shape;8;n"/>
-          <p:cNvSpPr txBox="1"/>
+          <p:cNvSpPr txBox="1">
+            <a:spLocks noGrp="1"/>
+          </p:cNvSpPr>
           <p:nvPr>
-            <p:ph idx="12" type="sldNum"/>
+            <p:ph type="sldNum" idx="12"/>
           </p:nvPr>
         </p:nvSpPr>
         <p:spPr>
@@ -1405,12 +1440,12 @@
           </a:ln>
         </p:spPr>
         <p:txBody>
-          <a:bodyPr anchorCtr="0" anchor="b" bIns="45700" lIns="91425" spcFirstLastPara="1" rIns="91425" wrap="square" tIns="45700">
+          <a:bodyPr spcFirstLastPara="1" wrap="square" lIns="91425" tIns="45700" rIns="91425" bIns="45700" anchor="b" anchorCtr="0">
             <a:noAutofit/>
           </a:bodyPr>
           <a:lstStyle/>
           <a:p>
-            <a:pPr indent="0" lvl="0" marL="0" marR="0" rtl="0" algn="r">
+            <a:pPr marL="0" marR="0" lvl="0" indent="0" algn="r" rtl="0">
               <a:lnSpc>
                 <a:spcPct val="100000"/>
               </a:lnSpc>
@@ -1428,7 +1463,7 @@
               <a:buNone/>
             </a:pPr>
             <a:fld id="{00000000-1234-1234-1234-123412341234}" type="slidenum">
-              <a:rPr b="0" i="0" lang="en-US" sz="1200" u="none" cap="none" strike="noStrike">
+              <a:rPr lang="en-US" sz="1200" b="0" i="0" u="none" strike="noStrike" cap="none">
                 <a:solidFill>
                   <a:schemeClr val="dk1"/>
                 </a:solidFill>
@@ -1439,7 +1474,7 @@
               </a:rPr>
               <a:t>‹#›</a:t>
             </a:fld>
-            <a:endParaRPr b="0" i="0" sz="1200" u="none" cap="none" strike="noStrike">
+            <a:endParaRPr sz="1200" b="0" i="0" u="none" strike="noStrike" cap="none">
               <a:solidFill>
                 <a:schemeClr val="dk1"/>
               </a:solidFill>
@@ -1453,9 +1488,9 @@
       </p:sp>
     </p:spTree>
   </p:cSld>
-  <p:clrMap accent1="accent1" accent2="accent2" accent3="accent3" accent4="accent4" accent5="accent5" accent6="accent6" bg1="lt1" bg2="dk2" tx1="dk1" tx2="lt2" folHlink="folHlink" hlink="hlink"/>
+  <p:clrMap bg1="lt1" tx1="dk1" bg2="dk2" tx2="lt2" accent1="accent1" accent2="accent2" accent3="accent3" accent4="accent4" accent5="accent5" accent6="accent6" hlink="hlink" folHlink="folHlink"/>
   <p:notesStyle>
-    <a:defPPr lvl="0" marR="0" rtl="0" algn="l">
+    <a:defPPr marR="0" lvl="0" algn="l" rtl="0">
       <a:lnSpc>
         <a:spcPct val="100000"/>
       </a:lnSpc>
@@ -1466,7 +1501,7 @@
         <a:spcPts val="0"/>
       </a:spcAft>
     </a:defPPr>
-    <a:lvl1pPr lvl="0" marR="0" rtl="0" algn="l">
+    <a:lvl1pPr marR="0" lvl="0" algn="l" rtl="0">
       <a:lnSpc>
         <a:spcPct val="100000"/>
       </a:lnSpc>
@@ -1480,7 +1515,7 @@
         <a:srgbClr val="000000"/>
       </a:buClr>
       <a:buFont typeface="Arial"/>
-      <a:defRPr b="0" i="0" sz="1400" u="none" cap="none" strike="noStrike">
+      <a:defRPr sz="1400" b="0" i="0" u="none" strike="noStrike" cap="none">
         <a:solidFill>
           <a:srgbClr val="000000"/>
         </a:solidFill>
@@ -1490,7 +1525,7 @@
         <a:sym typeface="Arial"/>
       </a:defRPr>
     </a:lvl1pPr>
-    <a:lvl2pPr lvl="1" marR="0" rtl="0" algn="l">
+    <a:lvl2pPr marR="0" lvl="1" algn="l" rtl="0">
       <a:lnSpc>
         <a:spcPct val="100000"/>
       </a:lnSpc>
@@ -1504,7 +1539,7 @@
         <a:srgbClr val="000000"/>
       </a:buClr>
       <a:buFont typeface="Arial"/>
-      <a:defRPr b="0" i="0" sz="1400" u="none" cap="none" strike="noStrike">
+      <a:defRPr sz="1400" b="0" i="0" u="none" strike="noStrike" cap="none">
         <a:solidFill>
           <a:srgbClr val="000000"/>
         </a:solidFill>
@@ -1514,7 +1549,7 @@
         <a:sym typeface="Arial"/>
       </a:defRPr>
     </a:lvl2pPr>
-    <a:lvl3pPr lvl="2" marR="0" rtl="0" algn="l">
+    <a:lvl3pPr marR="0" lvl="2" algn="l" rtl="0">
       <a:lnSpc>
         <a:spcPct val="100000"/>
       </a:lnSpc>
@@ -1528,7 +1563,7 @@
         <a:srgbClr val="000000"/>
       </a:buClr>
       <a:buFont typeface="Arial"/>
-      <a:defRPr b="0" i="0" sz="1400" u="none" cap="none" strike="noStrike">
+      <a:defRPr sz="1400" b="0" i="0" u="none" strike="noStrike" cap="none">
         <a:solidFill>
           <a:srgbClr val="000000"/>
         </a:solidFill>
@@ -1538,7 +1573,7 @@
         <a:sym typeface="Arial"/>
       </a:defRPr>
     </a:lvl3pPr>
-    <a:lvl4pPr lvl="3" marR="0" rtl="0" algn="l">
+    <a:lvl4pPr marR="0" lvl="3" algn="l" rtl="0">
       <a:lnSpc>
         <a:spcPct val="100000"/>
       </a:lnSpc>
@@ -1552,7 +1587,7 @@
         <a:srgbClr val="000000"/>
       </a:buClr>
       <a:buFont typeface="Arial"/>
-      <a:defRPr b="0" i="0" sz="1400" u="none" cap="none" strike="noStrike">
+      <a:defRPr sz="1400" b="0" i="0" u="none" strike="noStrike" cap="none">
         <a:solidFill>
           <a:srgbClr val="000000"/>
         </a:solidFill>
@@ -1562,7 +1597,7 @@
         <a:sym typeface="Arial"/>
       </a:defRPr>
     </a:lvl4pPr>
-    <a:lvl5pPr lvl="4" marR="0" rtl="0" algn="l">
+    <a:lvl5pPr marR="0" lvl="4" algn="l" rtl="0">
       <a:lnSpc>
         <a:spcPct val="100000"/>
       </a:lnSpc>
@@ -1576,7 +1611,7 @@
         <a:srgbClr val="000000"/>
       </a:buClr>
       <a:buFont typeface="Arial"/>
-      <a:defRPr b="0" i="0" sz="1400" u="none" cap="none" strike="noStrike">
+      <a:defRPr sz="1400" b="0" i="0" u="none" strike="noStrike" cap="none">
         <a:solidFill>
           <a:srgbClr val="000000"/>
         </a:solidFill>
@@ -1586,7 +1621,7 @@
         <a:sym typeface="Arial"/>
       </a:defRPr>
     </a:lvl5pPr>
-    <a:lvl6pPr lvl="5" marR="0" rtl="0" algn="l">
+    <a:lvl6pPr marR="0" lvl="5" algn="l" rtl="0">
       <a:lnSpc>
         <a:spcPct val="100000"/>
       </a:lnSpc>
@@ -1600,7 +1635,7 @@
         <a:srgbClr val="000000"/>
       </a:buClr>
       <a:buFont typeface="Arial"/>
-      <a:defRPr b="0" i="0" sz="1400" u="none" cap="none" strike="noStrike">
+      <a:defRPr sz="1400" b="0" i="0" u="none" strike="noStrike" cap="none">
         <a:solidFill>
           <a:srgbClr val="000000"/>
         </a:solidFill>
@@ -1610,7 +1645,7 @@
         <a:sym typeface="Arial"/>
       </a:defRPr>
     </a:lvl6pPr>
-    <a:lvl7pPr lvl="6" marR="0" rtl="0" algn="l">
+    <a:lvl7pPr marR="0" lvl="6" algn="l" rtl="0">
       <a:lnSpc>
         <a:spcPct val="100000"/>
       </a:lnSpc>
@@ -1624,7 +1659,7 @@
         <a:srgbClr val="000000"/>
       </a:buClr>
       <a:buFont typeface="Arial"/>
-      <a:defRPr b="0" i="0" sz="1400" u="none" cap="none" strike="noStrike">
+      <a:defRPr sz="1400" b="0" i="0" u="none" strike="noStrike" cap="none">
         <a:solidFill>
           <a:srgbClr val="000000"/>
         </a:solidFill>
@@ -1634,7 +1669,7 @@
         <a:sym typeface="Arial"/>
       </a:defRPr>
     </a:lvl7pPr>
-    <a:lvl8pPr lvl="7" marR="0" rtl="0" algn="l">
+    <a:lvl8pPr marR="0" lvl="7" algn="l" rtl="0">
       <a:lnSpc>
         <a:spcPct val="100000"/>
       </a:lnSpc>
@@ -1648,7 +1683,7 @@
         <a:srgbClr val="000000"/>
       </a:buClr>
       <a:buFont typeface="Arial"/>
-      <a:defRPr b="0" i="0" sz="1400" u="none" cap="none" strike="noStrike">
+      <a:defRPr sz="1400" b="0" i="0" u="none" strike="noStrike" cap="none">
         <a:solidFill>
           <a:srgbClr val="000000"/>
         </a:solidFill>
@@ -1658,7 +1693,7 @@
         <a:sym typeface="Arial"/>
       </a:defRPr>
     </a:lvl8pPr>
-    <a:lvl9pPr lvl="8" marR="0" rtl="0" algn="l">
+    <a:lvl9pPr marR="0" lvl="8" algn="l" rtl="0">
       <a:lnSpc>
         <a:spcPct val="100000"/>
       </a:lnSpc>
@@ -1672,7 +1707,7 @@
         <a:srgbClr val="000000"/>
       </a:buClr>
       <a:buFont typeface="Arial"/>
-      <a:defRPr b="0" i="0" sz="1400" u="none" cap="none" strike="noStrike">
+      <a:defRPr sz="1400" b="0" i="0" u="none" strike="noStrike" cap="none">
         <a:solidFill>
           <a:srgbClr val="000000"/>
         </a:solidFill>
@@ -1687,11 +1722,11 @@
 </file>
 
 <file path=ppt/notesSlides/notesSlide1.xml><?xml version="1.0" encoding="utf-8"?>
-<p:notes xmlns:a="http://schemas.openxmlformats.org/drawingml/2006/main" xmlns:r="http://schemas.openxmlformats.org/officeDocument/2006/relationships" xmlns:mc="http://schemas.openxmlformats.org/markup-compatibility/2006" xmlns:mv="urn:schemas-microsoft-com:mac:vml" xmlns:p="http://schemas.openxmlformats.org/presentationml/2006/main" xmlns:c="http://schemas.openxmlformats.org/drawingml/2006/chart" xmlns:dgm="http://schemas.openxmlformats.org/drawingml/2006/diagram" xmlns:o="urn:schemas-microsoft-com:office:office" xmlns:v="urn:schemas-microsoft-com:vml" xmlns:pvml="urn:schemas-microsoft-com:office:powerpoint" xmlns:com="http://schemas.openxmlformats.org/drawingml/2006/compatibility" xmlns:p14="http://schemas.microsoft.com/office/powerpoint/2010/main" xmlns:p15="http://schemas.microsoft.com/office/powerpoint/2012/main" xmlns:ahyp="http://schemas.microsoft.com/office/drawing/2018/hyperlinkcolor" showMasterPhAnim="0" showMasterSp="0">
+<p:notes xmlns:a="http://schemas.openxmlformats.org/drawingml/2006/main" xmlns:r="http://schemas.openxmlformats.org/officeDocument/2006/relationships" xmlns:p="http://schemas.openxmlformats.org/presentationml/2006/main" showMasterSp="0" showMasterPhAnim="0">
   <p:cSld>
     <p:spTree>
       <p:nvGrpSpPr>
-        <p:cNvPr id="15" name="Shape 15"/>
+        <p:cNvPr id="1" name="Shape 15"/>
         <p:cNvGrpSpPr/>
         <p:nvPr/>
       </p:nvGrpSpPr>
@@ -1706,9 +1741,11 @@
       <p:sp>
         <p:nvSpPr>
           <p:cNvPr id="16" name="Google Shape;16;p1:notes"/>
-          <p:cNvSpPr/>
+          <p:cNvSpPr>
+            <a:spLocks noGrp="1" noRot="1" noChangeAspect="1"/>
+          </p:cNvSpPr>
           <p:nvPr>
-            <p:ph idx="2" type="sldImg"/>
+            <p:ph type="sldImg" idx="2"/>
           </p:nvPr>
         </p:nvSpPr>
         <p:spPr>
@@ -1717,9 +1754,13 @@
             <a:ext cx="4114800" cy="3086100"/>
           </a:xfrm>
           <a:custGeom>
-            <a:rect b="b" l="l" r="r" t="t"/>
+            <a:avLst/>
+            <a:gdLst/>
+            <a:ahLst/>
+            <a:cxnLst/>
+            <a:rect l="l" t="t" r="r" b="b"/>
             <a:pathLst>
-              <a:path extrusionOk="0" h="120000" w="120000">
+              <a:path w="120000" h="120000" extrusionOk="0">
                 <a:moveTo>
                   <a:pt x="0" y="0"/>
                 </a:moveTo>
@@ -1737,23 +1778,25 @@
             </a:pathLst>
           </a:custGeom>
           <a:noFill/>
-          <a:ln cap="flat" cmpd="sng" w="12700">
+          <a:ln w="12700" cap="flat" cmpd="sng">
             <a:solidFill>
               <a:srgbClr val="000000"/>
             </a:solidFill>
             <a:prstDash val="solid"/>
             <a:round/>
-            <a:headEnd len="sm" w="sm" type="none"/>
-            <a:tailEnd len="sm" w="sm" type="none"/>
+            <a:headEnd type="none" w="sm" len="sm"/>
+            <a:tailEnd type="none" w="sm" len="sm"/>
           </a:ln>
         </p:spPr>
       </p:sp>
       <p:sp>
         <p:nvSpPr>
           <p:cNvPr id="17" name="Google Shape;17;p1:notes"/>
-          <p:cNvSpPr txBox="1"/>
+          <p:cNvSpPr txBox="1">
+            <a:spLocks noGrp="1"/>
+          </p:cNvSpPr>
           <p:nvPr>
-            <p:ph idx="1" type="body"/>
+            <p:ph type="body" idx="1"/>
           </p:nvPr>
         </p:nvSpPr>
         <p:spPr>
@@ -1770,12 +1813,12 @@
           </a:ln>
         </p:spPr>
         <p:txBody>
-          <a:bodyPr anchorCtr="0" anchor="t" bIns="45700" lIns="91425" spcFirstLastPara="1" rIns="91425" wrap="square" tIns="45700">
+          <a:bodyPr spcFirstLastPara="1" wrap="square" lIns="91425" tIns="45700" rIns="91425" bIns="45700" anchor="t" anchorCtr="0">
             <a:noAutofit/>
           </a:bodyPr>
           <a:lstStyle/>
           <a:p>
-            <a:pPr indent="0" lvl="0" marL="0" rtl="0" algn="l">
+            <a:pPr marL="0" lvl="0" indent="0" algn="l" rtl="0">
               <a:lnSpc>
                 <a:spcPct val="100000"/>
               </a:lnSpc>
@@ -1788,19 +1831,18 @@
               <a:buSzPts val="1400"/>
               <a:buNone/>
             </a:pPr>
-            <a:r>
-              <a:t/>
-            </a:r>
-            <a:endParaRPr/>
+            <a:endParaRPr dirty="0"/>
           </a:p>
         </p:txBody>
       </p:sp>
       <p:sp>
         <p:nvSpPr>
           <p:cNvPr id="18" name="Google Shape;18;p1:notes"/>
-          <p:cNvSpPr txBox="1"/>
+          <p:cNvSpPr txBox="1">
+            <a:spLocks noGrp="1"/>
+          </p:cNvSpPr>
           <p:nvPr>
-            <p:ph idx="12" type="sldNum"/>
+            <p:ph type="sldNum" idx="12"/>
           </p:nvPr>
         </p:nvSpPr>
         <p:spPr>
@@ -1817,12 +1859,12 @@
           </a:ln>
         </p:spPr>
         <p:txBody>
-          <a:bodyPr anchorCtr="0" anchor="b" bIns="45700" lIns="91425" spcFirstLastPara="1" rIns="91425" wrap="square" tIns="45700">
+          <a:bodyPr spcFirstLastPara="1" wrap="square" lIns="91425" tIns="45700" rIns="91425" bIns="45700" anchor="b" anchorCtr="0">
             <a:noAutofit/>
           </a:bodyPr>
           <a:lstStyle/>
           <a:p>
-            <a:pPr indent="0" lvl="0" marL="0" marR="0" rtl="0" algn="r">
+            <a:pPr marL="0" marR="0" lvl="0" indent="0" algn="r" rtl="0">
               <a:lnSpc>
                 <a:spcPct val="100000"/>
               </a:lnSpc>
@@ -1840,7 +1882,7 @@
               <a:buNone/>
             </a:pPr>
             <a:fld id="{00000000-1234-1234-1234-123412341234}" type="slidenum">
-              <a:rPr b="0" i="0" lang="en-US" sz="1200" u="none" cap="none" strike="noStrike">
+              <a:rPr lang="en-US" sz="1200" b="0" i="0" u="none" strike="noStrike" cap="none">
                 <a:solidFill>
                   <a:srgbClr val="000000"/>
                 </a:solidFill>
@@ -1849,9 +1891,9 @@
                 <a:cs typeface="Calibri"/>
                 <a:sym typeface="Calibri"/>
               </a:rPr>
-              <a:t>‹#›</a:t>
+              <a:t>1</a:t>
             </a:fld>
-            <a:endParaRPr b="0" i="0" sz="1200" u="none" cap="none" strike="noStrike">
+            <a:endParaRPr sz="1200" b="0" i="0" u="none" strike="noStrike" cap="none">
               <a:solidFill>
                 <a:srgbClr val="000000"/>
               </a:solidFill>
@@ -1872,18 +1914,19 @@
 </file>
 
 <file path=ppt/slideLayouts/slideLayout1.xml><?xml version="1.0" encoding="utf-8"?>
-<p:sldLayout xmlns:a="http://schemas.openxmlformats.org/drawingml/2006/main" xmlns:r="http://schemas.openxmlformats.org/officeDocument/2006/relationships" xmlns:mc="http://schemas.openxmlformats.org/markup-compatibility/2006" xmlns:mv="urn:schemas-microsoft-com:mac:vml" xmlns:p="http://schemas.openxmlformats.org/presentationml/2006/main" xmlns:c="http://schemas.openxmlformats.org/drawingml/2006/chart" xmlns:dgm="http://schemas.openxmlformats.org/drawingml/2006/diagram" xmlns:o="urn:schemas-microsoft-com:office:office" xmlns:v="urn:schemas-microsoft-com:vml" xmlns:pvml="urn:schemas-microsoft-com:office:powerpoint" xmlns:com="http://schemas.openxmlformats.org/drawingml/2006/compatibility" xmlns:p14="http://schemas.microsoft.com/office/powerpoint/2010/main" xmlns:p15="http://schemas.microsoft.com/office/powerpoint/2012/main" xmlns:ahyp="http://schemas.microsoft.com/office/drawing/2018/hyperlinkcolor" matchingName="1_Title Only" type="titleOnly">
+<p:sldLayout xmlns:a="http://schemas.openxmlformats.org/drawingml/2006/main" xmlns:r="http://schemas.openxmlformats.org/officeDocument/2006/relationships" xmlns:p="http://schemas.openxmlformats.org/presentationml/2006/main" matchingName="1_Title Only" type="titleOnly">
   <p:cSld name="TITLE_ONLY">
     <p:bg>
       <p:bgPr>
         <a:solidFill>
           <a:schemeClr val="lt1"/>
         </a:solidFill>
+        <a:effectLst/>
       </p:bgPr>
     </p:bg>
     <p:spTree>
       <p:nvGrpSpPr>
-        <p:cNvPr id="13" name="Shape 13"/>
+        <p:cNvPr id="1" name="Shape 13"/>
         <p:cNvGrpSpPr/>
         <p:nvPr/>
       </p:nvGrpSpPr>
@@ -1898,7 +1941,9 @@
       <p:sp>
         <p:nvSpPr>
           <p:cNvPr id="14" name="Google Shape;14;p4"/>
-          <p:cNvSpPr txBox="1"/>
+          <p:cNvSpPr txBox="1">
+            <a:spLocks noGrp="1"/>
+          </p:cNvSpPr>
           <p:nvPr>
             <p:ph type="title"/>
           </p:nvPr>
@@ -1917,7 +1962,7 @@
           </a:ln>
         </p:spPr>
         <p:txBody>
-          <a:bodyPr anchorCtr="0" anchor="t" bIns="0" lIns="0" spcFirstLastPara="1" rIns="0" wrap="square" tIns="0">
+          <a:bodyPr spcFirstLastPara="1" wrap="square" lIns="0" tIns="0" rIns="0" bIns="0" anchor="t" anchorCtr="0">
             <a:noAutofit/>
           </a:bodyPr>
           <a:lstStyle>
@@ -2053,7 +2098,9 @@
               <a:defRPr/>
             </a:lvl9pPr>
           </a:lstStyle>
-          <a:p/>
+          <a:p>
+            <a:endParaRPr/>
+          </a:p>
         </p:txBody>
       </p:sp>
     </p:spTree>
@@ -2065,18 +2112,19 @@
 </file>
 
 <file path=ppt/slideMasters/slideMaster1.xml><?xml version="1.0" encoding="utf-8"?>
-<p:sldMaster xmlns:a="http://schemas.openxmlformats.org/drawingml/2006/main" xmlns:r="http://schemas.openxmlformats.org/officeDocument/2006/relationships" xmlns:mc="http://schemas.openxmlformats.org/markup-compatibility/2006" xmlns:mv="urn:schemas-microsoft-com:mac:vml" xmlns:p="http://schemas.openxmlformats.org/presentationml/2006/main" xmlns:c="http://schemas.openxmlformats.org/drawingml/2006/chart" xmlns:dgm="http://schemas.openxmlformats.org/drawingml/2006/diagram" xmlns:o="urn:schemas-microsoft-com:office:office" xmlns:v="urn:schemas-microsoft-com:vml" xmlns:pvml="urn:schemas-microsoft-com:office:powerpoint" xmlns:com="http://schemas.openxmlformats.org/drawingml/2006/compatibility" xmlns:p14="http://schemas.microsoft.com/office/powerpoint/2010/main" xmlns:p15="http://schemas.microsoft.com/office/powerpoint/2012/main" xmlns:ahyp="http://schemas.microsoft.com/office/drawing/2018/hyperlinkcolor">
+<p:sldMaster xmlns:a="http://schemas.openxmlformats.org/drawingml/2006/main" xmlns:r="http://schemas.openxmlformats.org/officeDocument/2006/relationships" xmlns:p="http://schemas.openxmlformats.org/presentationml/2006/main">
   <p:cSld>
     <p:bg>
       <p:bgPr>
         <a:solidFill>
           <a:schemeClr val="lt1"/>
         </a:solidFill>
+        <a:effectLst/>
       </p:bgPr>
     </p:bg>
     <p:spTree>
       <p:nvGrpSpPr>
-        <p:cNvPr id="9" name="Shape 9"/>
+        <p:cNvPr id="1" name="Shape 9"/>
         <p:cNvGrpSpPr/>
         <p:nvPr/>
       </p:nvGrpSpPr>
@@ -2108,12 +2156,12 @@
           </a:ln>
         </p:spPr>
         <p:txBody>
-          <a:bodyPr anchorCtr="0" anchor="t" bIns="0" lIns="0" spcFirstLastPara="1" rIns="0" wrap="square" tIns="0">
+          <a:bodyPr spcFirstLastPara="1" wrap="square" lIns="0" tIns="0" rIns="0" bIns="0" anchor="t" anchorCtr="0">
             <a:noAutofit/>
           </a:bodyPr>
           <a:lstStyle/>
           <a:p>
-            <a:pPr indent="0" lvl="0" marL="0" marR="0" rtl="0" algn="r">
+            <a:pPr marL="0" marR="0" lvl="0" indent="0" algn="r" rtl="0">
               <a:lnSpc>
                 <a:spcPct val="100000"/>
               </a:lnSpc>
@@ -2130,10 +2178,7 @@
               <a:buFont typeface="Arial"/>
               <a:buNone/>
             </a:pPr>
-            <a:r>
-              <a:t/>
-            </a:r>
-            <a:endParaRPr b="0" i="0" sz="816" u="none" cap="none" strike="noStrike">
+            <a:endParaRPr sz="816" b="0" i="0" u="none" strike="noStrike" cap="none">
               <a:solidFill>
                 <a:srgbClr val="000000"/>
               </a:solidFill>
@@ -2148,9 +2193,11 @@
       <p:sp>
         <p:nvSpPr>
           <p:cNvPr id="11" name="Google Shape;11;p3"/>
-          <p:cNvSpPr txBox="1"/>
+          <p:cNvSpPr txBox="1">
+            <a:spLocks noGrp="1"/>
+          </p:cNvSpPr>
           <p:nvPr>
-            <p:ph idx="1" type="body"/>
+            <p:ph type="body" idx="1"/>
           </p:nvPr>
         </p:nvSpPr>
         <p:spPr>
@@ -2167,11 +2214,11 @@
           </a:ln>
         </p:spPr>
         <p:txBody>
-          <a:bodyPr anchorCtr="0" anchor="t" bIns="0" lIns="0" spcFirstLastPara="1" rIns="0" wrap="square" tIns="0">
+          <a:bodyPr spcFirstLastPara="1" wrap="square" lIns="0" tIns="0" rIns="0" bIns="0" anchor="t" anchorCtr="0">
             <a:noAutofit/>
           </a:bodyPr>
           <a:lstStyle>
-            <a:lvl1pPr indent="-228600" lvl="0" marL="457200" marR="0" rtl="0" algn="l">
+            <a:lvl1pPr marL="457200" marR="0" lvl="0" indent="-228600" algn="l" rtl="0">
               <a:lnSpc>
                 <a:spcPct val="100000"/>
               </a:lnSpc>
@@ -2187,7 +2234,7 @@
               <a:buSzPts val="1400"/>
               <a:buFont typeface="Arial"/>
               <a:buNone/>
-              <a:defRPr b="0" i="0" sz="1632" u="none" cap="none" strike="noStrike">
+              <a:defRPr sz="1632" b="0" i="0" u="none" strike="noStrike" cap="none">
                 <a:solidFill>
                   <a:schemeClr val="dk1"/>
                 </a:solidFill>
@@ -2197,7 +2244,7 @@
                 <a:sym typeface="Arial"/>
               </a:defRPr>
             </a:lvl1pPr>
-            <a:lvl2pPr indent="-358140" lvl="1" marL="914400" marR="0" rtl="0" algn="l">
+            <a:lvl2pPr marL="914400" marR="0" lvl="1" indent="-358140" algn="l" rtl="0">
               <a:lnSpc>
                 <a:spcPct val="100000"/>
               </a:lnSpc>
@@ -2213,7 +2260,7 @@
               <a:buSzPts val="2040"/>
               <a:buFont typeface="Arial"/>
               <a:buChar char="▪"/>
-              <a:defRPr b="0" i="0" sz="1632" u="none" cap="none" strike="noStrike">
+              <a:defRPr sz="1632" b="0" i="0" u="none" strike="noStrike" cap="none">
                 <a:solidFill>
                   <a:schemeClr val="dk1"/>
                 </a:solidFill>
@@ -2223,7 +2270,7 @@
                 <a:sym typeface="Arial"/>
               </a:defRPr>
             </a:lvl2pPr>
-            <a:lvl3pPr indent="-352933" lvl="2" marL="1371600" marR="0" rtl="0" algn="l">
+            <a:lvl3pPr marL="1371600" marR="0" lvl="2" indent="-352933" algn="l" rtl="0">
               <a:lnSpc>
                 <a:spcPct val="100000"/>
               </a:lnSpc>
@@ -2239,7 +2286,7 @@
               <a:buSzPts val="1958"/>
               <a:buFont typeface="Arial"/>
               <a:buChar char="–"/>
-              <a:defRPr b="0" i="0" sz="1632" u="none" cap="none" strike="noStrike">
+              <a:defRPr sz="1632" b="0" i="0" u="none" strike="noStrike" cap="none">
                 <a:solidFill>
                   <a:schemeClr val="dk1"/>
                 </a:solidFill>
@@ -2249,7 +2296,7 @@
                 <a:sym typeface="Arial"/>
               </a:defRPr>
             </a:lvl3pPr>
-            <a:lvl4pPr indent="-352933" lvl="3" marL="1828800" marR="0" rtl="0" algn="l">
+            <a:lvl4pPr marL="1828800" marR="0" lvl="3" indent="-352933" algn="l" rtl="0">
               <a:lnSpc>
                 <a:spcPct val="100000"/>
               </a:lnSpc>
@@ -2265,7 +2312,7 @@
               <a:buSzPts val="1958"/>
               <a:buFont typeface="Arial"/>
               <a:buChar char="▫"/>
-              <a:defRPr b="0" i="0" sz="1632" u="none" cap="none" strike="noStrike">
+              <a:defRPr sz="1632" b="0" i="0" u="none" strike="noStrike" cap="none">
                 <a:solidFill>
                   <a:schemeClr val="dk1"/>
                 </a:solidFill>
@@ -2275,7 +2322,7 @@
                 <a:sym typeface="Arial"/>
               </a:defRPr>
             </a:lvl4pPr>
-            <a:lvl5pPr indent="-320801" lvl="4" marL="2286000" marR="0" rtl="0" algn="l">
+            <a:lvl5pPr marL="2286000" marR="0" lvl="4" indent="-320801" algn="l" rtl="0">
               <a:lnSpc>
                 <a:spcPct val="100000"/>
               </a:lnSpc>
@@ -2291,7 +2338,7 @@
               <a:buSzPts val="1452"/>
               <a:buFont typeface="Arial"/>
               <a:buChar char="-"/>
-              <a:defRPr b="0" i="0" sz="1632" u="none" cap="none" strike="noStrike">
+              <a:defRPr sz="1632" b="0" i="0" u="none" strike="noStrike" cap="none">
                 <a:solidFill>
                   <a:schemeClr val="dk1"/>
                 </a:solidFill>
@@ -2301,7 +2348,7 @@
                 <a:sym typeface="Arial"/>
               </a:defRPr>
             </a:lvl5pPr>
-            <a:lvl6pPr indent="-320801" lvl="5" marL="2743200" marR="0" rtl="0" algn="l">
+            <a:lvl6pPr marL="2743200" marR="0" lvl="5" indent="-320801" algn="l" rtl="0">
               <a:lnSpc>
                 <a:spcPct val="100000"/>
               </a:lnSpc>
@@ -2317,7 +2364,7 @@
               <a:buSzPts val="1452"/>
               <a:buFont typeface="Arial"/>
               <a:buChar char="-"/>
-              <a:defRPr b="0" i="0" sz="1632" u="none" cap="none" strike="noStrike">
+              <a:defRPr sz="1632" b="0" i="0" u="none" strike="noStrike" cap="none">
                 <a:solidFill>
                   <a:schemeClr val="dk1"/>
                 </a:solidFill>
@@ -2327,7 +2374,7 @@
                 <a:sym typeface="Arial"/>
               </a:defRPr>
             </a:lvl6pPr>
-            <a:lvl7pPr indent="-320801" lvl="6" marL="3200400" marR="0" rtl="0" algn="l">
+            <a:lvl7pPr marL="3200400" marR="0" lvl="6" indent="-320801" algn="l" rtl="0">
               <a:lnSpc>
                 <a:spcPct val="100000"/>
               </a:lnSpc>
@@ -2343,7 +2390,7 @@
               <a:buSzPts val="1452"/>
               <a:buFont typeface="Arial"/>
               <a:buChar char="-"/>
-              <a:defRPr b="0" i="0" sz="1632" u="none" cap="none" strike="noStrike">
+              <a:defRPr sz="1632" b="0" i="0" u="none" strike="noStrike" cap="none">
                 <a:solidFill>
                   <a:schemeClr val="dk1"/>
                 </a:solidFill>
@@ -2353,7 +2400,7 @@
                 <a:sym typeface="Arial"/>
               </a:defRPr>
             </a:lvl7pPr>
-            <a:lvl8pPr indent="-320802" lvl="7" marL="3657600" marR="0" rtl="0" algn="l">
+            <a:lvl8pPr marL="3657600" marR="0" lvl="7" indent="-320802" algn="l" rtl="0">
               <a:lnSpc>
                 <a:spcPct val="100000"/>
               </a:lnSpc>
@@ -2369,7 +2416,7 @@
               <a:buSzPts val="1452"/>
               <a:buFont typeface="Arial"/>
               <a:buChar char="-"/>
-              <a:defRPr b="0" i="0" sz="1632" u="none" cap="none" strike="noStrike">
+              <a:defRPr sz="1632" b="0" i="0" u="none" strike="noStrike" cap="none">
                 <a:solidFill>
                   <a:schemeClr val="dk1"/>
                 </a:solidFill>
@@ -2379,7 +2426,7 @@
                 <a:sym typeface="Arial"/>
               </a:defRPr>
             </a:lvl8pPr>
-            <a:lvl9pPr indent="-320802" lvl="8" marL="4114800" marR="0" rtl="0" algn="l">
+            <a:lvl9pPr marL="4114800" marR="0" lvl="8" indent="-320802" algn="l" rtl="0">
               <a:lnSpc>
                 <a:spcPct val="100000"/>
               </a:lnSpc>
@@ -2395,7 +2442,7 @@
               <a:buSzPts val="1452"/>
               <a:buFont typeface="Arial"/>
               <a:buChar char="-"/>
-              <a:defRPr b="0" i="0" sz="1632" u="none" cap="none" strike="noStrike">
+              <a:defRPr sz="1632" b="0" i="0" u="none" strike="noStrike" cap="none">
                 <a:solidFill>
                   <a:schemeClr val="dk1"/>
                 </a:solidFill>
@@ -2406,13 +2453,17 @@
               </a:defRPr>
             </a:lvl9pPr>
           </a:lstStyle>
-          <a:p/>
+          <a:p>
+            <a:endParaRPr/>
+          </a:p>
         </p:txBody>
       </p:sp>
       <p:sp>
         <p:nvSpPr>
           <p:cNvPr id="12" name="Google Shape;12;p3"/>
-          <p:cNvSpPr txBox="1"/>
+          <p:cNvSpPr txBox="1">
+            <a:spLocks noGrp="1"/>
+          </p:cNvSpPr>
           <p:nvPr>
             <p:ph type="title"/>
           </p:nvPr>
@@ -2431,11 +2482,11 @@
           </a:ln>
         </p:spPr>
         <p:txBody>
-          <a:bodyPr anchorCtr="0" anchor="t" bIns="0" lIns="0" spcFirstLastPara="1" rIns="0" wrap="square" tIns="0">
+          <a:bodyPr spcFirstLastPara="1" wrap="square" lIns="0" tIns="0" rIns="0" bIns="0" anchor="t" anchorCtr="0">
             <a:noAutofit/>
           </a:bodyPr>
           <a:lstStyle>
-            <a:lvl1pPr lvl="0" marR="0" rtl="0" algn="l">
+            <a:lvl1pPr marR="0" lvl="0" algn="l" rtl="0">
               <a:lnSpc>
                 <a:spcPct val="100000"/>
               </a:lnSpc>
@@ -2451,7 +2502,7 @@
               <a:buSzPts val="1400"/>
               <a:buFont typeface="Arial"/>
               <a:buNone/>
-              <a:defRPr b="1" i="0" sz="1939" u="none" cap="none" strike="noStrike">
+              <a:defRPr sz="1939" b="1" i="0" u="none" strike="noStrike" cap="none">
                 <a:solidFill>
                   <a:schemeClr val="dk1"/>
                 </a:solidFill>
@@ -2461,7 +2512,7 @@
                 <a:sym typeface="Arial"/>
               </a:defRPr>
             </a:lvl1pPr>
-            <a:lvl2pPr lvl="1" marR="0" rtl="0" algn="l">
+            <a:lvl2pPr marR="0" lvl="1" algn="l" rtl="0">
               <a:lnSpc>
                 <a:spcPct val="100000"/>
               </a:lnSpc>
@@ -2477,7 +2528,7 @@
               <a:buSzPts val="1400"/>
               <a:buFont typeface="Arial"/>
               <a:buNone/>
-              <a:defRPr b="1" i="0" sz="1939" u="none" cap="none" strike="noStrike">
+              <a:defRPr sz="1939" b="1" i="0" u="none" strike="noStrike" cap="none">
                 <a:solidFill>
                   <a:schemeClr val="dk2"/>
                 </a:solidFill>
@@ -2487,7 +2538,7 @@
                 <a:sym typeface="Arial"/>
               </a:defRPr>
             </a:lvl2pPr>
-            <a:lvl3pPr lvl="2" marR="0" rtl="0" algn="l">
+            <a:lvl3pPr marR="0" lvl="2" algn="l" rtl="0">
               <a:lnSpc>
                 <a:spcPct val="100000"/>
               </a:lnSpc>
@@ -2503,7 +2554,7 @@
               <a:buSzPts val="1400"/>
               <a:buFont typeface="Arial"/>
               <a:buNone/>
-              <a:defRPr b="1" i="0" sz="1939" u="none" cap="none" strike="noStrike">
+              <a:defRPr sz="1939" b="1" i="0" u="none" strike="noStrike" cap="none">
                 <a:solidFill>
                   <a:schemeClr val="dk2"/>
                 </a:solidFill>
@@ -2513,7 +2564,7 @@
                 <a:sym typeface="Arial"/>
               </a:defRPr>
             </a:lvl3pPr>
-            <a:lvl4pPr lvl="3" marR="0" rtl="0" algn="l">
+            <a:lvl4pPr marR="0" lvl="3" algn="l" rtl="0">
               <a:lnSpc>
                 <a:spcPct val="100000"/>
               </a:lnSpc>
@@ -2529,7 +2580,7 @@
               <a:buSzPts val="1400"/>
               <a:buFont typeface="Arial"/>
               <a:buNone/>
-              <a:defRPr b="1" i="0" sz="1939" u="none" cap="none" strike="noStrike">
+              <a:defRPr sz="1939" b="1" i="0" u="none" strike="noStrike" cap="none">
                 <a:solidFill>
                   <a:schemeClr val="dk2"/>
                 </a:solidFill>
@@ -2539,7 +2590,7 @@
                 <a:sym typeface="Arial"/>
               </a:defRPr>
             </a:lvl4pPr>
-            <a:lvl5pPr lvl="4" marR="0" rtl="0" algn="l">
+            <a:lvl5pPr marR="0" lvl="4" algn="l" rtl="0">
               <a:lnSpc>
                 <a:spcPct val="100000"/>
               </a:lnSpc>
@@ -2555,7 +2606,7 @@
               <a:buSzPts val="1400"/>
               <a:buFont typeface="Arial"/>
               <a:buNone/>
-              <a:defRPr b="1" i="0" sz="1939" u="none" cap="none" strike="noStrike">
+              <a:defRPr sz="1939" b="1" i="0" u="none" strike="noStrike" cap="none">
                 <a:solidFill>
                   <a:schemeClr val="dk2"/>
                 </a:solidFill>
@@ -2565,7 +2616,7 @@
                 <a:sym typeface="Arial"/>
               </a:defRPr>
             </a:lvl5pPr>
-            <a:lvl6pPr lvl="5" marR="0" rtl="0" algn="l">
+            <a:lvl6pPr marR="0" lvl="5" algn="l" rtl="0">
               <a:lnSpc>
                 <a:spcPct val="100000"/>
               </a:lnSpc>
@@ -2581,7 +2632,7 @@
               <a:buSzPts val="1400"/>
               <a:buFont typeface="Arial"/>
               <a:buNone/>
-              <a:defRPr b="1" i="0" sz="1939" u="none" cap="none" strike="noStrike">
+              <a:defRPr sz="1939" b="1" i="0" u="none" strike="noStrike" cap="none">
                 <a:solidFill>
                   <a:schemeClr val="dk2"/>
                 </a:solidFill>
@@ -2591,7 +2642,7 @@
                 <a:sym typeface="Arial"/>
               </a:defRPr>
             </a:lvl6pPr>
-            <a:lvl7pPr lvl="6" marR="0" rtl="0" algn="l">
+            <a:lvl7pPr marR="0" lvl="6" algn="l" rtl="0">
               <a:lnSpc>
                 <a:spcPct val="100000"/>
               </a:lnSpc>
@@ -2607,7 +2658,7 @@
               <a:buSzPts val="1400"/>
               <a:buFont typeface="Arial"/>
               <a:buNone/>
-              <a:defRPr b="1" i="0" sz="1939" u="none" cap="none" strike="noStrike">
+              <a:defRPr sz="1939" b="1" i="0" u="none" strike="noStrike" cap="none">
                 <a:solidFill>
                   <a:schemeClr val="dk2"/>
                 </a:solidFill>
@@ -2617,7 +2668,7 @@
                 <a:sym typeface="Arial"/>
               </a:defRPr>
             </a:lvl7pPr>
-            <a:lvl8pPr lvl="7" marR="0" rtl="0" algn="l">
+            <a:lvl8pPr marR="0" lvl="7" algn="l" rtl="0">
               <a:lnSpc>
                 <a:spcPct val="100000"/>
               </a:lnSpc>
@@ -2633,7 +2684,7 @@
               <a:buSzPts val="1400"/>
               <a:buFont typeface="Arial"/>
               <a:buNone/>
-              <a:defRPr b="1" i="0" sz="1939" u="none" cap="none" strike="noStrike">
+              <a:defRPr sz="1939" b="1" i="0" u="none" strike="noStrike" cap="none">
                 <a:solidFill>
                   <a:schemeClr val="dk2"/>
                 </a:solidFill>
@@ -2643,7 +2694,7 @@
                 <a:sym typeface="Arial"/>
               </a:defRPr>
             </a:lvl8pPr>
-            <a:lvl9pPr lvl="8" marR="0" rtl="0" algn="l">
+            <a:lvl9pPr marR="0" lvl="8" algn="l" rtl="0">
               <a:lnSpc>
                 <a:spcPct val="100000"/>
               </a:lnSpc>
@@ -2659,7 +2710,7 @@
               <a:buSzPts val="1400"/>
               <a:buFont typeface="Arial"/>
               <a:buNone/>
-              <a:defRPr b="1" i="0" sz="1939" u="none" cap="none" strike="noStrike">
+              <a:defRPr sz="1939" b="1" i="0" u="none" strike="noStrike" cap="none">
                 <a:solidFill>
                   <a:schemeClr val="dk2"/>
                 </a:solidFill>
@@ -2670,19 +2721,21 @@
               </a:defRPr>
             </a:lvl9pPr>
           </a:lstStyle>
-          <a:p/>
+          <a:p>
+            <a:endParaRPr/>
+          </a:p>
         </p:txBody>
       </p:sp>
     </p:spTree>
   </p:cSld>
-  <p:clrMap accent1="accent1" accent2="accent2" accent3="accent3" accent4="accent4" accent5="accent5" accent6="accent6" bg1="lt1" bg2="dk2" tx1="dk1" tx2="lt2" folHlink="folHlink" hlink="hlink"/>
+  <p:clrMap bg1="lt1" tx1="dk1" bg2="dk2" tx2="lt2" accent1="accent1" accent2="accent2" accent3="accent3" accent4="accent4" accent5="accent5" accent6="accent6" hlink="hlink" folHlink="folHlink"/>
   <p:sldLayoutIdLst>
     <p:sldLayoutId id="2147483649" r:id="rId1"/>
   </p:sldLayoutIdLst>
-  <p:hf dt="0" ftr="0" hdr="0"/>
+  <p:hf hdr="0" ftr="0" dt="0"/>
   <p:txStyles>
     <p:titleStyle>
-      <a:defPPr lvl="0" marR="0" rtl="0" algn="l">
+      <a:defPPr marR="0" lvl="0" algn="l" rtl="0">
         <a:lnSpc>
           <a:spcPct val="100000"/>
         </a:lnSpc>
@@ -2693,7 +2746,7 @@
           <a:spcPts val="0"/>
         </a:spcAft>
       </a:defPPr>
-      <a:lvl1pPr lvl="0" marR="0" rtl="0" algn="l">
+      <a:lvl1pPr marR="0" lvl="0" algn="l" rtl="0">
         <a:lnSpc>
           <a:spcPct val="100000"/>
         </a:lnSpc>
@@ -2707,7 +2760,7 @@
           <a:srgbClr val="000000"/>
         </a:buClr>
         <a:buFont typeface="Arial"/>
-        <a:defRPr b="0" i="0" sz="1400" u="none" cap="none" strike="noStrike">
+        <a:defRPr sz="1400" b="0" i="0" u="none" strike="noStrike" cap="none">
           <a:solidFill>
             <a:srgbClr val="000000"/>
           </a:solidFill>
@@ -2717,7 +2770,7 @@
           <a:sym typeface="Arial"/>
         </a:defRPr>
       </a:lvl1pPr>
-      <a:lvl2pPr lvl="1" marR="0" rtl="0" algn="l">
+      <a:lvl2pPr marR="0" lvl="1" algn="l" rtl="0">
         <a:lnSpc>
           <a:spcPct val="100000"/>
         </a:lnSpc>
@@ -2731,7 +2784,7 @@
           <a:srgbClr val="000000"/>
         </a:buClr>
         <a:buFont typeface="Arial"/>
-        <a:defRPr b="0" i="0" sz="1400" u="none" cap="none" strike="noStrike">
+        <a:defRPr sz="1400" b="0" i="0" u="none" strike="noStrike" cap="none">
           <a:solidFill>
             <a:srgbClr val="000000"/>
           </a:solidFill>
@@ -2741,7 +2794,7 @@
           <a:sym typeface="Arial"/>
         </a:defRPr>
       </a:lvl2pPr>
-      <a:lvl3pPr lvl="2" marR="0" rtl="0" algn="l">
+      <a:lvl3pPr marR="0" lvl="2" algn="l" rtl="0">
         <a:lnSpc>
           <a:spcPct val="100000"/>
         </a:lnSpc>
@@ -2755,7 +2808,7 @@
           <a:srgbClr val="000000"/>
         </a:buClr>
         <a:buFont typeface="Arial"/>
-        <a:defRPr b="0" i="0" sz="1400" u="none" cap="none" strike="noStrike">
+        <a:defRPr sz="1400" b="0" i="0" u="none" strike="noStrike" cap="none">
           <a:solidFill>
             <a:srgbClr val="000000"/>
           </a:solidFill>
@@ -2765,7 +2818,7 @@
           <a:sym typeface="Arial"/>
         </a:defRPr>
       </a:lvl3pPr>
-      <a:lvl4pPr lvl="3" marR="0" rtl="0" algn="l">
+      <a:lvl4pPr marR="0" lvl="3" algn="l" rtl="0">
         <a:lnSpc>
           <a:spcPct val="100000"/>
         </a:lnSpc>
@@ -2779,7 +2832,7 @@
           <a:srgbClr val="000000"/>
         </a:buClr>
         <a:buFont typeface="Arial"/>
-        <a:defRPr b="0" i="0" sz="1400" u="none" cap="none" strike="noStrike">
+        <a:defRPr sz="1400" b="0" i="0" u="none" strike="noStrike" cap="none">
           <a:solidFill>
             <a:srgbClr val="000000"/>
           </a:solidFill>
@@ -2789,7 +2842,7 @@
           <a:sym typeface="Arial"/>
         </a:defRPr>
       </a:lvl4pPr>
-      <a:lvl5pPr lvl="4" marR="0" rtl="0" algn="l">
+      <a:lvl5pPr marR="0" lvl="4" algn="l" rtl="0">
         <a:lnSpc>
           <a:spcPct val="100000"/>
         </a:lnSpc>
@@ -2803,7 +2856,7 @@
           <a:srgbClr val="000000"/>
         </a:buClr>
         <a:buFont typeface="Arial"/>
-        <a:defRPr b="0" i="0" sz="1400" u="none" cap="none" strike="noStrike">
+        <a:defRPr sz="1400" b="0" i="0" u="none" strike="noStrike" cap="none">
           <a:solidFill>
             <a:srgbClr val="000000"/>
           </a:solidFill>
@@ -2813,7 +2866,7 @@
           <a:sym typeface="Arial"/>
         </a:defRPr>
       </a:lvl5pPr>
-      <a:lvl6pPr lvl="5" marR="0" rtl="0" algn="l">
+      <a:lvl6pPr marR="0" lvl="5" algn="l" rtl="0">
         <a:lnSpc>
           <a:spcPct val="100000"/>
         </a:lnSpc>
@@ -2827,7 +2880,7 @@
           <a:srgbClr val="000000"/>
         </a:buClr>
         <a:buFont typeface="Arial"/>
-        <a:defRPr b="0" i="0" sz="1400" u="none" cap="none" strike="noStrike">
+        <a:defRPr sz="1400" b="0" i="0" u="none" strike="noStrike" cap="none">
           <a:solidFill>
             <a:srgbClr val="000000"/>
           </a:solidFill>
@@ -2837,7 +2890,7 @@
           <a:sym typeface="Arial"/>
         </a:defRPr>
       </a:lvl6pPr>
-      <a:lvl7pPr lvl="6" marR="0" rtl="0" algn="l">
+      <a:lvl7pPr marR="0" lvl="6" algn="l" rtl="0">
         <a:lnSpc>
           <a:spcPct val="100000"/>
         </a:lnSpc>
@@ -2851,7 +2904,7 @@
           <a:srgbClr val="000000"/>
         </a:buClr>
         <a:buFont typeface="Arial"/>
-        <a:defRPr b="0" i="0" sz="1400" u="none" cap="none" strike="noStrike">
+        <a:defRPr sz="1400" b="0" i="0" u="none" strike="noStrike" cap="none">
           <a:solidFill>
             <a:srgbClr val="000000"/>
           </a:solidFill>
@@ -2861,7 +2914,7 @@
           <a:sym typeface="Arial"/>
         </a:defRPr>
       </a:lvl7pPr>
-      <a:lvl8pPr lvl="7" marR="0" rtl="0" algn="l">
+      <a:lvl8pPr marR="0" lvl="7" algn="l" rtl="0">
         <a:lnSpc>
           <a:spcPct val="100000"/>
         </a:lnSpc>
@@ -2875,7 +2928,7 @@
           <a:srgbClr val="000000"/>
         </a:buClr>
         <a:buFont typeface="Arial"/>
-        <a:defRPr b="0" i="0" sz="1400" u="none" cap="none" strike="noStrike">
+        <a:defRPr sz="1400" b="0" i="0" u="none" strike="noStrike" cap="none">
           <a:solidFill>
             <a:srgbClr val="000000"/>
           </a:solidFill>
@@ -2885,7 +2938,7 @@
           <a:sym typeface="Arial"/>
         </a:defRPr>
       </a:lvl8pPr>
-      <a:lvl9pPr lvl="8" marR="0" rtl="0" algn="l">
+      <a:lvl9pPr marR="0" lvl="8" algn="l" rtl="0">
         <a:lnSpc>
           <a:spcPct val="100000"/>
         </a:lnSpc>
@@ -2899,7 +2952,7 @@
           <a:srgbClr val="000000"/>
         </a:buClr>
         <a:buFont typeface="Arial"/>
-        <a:defRPr b="0" i="0" sz="1400" u="none" cap="none" strike="noStrike">
+        <a:defRPr sz="1400" b="0" i="0" u="none" strike="noStrike" cap="none">
           <a:solidFill>
             <a:srgbClr val="000000"/>
           </a:solidFill>
@@ -2911,7 +2964,7 @@
       </a:lvl9pPr>
     </p:titleStyle>
     <p:bodyStyle>
-      <a:defPPr lvl="0" marR="0" rtl="0" algn="l">
+      <a:defPPr marR="0" lvl="0" algn="l" rtl="0">
         <a:lnSpc>
           <a:spcPct val="100000"/>
         </a:lnSpc>
@@ -2922,7 +2975,7 @@
           <a:spcPts val="0"/>
         </a:spcAft>
       </a:defPPr>
-      <a:lvl1pPr lvl="0" marR="0" rtl="0" algn="l">
+      <a:lvl1pPr marR="0" lvl="0" algn="l" rtl="0">
         <a:lnSpc>
           <a:spcPct val="100000"/>
         </a:lnSpc>
@@ -2936,7 +2989,7 @@
           <a:srgbClr val="000000"/>
         </a:buClr>
         <a:buFont typeface="Arial"/>
-        <a:defRPr b="0" i="0" sz="1400" u="none" cap="none" strike="noStrike">
+        <a:defRPr sz="1400" b="0" i="0" u="none" strike="noStrike" cap="none">
           <a:solidFill>
             <a:srgbClr val="000000"/>
           </a:solidFill>
@@ -2946,7 +2999,7 @@
           <a:sym typeface="Arial"/>
         </a:defRPr>
       </a:lvl1pPr>
-      <a:lvl2pPr lvl="1" marR="0" rtl="0" algn="l">
+      <a:lvl2pPr marR="0" lvl="1" algn="l" rtl="0">
         <a:lnSpc>
           <a:spcPct val="100000"/>
         </a:lnSpc>
@@ -2960,7 +3013,7 @@
           <a:srgbClr val="000000"/>
         </a:buClr>
         <a:buFont typeface="Arial"/>
-        <a:defRPr b="0" i="0" sz="1400" u="none" cap="none" strike="noStrike">
+        <a:defRPr sz="1400" b="0" i="0" u="none" strike="noStrike" cap="none">
           <a:solidFill>
             <a:srgbClr val="000000"/>
           </a:solidFill>
@@ -2970,7 +3023,7 @@
           <a:sym typeface="Arial"/>
         </a:defRPr>
       </a:lvl2pPr>
-      <a:lvl3pPr lvl="2" marR="0" rtl="0" algn="l">
+      <a:lvl3pPr marR="0" lvl="2" algn="l" rtl="0">
         <a:lnSpc>
           <a:spcPct val="100000"/>
         </a:lnSpc>
@@ -2984,7 +3037,7 @@
           <a:srgbClr val="000000"/>
         </a:buClr>
         <a:buFont typeface="Arial"/>
-        <a:defRPr b="0" i="0" sz="1400" u="none" cap="none" strike="noStrike">
+        <a:defRPr sz="1400" b="0" i="0" u="none" strike="noStrike" cap="none">
           <a:solidFill>
             <a:srgbClr val="000000"/>
           </a:solidFill>
@@ -2994,7 +3047,7 @@
           <a:sym typeface="Arial"/>
         </a:defRPr>
       </a:lvl3pPr>
-      <a:lvl4pPr lvl="3" marR="0" rtl="0" algn="l">
+      <a:lvl4pPr marR="0" lvl="3" algn="l" rtl="0">
         <a:lnSpc>
           <a:spcPct val="100000"/>
         </a:lnSpc>
@@ -3008,7 +3061,7 @@
           <a:srgbClr val="000000"/>
         </a:buClr>
         <a:buFont typeface="Arial"/>
-        <a:defRPr b="0" i="0" sz="1400" u="none" cap="none" strike="noStrike">
+        <a:defRPr sz="1400" b="0" i="0" u="none" strike="noStrike" cap="none">
           <a:solidFill>
             <a:srgbClr val="000000"/>
           </a:solidFill>
@@ -3018,7 +3071,7 @@
           <a:sym typeface="Arial"/>
         </a:defRPr>
       </a:lvl4pPr>
-      <a:lvl5pPr lvl="4" marR="0" rtl="0" algn="l">
+      <a:lvl5pPr marR="0" lvl="4" algn="l" rtl="0">
         <a:lnSpc>
           <a:spcPct val="100000"/>
         </a:lnSpc>
@@ -3032,7 +3085,7 @@
           <a:srgbClr val="000000"/>
         </a:buClr>
         <a:buFont typeface="Arial"/>
-        <a:defRPr b="0" i="0" sz="1400" u="none" cap="none" strike="noStrike">
+        <a:defRPr sz="1400" b="0" i="0" u="none" strike="noStrike" cap="none">
           <a:solidFill>
             <a:srgbClr val="000000"/>
           </a:solidFill>
@@ -3042,7 +3095,7 @@
           <a:sym typeface="Arial"/>
         </a:defRPr>
       </a:lvl5pPr>
-      <a:lvl6pPr lvl="5" marR="0" rtl="0" algn="l">
+      <a:lvl6pPr marR="0" lvl="5" algn="l" rtl="0">
         <a:lnSpc>
           <a:spcPct val="100000"/>
         </a:lnSpc>
@@ -3056,7 +3109,7 @@
           <a:srgbClr val="000000"/>
         </a:buClr>
         <a:buFont typeface="Arial"/>
-        <a:defRPr b="0" i="0" sz="1400" u="none" cap="none" strike="noStrike">
+        <a:defRPr sz="1400" b="0" i="0" u="none" strike="noStrike" cap="none">
           <a:solidFill>
             <a:srgbClr val="000000"/>
           </a:solidFill>
@@ -3066,7 +3119,7 @@
           <a:sym typeface="Arial"/>
         </a:defRPr>
       </a:lvl6pPr>
-      <a:lvl7pPr lvl="6" marR="0" rtl="0" algn="l">
+      <a:lvl7pPr marR="0" lvl="6" algn="l" rtl="0">
         <a:lnSpc>
           <a:spcPct val="100000"/>
         </a:lnSpc>
@@ -3080,7 +3133,7 @@
           <a:srgbClr val="000000"/>
         </a:buClr>
         <a:buFont typeface="Arial"/>
-        <a:defRPr b="0" i="0" sz="1400" u="none" cap="none" strike="noStrike">
+        <a:defRPr sz="1400" b="0" i="0" u="none" strike="noStrike" cap="none">
           <a:solidFill>
             <a:srgbClr val="000000"/>
           </a:solidFill>
@@ -3090,7 +3143,7 @@
           <a:sym typeface="Arial"/>
         </a:defRPr>
       </a:lvl7pPr>
-      <a:lvl8pPr lvl="7" marR="0" rtl="0" algn="l">
+      <a:lvl8pPr marR="0" lvl="7" algn="l" rtl="0">
         <a:lnSpc>
           <a:spcPct val="100000"/>
         </a:lnSpc>
@@ -3104,7 +3157,7 @@
           <a:srgbClr val="000000"/>
         </a:buClr>
         <a:buFont typeface="Arial"/>
-        <a:defRPr b="0" i="0" sz="1400" u="none" cap="none" strike="noStrike">
+        <a:defRPr sz="1400" b="0" i="0" u="none" strike="noStrike" cap="none">
           <a:solidFill>
             <a:srgbClr val="000000"/>
           </a:solidFill>
@@ -3114,7 +3167,7 @@
           <a:sym typeface="Arial"/>
         </a:defRPr>
       </a:lvl8pPr>
-      <a:lvl9pPr lvl="8" marR="0" rtl="0" algn="l">
+      <a:lvl9pPr marR="0" lvl="8" algn="l" rtl="0">
         <a:lnSpc>
           <a:spcPct val="100000"/>
         </a:lnSpc>
@@ -3128,7 +3181,7 @@
           <a:srgbClr val="000000"/>
         </a:buClr>
         <a:buFont typeface="Arial"/>
-        <a:defRPr b="0" i="0" sz="1400" u="none" cap="none" strike="noStrike">
+        <a:defRPr sz="1400" b="0" i="0" u="none" strike="noStrike" cap="none">
           <a:solidFill>
             <a:srgbClr val="000000"/>
           </a:solidFill>
@@ -3140,7 +3193,7 @@
       </a:lvl9pPr>
     </p:bodyStyle>
     <p:otherStyle>
-      <a:defPPr lvl="0" marR="0" rtl="0" algn="l">
+      <a:defPPr marR="0" lvl="0" algn="l" rtl="0">
         <a:lnSpc>
           <a:spcPct val="100000"/>
         </a:lnSpc>
@@ -3151,7 +3204,7 @@
           <a:spcPts val="0"/>
         </a:spcAft>
       </a:defPPr>
-      <a:lvl1pPr lvl="0" marR="0" rtl="0" algn="l">
+      <a:lvl1pPr marR="0" lvl="0" algn="l" rtl="0">
         <a:lnSpc>
           <a:spcPct val="100000"/>
         </a:lnSpc>
@@ -3165,7 +3218,7 @@
           <a:srgbClr val="000000"/>
         </a:buClr>
         <a:buFont typeface="Arial"/>
-        <a:defRPr b="0" i="0" sz="1400" u="none" cap="none" strike="noStrike">
+        <a:defRPr sz="1400" b="0" i="0" u="none" strike="noStrike" cap="none">
           <a:solidFill>
             <a:srgbClr val="000000"/>
           </a:solidFill>
@@ -3175,7 +3228,7 @@
           <a:sym typeface="Arial"/>
         </a:defRPr>
       </a:lvl1pPr>
-      <a:lvl2pPr lvl="1" marR="0" rtl="0" algn="l">
+      <a:lvl2pPr marR="0" lvl="1" algn="l" rtl="0">
         <a:lnSpc>
           <a:spcPct val="100000"/>
         </a:lnSpc>
@@ -3189,7 +3242,7 @@
           <a:srgbClr val="000000"/>
         </a:buClr>
         <a:buFont typeface="Arial"/>
-        <a:defRPr b="0" i="0" sz="1400" u="none" cap="none" strike="noStrike">
+        <a:defRPr sz="1400" b="0" i="0" u="none" strike="noStrike" cap="none">
           <a:solidFill>
             <a:srgbClr val="000000"/>
           </a:solidFill>
@@ -3199,7 +3252,7 @@
           <a:sym typeface="Arial"/>
         </a:defRPr>
       </a:lvl2pPr>
-      <a:lvl3pPr lvl="2" marR="0" rtl="0" algn="l">
+      <a:lvl3pPr marR="0" lvl="2" algn="l" rtl="0">
         <a:lnSpc>
           <a:spcPct val="100000"/>
         </a:lnSpc>
@@ -3213,7 +3266,7 @@
           <a:srgbClr val="000000"/>
         </a:buClr>
         <a:buFont typeface="Arial"/>
-        <a:defRPr b="0" i="0" sz="1400" u="none" cap="none" strike="noStrike">
+        <a:defRPr sz="1400" b="0" i="0" u="none" strike="noStrike" cap="none">
           <a:solidFill>
             <a:srgbClr val="000000"/>
           </a:solidFill>
@@ -3223,7 +3276,7 @@
           <a:sym typeface="Arial"/>
         </a:defRPr>
       </a:lvl3pPr>
-      <a:lvl4pPr lvl="3" marR="0" rtl="0" algn="l">
+      <a:lvl4pPr marR="0" lvl="3" algn="l" rtl="0">
         <a:lnSpc>
           <a:spcPct val="100000"/>
         </a:lnSpc>
@@ -3237,7 +3290,7 @@
           <a:srgbClr val="000000"/>
         </a:buClr>
         <a:buFont typeface="Arial"/>
-        <a:defRPr b="0" i="0" sz="1400" u="none" cap="none" strike="noStrike">
+        <a:defRPr sz="1400" b="0" i="0" u="none" strike="noStrike" cap="none">
           <a:solidFill>
             <a:srgbClr val="000000"/>
           </a:solidFill>
@@ -3247,7 +3300,7 @@
           <a:sym typeface="Arial"/>
         </a:defRPr>
       </a:lvl4pPr>
-      <a:lvl5pPr lvl="4" marR="0" rtl="0" algn="l">
+      <a:lvl5pPr marR="0" lvl="4" algn="l" rtl="0">
         <a:lnSpc>
           <a:spcPct val="100000"/>
         </a:lnSpc>
@@ -3261,7 +3314,7 @@
           <a:srgbClr val="000000"/>
         </a:buClr>
         <a:buFont typeface="Arial"/>
-        <a:defRPr b="0" i="0" sz="1400" u="none" cap="none" strike="noStrike">
+        <a:defRPr sz="1400" b="0" i="0" u="none" strike="noStrike" cap="none">
           <a:solidFill>
             <a:srgbClr val="000000"/>
           </a:solidFill>
@@ -3271,7 +3324,7 @@
           <a:sym typeface="Arial"/>
         </a:defRPr>
       </a:lvl5pPr>
-      <a:lvl6pPr lvl="5" marR="0" rtl="0" algn="l">
+      <a:lvl6pPr marR="0" lvl="5" algn="l" rtl="0">
         <a:lnSpc>
           <a:spcPct val="100000"/>
         </a:lnSpc>
@@ -3285,7 +3338,7 @@
           <a:srgbClr val="000000"/>
         </a:buClr>
         <a:buFont typeface="Arial"/>
-        <a:defRPr b="0" i="0" sz="1400" u="none" cap="none" strike="noStrike">
+        <a:defRPr sz="1400" b="0" i="0" u="none" strike="noStrike" cap="none">
           <a:solidFill>
             <a:srgbClr val="000000"/>
           </a:solidFill>
@@ -3295,7 +3348,7 @@
           <a:sym typeface="Arial"/>
         </a:defRPr>
       </a:lvl6pPr>
-      <a:lvl7pPr lvl="6" marR="0" rtl="0" algn="l">
+      <a:lvl7pPr marR="0" lvl="6" algn="l" rtl="0">
         <a:lnSpc>
           <a:spcPct val="100000"/>
         </a:lnSpc>
@@ -3309,7 +3362,7 @@
           <a:srgbClr val="000000"/>
         </a:buClr>
         <a:buFont typeface="Arial"/>
-        <a:defRPr b="0" i="0" sz="1400" u="none" cap="none" strike="noStrike">
+        <a:defRPr sz="1400" b="0" i="0" u="none" strike="noStrike" cap="none">
           <a:solidFill>
             <a:srgbClr val="000000"/>
           </a:solidFill>
@@ -3319,7 +3372,7 @@
           <a:sym typeface="Arial"/>
         </a:defRPr>
       </a:lvl7pPr>
-      <a:lvl8pPr lvl="7" marR="0" rtl="0" algn="l">
+      <a:lvl8pPr marR="0" lvl="7" algn="l" rtl="0">
         <a:lnSpc>
           <a:spcPct val="100000"/>
         </a:lnSpc>
@@ -3333,7 +3386,7 @@
           <a:srgbClr val="000000"/>
         </a:buClr>
         <a:buFont typeface="Arial"/>
-        <a:defRPr b="0" i="0" sz="1400" u="none" cap="none" strike="noStrike">
+        <a:defRPr sz="1400" b="0" i="0" u="none" strike="noStrike" cap="none">
           <a:solidFill>
             <a:srgbClr val="000000"/>
           </a:solidFill>
@@ -3343,7 +3396,7 @@
           <a:sym typeface="Arial"/>
         </a:defRPr>
       </a:lvl8pPr>
-      <a:lvl9pPr lvl="8" marR="0" rtl="0" algn="l">
+      <a:lvl9pPr marR="0" lvl="8" algn="l" rtl="0">
         <a:lnSpc>
           <a:spcPct val="100000"/>
         </a:lnSpc>
@@ -3357,7 +3410,7 @@
           <a:srgbClr val="000000"/>
         </a:buClr>
         <a:buFont typeface="Arial"/>
-        <a:defRPr b="0" i="0" sz="1400" u="none" cap="none" strike="noStrike">
+        <a:defRPr sz="1400" b="0" i="0" u="none" strike="noStrike" cap="none">
           <a:solidFill>
             <a:srgbClr val="000000"/>
           </a:solidFill>
@@ -3373,11 +3426,11 @@
 </file>
 
 <file path=ppt/slides/slide1.xml><?xml version="1.0" encoding="utf-8"?>
-<p:sld xmlns:a="http://schemas.openxmlformats.org/drawingml/2006/main" xmlns:r="http://schemas.openxmlformats.org/officeDocument/2006/relationships" xmlns:mc="http://schemas.openxmlformats.org/markup-compatibility/2006" xmlns:mv="urn:schemas-microsoft-com:mac:vml" xmlns:p="http://schemas.openxmlformats.org/presentationml/2006/main" xmlns:c="http://schemas.openxmlformats.org/drawingml/2006/chart" xmlns:dgm="http://schemas.openxmlformats.org/drawingml/2006/diagram" xmlns:o="urn:schemas-microsoft-com:office:office" xmlns:v="urn:schemas-microsoft-com:vml" xmlns:pvml="urn:schemas-microsoft-com:office:powerpoint" xmlns:com="http://schemas.openxmlformats.org/drawingml/2006/compatibility" xmlns:p14="http://schemas.microsoft.com/office/powerpoint/2010/main" xmlns:p15="http://schemas.microsoft.com/office/powerpoint/2012/main" xmlns:ahyp="http://schemas.microsoft.com/office/drawing/2018/hyperlinkcolor">
+<p:sld xmlns:a="http://schemas.openxmlformats.org/drawingml/2006/main" xmlns:r="http://schemas.openxmlformats.org/officeDocument/2006/relationships" xmlns:p="http://schemas.openxmlformats.org/presentationml/2006/main">
   <p:cSld>
     <p:spTree>
       <p:nvGrpSpPr>
-        <p:cNvPr id="19" name="Shape 19"/>
+        <p:cNvPr id="1" name="Shape 19"/>
         <p:cNvGrpSpPr/>
         <p:nvPr/>
       </p:nvGrpSpPr>
@@ -3391,39 +3444,9 @@
       </p:grpSpPr>
       <p:cxnSp>
         <p:nvCxnSpPr>
-          <p:cNvPr id="20" name="Google Shape;20;p1"/>
-          <p:cNvCxnSpPr>
-            <a:stCxn id="21" idx="3"/>
-            <a:endCxn id="22" idx="1"/>
-          </p:cNvCxnSpPr>
-          <p:nvPr/>
-        </p:nvCxnSpPr>
-        <p:spPr>
-          <a:xfrm>
-            <a:off x="3600715" y="4786561"/>
-            <a:ext cx="898200" cy="438000"/>
-          </a:xfrm>
-          <a:prstGeom prst="bentConnector3">
-            <a:avLst>
-              <a:gd fmla="val 50000" name="adj1"/>
-            </a:avLst>
-          </a:prstGeom>
-          <a:noFill/>
-          <a:ln cap="flat" cmpd="sng" w="12700">
-            <a:solidFill>
-              <a:schemeClr val="accent6"/>
-            </a:solidFill>
-            <a:prstDash val="solid"/>
-            <a:round/>
-            <a:headEnd len="sm" w="sm" type="none"/>
-            <a:tailEnd len="sm" w="sm" type="none"/>
-          </a:ln>
-        </p:spPr>
-      </p:cxnSp>
-      <p:cxnSp>
-        <p:nvCxnSpPr>
           <p:cNvPr id="23" name="Google Shape;23;p1"/>
           <p:cNvCxnSpPr>
+            <a:cxnSpLocks/>
             <a:stCxn id="24" idx="3"/>
             <a:endCxn id="25" idx="1"/>
           </p:cNvCxnSpPr>
@@ -3431,23 +3454,23 @@
         </p:nvCxnSpPr>
         <p:spPr>
           <a:xfrm>
-            <a:off x="3541062" y="2413231"/>
-            <a:ext cx="555000" cy="445500"/>
+            <a:off x="3482538" y="2447397"/>
+            <a:ext cx="651261" cy="465461"/>
           </a:xfrm>
           <a:prstGeom prst="bentConnector3">
             <a:avLst>
-              <a:gd fmla="val 50009" name="adj1"/>
+              <a:gd name="adj1" fmla="val 50000"/>
             </a:avLst>
           </a:prstGeom>
           <a:noFill/>
-          <a:ln cap="flat" cmpd="sng" w="12700">
+          <a:ln w="12700" cap="flat" cmpd="sng">
             <a:solidFill>
               <a:schemeClr val="accent6"/>
             </a:solidFill>
             <a:prstDash val="solid"/>
             <a:round/>
-            <a:headEnd len="sm" w="sm" type="none"/>
-            <a:tailEnd len="sm" w="sm" type="none"/>
+            <a:headEnd type="none" w="sm" len="sm"/>
+            <a:tailEnd type="none" w="sm" len="sm"/>
           </a:ln>
         </p:spPr>
       </p:cxnSp>
@@ -3459,7 +3482,7 @@
         </p:nvGrpSpPr>
         <p:grpSpPr>
           <a:xfrm>
-            <a:off x="270" y="832704"/>
+            <a:off x="0" y="687601"/>
             <a:ext cx="9143214" cy="472909"/>
             <a:chOff x="0" y="816135"/>
             <a:chExt cx="8961300" cy="463500"/>
@@ -3495,12 +3518,12 @@
             </a:ln>
           </p:spPr>
           <p:txBody>
-            <a:bodyPr anchorCtr="0" anchor="ctr" bIns="45700" lIns="91425" spcFirstLastPara="1" rIns="91425" wrap="square" tIns="45700">
+            <a:bodyPr spcFirstLastPara="1" wrap="square" lIns="91425" tIns="45700" rIns="91425" bIns="45700" anchor="ctr" anchorCtr="0">
               <a:noAutofit/>
             </a:bodyPr>
             <a:lstStyle/>
             <a:p>
-              <a:pPr indent="0" lvl="0" marL="0" marR="0" rtl="0" algn="ctr">
+              <a:pPr marL="0" marR="0" lvl="0" indent="0" algn="ctr" rtl="0">
                 <a:lnSpc>
                   <a:spcPct val="100000"/>
                 </a:lnSpc>
@@ -3517,10 +3540,7 @@
                 <a:buFont typeface="Arial"/>
                 <a:buNone/>
               </a:pPr>
-              <a:r>
-                <a:t/>
-              </a:r>
-              <a:endParaRPr b="0" i="0" sz="1428" u="none" cap="none" strike="noStrike">
+              <a:endParaRPr sz="1428" b="0" i="0" u="none" strike="noStrike" cap="none">
                 <a:solidFill>
                   <a:srgbClr val="002C46"/>
                 </a:solidFill>
@@ -3547,77 +3567,47 @@
               <a:avLst/>
             </a:prstGeom>
             <a:noFill/>
-            <a:ln cap="flat" cmpd="sng" w="9525">
+            <a:ln w="9525" cap="flat" cmpd="sng">
               <a:solidFill>
                 <a:schemeClr val="accent2"/>
               </a:solidFill>
               <a:prstDash val="solid"/>
               <a:round/>
-              <a:headEnd len="sm" w="sm" type="none"/>
-              <a:tailEnd len="sm" w="sm" type="none"/>
+              <a:headEnd type="none" w="sm" len="sm"/>
+              <a:tailEnd type="none" w="sm" len="sm"/>
             </a:ln>
           </p:spPr>
         </p:cxnSp>
       </p:grpSp>
       <p:cxnSp>
         <p:nvCxnSpPr>
-          <p:cNvPr id="29" name="Google Shape;29;p1"/>
-          <p:cNvCxnSpPr>
-            <a:stCxn id="21" idx="3"/>
-            <a:endCxn id="30" idx="1"/>
-          </p:cNvCxnSpPr>
-          <p:nvPr/>
-        </p:nvCxnSpPr>
-        <p:spPr>
-          <a:xfrm flipH="1" rot="10800000">
-            <a:off x="3600715" y="4583761"/>
-            <a:ext cx="903600" cy="202800"/>
-          </a:xfrm>
-          <a:prstGeom prst="bentConnector3">
-            <a:avLst>
-              <a:gd fmla="val 50000" name="adj1"/>
-            </a:avLst>
-          </a:prstGeom>
-          <a:noFill/>
-          <a:ln cap="flat" cmpd="sng" w="12700">
-            <a:solidFill>
-              <a:schemeClr val="accent6"/>
-            </a:solidFill>
-            <a:prstDash val="solid"/>
-            <a:round/>
-            <a:headEnd len="sm" w="sm" type="none"/>
-            <a:tailEnd len="sm" w="sm" type="none"/>
-          </a:ln>
-        </p:spPr>
-      </p:cxnSp>
-      <p:cxnSp>
-        <p:nvCxnSpPr>
           <p:cNvPr id="31" name="Google Shape;31;p1"/>
           <p:cNvCxnSpPr>
+            <a:cxnSpLocks/>
             <a:stCxn id="24" idx="3"/>
             <a:endCxn id="32" idx="1"/>
           </p:cNvCxnSpPr>
           <p:nvPr/>
         </p:nvCxnSpPr>
         <p:spPr>
-          <a:xfrm flipH="1" rot="10800000">
-            <a:off x="3541062" y="2150131"/>
-            <a:ext cx="551400" cy="263100"/>
+          <a:xfrm flipV="1">
+            <a:off x="3482538" y="2097221"/>
+            <a:ext cx="651262" cy="350176"/>
           </a:xfrm>
           <a:prstGeom prst="bentConnector3">
             <a:avLst>
-              <a:gd fmla="val 50005" name="adj1"/>
+              <a:gd name="adj1" fmla="val 50000"/>
             </a:avLst>
           </a:prstGeom>
           <a:noFill/>
-          <a:ln cap="flat" cmpd="sng" w="12700">
+          <a:ln w="12700" cap="flat" cmpd="sng">
             <a:solidFill>
               <a:schemeClr val="accent6"/>
             </a:solidFill>
             <a:prstDash val="solid"/>
             <a:round/>
-            <a:headEnd len="sm" w="sm" type="none"/>
-            <a:tailEnd len="sm" w="sm" type="none"/>
+            <a:headEnd type="none" w="sm" len="sm"/>
+            <a:tailEnd type="none" w="sm" len="sm"/>
           </a:ln>
         </p:spPr>
       </p:cxnSp>
@@ -3629,10 +3619,10 @@
         </p:nvGrpSpPr>
         <p:grpSpPr>
           <a:xfrm>
-            <a:off x="253687" y="3267323"/>
-            <a:ext cx="2548063" cy="1559457"/>
-            <a:chOff x="181333" y="3188855"/>
-            <a:chExt cx="2745462" cy="1705256"/>
+            <a:off x="174760" y="1044378"/>
+            <a:ext cx="2566770" cy="1654519"/>
+            <a:chOff x="161176" y="3188855"/>
+            <a:chExt cx="2765619" cy="1809206"/>
           </a:xfrm>
         </p:grpSpPr>
         <p:grpSp>
@@ -3669,12 +3659,12 @@
               </a:ln>
             </p:spPr>
             <p:txBody>
-              <a:bodyPr anchorCtr="0" anchor="t" bIns="0" lIns="0" spcFirstLastPara="1" rIns="0" wrap="square" tIns="0">
+              <a:bodyPr spcFirstLastPara="1" wrap="square" lIns="0" tIns="0" rIns="0" bIns="0" anchor="t" anchorCtr="0">
                 <a:noAutofit/>
               </a:bodyPr>
               <a:lstStyle/>
               <a:p>
-                <a:pPr indent="0" lvl="0" marL="0" marR="0" rtl="0" algn="l">
+                <a:pPr marL="0" marR="0" lvl="0" indent="0" algn="l" rtl="0">
                   <a:lnSpc>
                     <a:spcPct val="100000"/>
                   </a:lnSpc>
@@ -3692,7 +3682,7 @@
                   <a:buNone/>
                 </a:pPr>
                 <a:r>
-                  <a:rPr b="1" i="0" lang="en-US" sz="714" u="none" cap="none" strike="noStrike">
+                  <a:rPr lang="en-US" sz="714" b="1" i="0" u="none" strike="noStrike" cap="none">
                     <a:solidFill>
                       <a:srgbClr val="FFFFFF"/>
                     </a:solidFill>
@@ -3703,7 +3693,7 @@
                   </a:rPr>
                   <a:t>Coal based costs</a:t>
                 </a:r>
-                <a:endParaRPr b="0" i="0" sz="1400" u="none" cap="none" strike="noStrike">
+                <a:endParaRPr sz="1400" b="0" i="0" u="none" strike="noStrike" cap="none">
                   <a:solidFill>
                     <a:srgbClr val="000000"/>
                   </a:solidFill>
@@ -3735,12 +3725,12 @@
               </a:ln>
             </p:spPr>
             <p:txBody>
-              <a:bodyPr anchorCtr="0" anchor="t" bIns="0" lIns="0" spcFirstLastPara="1" rIns="0" wrap="square" tIns="0">
+              <a:bodyPr spcFirstLastPara="1" wrap="square" lIns="0" tIns="0" rIns="0" bIns="0" anchor="t" anchorCtr="0">
                 <a:noAutofit/>
               </a:bodyPr>
               <a:lstStyle/>
               <a:p>
-                <a:pPr indent="0" lvl="0" marL="0" marR="0" rtl="0" algn="ctr">
+                <a:pPr marL="0" marR="0" lvl="0" indent="0" algn="ctr" rtl="0">
                   <a:lnSpc>
                     <a:spcPct val="100000"/>
                   </a:lnSpc>
@@ -3758,7 +3748,7 @@
                   <a:buNone/>
                 </a:pPr>
                 <a:r>
-                  <a:rPr b="1" i="0" lang="en-US" sz="714" u="none" cap="none" strike="noStrike">
+                  <a:rPr lang="en-US" sz="714" b="1" i="0" u="none" strike="noStrike" cap="none">
                     <a:solidFill>
                       <a:srgbClr val="FFFFFF"/>
                     </a:solidFill>
@@ -3769,7 +3759,7 @@
                   </a:rPr>
                   <a:t>($)</a:t>
                 </a:r>
-                <a:endParaRPr b="0" i="0" sz="1400" u="none" cap="none" strike="noStrike">
+                <a:endParaRPr sz="1400" b="0" i="0" u="none" strike="noStrike" cap="none">
                   <a:solidFill>
                     <a:srgbClr val="000000"/>
                   </a:solidFill>
@@ -3790,10 +3780,10 @@
           </p:nvGrpSpPr>
           <p:grpSpPr>
             <a:xfrm>
-              <a:off x="181333" y="3188855"/>
-              <a:ext cx="1472655" cy="1705256"/>
-              <a:chOff x="4934192" y="762709"/>
-              <a:chExt cx="1306907" cy="1628564"/>
+              <a:off x="161176" y="3188855"/>
+              <a:ext cx="1329027" cy="1809206"/>
+              <a:chOff x="4916307" y="762709"/>
+              <a:chExt cx="1179445" cy="1727839"/>
             </a:xfrm>
           </p:grpSpPr>
           <p:sp>
@@ -3804,8 +3794,8 @@
             </p:nvSpPr>
             <p:spPr>
               <a:xfrm>
-                <a:off x="4934192" y="1056229"/>
-                <a:ext cx="1131757" cy="444628"/>
+                <a:off x="4916307" y="2045919"/>
+                <a:ext cx="1131757" cy="444629"/>
               </a:xfrm>
               <a:prstGeom prst="rect">
                 <a:avLst/>
@@ -3813,23 +3803,23 @@
               <a:solidFill>
                 <a:schemeClr val="lt1"/>
               </a:solidFill>
-              <a:ln cap="flat" cmpd="sng" w="12700">
+              <a:ln w="12700" cap="flat" cmpd="sng">
                 <a:solidFill>
                   <a:schemeClr val="accent2"/>
                 </a:solidFill>
                 <a:prstDash val="solid"/>
                 <a:round/>
-                <a:headEnd len="sm" w="sm" type="none"/>
-                <a:tailEnd len="sm" w="sm" type="none"/>
+                <a:headEnd type="none" w="sm" len="sm"/>
+                <a:tailEnd type="none" w="sm" len="sm"/>
               </a:ln>
             </p:spPr>
             <p:txBody>
-              <a:bodyPr anchorCtr="0" anchor="ctr" bIns="45700" lIns="91425" spcFirstLastPara="1" rIns="91425" wrap="square" tIns="45700">
+              <a:bodyPr spcFirstLastPara="1" wrap="square" lIns="91425" tIns="45700" rIns="91425" bIns="45700" anchor="ctr" anchorCtr="0">
                 <a:noAutofit/>
               </a:bodyPr>
               <a:lstStyle/>
               <a:p>
-                <a:pPr indent="0" lvl="0" marL="0" marR="0" rtl="0" algn="ctr">
+                <a:pPr marL="0" marR="0" lvl="0" indent="0" algn="ctr" rtl="0">
                   <a:lnSpc>
                     <a:spcPct val="100000"/>
                   </a:lnSpc>
@@ -3846,10 +3836,7 @@
                   <a:buFont typeface="Arial"/>
                   <a:buNone/>
                 </a:pPr>
-                <a:r>
-                  <a:t/>
-                </a:r>
-                <a:endParaRPr b="0" i="0" sz="714" u="none" cap="none" strike="noStrike">
+                <a:endParaRPr sz="714" b="0" i="0" u="none" strike="noStrike" cap="none">
                   <a:solidFill>
                     <a:srgbClr val="002C46"/>
                   </a:solidFill>
@@ -3869,8 +3856,8 @@
             </p:nvSpPr>
             <p:spPr>
               <a:xfrm>
-                <a:off x="4934192" y="762709"/>
-                <a:ext cx="1306907" cy="1628564"/>
+                <a:off x="4934193" y="762709"/>
+                <a:ext cx="1094203" cy="1628564"/>
               </a:xfrm>
               <a:prstGeom prst="rect">
                 <a:avLst/>
@@ -3878,23 +3865,51 @@
               <a:solidFill>
                 <a:srgbClr val="00C09D"/>
               </a:solidFill>
-              <a:ln cap="flat" cmpd="sng" w="12700">
+              <a:ln w="12700" cap="flat" cmpd="sng">
                 <a:solidFill>
                   <a:schemeClr val="accent2"/>
                 </a:solidFill>
                 <a:prstDash val="solid"/>
                 <a:round/>
-                <a:headEnd len="sm" w="sm" type="none"/>
-                <a:tailEnd len="sm" w="sm" type="none"/>
+                <a:headEnd type="none" w="sm" len="sm"/>
+                <a:tailEnd type="none" w="sm" len="sm"/>
               </a:ln>
             </p:spPr>
             <p:txBody>
-              <a:bodyPr anchorCtr="0" anchor="ctr" bIns="45700" lIns="91425" spcFirstLastPara="1" rIns="91425" wrap="square" tIns="45700">
+              <a:bodyPr spcFirstLastPara="1" wrap="square" lIns="91425" tIns="45700" rIns="91425" bIns="45700" anchor="ctr" anchorCtr="0">
                 <a:noAutofit/>
               </a:bodyPr>
               <a:lstStyle/>
               <a:p>
-                <a:pPr indent="0" lvl="0" marL="0" marR="0" rtl="0" algn="ctr">
+                <a:pPr marL="0" marR="0" lvl="0" indent="0" algn="ctr" rtl="0">
+                  <a:lnSpc>
+                    <a:spcPct val="100000"/>
+                  </a:lnSpc>
+                  <a:spcBef>
+                    <a:spcPts val="0"/>
+                  </a:spcBef>
+                  <a:spcAft>
+                    <a:spcPts val="0"/>
+                  </a:spcAft>
+                  <a:buClr>
+                    <a:srgbClr val="000000"/>
+                  </a:buClr>
+                  <a:buSzPts val="714"/>
+                  <a:buFont typeface="Arial"/>
+                  <a:buNone/>
+                </a:pPr>
+                <a:endParaRPr sz="714" b="0" i="0" u="none" strike="noStrike" cap="none" dirty="0">
+                  <a:solidFill>
+                    <a:srgbClr val="002C46"/>
+                  </a:solidFill>
+                  <a:latin typeface="Arial"/>
+                  <a:ea typeface="Arial"/>
+                  <a:cs typeface="Arial"/>
+                  <a:sym typeface="Arial"/>
+                </a:endParaRPr>
+              </a:p>
+              <a:p>
+                <a:pPr marL="0" marR="0" lvl="0" indent="0" algn="ctr" rtl="0">
                   <a:lnSpc>
                     <a:spcPct val="100000"/>
                   </a:lnSpc>
@@ -3912,38 +3927,7 @@
                   <a:buNone/>
                 </a:pPr>
                 <a:r>
-                  <a:t/>
-                </a:r>
-                <a:endParaRPr b="0" i="0" sz="714" u="none" cap="none" strike="noStrike">
-                  <a:solidFill>
-                    <a:srgbClr val="002C46"/>
-                  </a:solidFill>
-                  <a:latin typeface="Arial"/>
-                  <a:ea typeface="Arial"/>
-                  <a:cs typeface="Arial"/>
-                  <a:sym typeface="Arial"/>
-                </a:endParaRPr>
-              </a:p>
-              <a:p>
-                <a:pPr indent="0" lvl="0" marL="0" marR="0" rtl="0" algn="ctr">
-                  <a:lnSpc>
-                    <a:spcPct val="100000"/>
-                  </a:lnSpc>
-                  <a:spcBef>
-                    <a:spcPts val="0"/>
-                  </a:spcBef>
-                  <a:spcAft>
-                    <a:spcPts val="0"/>
-                  </a:spcAft>
-                  <a:buClr>
-                    <a:srgbClr val="000000"/>
-                  </a:buClr>
-                  <a:buSzPts val="714"/>
-                  <a:buFont typeface="Arial"/>
-                  <a:buNone/>
-                </a:pPr>
-                <a:r>
-                  <a:rPr b="0" i="0" lang="en-US" sz="714" u="none" cap="none" strike="noStrike">
+                  <a:rPr lang="en-US" sz="714" b="0" i="0" u="none" strike="noStrike" cap="none" dirty="0" err="1">
                     <a:solidFill>
                       <a:srgbClr val="002C46"/>
                     </a:solidFill>
@@ -3952,10 +3936,22 @@
                     <a:cs typeface="Arial"/>
                     <a:sym typeface="Arial"/>
                   </a:rPr>
-                  <a:t>Monalco ore processing cost has been </a:t>
+                  <a:t>Monalco</a:t>
                 </a:r>
                 <a:r>
-                  <a:rPr lang="en-US" sz="714">
+                  <a:rPr lang="en-US" sz="714" b="0" i="0" u="none" strike="noStrike" cap="none" dirty="0">
+                    <a:solidFill>
+                      <a:srgbClr val="002C46"/>
+                    </a:solidFill>
+                    <a:latin typeface="Arial"/>
+                    <a:ea typeface="Arial"/>
+                    <a:cs typeface="Arial"/>
+                    <a:sym typeface="Arial"/>
+                  </a:rPr>
+                  <a:t> ore processing cost has been </a:t>
+                </a:r>
+                <a:r>
+                  <a:rPr lang="en-US" sz="714" dirty="0">
                     <a:solidFill>
                       <a:srgbClr val="002C46"/>
                     </a:solidFill>
@@ -3963,7 +3959,7 @@
                   <a:t>`</a:t>
                 </a:r>
                 <a:r>
-                  <a:rPr b="0" i="0" lang="en-US" sz="714" u="none" cap="none" strike="noStrike">
+                  <a:rPr lang="en-US" sz="714" b="0" i="0" u="none" strike="noStrike" cap="none" dirty="0">
                     <a:solidFill>
                       <a:srgbClr val="002C46"/>
                     </a:solidFill>
@@ -3974,7 +3970,7 @@
                   </a:rPr>
                   <a:t> but the price of ore/ton has been decreasing.  If we do reduce the maintenance cost by 20% the business will not be viable.  The estimate cost for processing or is going to be 45 mil in 2019</a:t>
                 </a:r>
-                <a:endParaRPr b="0" i="0" sz="714" u="none" cap="none" strike="noStrike">
+                <a:endParaRPr sz="714" b="0" i="0" u="none" strike="noStrike" cap="none" dirty="0">
                   <a:solidFill>
                     <a:srgbClr val="002C46"/>
                   </a:solidFill>
@@ -4006,12 +4002,12 @@
               </a:ln>
             </p:spPr>
             <p:txBody>
-              <a:bodyPr anchorCtr="0" anchor="t" bIns="0" lIns="0" spcFirstLastPara="1" rIns="0" wrap="square" tIns="0">
+              <a:bodyPr spcFirstLastPara="1" wrap="square" lIns="0" tIns="0" rIns="0" bIns="0" anchor="t" anchorCtr="0">
                 <a:spAutoFit/>
               </a:bodyPr>
               <a:lstStyle/>
               <a:p>
-                <a:pPr indent="0" lvl="0" marL="0" marR="0" rtl="0" algn="l">
+                <a:pPr marL="0" marR="0" lvl="0" indent="0" algn="l" rtl="0">
                   <a:lnSpc>
                     <a:spcPct val="100000"/>
                   </a:lnSpc>
@@ -4029,7 +4025,7 @@
                   <a:buNone/>
                 </a:pPr>
                 <a:r>
-                  <a:rPr b="1" i="0" lang="en-US" sz="714" u="none" cap="none" strike="noStrike">
+                  <a:rPr lang="en-US" sz="714" b="1" i="0" u="none" strike="noStrike" cap="none">
                     <a:solidFill>
                       <a:srgbClr val="FFFFFF"/>
                     </a:solidFill>
@@ -4040,7 +4036,7 @@
                   </a:rPr>
                   <a:t>Main Value Driver</a:t>
                 </a:r>
-                <a:endParaRPr b="0" i="0" sz="1400" u="none" cap="none" strike="noStrike">
+                <a:endParaRPr sz="1400" b="0" i="0" u="none" strike="noStrike" cap="none">
                   <a:solidFill>
                     <a:srgbClr val="000000"/>
                   </a:solidFill>
@@ -4072,12 +4068,12 @@
               </a:ln>
             </p:spPr>
             <p:txBody>
-              <a:bodyPr anchorCtr="0" anchor="t" bIns="0" lIns="0" spcFirstLastPara="1" rIns="0" wrap="square" tIns="0">
+              <a:bodyPr spcFirstLastPara="1" wrap="square" lIns="0" tIns="0" rIns="0" bIns="0" anchor="t" anchorCtr="0">
                 <a:spAutoFit/>
               </a:bodyPr>
               <a:lstStyle/>
               <a:p>
-                <a:pPr indent="0" lvl="0" marL="0" marR="0" rtl="0" algn="l">
+                <a:pPr marL="0" marR="0" lvl="0" indent="0" algn="l" rtl="0">
                   <a:lnSpc>
                     <a:spcPct val="100000"/>
                   </a:lnSpc>
@@ -4095,7 +4091,7 @@
                   <a:buNone/>
                 </a:pPr>
                 <a:r>
-                  <a:rPr b="1" i="0" lang="en-US" sz="714" u="none" cap="none" strike="noStrike">
+                  <a:rPr lang="en-US" sz="714" b="1" i="0" u="none" strike="noStrike" cap="none">
                     <a:solidFill>
                       <a:srgbClr val="FFFFFF"/>
                     </a:solidFill>
@@ -4106,7 +4102,7 @@
                   </a:rPr>
                   <a:t>(unit)</a:t>
                 </a:r>
-                <a:endParaRPr b="0" i="0" sz="1400" u="none" cap="none" strike="noStrike">
+                <a:endParaRPr sz="1400" b="0" i="0" u="none" strike="noStrike" cap="none">
                   <a:solidFill>
                     <a:srgbClr val="000000"/>
                   </a:solidFill>
@@ -4124,30 +4120,31 @@
         <p:nvCxnSpPr>
           <p:cNvPr id="42" name="Google Shape;42;p1"/>
           <p:cNvCxnSpPr>
-            <a:stCxn id="39" idx="3"/>
+            <a:cxnSpLocks/>
+            <a:stCxn id="113" idx="3"/>
             <a:endCxn id="43" idx="1"/>
           </p:cNvCxnSpPr>
           <p:nvPr/>
         </p:nvCxnSpPr>
         <p:spPr>
           <a:xfrm>
-            <a:off x="1620458" y="4047051"/>
-            <a:ext cx="796800" cy="653100"/>
+            <a:off x="1973356" y="3204397"/>
+            <a:ext cx="394280" cy="122666"/>
           </a:xfrm>
           <a:prstGeom prst="bentConnector3">
             <a:avLst>
-              <a:gd fmla="val 50000" name="adj1"/>
+              <a:gd name="adj1" fmla="val 50000"/>
             </a:avLst>
           </a:prstGeom>
           <a:noFill/>
-          <a:ln cap="flat" cmpd="sng" w="9525">
+          <a:ln w="9525" cap="flat" cmpd="sng">
             <a:solidFill>
               <a:schemeClr val="accent6"/>
             </a:solidFill>
             <a:prstDash val="solid"/>
             <a:round/>
-            <a:headEnd len="sm" w="sm" type="none"/>
-            <a:tailEnd len="sm" w="sm" type="none"/>
+            <a:headEnd type="none" w="sm" len="sm"/>
+            <a:tailEnd type="none" w="sm" len="sm"/>
           </a:ln>
         </p:spPr>
       </p:cxnSp>
@@ -4155,50 +4152,51 @@
         <p:nvCxnSpPr>
           <p:cNvPr id="44" name="Google Shape;44;p1"/>
           <p:cNvCxnSpPr>
-            <a:stCxn id="39" idx="3"/>
+            <a:cxnSpLocks/>
+            <a:stCxn id="113" idx="3"/>
             <a:endCxn id="24" idx="1"/>
           </p:cNvCxnSpPr>
           <p:nvPr/>
         </p:nvCxnSpPr>
         <p:spPr>
-          <a:xfrm flipH="1" rot="10800000">
-            <a:off x="1620458" y="2413251"/>
-            <a:ext cx="813900" cy="1633800"/>
+          <a:xfrm flipV="1">
+            <a:off x="1973356" y="2447397"/>
+            <a:ext cx="389601" cy="757000"/>
           </a:xfrm>
           <a:prstGeom prst="bentConnector3">
             <a:avLst>
-              <a:gd fmla="val 50001" name="adj1"/>
+              <a:gd name="adj1" fmla="val 50000"/>
             </a:avLst>
           </a:prstGeom>
           <a:noFill/>
-          <a:ln cap="flat" cmpd="sng" w="9525">
+          <a:ln w="9525" cap="flat" cmpd="sng">
             <a:solidFill>
               <a:schemeClr val="accent6"/>
             </a:solidFill>
             <a:prstDash val="solid"/>
             <a:round/>
-            <a:headEnd len="sm" w="sm" type="none"/>
-            <a:tailEnd len="sm" w="sm" type="none"/>
+            <a:headEnd type="none" w="sm" len="sm"/>
+            <a:tailEnd type="none" w="sm" len="sm"/>
           </a:ln>
         </p:spPr>
       </p:cxnSp>
       <p:grpSp>
         <p:nvGrpSpPr>
-          <p:cNvPr id="45" name="Google Shape;45;p1"/>
+          <p:cNvPr id="48" name="Google Shape;48;p1"/>
           <p:cNvGrpSpPr/>
           <p:nvPr/>
         </p:nvGrpSpPr>
         <p:grpSpPr>
           <a:xfrm>
-            <a:off x="1945810" y="3963084"/>
-            <a:ext cx="155774" cy="155774"/>
+            <a:off x="3095905" y="2351449"/>
+            <a:ext cx="136499" cy="155774"/>
             <a:chOff x="4283114" y="-597224"/>
             <a:chExt cx="170332" cy="170332"/>
           </a:xfrm>
         </p:grpSpPr>
         <p:sp>
           <p:nvSpPr>
-            <p:cNvPr id="46" name="Google Shape;46;p1"/>
+            <p:cNvPr id="49" name="Google Shape;49;p1"/>
             <p:cNvSpPr/>
             <p:nvPr/>
           </p:nvSpPr>
@@ -4213,23 +4211,23 @@
             <a:solidFill>
               <a:schemeClr val="accent3"/>
             </a:solidFill>
-            <a:ln cap="flat" cmpd="sng" w="12700">
+            <a:ln w="12700" cap="flat" cmpd="sng">
               <a:solidFill>
                 <a:schemeClr val="lt1"/>
               </a:solidFill>
               <a:prstDash val="solid"/>
               <a:round/>
-              <a:headEnd len="sm" w="sm" type="none"/>
-              <a:tailEnd len="sm" w="sm" type="none"/>
+              <a:headEnd type="none" w="sm" len="sm"/>
+              <a:tailEnd type="none" w="sm" len="sm"/>
             </a:ln>
           </p:spPr>
           <p:txBody>
-            <a:bodyPr anchorCtr="0" anchor="ctr" bIns="45700" lIns="91425" spcFirstLastPara="1" rIns="91425" wrap="square" tIns="45700">
+            <a:bodyPr spcFirstLastPara="1" wrap="square" lIns="91425" tIns="45700" rIns="91425" bIns="45700" anchor="ctr" anchorCtr="0">
               <a:noAutofit/>
             </a:bodyPr>
             <a:lstStyle/>
             <a:p>
-              <a:pPr indent="0" lvl="0" marL="0" marR="0" rtl="0" algn="l">
+              <a:pPr marL="0" marR="0" lvl="0" indent="0" algn="l" rtl="0">
                 <a:lnSpc>
                   <a:spcPct val="100000"/>
                 </a:lnSpc>
@@ -4246,10 +4244,7 @@
                 <a:buFont typeface="Arial"/>
                 <a:buNone/>
               </a:pPr>
-              <a:r>
-                <a:t/>
-              </a:r>
-              <a:endParaRPr b="1" i="0" sz="1428" u="none" cap="none" strike="noStrike">
+              <a:endParaRPr sz="1428" b="1" i="0" u="none" strike="noStrike" cap="none">
                 <a:solidFill>
                   <a:srgbClr val="000000"/>
                 </a:solidFill>
@@ -4263,7 +4258,7 @@
         </p:sp>
         <p:sp>
           <p:nvSpPr>
-            <p:cNvPr id="47" name="Google Shape;47;p1"/>
+            <p:cNvPr id="50" name="Google Shape;50;p1"/>
             <p:cNvSpPr/>
             <p:nvPr/>
           </p:nvSpPr>
@@ -4273,9 +4268,13 @@
               <a:ext cx="119073" cy="119073"/>
             </a:xfrm>
             <a:custGeom>
-              <a:rect b="b" l="l" r="r" t="t"/>
+              <a:avLst/>
+              <a:gdLst/>
+              <a:ahLst/>
+              <a:cxnLst/>
+              <a:rect l="l" t="t" r="r" b="b"/>
               <a:pathLst>
-                <a:path extrusionOk="0" h="204" w="204">
+                <a:path w="204" h="204" extrusionOk="0">
                   <a:moveTo>
                     <a:pt x="83" y="0"/>
                   </a:moveTo>
@@ -4327,12 +4326,12 @@
             </a:ln>
           </p:spPr>
           <p:txBody>
-            <a:bodyPr anchorCtr="0" anchor="t" bIns="46625" lIns="93275" spcFirstLastPara="1" rIns="93275" wrap="square" tIns="46625">
+            <a:bodyPr spcFirstLastPara="1" wrap="square" lIns="93275" tIns="46625" rIns="93275" bIns="46625" anchor="t" anchorCtr="0">
               <a:noAutofit/>
             </a:bodyPr>
             <a:lstStyle/>
             <a:p>
-              <a:pPr indent="0" lvl="0" marL="0" marR="0" rtl="0" algn="l">
+              <a:pPr marL="0" marR="0" lvl="0" indent="0" algn="l" rtl="0">
                 <a:lnSpc>
                   <a:spcPct val="100000"/>
                 </a:lnSpc>
@@ -4349,376 +4348,7 @@
                 <a:buFont typeface="Arial"/>
                 <a:buNone/>
               </a:pPr>
-              <a:r>
-                <a:t/>
-              </a:r>
-              <a:endParaRPr b="0" i="0" sz="1428" u="none" cap="none" strike="noStrike">
-                <a:solidFill>
-                  <a:srgbClr val="000000"/>
-                </a:solidFill>
-                <a:latin typeface="Arial"/>
-                <a:ea typeface="Arial"/>
-                <a:cs typeface="Arial"/>
-                <a:sym typeface="Arial"/>
-              </a:endParaRPr>
-            </a:p>
-          </p:txBody>
-        </p:sp>
-      </p:grpSp>
-      <p:grpSp>
-        <p:nvGrpSpPr>
-          <p:cNvPr id="48" name="Google Shape;48;p1"/>
-          <p:cNvGrpSpPr/>
-          <p:nvPr/>
-        </p:nvGrpSpPr>
-        <p:grpSpPr>
-          <a:xfrm>
-            <a:off x="3738605" y="2336632"/>
-            <a:ext cx="155774" cy="155774"/>
-            <a:chOff x="4283114" y="-597224"/>
-            <a:chExt cx="170332" cy="170332"/>
-          </a:xfrm>
-        </p:grpSpPr>
-        <p:sp>
-          <p:nvSpPr>
-            <p:cNvPr id="49" name="Google Shape;49;p1"/>
-            <p:cNvSpPr/>
-            <p:nvPr/>
-          </p:nvSpPr>
-          <p:spPr>
-            <a:xfrm>
-              <a:off x="4283114" y="-597224"/>
-              <a:ext cx="170332" cy="170332"/>
-            </a:xfrm>
-            <a:prstGeom prst="ellipse">
-              <a:avLst/>
-            </a:prstGeom>
-            <a:solidFill>
-              <a:schemeClr val="accent3"/>
-            </a:solidFill>
-            <a:ln cap="flat" cmpd="sng" w="12700">
-              <a:solidFill>
-                <a:schemeClr val="lt1"/>
-              </a:solidFill>
-              <a:prstDash val="solid"/>
-              <a:round/>
-              <a:headEnd len="sm" w="sm" type="none"/>
-              <a:tailEnd len="sm" w="sm" type="none"/>
-            </a:ln>
-          </p:spPr>
-          <p:txBody>
-            <a:bodyPr anchorCtr="0" anchor="ctr" bIns="45700" lIns="91425" spcFirstLastPara="1" rIns="91425" wrap="square" tIns="45700">
-              <a:noAutofit/>
-            </a:bodyPr>
-            <a:lstStyle/>
-            <a:p>
-              <a:pPr indent="0" lvl="0" marL="0" marR="0" rtl="0" algn="l">
-                <a:lnSpc>
-                  <a:spcPct val="100000"/>
-                </a:lnSpc>
-                <a:spcBef>
-                  <a:spcPts val="0"/>
-                </a:spcBef>
-                <a:spcAft>
-                  <a:spcPts val="0"/>
-                </a:spcAft>
-                <a:buClr>
-                  <a:srgbClr val="000000"/>
-                </a:buClr>
-                <a:buSzPts val="1428"/>
-                <a:buFont typeface="Arial"/>
-                <a:buNone/>
-              </a:pPr>
-              <a:r>
-                <a:t/>
-              </a:r>
-              <a:endParaRPr b="1" i="0" sz="1428" u="none" cap="none" strike="noStrike">
-                <a:solidFill>
-                  <a:srgbClr val="000000"/>
-                </a:solidFill>
-                <a:latin typeface="Arial"/>
-                <a:ea typeface="Arial"/>
-                <a:cs typeface="Arial"/>
-                <a:sym typeface="Arial"/>
-              </a:endParaRPr>
-            </a:p>
-          </p:txBody>
-        </p:sp>
-        <p:sp>
-          <p:nvSpPr>
-            <p:cNvPr id="50" name="Google Shape;50;p1"/>
-            <p:cNvSpPr/>
-            <p:nvPr/>
-          </p:nvSpPr>
-          <p:spPr>
-            <a:xfrm>
-              <a:off x="4308743" y="-571595"/>
-              <a:ext cx="119073" cy="119073"/>
-            </a:xfrm>
-            <a:custGeom>
-              <a:rect b="b" l="l" r="r" t="t"/>
-              <a:pathLst>
-                <a:path extrusionOk="0" h="204" w="204">
-                  <a:moveTo>
-                    <a:pt x="83" y="0"/>
-                  </a:moveTo>
-                  <a:lnTo>
-                    <a:pt x="119" y="0"/>
-                  </a:lnTo>
-                  <a:lnTo>
-                    <a:pt x="119" y="83"/>
-                  </a:lnTo>
-                  <a:lnTo>
-                    <a:pt x="204" y="83"/>
-                  </a:lnTo>
-                  <a:lnTo>
-                    <a:pt x="204" y="119"/>
-                  </a:lnTo>
-                  <a:lnTo>
-                    <a:pt x="119" y="119"/>
-                  </a:lnTo>
-                  <a:lnTo>
-                    <a:pt x="119" y="204"/>
-                  </a:lnTo>
-                  <a:lnTo>
-                    <a:pt x="83" y="204"/>
-                  </a:lnTo>
-                  <a:lnTo>
-                    <a:pt x="83" y="119"/>
-                  </a:lnTo>
-                  <a:lnTo>
-                    <a:pt x="0" y="119"/>
-                  </a:lnTo>
-                  <a:lnTo>
-                    <a:pt x="0" y="83"/>
-                  </a:lnTo>
-                  <a:lnTo>
-                    <a:pt x="83" y="83"/>
-                  </a:lnTo>
-                  <a:lnTo>
-                    <a:pt x="83" y="0"/>
-                  </a:lnTo>
-                  <a:close/>
-                </a:path>
-              </a:pathLst>
-            </a:custGeom>
-            <a:solidFill>
-              <a:schemeClr val="dk2"/>
-            </a:solidFill>
-            <a:ln>
-              <a:noFill/>
-            </a:ln>
-          </p:spPr>
-          <p:txBody>
-            <a:bodyPr anchorCtr="0" anchor="t" bIns="46625" lIns="93275" spcFirstLastPara="1" rIns="93275" wrap="square" tIns="46625">
-              <a:noAutofit/>
-            </a:bodyPr>
-            <a:lstStyle/>
-            <a:p>
-              <a:pPr indent="0" lvl="0" marL="0" marR="0" rtl="0" algn="l">
-                <a:lnSpc>
-                  <a:spcPct val="100000"/>
-                </a:lnSpc>
-                <a:spcBef>
-                  <a:spcPts val="0"/>
-                </a:spcBef>
-                <a:spcAft>
-                  <a:spcPts val="0"/>
-                </a:spcAft>
-                <a:buClr>
-                  <a:srgbClr val="000000"/>
-                </a:buClr>
-                <a:buSzPts val="1428"/>
-                <a:buFont typeface="Arial"/>
-                <a:buNone/>
-              </a:pPr>
-              <a:r>
-                <a:t/>
-              </a:r>
-              <a:endParaRPr b="0" i="0" sz="1428" u="none" cap="none" strike="noStrike">
-                <a:solidFill>
-                  <a:srgbClr val="000000"/>
-                </a:solidFill>
-                <a:latin typeface="Arial"/>
-                <a:ea typeface="Arial"/>
-                <a:cs typeface="Arial"/>
-                <a:sym typeface="Arial"/>
-              </a:endParaRPr>
-            </a:p>
-          </p:txBody>
-        </p:sp>
-      </p:grpSp>
-      <p:grpSp>
-        <p:nvGrpSpPr>
-          <p:cNvPr id="51" name="Google Shape;51;p1"/>
-          <p:cNvGrpSpPr/>
-          <p:nvPr/>
-        </p:nvGrpSpPr>
-        <p:grpSpPr>
-          <a:xfrm>
-            <a:off x="3967650" y="4711974"/>
-            <a:ext cx="155774" cy="155774"/>
-            <a:chOff x="4283114" y="-597224"/>
-            <a:chExt cx="170332" cy="170332"/>
-          </a:xfrm>
-        </p:grpSpPr>
-        <p:sp>
-          <p:nvSpPr>
-            <p:cNvPr id="52" name="Google Shape;52;p1"/>
-            <p:cNvSpPr/>
-            <p:nvPr/>
-          </p:nvSpPr>
-          <p:spPr>
-            <a:xfrm>
-              <a:off x="4283114" y="-597224"/>
-              <a:ext cx="170332" cy="170332"/>
-            </a:xfrm>
-            <a:prstGeom prst="ellipse">
-              <a:avLst/>
-            </a:prstGeom>
-            <a:solidFill>
-              <a:schemeClr val="accent3"/>
-            </a:solidFill>
-            <a:ln cap="flat" cmpd="sng" w="12700">
-              <a:solidFill>
-                <a:schemeClr val="lt1"/>
-              </a:solidFill>
-              <a:prstDash val="solid"/>
-              <a:round/>
-              <a:headEnd len="sm" w="sm" type="none"/>
-              <a:tailEnd len="sm" w="sm" type="none"/>
-            </a:ln>
-          </p:spPr>
-          <p:txBody>
-            <a:bodyPr anchorCtr="0" anchor="ctr" bIns="45700" lIns="91425" spcFirstLastPara="1" rIns="91425" wrap="square" tIns="45700">
-              <a:noAutofit/>
-            </a:bodyPr>
-            <a:lstStyle/>
-            <a:p>
-              <a:pPr indent="0" lvl="0" marL="0" marR="0" rtl="0" algn="l">
-                <a:lnSpc>
-                  <a:spcPct val="100000"/>
-                </a:lnSpc>
-                <a:spcBef>
-                  <a:spcPts val="0"/>
-                </a:spcBef>
-                <a:spcAft>
-                  <a:spcPts val="0"/>
-                </a:spcAft>
-                <a:buClr>
-                  <a:srgbClr val="000000"/>
-                </a:buClr>
-                <a:buSzPts val="1428"/>
-                <a:buFont typeface="Arial"/>
-                <a:buNone/>
-              </a:pPr>
-              <a:r>
-                <a:t/>
-              </a:r>
-              <a:endParaRPr b="1" i="0" sz="1428" u="none" cap="none" strike="noStrike">
-                <a:solidFill>
-                  <a:srgbClr val="000000"/>
-                </a:solidFill>
-                <a:latin typeface="Arial"/>
-                <a:ea typeface="Arial"/>
-                <a:cs typeface="Arial"/>
-                <a:sym typeface="Arial"/>
-              </a:endParaRPr>
-            </a:p>
-          </p:txBody>
-        </p:sp>
-        <p:sp>
-          <p:nvSpPr>
-            <p:cNvPr id="53" name="Google Shape;53;p1"/>
-            <p:cNvSpPr/>
-            <p:nvPr/>
-          </p:nvSpPr>
-          <p:spPr>
-            <a:xfrm>
-              <a:off x="4308743" y="-571595"/>
-              <a:ext cx="119073" cy="119073"/>
-            </a:xfrm>
-            <a:custGeom>
-              <a:rect b="b" l="l" r="r" t="t"/>
-              <a:pathLst>
-                <a:path extrusionOk="0" h="204" w="204">
-                  <a:moveTo>
-                    <a:pt x="83" y="0"/>
-                  </a:moveTo>
-                  <a:lnTo>
-                    <a:pt x="119" y="0"/>
-                  </a:lnTo>
-                  <a:lnTo>
-                    <a:pt x="119" y="83"/>
-                  </a:lnTo>
-                  <a:lnTo>
-                    <a:pt x="204" y="83"/>
-                  </a:lnTo>
-                  <a:lnTo>
-                    <a:pt x="204" y="119"/>
-                  </a:lnTo>
-                  <a:lnTo>
-                    <a:pt x="119" y="119"/>
-                  </a:lnTo>
-                  <a:lnTo>
-                    <a:pt x="119" y="204"/>
-                  </a:lnTo>
-                  <a:lnTo>
-                    <a:pt x="83" y="204"/>
-                  </a:lnTo>
-                  <a:lnTo>
-                    <a:pt x="83" y="119"/>
-                  </a:lnTo>
-                  <a:lnTo>
-                    <a:pt x="0" y="119"/>
-                  </a:lnTo>
-                  <a:lnTo>
-                    <a:pt x="0" y="83"/>
-                  </a:lnTo>
-                  <a:lnTo>
-                    <a:pt x="83" y="83"/>
-                  </a:lnTo>
-                  <a:lnTo>
-                    <a:pt x="83" y="0"/>
-                  </a:lnTo>
-                  <a:close/>
-                </a:path>
-              </a:pathLst>
-            </a:custGeom>
-            <a:solidFill>
-              <a:schemeClr val="dk2"/>
-            </a:solidFill>
-            <a:ln>
-              <a:noFill/>
-            </a:ln>
-          </p:spPr>
-          <p:txBody>
-            <a:bodyPr anchorCtr="0" anchor="t" bIns="46625" lIns="93275" spcFirstLastPara="1" rIns="93275" wrap="square" tIns="46625">
-              <a:noAutofit/>
-            </a:bodyPr>
-            <a:lstStyle/>
-            <a:p>
-              <a:pPr indent="0" lvl="0" marL="0" marR="0" rtl="0" algn="l">
-                <a:lnSpc>
-                  <a:spcPct val="100000"/>
-                </a:lnSpc>
-                <a:spcBef>
-                  <a:spcPts val="0"/>
-                </a:spcBef>
-                <a:spcAft>
-                  <a:spcPts val="0"/>
-                </a:spcAft>
-                <a:buClr>
-                  <a:srgbClr val="000000"/>
-                </a:buClr>
-                <a:buSzPts val="1428"/>
-                <a:buFont typeface="Arial"/>
-                <a:buNone/>
-              </a:pPr>
-              <a:r>
-                <a:t/>
-              </a:r>
-              <a:endParaRPr b="0" i="0" sz="1428" u="none" cap="none" strike="noStrike">
+              <a:endParaRPr sz="1428" b="0" i="0" u="none" strike="noStrike" cap="none">
                 <a:solidFill>
                   <a:srgbClr val="000000"/>
                 </a:solidFill>
@@ -4739,10 +4369,10 @@
         </p:nvGrpSpPr>
         <p:grpSpPr>
           <a:xfrm>
-            <a:off x="2434298" y="2152223"/>
-            <a:ext cx="3053689" cy="694540"/>
-            <a:chOff x="181338" y="3202316"/>
-            <a:chExt cx="2745457" cy="759450"/>
+            <a:off x="2362957" y="2274144"/>
+            <a:ext cx="1123960" cy="533278"/>
+            <a:chOff x="170113" y="3320103"/>
+            <a:chExt cx="2756682" cy="641664"/>
           </a:xfrm>
         </p:grpSpPr>
         <p:grpSp>
@@ -4779,12 +4409,12 @@
               </a:ln>
             </p:spPr>
             <p:txBody>
-              <a:bodyPr anchorCtr="0" anchor="t" bIns="0" lIns="0" spcFirstLastPara="1" rIns="0" wrap="square" tIns="0">
+              <a:bodyPr spcFirstLastPara="1" wrap="square" lIns="0" tIns="0" rIns="0" bIns="0" anchor="t" anchorCtr="0">
                 <a:noAutofit/>
               </a:bodyPr>
               <a:lstStyle/>
               <a:p>
-                <a:pPr indent="0" lvl="0" marL="0" marR="0" rtl="0" algn="l">
+                <a:pPr marL="0" marR="0" lvl="0" indent="0" algn="l" rtl="0">
                   <a:lnSpc>
                     <a:spcPct val="100000"/>
                   </a:lnSpc>
@@ -4802,7 +4432,7 @@
                   <a:buNone/>
                 </a:pPr>
                 <a:r>
-                  <a:rPr b="1" i="0" lang="en-US" sz="714" u="none" cap="none" strike="noStrike">
+                  <a:rPr lang="en-US" sz="714" b="1" i="0" u="none" strike="noStrike" cap="none">
                     <a:solidFill>
                       <a:srgbClr val="FFFFFF"/>
                     </a:solidFill>
@@ -4813,7 +4443,7 @@
                   </a:rPr>
                   <a:t>Coal based costs</a:t>
                 </a:r>
-                <a:endParaRPr b="0" i="0" sz="1400" u="none" cap="none" strike="noStrike">
+                <a:endParaRPr sz="1400" b="0" i="0" u="none" strike="noStrike" cap="none">
                   <a:solidFill>
                     <a:srgbClr val="000000"/>
                   </a:solidFill>
@@ -4845,12 +4475,12 @@
               </a:ln>
             </p:spPr>
             <p:txBody>
-              <a:bodyPr anchorCtr="0" anchor="t" bIns="0" lIns="0" spcFirstLastPara="1" rIns="0" wrap="square" tIns="0">
+              <a:bodyPr spcFirstLastPara="1" wrap="square" lIns="0" tIns="0" rIns="0" bIns="0" anchor="t" anchorCtr="0">
                 <a:noAutofit/>
               </a:bodyPr>
               <a:lstStyle/>
               <a:p>
-                <a:pPr indent="0" lvl="0" marL="0" marR="0" rtl="0" algn="ctr">
+                <a:pPr marL="0" marR="0" lvl="0" indent="0" algn="ctr" rtl="0">
                   <a:lnSpc>
                     <a:spcPct val="100000"/>
                   </a:lnSpc>
@@ -4868,7 +4498,7 @@
                   <a:buNone/>
                 </a:pPr>
                 <a:r>
-                  <a:rPr b="1" i="0" lang="en-US" sz="714" u="none" cap="none" strike="noStrike">
+                  <a:rPr lang="en-US" sz="714" b="1" i="0" u="none" strike="noStrike" cap="none" dirty="0">
                     <a:solidFill>
                       <a:srgbClr val="FFFFFF"/>
                     </a:solidFill>
@@ -4879,7 +4509,7 @@
                   </a:rPr>
                   <a:t>($)</a:t>
                 </a:r>
-                <a:endParaRPr b="0" i="0" sz="1400" u="none" cap="none" strike="noStrike">
+                <a:endParaRPr sz="1400" b="0" i="0" u="none" strike="noStrike" cap="none" dirty="0">
                   <a:solidFill>
                     <a:srgbClr val="000000"/>
                   </a:solidFill>
@@ -4900,10 +4530,10 @@
           </p:nvGrpSpPr>
           <p:grpSpPr>
             <a:xfrm>
-              <a:off x="181338" y="3202316"/>
-              <a:ext cx="995050" cy="759450"/>
-              <a:chOff x="4934193" y="775562"/>
-              <a:chExt cx="883056" cy="725295"/>
+              <a:off x="170113" y="3320103"/>
+              <a:ext cx="2745943" cy="641664"/>
+              <a:chOff x="4924231" y="888051"/>
+              <a:chExt cx="2436884" cy="612806"/>
             </a:xfrm>
           </p:grpSpPr>
           <p:sp>
@@ -4914,8 +4544,8 @@
             </p:nvSpPr>
             <p:spPr>
               <a:xfrm>
-                <a:off x="4934194" y="1056229"/>
-                <a:ext cx="878605" cy="444628"/>
+                <a:off x="4934195" y="1056229"/>
+                <a:ext cx="2419223" cy="444628"/>
               </a:xfrm>
               <a:prstGeom prst="rect">
                 <a:avLst/>
@@ -4923,23 +4553,79 @@
               <a:solidFill>
                 <a:schemeClr val="lt1"/>
               </a:solidFill>
-              <a:ln cap="flat" cmpd="sng" w="12700">
+              <a:ln w="12700" cap="flat" cmpd="sng">
                 <a:solidFill>
                   <a:schemeClr val="accent2"/>
                 </a:solidFill>
                 <a:prstDash val="solid"/>
                 <a:round/>
-                <a:headEnd len="sm" w="sm" type="none"/>
-                <a:tailEnd len="sm" w="sm" type="none"/>
+                <a:headEnd type="none" w="sm" len="sm"/>
+                <a:tailEnd type="none" w="sm" len="sm"/>
               </a:ln>
             </p:spPr>
             <p:txBody>
-              <a:bodyPr anchorCtr="0" anchor="ctr" bIns="45700" lIns="91425" spcFirstLastPara="1" rIns="91425" wrap="square" tIns="45700">
+              <a:bodyPr spcFirstLastPara="1" wrap="square" lIns="91425" tIns="45700" rIns="91425" bIns="45700" anchor="ctr" anchorCtr="0">
                 <a:noAutofit/>
               </a:bodyPr>
               <a:lstStyle/>
               <a:p>
-                <a:pPr indent="0" lvl="0" marL="0" marR="0" rtl="0" algn="ctr">
+                <a:pPr marL="0" marR="0" lvl="0" indent="0" algn="ctr" rtl="0">
+                  <a:lnSpc>
+                    <a:spcPct val="100000"/>
+                  </a:lnSpc>
+                  <a:spcBef>
+                    <a:spcPts val="0"/>
+                  </a:spcBef>
+                  <a:spcAft>
+                    <a:spcPts val="0"/>
+                  </a:spcAft>
+                  <a:buClr>
+                    <a:srgbClr val="000000"/>
+                  </a:buClr>
+                  <a:buSzPts val="714"/>
+                  <a:buFont typeface="Arial"/>
+                  <a:buNone/>
+                </a:pPr>
+                <a:endParaRPr sz="714" b="0" i="0" u="none" strike="noStrike" cap="none" dirty="0">
+                  <a:solidFill>
+                    <a:srgbClr val="002C46"/>
+                  </a:solidFill>
+                  <a:latin typeface="Arial"/>
+                  <a:ea typeface="Arial"/>
+                  <a:cs typeface="Arial"/>
+                  <a:sym typeface="Arial"/>
+                </a:endParaRPr>
+              </a:p>
+              <a:p>
+                <a:pPr marL="0" marR="0" lvl="0" indent="0" algn="ctr" rtl="0">
+                  <a:lnSpc>
+                    <a:spcPct val="100000"/>
+                  </a:lnSpc>
+                  <a:spcBef>
+                    <a:spcPts val="0"/>
+                  </a:spcBef>
+                  <a:spcAft>
+                    <a:spcPts val="0"/>
+                  </a:spcAft>
+                  <a:buClr>
+                    <a:srgbClr val="000000"/>
+                  </a:buClr>
+                  <a:buSzPts val="714"/>
+                  <a:buFont typeface="Arial"/>
+                  <a:buNone/>
+                </a:pPr>
+                <a:endParaRPr sz="714" b="0" i="0" u="none" strike="noStrike" cap="none" dirty="0">
+                  <a:solidFill>
+                    <a:srgbClr val="002C46"/>
+                  </a:solidFill>
+                  <a:latin typeface="Arial"/>
+                  <a:ea typeface="Arial"/>
+                  <a:cs typeface="Arial"/>
+                  <a:sym typeface="Arial"/>
+                </a:endParaRPr>
+              </a:p>
+              <a:p>
+                <a:pPr marL="0" marR="0" lvl="0" indent="0" algn="l" rtl="0">
                   <a:lnSpc>
                     <a:spcPct val="100000"/>
                   </a:lnSpc>
@@ -4957,69 +4643,7 @@
                   <a:buNone/>
                 </a:pPr>
                 <a:r>
-                  <a:t/>
-                </a:r>
-                <a:endParaRPr b="0" i="0" sz="714" u="none" cap="none" strike="noStrike">
-                  <a:solidFill>
-                    <a:srgbClr val="002C46"/>
-                  </a:solidFill>
-                  <a:latin typeface="Arial"/>
-                  <a:ea typeface="Arial"/>
-                  <a:cs typeface="Arial"/>
-                  <a:sym typeface="Arial"/>
-                </a:endParaRPr>
-              </a:p>
-              <a:p>
-                <a:pPr indent="0" lvl="0" marL="0" marR="0" rtl="0" algn="ctr">
-                  <a:lnSpc>
-                    <a:spcPct val="100000"/>
-                  </a:lnSpc>
-                  <a:spcBef>
-                    <a:spcPts val="0"/>
-                  </a:spcBef>
-                  <a:spcAft>
-                    <a:spcPts val="0"/>
-                  </a:spcAft>
-                  <a:buClr>
-                    <a:srgbClr val="000000"/>
-                  </a:buClr>
-                  <a:buSzPts val="714"/>
-                  <a:buFont typeface="Arial"/>
-                  <a:buNone/>
-                </a:pPr>
-                <a:r>
-                  <a:t/>
-                </a:r>
-                <a:endParaRPr b="0" i="0" sz="714" u="none" cap="none" strike="noStrike">
-                  <a:solidFill>
-                    <a:srgbClr val="002C46"/>
-                  </a:solidFill>
-                  <a:latin typeface="Arial"/>
-                  <a:ea typeface="Arial"/>
-                  <a:cs typeface="Arial"/>
-                  <a:sym typeface="Arial"/>
-                </a:endParaRPr>
-              </a:p>
-              <a:p>
-                <a:pPr indent="0" lvl="0" marL="0" marR="0" rtl="0" algn="l">
-                  <a:lnSpc>
-                    <a:spcPct val="100000"/>
-                  </a:lnSpc>
-                  <a:spcBef>
-                    <a:spcPts val="0"/>
-                  </a:spcBef>
-                  <a:spcAft>
-                    <a:spcPts val="0"/>
-                  </a:spcAft>
-                  <a:buClr>
-                    <a:srgbClr val="000000"/>
-                  </a:buClr>
-                  <a:buSzPts val="714"/>
-                  <a:buFont typeface="Arial"/>
-                  <a:buNone/>
-                </a:pPr>
-                <a:r>
-                  <a:rPr b="0" i="0" lang="en-US" sz="714" u="none" cap="none" strike="noStrike">
+                  <a:rPr lang="en-US" sz="714" b="0" i="0" u="none" strike="noStrike" cap="none" dirty="0">
                     <a:solidFill>
                       <a:srgbClr val="002C46"/>
                     </a:solidFill>
@@ -5030,7 +4654,7 @@
                   </a:rPr>
                   <a:t>$</a:t>
                 </a:r>
-                <a:endParaRPr b="0" i="0" sz="714" u="none" cap="none" strike="noStrike">
+                <a:endParaRPr sz="714" b="0" i="0" u="none" strike="noStrike" cap="none" dirty="0">
                   <a:solidFill>
                     <a:srgbClr val="002C46"/>
                   </a:solidFill>
@@ -5050,8 +4674,8 @@
             </p:nvSpPr>
             <p:spPr>
               <a:xfrm>
-                <a:off x="4934193" y="775562"/>
-                <a:ext cx="883056" cy="545132"/>
+                <a:off x="4924231" y="888051"/>
+                <a:ext cx="2436884" cy="398181"/>
               </a:xfrm>
               <a:prstGeom prst="rect">
                 <a:avLst/>
@@ -5059,23 +4683,23 @@
               <a:solidFill>
                 <a:srgbClr val="00C09D"/>
               </a:solidFill>
-              <a:ln cap="flat" cmpd="sng" w="12700">
+              <a:ln w="12700" cap="flat" cmpd="sng">
                 <a:solidFill>
                   <a:schemeClr val="accent2"/>
                 </a:solidFill>
                 <a:prstDash val="solid"/>
                 <a:round/>
-                <a:headEnd len="sm" w="sm" type="none"/>
-                <a:tailEnd len="sm" w="sm" type="none"/>
+                <a:headEnd type="none" w="sm" len="sm"/>
+                <a:tailEnd type="none" w="sm" len="sm"/>
               </a:ln>
             </p:spPr>
             <p:txBody>
-              <a:bodyPr anchorCtr="0" anchor="ctr" bIns="45700" lIns="91425" spcFirstLastPara="1" rIns="91425" wrap="square" tIns="45700">
+              <a:bodyPr spcFirstLastPara="1" wrap="square" lIns="91425" tIns="45700" rIns="91425" bIns="45700" anchor="ctr" anchorCtr="0">
                 <a:noAutofit/>
               </a:bodyPr>
               <a:lstStyle/>
               <a:p>
-                <a:pPr indent="0" lvl="0" marL="0" marR="0" rtl="0" algn="ctr">
+                <a:pPr marL="0" marR="0" lvl="0" indent="0" rtl="0">
                   <a:lnSpc>
                     <a:spcPct val="100000"/>
                   </a:lnSpc>
@@ -5093,7 +4717,7 @@
                   <a:buNone/>
                 </a:pPr>
                 <a:r>
-                  <a:rPr b="0" i="0" lang="en-US" sz="714" u="none" cap="none" strike="noStrike">
+                  <a:rPr lang="en-US" sz="714" b="1" i="0" u="none" strike="noStrike" cap="none" dirty="0">
                     <a:solidFill>
                       <a:srgbClr val="002C46"/>
                     </a:solidFill>
@@ -5104,7 +4728,7 @@
                   </a:rPr>
                   <a:t>Operational Cost</a:t>
                 </a:r>
-                <a:endParaRPr b="0" i="0" sz="714" u="none" cap="none" strike="noStrike">
+                <a:endParaRPr sz="714" b="1" i="0" u="none" strike="noStrike" cap="none" dirty="0">
                   <a:solidFill>
                     <a:srgbClr val="002C46"/>
                   </a:solidFill>
@@ -5126,52 +4750,126 @@
         </p:nvGrpSpPr>
         <p:grpSpPr>
           <a:xfrm>
-            <a:off x="2417174" y="4573674"/>
-            <a:ext cx="2547936" cy="425774"/>
-            <a:chOff x="181335" y="3496200"/>
-            <a:chExt cx="2745460" cy="465566"/>
+            <a:off x="2367636" y="3194784"/>
+            <a:ext cx="1131824" cy="425775"/>
+            <a:chOff x="145402" y="3496199"/>
+            <a:chExt cx="2781393" cy="465567"/>
           </a:xfrm>
         </p:grpSpPr>
+        <p:sp>
+          <p:nvSpPr>
+            <p:cNvPr id="63" name="Google Shape;63;p1"/>
+            <p:cNvSpPr txBox="1"/>
+            <p:nvPr/>
+          </p:nvSpPr>
+          <p:spPr>
+            <a:xfrm>
+              <a:off x="2555058" y="3521670"/>
+              <a:ext cx="371737" cy="154830"/>
+            </a:xfrm>
+            <a:prstGeom prst="rect">
+              <a:avLst/>
+            </a:prstGeom>
+            <a:noFill/>
+            <a:ln>
+              <a:noFill/>
+            </a:ln>
+          </p:spPr>
+          <p:txBody>
+            <a:bodyPr spcFirstLastPara="1" wrap="square" lIns="0" tIns="0" rIns="0" bIns="0" anchor="t" anchorCtr="0">
+              <a:noAutofit/>
+            </a:bodyPr>
+            <a:lstStyle/>
+            <a:p>
+              <a:pPr marL="0" marR="0" lvl="0" indent="0" algn="ctr" rtl="0">
+                <a:lnSpc>
+                  <a:spcPct val="100000"/>
+                </a:lnSpc>
+                <a:spcBef>
+                  <a:spcPts val="0"/>
+                </a:spcBef>
+                <a:spcAft>
+                  <a:spcPts val="0"/>
+                </a:spcAft>
+                <a:buClr>
+                  <a:srgbClr val="879C16"/>
+                </a:buClr>
+                <a:buSzPts val="714"/>
+                <a:buFont typeface="Arial"/>
+                <a:buNone/>
+              </a:pPr>
+              <a:r>
+                <a:rPr lang="en-US" sz="714" b="1" i="0" u="none" strike="noStrike" cap="none">
+                  <a:solidFill>
+                    <a:srgbClr val="FFFFFF"/>
+                  </a:solidFill>
+                  <a:latin typeface="Arial"/>
+                  <a:ea typeface="Arial"/>
+                  <a:cs typeface="Arial"/>
+                  <a:sym typeface="Arial"/>
+                </a:rPr>
+                <a:t>($)</a:t>
+              </a:r>
+              <a:endParaRPr sz="1400" b="0" i="0" u="none" strike="noStrike" cap="none">
+                <a:solidFill>
+                  <a:srgbClr val="000000"/>
+                </a:solidFill>
+                <a:latin typeface="Arial"/>
+                <a:ea typeface="Arial"/>
+                <a:cs typeface="Arial"/>
+                <a:sym typeface="Arial"/>
+              </a:endParaRPr>
+            </a:p>
+          </p:txBody>
+        </p:sp>
         <p:grpSp>
           <p:nvGrpSpPr>
-            <p:cNvPr id="61" name="Google Shape;61;p1"/>
+            <p:cNvPr id="64" name="Google Shape;64;p1"/>
             <p:cNvGrpSpPr/>
             <p:nvPr/>
           </p:nvGrpSpPr>
           <p:grpSpPr>
             <a:xfrm>
-              <a:off x="1699968" y="3521670"/>
-              <a:ext cx="1226827" cy="154830"/>
-              <a:chOff x="4954832" y="1080555"/>
-              <a:chExt cx="1088747" cy="147867"/>
+              <a:off x="145402" y="3496199"/>
+              <a:ext cx="2750565" cy="465567"/>
+              <a:chOff x="4902308" y="1056228"/>
+              <a:chExt cx="2440989" cy="444629"/>
             </a:xfrm>
           </p:grpSpPr>
           <p:sp>
             <p:nvSpPr>
-              <p:cNvPr id="62" name="Google Shape;62;p1"/>
-              <p:cNvSpPr txBox="1"/>
+              <p:cNvPr id="21" name="Google Shape;21;p1"/>
+              <p:cNvSpPr/>
               <p:nvPr/>
             </p:nvSpPr>
             <p:spPr>
               <a:xfrm>
-                <a:off x="4954832" y="1080555"/>
-                <a:ext cx="769475" cy="147867"/>
+                <a:off x="4911188" y="1056229"/>
+                <a:ext cx="2414850" cy="444628"/>
               </a:xfrm>
               <a:prstGeom prst="rect">
                 <a:avLst/>
               </a:prstGeom>
-              <a:noFill/>
-              <a:ln>
-                <a:noFill/>
+              <a:solidFill>
+                <a:schemeClr val="lt1"/>
+              </a:solidFill>
+              <a:ln w="12700" cap="flat" cmpd="sng">
+                <a:solidFill>
+                  <a:schemeClr val="accent2"/>
+                </a:solidFill>
+                <a:prstDash val="solid"/>
+                <a:round/>
+                <a:headEnd type="none" w="sm" len="sm"/>
+                <a:tailEnd type="none" w="sm" len="sm"/>
               </a:ln>
             </p:spPr>
             <p:txBody>
-              <a:bodyPr anchorCtr="0" anchor="t" bIns="0" lIns="0" spcFirstLastPara="1" rIns="0" wrap="square" tIns="0">
+              <a:bodyPr spcFirstLastPara="1" wrap="square" lIns="91425" tIns="45700" rIns="91425" bIns="45700" anchor="ctr" anchorCtr="0">
                 <a:noAutofit/>
               </a:bodyPr>
               <a:lstStyle/>
               <a:p>
-                <a:pPr indent="0" lvl="0" marL="0" marR="0" rtl="0" algn="l">
+                <a:pPr marL="0" marR="0" lvl="0" indent="0" algn="ctr" rtl="0">
                   <a:lnSpc>
                     <a:spcPct val="100000"/>
                   </a:lnSpc>
@@ -5182,27 +4880,15 @@
                     <a:spcPts val="0"/>
                   </a:spcAft>
                   <a:buClr>
-                    <a:srgbClr val="879C16"/>
+                    <a:srgbClr val="000000"/>
                   </a:buClr>
                   <a:buSzPts val="714"/>
                   <a:buFont typeface="Arial"/>
                   <a:buNone/>
                 </a:pPr>
-                <a:r>
-                  <a:rPr b="1" i="0" lang="en-US" sz="714" u="none" cap="none" strike="noStrike">
-                    <a:solidFill>
-                      <a:srgbClr val="FFFFFF"/>
-                    </a:solidFill>
-                    <a:latin typeface="Arial"/>
-                    <a:ea typeface="Arial"/>
-                    <a:cs typeface="Arial"/>
-                    <a:sym typeface="Arial"/>
-                  </a:rPr>
-                  <a:t>Coal based costs</a:t>
-                </a:r>
-                <a:endParaRPr b="0" i="0" sz="1400" u="none" cap="none" strike="noStrike">
+                <a:endParaRPr sz="714" b="0" i="0" u="none" strike="noStrike" cap="none" dirty="0">
                   <a:solidFill>
-                    <a:srgbClr val="000000"/>
+                    <a:srgbClr val="002C46"/>
                   </a:solidFill>
                   <a:latin typeface="Arial"/>
                   <a:ea typeface="Arial"/>
@@ -5210,34 +4896,8 @@
                   <a:sym typeface="Arial"/>
                 </a:endParaRPr>
               </a:p>
-            </p:txBody>
-          </p:sp>
-          <p:sp>
-            <p:nvSpPr>
-              <p:cNvPr id="63" name="Google Shape;63;p1"/>
-              <p:cNvSpPr txBox="1"/>
-              <p:nvPr/>
-            </p:nvSpPr>
-            <p:spPr>
-              <a:xfrm>
-                <a:off x="5713681" y="1080555"/>
-                <a:ext cx="329898" cy="147867"/>
-              </a:xfrm>
-              <a:prstGeom prst="rect">
-                <a:avLst/>
-              </a:prstGeom>
-              <a:noFill/>
-              <a:ln>
-                <a:noFill/>
-              </a:ln>
-            </p:spPr>
-            <p:txBody>
-              <a:bodyPr anchorCtr="0" anchor="t" bIns="0" lIns="0" spcFirstLastPara="1" rIns="0" wrap="square" tIns="0">
-                <a:noAutofit/>
-              </a:bodyPr>
-              <a:lstStyle/>
               <a:p>
-                <a:pPr indent="0" lvl="0" marL="0" marR="0" rtl="0" algn="ctr">
+                <a:pPr marL="0" marR="0" lvl="0" indent="0" algn="ctr" rtl="0">
                   <a:lnSpc>
                     <a:spcPct val="100000"/>
                   </a:lnSpc>
@@ -5248,27 +4908,15 @@
                     <a:spcPts val="0"/>
                   </a:spcAft>
                   <a:buClr>
-                    <a:srgbClr val="879C16"/>
+                    <a:srgbClr val="000000"/>
                   </a:buClr>
                   <a:buSzPts val="714"/>
                   <a:buFont typeface="Arial"/>
                   <a:buNone/>
                 </a:pPr>
-                <a:r>
-                  <a:rPr b="1" i="0" lang="en-US" sz="714" u="none" cap="none" strike="noStrike">
-                    <a:solidFill>
-                      <a:srgbClr val="FFFFFF"/>
-                    </a:solidFill>
-                    <a:latin typeface="Arial"/>
-                    <a:ea typeface="Arial"/>
-                    <a:cs typeface="Arial"/>
-                    <a:sym typeface="Arial"/>
-                  </a:rPr>
-                  <a:t>($)</a:t>
-                </a:r>
-                <a:endParaRPr b="0" i="0" sz="1400" u="none" cap="none" strike="noStrike">
+                <a:endParaRPr sz="714" b="0" i="0" u="none" strike="noStrike" cap="none" dirty="0">
                   <a:solidFill>
-                    <a:srgbClr val="000000"/>
+                    <a:srgbClr val="002C46"/>
                   </a:solidFill>
                   <a:latin typeface="Arial"/>
                   <a:ea typeface="Arial"/>
@@ -5276,57 +4924,8 @@
                   <a:sym typeface="Arial"/>
                 </a:endParaRPr>
               </a:p>
-            </p:txBody>
-          </p:sp>
-        </p:grpSp>
-        <p:grpSp>
-          <p:nvGrpSpPr>
-            <p:cNvPr id="64" name="Google Shape;64;p1"/>
-            <p:cNvGrpSpPr/>
-            <p:nvPr/>
-          </p:nvGrpSpPr>
-          <p:grpSpPr>
-            <a:xfrm>
-              <a:off x="181335" y="3496200"/>
-              <a:ext cx="1275292" cy="465566"/>
-              <a:chOff x="4934192" y="1056229"/>
-              <a:chExt cx="1131757" cy="444628"/>
-            </a:xfrm>
-          </p:grpSpPr>
-          <p:sp>
-            <p:nvSpPr>
-              <p:cNvPr id="21" name="Google Shape;21;p1"/>
-              <p:cNvSpPr/>
-              <p:nvPr/>
-            </p:nvSpPr>
-            <p:spPr>
-              <a:xfrm>
-                <a:off x="4934192" y="1056229"/>
-                <a:ext cx="1131757" cy="444628"/>
-              </a:xfrm>
-              <a:prstGeom prst="rect">
-                <a:avLst/>
-              </a:prstGeom>
-              <a:solidFill>
-                <a:schemeClr val="lt1"/>
-              </a:solidFill>
-              <a:ln cap="flat" cmpd="sng" w="12700">
-                <a:solidFill>
-                  <a:schemeClr val="accent2"/>
-                </a:solidFill>
-                <a:prstDash val="solid"/>
-                <a:round/>
-                <a:headEnd len="sm" w="sm" type="none"/>
-                <a:tailEnd len="sm" w="sm" type="none"/>
-              </a:ln>
-            </p:spPr>
-            <p:txBody>
-              <a:bodyPr anchorCtr="0" anchor="ctr" bIns="45700" lIns="91425" spcFirstLastPara="1" rIns="91425" wrap="square" tIns="45700">
-                <a:noAutofit/>
-              </a:bodyPr>
-              <a:lstStyle/>
               <a:p>
-                <a:pPr indent="0" lvl="0" marL="0" marR="0" rtl="0" algn="ctr">
+                <a:pPr marL="0" marR="0" lvl="0" indent="0" algn="l" rtl="0">
                   <a:lnSpc>
                     <a:spcPct val="100000"/>
                   </a:lnSpc>
@@ -5344,69 +4943,7 @@
                   <a:buNone/>
                 </a:pPr>
                 <a:r>
-                  <a:t/>
-                </a:r>
-                <a:endParaRPr b="0" i="0" sz="714" u="none" cap="none" strike="noStrike">
-                  <a:solidFill>
-                    <a:srgbClr val="002C46"/>
-                  </a:solidFill>
-                  <a:latin typeface="Arial"/>
-                  <a:ea typeface="Arial"/>
-                  <a:cs typeface="Arial"/>
-                  <a:sym typeface="Arial"/>
-                </a:endParaRPr>
-              </a:p>
-              <a:p>
-                <a:pPr indent="0" lvl="0" marL="0" marR="0" rtl="0" algn="ctr">
-                  <a:lnSpc>
-                    <a:spcPct val="100000"/>
-                  </a:lnSpc>
-                  <a:spcBef>
-                    <a:spcPts val="0"/>
-                  </a:spcBef>
-                  <a:spcAft>
-                    <a:spcPts val="0"/>
-                  </a:spcAft>
-                  <a:buClr>
-                    <a:srgbClr val="000000"/>
-                  </a:buClr>
-                  <a:buSzPts val="714"/>
-                  <a:buFont typeface="Arial"/>
-                  <a:buNone/>
-                </a:pPr>
-                <a:r>
-                  <a:t/>
-                </a:r>
-                <a:endParaRPr b="0" i="0" sz="714" u="none" cap="none" strike="noStrike">
-                  <a:solidFill>
-                    <a:srgbClr val="002C46"/>
-                  </a:solidFill>
-                  <a:latin typeface="Arial"/>
-                  <a:ea typeface="Arial"/>
-                  <a:cs typeface="Arial"/>
-                  <a:sym typeface="Arial"/>
-                </a:endParaRPr>
-              </a:p>
-              <a:p>
-                <a:pPr indent="0" lvl="0" marL="0" marR="0" rtl="0" algn="l">
-                  <a:lnSpc>
-                    <a:spcPct val="100000"/>
-                  </a:lnSpc>
-                  <a:spcBef>
-                    <a:spcPts val="0"/>
-                  </a:spcBef>
-                  <a:spcAft>
-                    <a:spcPts val="0"/>
-                  </a:spcAft>
-                  <a:buClr>
-                    <a:srgbClr val="000000"/>
-                  </a:buClr>
-                  <a:buSzPts val="714"/>
-                  <a:buFont typeface="Arial"/>
-                  <a:buNone/>
-                </a:pPr>
-                <a:r>
-                  <a:rPr b="0" i="0" lang="en-US" sz="714" u="none" cap="none" strike="noStrike">
+                  <a:rPr lang="en-US" sz="714" b="0" i="0" u="none" strike="noStrike" cap="none" dirty="0">
                     <a:solidFill>
                       <a:srgbClr val="002C46"/>
                     </a:solidFill>
@@ -5417,7 +4954,7 @@
                   </a:rPr>
                   <a:t>tons</a:t>
                 </a:r>
-                <a:endParaRPr b="0" i="0" sz="714" u="none" cap="none" strike="noStrike">
+                <a:endParaRPr sz="714" b="0" i="0" u="none" strike="noStrike" cap="none" dirty="0">
                   <a:solidFill>
                     <a:srgbClr val="002C46"/>
                   </a:solidFill>
@@ -5437,8 +4974,8 @@
             </p:nvSpPr>
             <p:spPr>
               <a:xfrm>
-                <a:off x="4934192" y="1056229"/>
-                <a:ext cx="1131757" cy="264464"/>
+                <a:off x="4902308" y="1056228"/>
+                <a:ext cx="2440989" cy="276273"/>
               </a:xfrm>
               <a:prstGeom prst="rect">
                 <a:avLst/>
@@ -5446,23 +4983,23 @@
               <a:solidFill>
                 <a:srgbClr val="00C09D"/>
               </a:solidFill>
-              <a:ln cap="flat" cmpd="sng" w="12700">
+              <a:ln w="12700" cap="flat" cmpd="sng">
                 <a:solidFill>
                   <a:schemeClr val="accent2"/>
                 </a:solidFill>
                 <a:prstDash val="solid"/>
                 <a:round/>
-                <a:headEnd len="sm" w="sm" type="none"/>
-                <a:tailEnd len="sm" w="sm" type="none"/>
+                <a:headEnd type="none" w="sm" len="sm"/>
+                <a:tailEnd type="none" w="sm" len="sm"/>
               </a:ln>
             </p:spPr>
             <p:txBody>
-              <a:bodyPr anchorCtr="0" anchor="ctr" bIns="45700" lIns="91425" spcFirstLastPara="1" rIns="91425" wrap="square" tIns="45700">
+              <a:bodyPr spcFirstLastPara="1" wrap="square" lIns="91425" tIns="45700" rIns="91425" bIns="45700" anchor="ctr" anchorCtr="0">
                 <a:noAutofit/>
               </a:bodyPr>
               <a:lstStyle/>
               <a:p>
-                <a:pPr indent="0" lvl="0" marL="0" marR="0" rtl="0" algn="ctr">
+                <a:pPr marL="0" marR="0" lvl="0" indent="0" algn="ctr" rtl="0">
                   <a:lnSpc>
                     <a:spcPct val="100000"/>
                   </a:lnSpc>
@@ -5479,10 +5016,7 @@
                   <a:buFont typeface="Arial"/>
                   <a:buNone/>
                 </a:pPr>
-                <a:r>
-                  <a:t/>
-                </a:r>
-                <a:endParaRPr b="0" i="0" sz="714" u="none" cap="none" strike="noStrike">
+                <a:endParaRPr sz="714" b="0" i="0" u="none" strike="noStrike" cap="none">
                   <a:solidFill>
                     <a:srgbClr val="002C46"/>
                   </a:solidFill>
@@ -5502,8 +5036,8 @@
             </p:nvSpPr>
             <p:spPr>
               <a:xfrm>
-                <a:off x="4954832" y="1080554"/>
-                <a:ext cx="920660" cy="114769"/>
+                <a:off x="4954830" y="1080553"/>
+                <a:ext cx="2348211" cy="229537"/>
               </a:xfrm>
               <a:prstGeom prst="rect">
                 <a:avLst/>
@@ -5514,12 +5048,12 @@
               </a:ln>
             </p:spPr>
             <p:txBody>
-              <a:bodyPr anchorCtr="0" anchor="t" bIns="0" lIns="0" spcFirstLastPara="1" rIns="0" wrap="square" tIns="0">
+              <a:bodyPr spcFirstLastPara="1" wrap="square" lIns="0" tIns="0" rIns="0" bIns="0" anchor="t" anchorCtr="0">
                 <a:spAutoFit/>
               </a:bodyPr>
               <a:lstStyle/>
               <a:p>
-                <a:pPr indent="0" lvl="0" marL="0" marR="0" rtl="0" algn="l">
+                <a:pPr marL="0" marR="0" lvl="0" indent="0" algn="l" rtl="0">
                   <a:lnSpc>
                     <a:spcPct val="100000"/>
                   </a:lnSpc>
@@ -5537,20 +5071,51 @@
                   <a:buNone/>
                 </a:pPr>
                 <a:r>
-                  <a:rPr b="1" i="0" lang="en-US" sz="714" u="none" cap="none" strike="noStrike">
+                  <a:rPr lang="en-US" sz="714" b="1" i="0" u="none" strike="noStrike" cap="none" dirty="0">
                     <a:solidFill>
-                      <a:srgbClr val="FFFFFF"/>
+                      <a:schemeClr val="tx1"/>
                     </a:solidFill>
                     <a:latin typeface="Arial"/>
                     <a:ea typeface="Arial"/>
                     <a:cs typeface="Arial"/>
                     <a:sym typeface="Arial"/>
                   </a:rPr>
-                  <a:t>Ore Crusher Cost</a:t>
+                  <a:t>Ore Crusher </a:t>
                 </a:r>
-                <a:endParaRPr b="0" i="0" sz="1400" u="none" cap="none" strike="noStrike">
+              </a:p>
+              <a:p>
+                <a:pPr marL="0" marR="0" lvl="0" indent="0" algn="l" rtl="0">
+                  <a:lnSpc>
+                    <a:spcPct val="100000"/>
+                  </a:lnSpc>
+                  <a:spcBef>
+                    <a:spcPts val="0"/>
+                  </a:spcBef>
+                  <a:spcAft>
+                    <a:spcPts val="0"/>
+                  </a:spcAft>
+                  <a:buClr>
+                    <a:srgbClr val="879C16"/>
+                  </a:buClr>
+                  <a:buSzPts val="714"/>
+                  <a:buFont typeface="Arial"/>
+                  <a:buNone/>
+                </a:pPr>
+                <a:r>
+                  <a:rPr lang="en-US" sz="714" b="1" i="0" u="none" strike="noStrike" cap="none" dirty="0">
+                    <a:solidFill>
+                      <a:schemeClr val="tx1"/>
+                    </a:solidFill>
+                    <a:latin typeface="Arial"/>
+                    <a:ea typeface="Arial"/>
+                    <a:cs typeface="Arial"/>
+                    <a:sym typeface="Arial"/>
+                  </a:rPr>
+                  <a:t>Cost</a:t>
+                </a:r>
+                <a:endParaRPr sz="1400" b="0" i="0" u="none" strike="noStrike" cap="none" dirty="0">
                   <a:solidFill>
-                    <a:srgbClr val="000000"/>
+                    <a:schemeClr val="tx1"/>
                   </a:solidFill>
                   <a:latin typeface="Arial"/>
                   <a:ea typeface="Arial"/>
@@ -5570,8 +5135,8 @@
         </p:nvGrpSpPr>
         <p:grpSpPr>
           <a:xfrm>
-            <a:off x="4092516" y="1937207"/>
-            <a:ext cx="1072836" cy="425774"/>
+            <a:off x="4133800" y="1906900"/>
+            <a:ext cx="906630" cy="380641"/>
             <a:chOff x="4934192" y="1056229"/>
             <a:chExt cx="1131757" cy="444628"/>
           </a:xfrm>
@@ -5593,23 +5158,23 @@
             <a:solidFill>
               <a:schemeClr val="lt1"/>
             </a:solidFill>
-            <a:ln cap="flat" cmpd="sng" w="12700">
+            <a:ln w="12700" cap="flat" cmpd="sng">
               <a:solidFill>
                 <a:schemeClr val="accent2"/>
               </a:solidFill>
               <a:prstDash val="solid"/>
               <a:round/>
-              <a:headEnd len="sm" w="sm" type="none"/>
-              <a:tailEnd len="sm" w="sm" type="none"/>
+              <a:headEnd type="none" w="sm" len="sm"/>
+              <a:tailEnd type="none" w="sm" len="sm"/>
             </a:ln>
           </p:spPr>
           <p:txBody>
-            <a:bodyPr anchorCtr="0" anchor="ctr" bIns="45700" lIns="91425" spcFirstLastPara="1" rIns="91425" wrap="square" tIns="45700">
+            <a:bodyPr spcFirstLastPara="1" wrap="square" lIns="91425" tIns="45700" rIns="91425" bIns="45700" anchor="ctr" anchorCtr="0">
               <a:noAutofit/>
             </a:bodyPr>
             <a:lstStyle/>
             <a:p>
-              <a:pPr indent="0" lvl="0" marL="0" marR="0" rtl="0" algn="ctr">
+              <a:pPr marL="0" marR="0" lvl="0" indent="0" algn="ctr" rtl="0">
                 <a:lnSpc>
                   <a:spcPct val="100000"/>
                 </a:lnSpc>
@@ -5626,10 +5191,7 @@
                 <a:buFont typeface="Arial"/>
                 <a:buNone/>
               </a:pPr>
-              <a:r>
-                <a:t/>
-              </a:r>
-              <a:endParaRPr b="0" i="0" sz="714" u="none" cap="none" strike="noStrike">
+              <a:endParaRPr sz="714" b="0" i="0" u="none" strike="noStrike" cap="none">
                 <a:solidFill>
                   <a:srgbClr val="002C46"/>
                 </a:solidFill>
@@ -5658,23 +5220,23 @@
             <a:solidFill>
               <a:srgbClr val="00C09D"/>
             </a:solidFill>
-            <a:ln cap="flat" cmpd="sng" w="12700">
+            <a:ln w="12700" cap="flat" cmpd="sng">
               <a:solidFill>
                 <a:schemeClr val="accent2"/>
               </a:solidFill>
               <a:prstDash val="solid"/>
               <a:round/>
-              <a:headEnd len="sm" w="sm" type="none"/>
-              <a:tailEnd len="sm" w="sm" type="none"/>
+              <a:headEnd type="none" w="sm" len="sm"/>
+              <a:tailEnd type="none" w="sm" len="sm"/>
             </a:ln>
           </p:spPr>
           <p:txBody>
-            <a:bodyPr anchorCtr="0" anchor="ctr" bIns="45700" lIns="91425" spcFirstLastPara="1" rIns="91425" wrap="square" tIns="45700">
+            <a:bodyPr spcFirstLastPara="1" wrap="square" lIns="91425" tIns="45700" rIns="91425" bIns="45700" anchor="ctr" anchorCtr="0">
               <a:noAutofit/>
             </a:bodyPr>
             <a:lstStyle/>
             <a:p>
-              <a:pPr indent="0" lvl="0" marL="0" marR="0" rtl="0" algn="ctr">
+              <a:pPr marL="0" marR="0" lvl="0" indent="0" algn="ctr" rtl="0">
                 <a:lnSpc>
                   <a:spcPct val="100000"/>
                 </a:lnSpc>
@@ -5691,10 +5253,7 @@
                 <a:buFont typeface="Arial"/>
                 <a:buNone/>
               </a:pPr>
-              <a:r>
-                <a:t/>
-              </a:r>
-              <a:endParaRPr b="0" i="0" sz="714" u="none" cap="none" strike="noStrike">
+              <a:endParaRPr sz="714" b="0" i="0" u="none" strike="noStrike" cap="none">
                 <a:solidFill>
                   <a:srgbClr val="002C46"/>
                 </a:solidFill>
@@ -5726,12 +5285,12 @@
             </a:ln>
           </p:spPr>
           <p:txBody>
-            <a:bodyPr anchorCtr="0" anchor="t" bIns="0" lIns="0" spcFirstLastPara="1" rIns="0" wrap="square" tIns="0">
+            <a:bodyPr spcFirstLastPara="1" wrap="square" lIns="0" tIns="0" rIns="0" bIns="0" anchor="t" anchorCtr="0">
               <a:spAutoFit/>
             </a:bodyPr>
             <a:lstStyle/>
             <a:p>
-              <a:pPr indent="0" lvl="0" marL="0" marR="0" rtl="0" algn="l">
+              <a:pPr marL="0" marR="0" lvl="0" indent="0" algn="l" rtl="0">
                 <a:lnSpc>
                   <a:spcPct val="100000"/>
                 </a:lnSpc>
@@ -5749,7 +5308,7 @@
                 <a:buNone/>
               </a:pPr>
               <a:r>
-                <a:rPr b="0" i="0" lang="en-US" sz="800" u="none" cap="none" strike="noStrike">
+                <a:rPr lang="en-US" sz="800" b="0" i="0" u="none" strike="noStrike" cap="none">
                   <a:solidFill>
                     <a:srgbClr val="FFFFFF"/>
                   </a:solidFill>
@@ -5760,7 +5319,7 @@
                 </a:rPr>
                 <a:t>Fixed Cost</a:t>
               </a:r>
-              <a:endParaRPr b="0" i="0" sz="800" u="none" cap="none" strike="noStrike">
+              <a:endParaRPr sz="800" b="0" i="0" u="none" strike="noStrike" cap="none">
                 <a:solidFill>
                   <a:srgbClr val="000000"/>
                 </a:solidFill>
@@ -5792,12 +5351,12 @@
             </a:ln>
           </p:spPr>
           <p:txBody>
-            <a:bodyPr anchorCtr="0" anchor="t" bIns="0" lIns="0" spcFirstLastPara="1" rIns="0" wrap="square" tIns="0">
+            <a:bodyPr spcFirstLastPara="1" wrap="square" lIns="0" tIns="0" rIns="0" bIns="0" anchor="t" anchorCtr="0">
               <a:spAutoFit/>
             </a:bodyPr>
             <a:lstStyle/>
             <a:p>
-              <a:pPr indent="0" lvl="0" marL="0" marR="0" rtl="0" algn="l">
+              <a:pPr marL="0" marR="0" lvl="0" indent="0" algn="l" rtl="0">
                 <a:lnSpc>
                   <a:spcPct val="100000"/>
                 </a:lnSpc>
@@ -5815,7 +5374,7 @@
                 <a:buNone/>
               </a:pPr>
               <a:r>
-                <a:rPr b="1" i="0" lang="en-US" sz="714" u="none" cap="none" strike="noStrike">
+                <a:rPr lang="en-US" sz="714" b="1" i="0" u="none" strike="noStrike" cap="none">
                   <a:solidFill>
                     <a:srgbClr val="FFFFFF"/>
                   </a:solidFill>
@@ -5826,7 +5385,7 @@
                 </a:rPr>
                 <a:t>(unit)</a:t>
               </a:r>
-              <a:endParaRPr b="0" i="0" sz="1400" u="none" cap="none" strike="noStrike">
+              <a:endParaRPr sz="1400" b="0" i="0" u="none" strike="noStrike" cap="none">
                 <a:solidFill>
                   <a:srgbClr val="000000"/>
                 </a:solidFill>
@@ -5847,8 +5406,8 @@
         </p:nvGrpSpPr>
         <p:grpSpPr>
           <a:xfrm>
-            <a:off x="4096160" y="2645705"/>
-            <a:ext cx="1043821" cy="425774"/>
+            <a:off x="4133799" y="2722537"/>
+            <a:ext cx="933174" cy="380641"/>
             <a:chOff x="4934192" y="1056229"/>
             <a:chExt cx="1156890" cy="444628"/>
           </a:xfrm>
@@ -5870,23 +5429,23 @@
             <a:solidFill>
               <a:schemeClr val="lt1"/>
             </a:solidFill>
-            <a:ln cap="flat" cmpd="sng" w="12700">
+            <a:ln w="12700" cap="flat" cmpd="sng">
               <a:solidFill>
                 <a:schemeClr val="accent2"/>
               </a:solidFill>
               <a:prstDash val="solid"/>
               <a:round/>
-              <a:headEnd len="sm" w="sm" type="none"/>
-              <a:tailEnd len="sm" w="sm" type="none"/>
+              <a:headEnd type="none" w="sm" len="sm"/>
+              <a:tailEnd type="none" w="sm" len="sm"/>
             </a:ln>
           </p:spPr>
           <p:txBody>
-            <a:bodyPr anchorCtr="0" anchor="ctr" bIns="45700" lIns="91425" spcFirstLastPara="1" rIns="91425" wrap="square" tIns="45700">
+            <a:bodyPr spcFirstLastPara="1" wrap="square" lIns="91425" tIns="45700" rIns="91425" bIns="45700" anchor="ctr" anchorCtr="0">
               <a:noAutofit/>
             </a:bodyPr>
             <a:lstStyle/>
             <a:p>
-              <a:pPr indent="0" lvl="0" marL="0" marR="0" rtl="0" algn="ctr">
+              <a:pPr marL="0" marR="0" lvl="0" indent="0" algn="ctr" rtl="0">
                 <a:lnSpc>
                   <a:spcPct val="100000"/>
                 </a:lnSpc>
@@ -5903,10 +5462,7 @@
                 <a:buFont typeface="Arial"/>
                 <a:buNone/>
               </a:pPr>
-              <a:r>
-                <a:t/>
-              </a:r>
-              <a:endParaRPr b="0" i="0" sz="714" u="none" cap="none" strike="noStrike">
+              <a:endParaRPr sz="714" b="0" i="0" u="none" strike="noStrike" cap="none">
                 <a:solidFill>
                   <a:srgbClr val="002C46"/>
                 </a:solidFill>
@@ -5926,8 +5482,8 @@
           </p:nvSpPr>
           <p:spPr>
             <a:xfrm>
-              <a:off x="4934192" y="1056229"/>
-              <a:ext cx="1131757" cy="264464"/>
+              <a:off x="4934193" y="1056229"/>
+              <a:ext cx="1123982" cy="303206"/>
             </a:xfrm>
             <a:prstGeom prst="rect">
               <a:avLst/>
@@ -5935,23 +5491,23 @@
             <a:solidFill>
               <a:srgbClr val="00C09D"/>
             </a:solidFill>
-            <a:ln cap="flat" cmpd="sng" w="12700">
+            <a:ln w="12700" cap="flat" cmpd="sng">
               <a:solidFill>
                 <a:schemeClr val="accent2"/>
               </a:solidFill>
               <a:prstDash val="solid"/>
               <a:round/>
-              <a:headEnd len="sm" w="sm" type="none"/>
-              <a:tailEnd len="sm" w="sm" type="none"/>
+              <a:headEnd type="none" w="sm" len="sm"/>
+              <a:tailEnd type="none" w="sm" len="sm"/>
             </a:ln>
           </p:spPr>
           <p:txBody>
-            <a:bodyPr anchorCtr="0" anchor="ctr" bIns="45700" lIns="91425" spcFirstLastPara="1" rIns="91425" wrap="square" tIns="45700">
+            <a:bodyPr spcFirstLastPara="1" wrap="square" lIns="91425" tIns="45700" rIns="91425" bIns="45700" anchor="ctr" anchorCtr="0">
               <a:noAutofit/>
             </a:bodyPr>
             <a:lstStyle/>
             <a:p>
-              <a:pPr indent="0" lvl="0" marL="0" marR="0" rtl="0" algn="ctr">
+              <a:pPr marL="0" marR="0" lvl="0" indent="0" algn="ctr" rtl="0">
                 <a:lnSpc>
                   <a:spcPct val="100000"/>
                 </a:lnSpc>
@@ -5968,10 +5524,7 @@
                 <a:buFont typeface="Arial"/>
                 <a:buNone/>
               </a:pPr>
-              <a:r>
-                <a:t/>
-              </a:r>
-              <a:endParaRPr b="0" i="0" sz="714" u="none" cap="none" strike="noStrike">
+              <a:endParaRPr sz="714" b="0" i="0" u="none" strike="noStrike" cap="none">
                 <a:solidFill>
                   <a:srgbClr val="002C46"/>
                 </a:solidFill>
@@ -6003,12 +5556,12 @@
             </a:ln>
           </p:spPr>
           <p:txBody>
-            <a:bodyPr anchorCtr="0" anchor="t" bIns="0" lIns="0" spcFirstLastPara="1" rIns="0" wrap="square" tIns="0">
+            <a:bodyPr spcFirstLastPara="1" wrap="square" lIns="0" tIns="0" rIns="0" bIns="0" anchor="t" anchorCtr="0">
               <a:spAutoFit/>
             </a:bodyPr>
             <a:lstStyle/>
             <a:p>
-              <a:pPr indent="0" lvl="0" marL="0" marR="0" rtl="0" algn="l">
+              <a:pPr marL="0" marR="0" lvl="0" indent="0" algn="l" rtl="0">
                 <a:lnSpc>
                   <a:spcPct val="100000"/>
                 </a:lnSpc>
@@ -6026,7 +5579,7 @@
                 <a:buNone/>
               </a:pPr>
               <a:r>
-                <a:rPr b="0" i="0" lang="en-US" sz="800" u="none" cap="none" strike="noStrike">
+                <a:rPr lang="en-US" sz="800" b="0" i="0" u="none" strike="noStrike" cap="none">
                   <a:solidFill>
                     <a:schemeClr val="lt1"/>
                   </a:solidFill>
@@ -6037,7 +5590,7 @@
                 </a:rPr>
                 <a:t>Variable Cost</a:t>
               </a:r>
-              <a:endParaRPr b="0" i="0" sz="800" u="none" cap="none" strike="noStrike">
+              <a:endParaRPr sz="800" b="0" i="0" u="none" strike="noStrike" cap="none">
                 <a:solidFill>
                   <a:schemeClr val="lt1"/>
                 </a:solidFill>
@@ -6069,12 +5622,12 @@
             </a:ln>
           </p:spPr>
           <p:txBody>
-            <a:bodyPr anchorCtr="0" anchor="t" bIns="0" lIns="0" spcFirstLastPara="1" rIns="0" wrap="square" tIns="0">
+            <a:bodyPr spcFirstLastPara="1" wrap="square" lIns="0" tIns="0" rIns="0" bIns="0" anchor="t" anchorCtr="0">
               <a:spAutoFit/>
             </a:bodyPr>
             <a:lstStyle/>
             <a:p>
-              <a:pPr indent="0" lvl="0" marL="0" marR="0" rtl="0" algn="l">
+              <a:pPr marL="0" marR="0" lvl="0" indent="0" algn="l" rtl="0">
                 <a:lnSpc>
                   <a:spcPct val="100000"/>
                 </a:lnSpc>
@@ -6092,7 +5645,7 @@
                 <a:buNone/>
               </a:pPr>
               <a:r>
-                <a:rPr b="1" i="0" lang="en-US" sz="714" u="none" cap="none" strike="noStrike">
+                <a:rPr lang="en-US" sz="714" b="1" i="0" u="none" strike="noStrike" cap="none">
                   <a:solidFill>
                     <a:srgbClr val="FFFFFF"/>
                   </a:solidFill>
@@ -6103,7 +5656,7 @@
                 </a:rPr>
                 <a:t>(unit)</a:t>
               </a:r>
-              <a:endParaRPr b="0" i="0" sz="1400" u="none" cap="none" strike="noStrike">
+              <a:endParaRPr sz="1400" b="0" i="0" u="none" strike="noStrike" cap="none">
                 <a:solidFill>
                   <a:srgbClr val="000000"/>
                 </a:solidFill>
@@ -6119,7 +5672,9 @@
       <p:sp>
         <p:nvSpPr>
           <p:cNvPr id="74" name="Google Shape;74;p1"/>
-          <p:cNvSpPr txBox="1"/>
+          <p:cNvSpPr txBox="1">
+            <a:spLocks noGrp="1"/>
+          </p:cNvSpPr>
           <p:nvPr>
             <p:ph type="title"/>
           </p:nvPr>
@@ -6138,12 +5693,12 @@
           </a:ln>
         </p:spPr>
         <p:txBody>
-          <a:bodyPr anchorCtr="0" anchor="t" bIns="0" lIns="0" spcFirstLastPara="1" rIns="0" wrap="square" tIns="0">
+          <a:bodyPr spcFirstLastPara="1" wrap="square" lIns="0" tIns="0" rIns="0" bIns="0" anchor="t" anchorCtr="0">
             <a:spAutoFit/>
           </a:bodyPr>
           <a:lstStyle/>
           <a:p>
-            <a:pPr indent="0" lvl="0" marL="0" rtl="0" algn="l">
+            <a:pPr marL="0" lvl="0" indent="0" algn="l" rtl="0">
               <a:lnSpc>
                 <a:spcPct val="100000"/>
               </a:lnSpc>
@@ -6157,10 +5712,14 @@
               <a:buNone/>
             </a:pPr>
             <a:r>
-              <a:rPr lang="en-US" sz="1900"/>
-              <a:t>Value Driver Tree Template</a:t>
+              <a:rPr lang="en-US" sz="1900" dirty="0" err="1"/>
+              <a:t>Monalco</a:t>
             </a:r>
-            <a:endParaRPr/>
+            <a:r>
+              <a:rPr lang="en-US" sz="1900" dirty="0"/>
+              <a:t> Value Driver Tree</a:t>
+            </a:r>
+            <a:endParaRPr dirty="0"/>
           </a:p>
         </p:txBody>
       </p:sp>
@@ -6184,12 +5743,12 @@
           </a:ln>
         </p:spPr>
         <p:txBody>
-          <a:bodyPr anchorCtr="0" anchor="t" bIns="0" lIns="0" spcFirstLastPara="1" rIns="0" wrap="square" tIns="0">
+          <a:bodyPr spcFirstLastPara="1" wrap="square" lIns="0" tIns="0" rIns="0" bIns="0" anchor="t" anchorCtr="0">
             <a:spAutoFit/>
           </a:bodyPr>
           <a:lstStyle/>
           <a:p>
-            <a:pPr indent="0" lvl="0" marL="0" marR="0" rtl="0" algn="l">
+            <a:pPr marL="0" marR="0" lvl="0" indent="0" algn="l" rtl="0">
               <a:lnSpc>
                 <a:spcPct val="100000"/>
               </a:lnSpc>
@@ -6207,7 +5766,7 @@
               <a:buNone/>
             </a:pPr>
             <a:r>
-              <a:rPr b="0" i="0" lang="en-US" sz="1400" u="none" cap="none" strike="noStrike">
+              <a:rPr lang="en-US" sz="1400" b="0" i="0" u="none" strike="noStrike" cap="none">
                 <a:solidFill>
                   <a:srgbClr val="808080"/>
                 </a:solidFill>
@@ -6218,7 +5777,7 @@
               </a:rPr>
               <a:t>STRUCTURED FOUNDATIONS</a:t>
             </a:r>
-            <a:endParaRPr b="0" i="0" sz="1400" u="none" cap="none" strike="noStrike">
+            <a:endParaRPr sz="1400" b="0" i="0" u="none" strike="noStrike" cap="none">
               <a:solidFill>
                 <a:srgbClr val="000000"/>
               </a:solidFill>
@@ -6243,29 +5802,29 @@
           </a:xfrm>
           <a:prstGeom prst="chevron">
             <a:avLst>
-              <a:gd fmla="val 50000" name="adj"/>
+              <a:gd name="adj" fmla="val 50000"/>
             </a:avLst>
           </a:prstGeom>
           <a:solidFill>
             <a:schemeClr val="accent4"/>
           </a:solidFill>
-          <a:ln cap="flat" cmpd="sng" w="9525">
+          <a:ln w="9525" cap="flat" cmpd="sng">
             <a:solidFill>
               <a:schemeClr val="dk2"/>
             </a:solidFill>
             <a:prstDash val="solid"/>
             <a:round/>
-            <a:headEnd len="sm" w="sm" type="none"/>
-            <a:tailEnd len="sm" w="sm" type="none"/>
+            <a:headEnd type="none" w="sm" len="sm"/>
+            <a:tailEnd type="none" w="sm" len="sm"/>
           </a:ln>
         </p:spPr>
         <p:txBody>
-          <a:bodyPr anchorCtr="0" anchor="ctr" bIns="45700" lIns="91425" spcFirstLastPara="1" rIns="91425" wrap="square" tIns="45700">
+          <a:bodyPr spcFirstLastPara="1" wrap="square" lIns="91425" tIns="45700" rIns="91425" bIns="45700" anchor="ctr" anchorCtr="0">
             <a:noAutofit/>
           </a:bodyPr>
           <a:lstStyle/>
           <a:p>
-            <a:pPr indent="0" lvl="0" marL="0" marR="0" rtl="0" algn="ctr">
+            <a:pPr marL="0" marR="0" lvl="0" indent="0" algn="ctr" rtl="0">
               <a:lnSpc>
                 <a:spcPct val="100000"/>
               </a:lnSpc>
@@ -6283,7 +5842,7 @@
               <a:buNone/>
             </a:pPr>
             <a:r>
-              <a:rPr b="1" i="0" lang="en-US" sz="1200" u="none" cap="none" strike="noStrike">
+              <a:rPr lang="en-US" sz="1200" b="1" i="0" u="none" strike="noStrike" cap="none">
                 <a:solidFill>
                   <a:srgbClr val="FFFFFF"/>
                 </a:solidFill>
@@ -6294,7 +5853,7 @@
               </a:rPr>
               <a:t>H</a:t>
             </a:r>
-            <a:endParaRPr b="0" i="0" sz="1400" u="none" cap="none" strike="noStrike">
+            <a:endParaRPr sz="1400" b="0" i="0" u="none" strike="noStrike" cap="none">
               <a:solidFill>
                 <a:srgbClr val="000000"/>
               </a:solidFill>
@@ -6319,7 +5878,7 @@
           </a:xfrm>
           <a:prstGeom prst="chevron">
             <a:avLst>
-              <a:gd fmla="val 50000" name="adj"/>
+              <a:gd name="adj" fmla="val 50000"/>
             </a:avLst>
           </a:prstGeom>
           <a:solidFill>
@@ -6330,12 +5889,12 @@
           </a:ln>
         </p:spPr>
         <p:txBody>
-          <a:bodyPr anchorCtr="0" anchor="ctr" bIns="45700" lIns="91425" spcFirstLastPara="1" rIns="91425" wrap="square" tIns="45700">
+          <a:bodyPr spcFirstLastPara="1" wrap="square" lIns="91425" tIns="45700" rIns="91425" bIns="45700" anchor="ctr" anchorCtr="0">
             <a:noAutofit/>
           </a:bodyPr>
           <a:lstStyle/>
           <a:p>
-            <a:pPr indent="0" lvl="0" marL="0" marR="0" rtl="0" algn="ctr">
+            <a:pPr marL="0" marR="0" lvl="0" indent="0" algn="ctr" rtl="0">
               <a:lnSpc>
                 <a:spcPct val="100000"/>
               </a:lnSpc>
@@ -6353,7 +5912,7 @@
               <a:buNone/>
             </a:pPr>
             <a:r>
-              <a:rPr b="1" i="0" lang="en-US" sz="1200" u="none" cap="none" strike="noStrike">
+              <a:rPr lang="en-US" sz="1200" b="1" i="0" u="none" strike="noStrike" cap="none">
                 <a:solidFill>
                   <a:srgbClr val="FFFFFF"/>
                 </a:solidFill>
@@ -6364,7 +5923,7 @@
               </a:rPr>
               <a:t>D</a:t>
             </a:r>
-            <a:endParaRPr b="0" i="0" sz="1400" u="none" cap="none" strike="noStrike">
+            <a:endParaRPr sz="1400" b="0" i="0" u="none" strike="noStrike" cap="none">
               <a:solidFill>
                 <a:srgbClr val="000000"/>
               </a:solidFill>
@@ -6389,7 +5948,7 @@
           </a:xfrm>
           <a:prstGeom prst="chevron">
             <a:avLst>
-              <a:gd fmla="val 50000" name="adj"/>
+              <a:gd name="adj" fmla="val 50000"/>
             </a:avLst>
           </a:prstGeom>
           <a:solidFill>
@@ -6400,12 +5959,12 @@
           </a:ln>
         </p:spPr>
         <p:txBody>
-          <a:bodyPr anchorCtr="0" anchor="ctr" bIns="45700" lIns="91425" spcFirstLastPara="1" rIns="91425" wrap="square" tIns="45700">
+          <a:bodyPr spcFirstLastPara="1" wrap="square" lIns="91425" tIns="45700" rIns="91425" bIns="45700" anchor="ctr" anchorCtr="0">
             <a:noAutofit/>
           </a:bodyPr>
           <a:lstStyle/>
           <a:p>
-            <a:pPr indent="0" lvl="0" marL="0" marR="0" rtl="0" algn="ctr">
+            <a:pPr marL="0" marR="0" lvl="0" indent="0" algn="ctr" rtl="0">
               <a:lnSpc>
                 <a:spcPct val="100000"/>
               </a:lnSpc>
@@ -6423,7 +5982,7 @@
               <a:buNone/>
             </a:pPr>
             <a:r>
-              <a:rPr b="1" i="0" lang="en-US" sz="1200" u="none" cap="none" strike="noStrike">
+              <a:rPr lang="en-US" sz="1200" b="1" i="0" u="none" strike="noStrike" cap="none">
                 <a:solidFill>
                   <a:srgbClr val="FFFFFF"/>
                 </a:solidFill>
@@ -6434,7 +5993,7 @@
               </a:rPr>
               <a:t>E</a:t>
             </a:r>
-            <a:endParaRPr b="0" i="0" sz="1400" u="none" cap="none" strike="noStrike">
+            <a:endParaRPr sz="1400" b="0" i="0" u="none" strike="noStrike" cap="none">
               <a:solidFill>
                 <a:srgbClr val="000000"/>
               </a:solidFill>
@@ -6459,7 +6018,7 @@
           </a:xfrm>
           <a:prstGeom prst="chevron">
             <a:avLst>
-              <a:gd fmla="val 50000" name="adj"/>
+              <a:gd name="adj" fmla="val 50000"/>
             </a:avLst>
           </a:prstGeom>
           <a:solidFill>
@@ -6470,12 +6029,12 @@
           </a:ln>
         </p:spPr>
         <p:txBody>
-          <a:bodyPr anchorCtr="0" anchor="ctr" bIns="45700" lIns="91425" spcFirstLastPara="1" rIns="91425" wrap="square" tIns="45700">
+          <a:bodyPr spcFirstLastPara="1" wrap="square" lIns="91425" tIns="45700" rIns="91425" bIns="45700" anchor="ctr" anchorCtr="0">
             <a:noAutofit/>
           </a:bodyPr>
           <a:lstStyle/>
           <a:p>
-            <a:pPr indent="0" lvl="0" marL="0" marR="0" rtl="0" algn="ctr">
+            <a:pPr marL="0" marR="0" lvl="0" indent="0" algn="ctr" rtl="0">
               <a:lnSpc>
                 <a:spcPct val="100000"/>
               </a:lnSpc>
@@ -6493,7 +6052,7 @@
               <a:buNone/>
             </a:pPr>
             <a:r>
-              <a:rPr b="1" i="0" lang="en-US" sz="1200" u="none" cap="none" strike="noStrike">
+              <a:rPr lang="en-US" sz="1200" b="1" i="0" u="none" strike="noStrike" cap="none">
                 <a:solidFill>
                   <a:srgbClr val="FFFFFF"/>
                 </a:solidFill>
@@ -6504,7 +6063,7 @@
               </a:rPr>
               <a:t>I</a:t>
             </a:r>
-            <a:endParaRPr b="0" i="0" sz="1400" u="none" cap="none" strike="noStrike">
+            <a:endParaRPr sz="1400" b="0" i="0" u="none" strike="noStrike" cap="none">
               <a:solidFill>
                 <a:srgbClr val="000000"/>
               </a:solidFill>
@@ -6529,7 +6088,7 @@
           </a:xfrm>
           <a:prstGeom prst="chevron">
             <a:avLst>
-              <a:gd fmla="val 50000" name="adj"/>
+              <a:gd name="adj" fmla="val 50000"/>
             </a:avLst>
           </a:prstGeom>
           <a:solidFill>
@@ -6540,12 +6099,12 @@
           </a:ln>
         </p:spPr>
         <p:txBody>
-          <a:bodyPr anchorCtr="0" anchor="ctr" bIns="45700" lIns="91425" spcFirstLastPara="1" rIns="91425" wrap="square" tIns="45700">
+          <a:bodyPr spcFirstLastPara="1" wrap="square" lIns="91425" tIns="45700" rIns="91425" bIns="45700" anchor="ctr" anchorCtr="0">
             <a:noAutofit/>
           </a:bodyPr>
           <a:lstStyle/>
           <a:p>
-            <a:pPr indent="0" lvl="0" marL="0" marR="0" rtl="0" algn="ctr">
+            <a:pPr marL="0" marR="0" lvl="0" indent="0" algn="ctr" rtl="0">
               <a:lnSpc>
                 <a:spcPct val="100000"/>
               </a:lnSpc>
@@ -6563,7 +6122,7 @@
               <a:buNone/>
             </a:pPr>
             <a:r>
-              <a:rPr b="1" i="0" lang="en-US" sz="1200" u="none" cap="none" strike="noStrike">
+              <a:rPr lang="en-US" sz="1200" b="1" i="0" u="none" strike="noStrike" cap="none">
                 <a:solidFill>
                   <a:srgbClr val="FFFFFF"/>
                 </a:solidFill>
@@ -6574,7 +6133,7 @@
               </a:rPr>
               <a:t>P</a:t>
             </a:r>
-            <a:endParaRPr b="0" i="0" sz="1400" u="none" cap="none" strike="noStrike">
+            <a:endParaRPr sz="1400" b="0" i="0" u="none" strike="noStrike" cap="none">
               <a:solidFill>
                 <a:srgbClr val="000000"/>
               </a:solidFill>
@@ -6594,8 +6153,8 @@
         </p:nvGrpSpPr>
         <p:grpSpPr>
           <a:xfrm>
-            <a:off x="5549025" y="2649192"/>
-            <a:ext cx="1192572" cy="436907"/>
+            <a:off x="5886156" y="1901244"/>
+            <a:ext cx="1629995" cy="463232"/>
             <a:chOff x="4934192" y="1056229"/>
             <a:chExt cx="1131757" cy="444628"/>
           </a:xfrm>
@@ -6617,23 +6176,23 @@
             <a:solidFill>
               <a:schemeClr val="lt1"/>
             </a:solidFill>
-            <a:ln cap="flat" cmpd="sng" w="12700">
+            <a:ln w="12700" cap="flat" cmpd="sng">
               <a:solidFill>
                 <a:schemeClr val="accent2"/>
               </a:solidFill>
               <a:prstDash val="solid"/>
               <a:round/>
-              <a:headEnd len="sm" w="sm" type="none"/>
-              <a:tailEnd len="sm" w="sm" type="none"/>
+              <a:headEnd type="none" w="sm" len="sm"/>
+              <a:tailEnd type="none" w="sm" len="sm"/>
             </a:ln>
           </p:spPr>
           <p:txBody>
-            <a:bodyPr anchorCtr="0" anchor="ctr" bIns="45700" lIns="91425" spcFirstLastPara="1" rIns="91425" wrap="square" tIns="45700">
+            <a:bodyPr spcFirstLastPara="1" wrap="square" lIns="91425" tIns="45700" rIns="91425" bIns="45700" anchor="ctr" anchorCtr="0">
               <a:noAutofit/>
             </a:bodyPr>
             <a:lstStyle/>
             <a:p>
-              <a:pPr indent="0" lvl="0" marL="0" marR="0" rtl="0" algn="ctr">
+              <a:pPr marL="0" marR="0" lvl="0" indent="0" algn="ctr" rtl="0">
                 <a:lnSpc>
                   <a:spcPct val="100000"/>
                 </a:lnSpc>
@@ -6650,10 +6209,7 @@
                 <a:buFont typeface="Arial"/>
                 <a:buNone/>
               </a:pPr>
-              <a:r>
-                <a:t/>
-              </a:r>
-              <a:endParaRPr b="0" i="0" sz="714" u="none" cap="none" strike="noStrike">
+              <a:endParaRPr sz="714" b="0" i="0" u="none" strike="noStrike" cap="none">
                 <a:solidFill>
                   <a:srgbClr val="002C46"/>
                 </a:solidFill>
@@ -6682,23 +6238,23 @@
             <a:solidFill>
               <a:srgbClr val="00C09D"/>
             </a:solidFill>
-            <a:ln cap="flat" cmpd="sng" w="12700">
+            <a:ln w="12700" cap="flat" cmpd="sng">
               <a:solidFill>
                 <a:schemeClr val="accent2"/>
               </a:solidFill>
               <a:prstDash val="solid"/>
               <a:round/>
-              <a:headEnd len="sm" w="sm" type="none"/>
-              <a:tailEnd len="sm" w="sm" type="none"/>
+              <a:headEnd type="none" w="sm" len="sm"/>
+              <a:tailEnd type="none" w="sm" len="sm"/>
             </a:ln>
           </p:spPr>
           <p:txBody>
-            <a:bodyPr anchorCtr="0" anchor="ctr" bIns="45700" lIns="91425" spcFirstLastPara="1" rIns="91425" wrap="square" tIns="45700">
+            <a:bodyPr spcFirstLastPara="1" wrap="square" lIns="91425" tIns="45700" rIns="91425" bIns="45700" anchor="ctr" anchorCtr="0">
               <a:noAutofit/>
             </a:bodyPr>
             <a:lstStyle/>
             <a:p>
-              <a:pPr indent="0" lvl="0" marL="0" marR="0" rtl="0" algn="ctr">
+              <a:pPr marL="0" marR="0" lvl="0" indent="0" algn="ctr" rtl="0">
                 <a:lnSpc>
                   <a:spcPct val="100000"/>
                 </a:lnSpc>
@@ -6715,10 +6271,7 @@
                 <a:buFont typeface="Arial"/>
                 <a:buNone/>
               </a:pPr>
-              <a:r>
-                <a:t/>
-              </a:r>
-              <a:endParaRPr b="0" i="0" sz="714" u="none" cap="none" strike="noStrike">
+              <a:endParaRPr sz="714" b="0" i="0" u="none" strike="noStrike" cap="none">
                 <a:solidFill>
                   <a:srgbClr val="002C46"/>
                 </a:solidFill>
@@ -6738,8 +6291,8 @@
           </p:nvSpPr>
           <p:spPr>
             <a:xfrm>
-              <a:off x="4954832" y="1080554"/>
-              <a:ext cx="769475" cy="257124"/>
+              <a:off x="4954831" y="1080554"/>
+              <a:ext cx="1050226" cy="118167"/>
             </a:xfrm>
             <a:prstGeom prst="rect">
               <a:avLst/>
@@ -6750,12 +6303,12 @@
             </a:ln>
           </p:spPr>
           <p:txBody>
-            <a:bodyPr anchorCtr="0" anchor="t" bIns="0" lIns="0" spcFirstLastPara="1" rIns="0" wrap="square" tIns="0">
+            <a:bodyPr spcFirstLastPara="1" wrap="square" lIns="0" tIns="0" rIns="0" bIns="0" anchor="t" anchorCtr="0">
               <a:spAutoFit/>
             </a:bodyPr>
             <a:lstStyle/>
             <a:p>
-              <a:pPr indent="0" lvl="0" marL="0" marR="0" rtl="0" algn="l">
+              <a:pPr marL="0" marR="0" lvl="0" indent="0" algn="l" rtl="0">
                 <a:lnSpc>
                   <a:spcPct val="100000"/>
                 </a:lnSpc>
@@ -6773,7 +6326,7 @@
                 <a:buNone/>
               </a:pPr>
               <a:r>
-                <a:rPr b="0" i="0" lang="en-US" sz="800" u="none" cap="none" strike="noStrike">
+                <a:rPr lang="en-US" sz="800" b="0" i="0" u="none" strike="noStrike" cap="none" dirty="0">
                   <a:solidFill>
                     <a:schemeClr val="lt1"/>
                   </a:solidFill>
@@ -6784,7 +6337,7 @@
                 </a:rPr>
                 <a:t>Scheduled Maintenance </a:t>
               </a:r>
-              <a:endParaRPr b="0" i="0" sz="800" u="none" cap="none" strike="noStrike">
+              <a:endParaRPr sz="800" b="0" i="0" u="none" strike="noStrike" cap="none" dirty="0">
                 <a:solidFill>
                   <a:schemeClr val="lt1"/>
                 </a:solidFill>
@@ -6805,10 +6358,10 @@
         </p:nvGrpSpPr>
         <p:grpSpPr>
           <a:xfrm>
-            <a:off x="5549025" y="1726775"/>
-            <a:ext cx="1183540" cy="425774"/>
+            <a:off x="5856175" y="945964"/>
+            <a:ext cx="1814626" cy="381414"/>
             <a:chOff x="4934192" y="1056229"/>
-            <a:chExt cx="1131757" cy="444628"/>
+            <a:chExt cx="1262461" cy="444628"/>
           </a:xfrm>
         </p:grpSpPr>
         <p:sp>
@@ -6828,23 +6381,23 @@
             <a:solidFill>
               <a:schemeClr val="lt1"/>
             </a:solidFill>
-            <a:ln cap="flat" cmpd="sng" w="12700">
+            <a:ln w="12700" cap="flat" cmpd="sng">
               <a:solidFill>
                 <a:schemeClr val="accent2"/>
               </a:solidFill>
               <a:prstDash val="solid"/>
               <a:round/>
-              <a:headEnd len="sm" w="sm" type="none"/>
-              <a:tailEnd len="sm" w="sm" type="none"/>
+              <a:headEnd type="none" w="sm" len="sm"/>
+              <a:tailEnd type="none" w="sm" len="sm"/>
             </a:ln>
           </p:spPr>
           <p:txBody>
-            <a:bodyPr anchorCtr="0" anchor="ctr" bIns="45700" lIns="91425" spcFirstLastPara="1" rIns="91425" wrap="square" tIns="45700">
+            <a:bodyPr spcFirstLastPara="1" wrap="square" lIns="91425" tIns="45700" rIns="91425" bIns="45700" anchor="ctr" anchorCtr="0">
               <a:noAutofit/>
             </a:bodyPr>
             <a:lstStyle/>
             <a:p>
-              <a:pPr indent="0" lvl="0" marL="0" marR="0" rtl="0" algn="ctr">
+              <a:pPr marL="0" marR="0" lvl="0" indent="0" algn="ctr" rtl="0">
                 <a:lnSpc>
                   <a:spcPct val="100000"/>
                 </a:lnSpc>
@@ -6861,10 +6414,7 @@
                 <a:buFont typeface="Arial"/>
                 <a:buNone/>
               </a:pPr>
-              <a:r>
-                <a:t/>
-              </a:r>
-              <a:endParaRPr b="0" i="0" sz="714" u="none" cap="none" strike="noStrike">
+              <a:endParaRPr sz="714" b="0" i="0" u="none" strike="noStrike" cap="none">
                 <a:solidFill>
                   <a:srgbClr val="002C46"/>
                 </a:solidFill>
@@ -6885,7 +6435,7 @@
           <p:spPr>
             <a:xfrm>
               <a:off x="4934192" y="1056229"/>
-              <a:ext cx="1131757" cy="264464"/>
+              <a:ext cx="1131757" cy="345440"/>
             </a:xfrm>
             <a:prstGeom prst="rect">
               <a:avLst/>
@@ -6893,23 +6443,23 @@
             <a:solidFill>
               <a:srgbClr val="00C09D"/>
             </a:solidFill>
-            <a:ln cap="flat" cmpd="sng" w="12700">
+            <a:ln w="12700" cap="flat" cmpd="sng">
               <a:solidFill>
                 <a:schemeClr val="accent2"/>
               </a:solidFill>
               <a:prstDash val="solid"/>
               <a:round/>
-              <a:headEnd len="sm" w="sm" type="none"/>
-              <a:tailEnd len="sm" w="sm" type="none"/>
+              <a:headEnd type="none" w="sm" len="sm"/>
+              <a:tailEnd type="none" w="sm" len="sm"/>
             </a:ln>
           </p:spPr>
           <p:txBody>
-            <a:bodyPr anchorCtr="0" anchor="ctr" bIns="45700" lIns="91425" spcFirstLastPara="1" rIns="91425" wrap="square" tIns="45700">
+            <a:bodyPr spcFirstLastPara="1" wrap="square" lIns="91425" tIns="45700" rIns="91425" bIns="45700" anchor="ctr" anchorCtr="0">
               <a:noAutofit/>
             </a:bodyPr>
             <a:lstStyle/>
             <a:p>
-              <a:pPr indent="0" lvl="0" marL="0" marR="0" rtl="0" algn="ctr">
+              <a:pPr marL="0" marR="0" lvl="0" indent="0" algn="ctr" rtl="0">
                 <a:lnSpc>
                   <a:spcPct val="100000"/>
                 </a:lnSpc>
@@ -6926,10 +6476,7 @@
                 <a:buFont typeface="Arial"/>
                 <a:buNone/>
               </a:pPr>
-              <a:r>
-                <a:t/>
-              </a:r>
-              <a:endParaRPr b="0" i="0" sz="714" u="none" cap="none" strike="noStrike">
+              <a:endParaRPr sz="714" b="0" i="0" u="none" strike="noStrike" cap="none">
                 <a:solidFill>
                   <a:srgbClr val="002C46"/>
                 </a:solidFill>
@@ -6950,7 +6497,7 @@
           <p:spPr>
             <a:xfrm>
               <a:off x="4954832" y="1080554"/>
-              <a:ext cx="607149" cy="128563"/>
+              <a:ext cx="777410" cy="143515"/>
             </a:xfrm>
             <a:prstGeom prst="rect">
               <a:avLst/>
@@ -6961,12 +6508,12 @@
             </a:ln>
           </p:spPr>
           <p:txBody>
-            <a:bodyPr anchorCtr="0" anchor="t" bIns="0" lIns="0" spcFirstLastPara="1" rIns="0" wrap="square" tIns="0">
+            <a:bodyPr spcFirstLastPara="1" wrap="square" lIns="0" tIns="0" rIns="0" bIns="0" anchor="t" anchorCtr="0">
               <a:spAutoFit/>
             </a:bodyPr>
             <a:lstStyle/>
             <a:p>
-              <a:pPr indent="0" lvl="0" marL="0" marR="0" rtl="0" algn="l">
+              <a:pPr marL="0" marR="0" lvl="0" indent="0" algn="l" rtl="0">
                 <a:lnSpc>
                   <a:spcPct val="100000"/>
                 </a:lnSpc>
@@ -6984,18 +6531,14 @@
                 <a:buNone/>
               </a:pPr>
               <a:r>
-                <a:rPr b="0" i="0" lang="en-US" sz="800" u="none" cap="none" strike="noStrike">
+                <a:rPr lang="en-US" sz="800" dirty="0">
                   <a:solidFill>
                     <a:schemeClr val="lt1"/>
                   </a:solidFill>
-                  <a:latin typeface="Arial"/>
-                  <a:ea typeface="Arial"/>
-                  <a:cs typeface="Arial"/>
-                  <a:sym typeface="Arial"/>
                 </a:rPr>
-                <a:t>Labor</a:t>
+                <a:t>Reduce Number of Labor</a:t>
               </a:r>
-              <a:endParaRPr b="0" i="0" sz="800" u="none" cap="none" strike="noStrike">
+              <a:endParaRPr sz="800" b="0" i="0" u="none" strike="noStrike" cap="none" dirty="0">
                 <a:solidFill>
                   <a:schemeClr val="lt1"/>
                 </a:solidFill>
@@ -7015,8 +6558,8 @@
           </p:nvSpPr>
           <p:spPr>
             <a:xfrm>
-              <a:off x="5713681" y="1080555"/>
-              <a:ext cx="329898" cy="117100"/>
+              <a:off x="5866755" y="1072993"/>
+              <a:ext cx="329898" cy="117101"/>
             </a:xfrm>
             <a:prstGeom prst="rect">
               <a:avLst/>
@@ -7027,12 +6570,12 @@
             </a:ln>
           </p:spPr>
           <p:txBody>
-            <a:bodyPr anchorCtr="0" anchor="t" bIns="0" lIns="0" spcFirstLastPara="1" rIns="0" wrap="square" tIns="0">
+            <a:bodyPr spcFirstLastPara="1" wrap="square" lIns="0" tIns="0" rIns="0" bIns="0" anchor="t" anchorCtr="0">
               <a:spAutoFit/>
             </a:bodyPr>
             <a:lstStyle/>
             <a:p>
-              <a:pPr indent="0" lvl="0" marL="0" marR="0" rtl="0" algn="l">
+              <a:pPr marL="0" marR="0" lvl="0" indent="0" algn="l" rtl="0">
                 <a:lnSpc>
                   <a:spcPct val="100000"/>
                 </a:lnSpc>
@@ -7050,7 +6593,7 @@
                 <a:buNone/>
               </a:pPr>
               <a:r>
-                <a:rPr b="1" i="0" lang="en-US" sz="714" u="none" cap="none" strike="noStrike">
+                <a:rPr lang="en-US" sz="714" b="1" i="0" u="none" strike="noStrike" cap="none" dirty="0">
                   <a:solidFill>
                     <a:srgbClr val="FFFFFF"/>
                   </a:solidFill>
@@ -7061,7 +6604,7 @@
                 </a:rPr>
                 <a:t>(unit)</a:t>
               </a:r>
-              <a:endParaRPr b="0" i="0" sz="1400" u="none" cap="none" strike="noStrike">
+              <a:endParaRPr sz="1400" b="0" i="0" u="none" strike="noStrike" cap="none" dirty="0">
                 <a:solidFill>
                   <a:srgbClr val="000000"/>
                 </a:solidFill>
@@ -7082,10 +6625,10 @@
         </p:nvGrpSpPr>
         <p:grpSpPr>
           <a:xfrm>
-            <a:off x="5558056" y="2188056"/>
-            <a:ext cx="1183540" cy="425774"/>
+            <a:off x="5865217" y="1508192"/>
+            <a:ext cx="1805583" cy="280302"/>
             <a:chOff x="4934192" y="1056229"/>
-            <a:chExt cx="1131757" cy="444628"/>
+            <a:chExt cx="1261219" cy="444628"/>
           </a:xfrm>
         </p:grpSpPr>
         <p:sp>
@@ -7105,23 +6648,23 @@
             <a:solidFill>
               <a:schemeClr val="lt1"/>
             </a:solidFill>
-            <a:ln cap="flat" cmpd="sng" w="12700">
+            <a:ln w="12700" cap="flat" cmpd="sng">
               <a:solidFill>
                 <a:schemeClr val="accent2"/>
               </a:solidFill>
               <a:prstDash val="solid"/>
               <a:round/>
-              <a:headEnd len="sm" w="sm" type="none"/>
-              <a:tailEnd len="sm" w="sm" type="none"/>
+              <a:headEnd type="none" w="sm" len="sm"/>
+              <a:tailEnd type="none" w="sm" len="sm"/>
             </a:ln>
           </p:spPr>
           <p:txBody>
-            <a:bodyPr anchorCtr="0" anchor="ctr" bIns="45700" lIns="91425" spcFirstLastPara="1" rIns="91425" wrap="square" tIns="45700">
+            <a:bodyPr spcFirstLastPara="1" wrap="square" lIns="91425" tIns="45700" rIns="91425" bIns="45700" anchor="ctr" anchorCtr="0">
               <a:noAutofit/>
             </a:bodyPr>
             <a:lstStyle/>
             <a:p>
-              <a:pPr indent="0" lvl="0" marL="0" marR="0" rtl="0" algn="ctr">
+              <a:pPr marL="0" marR="0" lvl="0" indent="0" algn="ctr" rtl="0">
                 <a:lnSpc>
                   <a:spcPct val="100000"/>
                 </a:lnSpc>
@@ -7138,10 +6681,7 @@
                 <a:buFont typeface="Arial"/>
                 <a:buNone/>
               </a:pPr>
-              <a:r>
-                <a:t/>
-              </a:r>
-              <a:endParaRPr b="0" i="0" sz="714" u="none" cap="none" strike="noStrike">
+              <a:endParaRPr sz="714" b="0" i="0" u="none" strike="noStrike" cap="none">
                 <a:solidFill>
                   <a:srgbClr val="002C46"/>
                 </a:solidFill>
@@ -7170,23 +6710,23 @@
             <a:solidFill>
               <a:srgbClr val="00C09D"/>
             </a:solidFill>
-            <a:ln cap="flat" cmpd="sng" w="12700">
+            <a:ln w="12700" cap="flat" cmpd="sng">
               <a:solidFill>
                 <a:schemeClr val="accent2"/>
               </a:solidFill>
               <a:prstDash val="solid"/>
               <a:round/>
-              <a:headEnd len="sm" w="sm" type="none"/>
-              <a:tailEnd len="sm" w="sm" type="none"/>
+              <a:headEnd type="none" w="sm" len="sm"/>
+              <a:tailEnd type="none" w="sm" len="sm"/>
             </a:ln>
           </p:spPr>
           <p:txBody>
-            <a:bodyPr anchorCtr="0" anchor="ctr" bIns="45700" lIns="91425" spcFirstLastPara="1" rIns="91425" wrap="square" tIns="45700">
+            <a:bodyPr spcFirstLastPara="1" wrap="square" lIns="91425" tIns="45700" rIns="91425" bIns="45700" anchor="ctr" anchorCtr="0">
               <a:noAutofit/>
             </a:bodyPr>
             <a:lstStyle/>
             <a:p>
-              <a:pPr indent="0" lvl="0" marL="0" marR="0" rtl="0" algn="ctr">
+              <a:pPr marL="0" marR="0" lvl="0" indent="0" algn="ctr" rtl="0">
                 <a:lnSpc>
                   <a:spcPct val="100000"/>
                 </a:lnSpc>
@@ -7203,10 +6743,7 @@
                 <a:buFont typeface="Arial"/>
                 <a:buNone/>
               </a:pPr>
-              <a:r>
-                <a:t/>
-              </a:r>
-              <a:endParaRPr b="0" i="0" sz="714" u="none" cap="none" strike="noStrike">
+              <a:endParaRPr sz="714" b="0" i="0" u="none" strike="noStrike" cap="none" dirty="0">
                 <a:solidFill>
                   <a:srgbClr val="002C46"/>
                 </a:solidFill>
@@ -7226,8 +6763,8 @@
           </p:nvSpPr>
           <p:spPr>
             <a:xfrm>
-              <a:off x="4954832" y="1080554"/>
-              <a:ext cx="769475" cy="114769"/>
+              <a:off x="4954831" y="1080554"/>
+              <a:ext cx="895482" cy="174332"/>
             </a:xfrm>
             <a:prstGeom prst="rect">
               <a:avLst/>
@@ -7238,12 +6775,12 @@
             </a:ln>
           </p:spPr>
           <p:txBody>
-            <a:bodyPr anchorCtr="0" anchor="t" bIns="0" lIns="0" spcFirstLastPara="1" rIns="0" wrap="square" tIns="0">
+            <a:bodyPr spcFirstLastPara="1" wrap="square" lIns="0" tIns="0" rIns="0" bIns="0" anchor="t" anchorCtr="0">
               <a:spAutoFit/>
             </a:bodyPr>
             <a:lstStyle/>
             <a:p>
-              <a:pPr indent="0" lvl="0" marL="0" marR="0" rtl="0" algn="l">
+              <a:pPr marL="0" marR="0" lvl="0" indent="0" algn="l" rtl="0">
                 <a:lnSpc>
                   <a:spcPct val="100000"/>
                 </a:lnSpc>
@@ -7261,7 +6798,7 @@
                 <a:buNone/>
               </a:pPr>
               <a:r>
-                <a:rPr b="1" i="0" lang="en-US" sz="714" u="none" cap="none" strike="noStrike">
+                <a:rPr lang="en-US" sz="714" b="1" i="0" u="none" strike="noStrike" cap="none" dirty="0">
                   <a:solidFill>
                     <a:srgbClr val="FFFFFF"/>
                   </a:solidFill>
@@ -7272,7 +6809,7 @@
                 </a:rPr>
                 <a:t>Material Cost</a:t>
               </a:r>
-              <a:endParaRPr b="0" i="0" sz="1400" u="none" cap="none" strike="noStrike">
+              <a:endParaRPr sz="1400" b="0" i="0" u="none" strike="noStrike" cap="none" dirty="0">
                 <a:solidFill>
                   <a:srgbClr val="000000"/>
                 </a:solidFill>
@@ -7292,7 +6829,7 @@
           </p:nvSpPr>
           <p:spPr>
             <a:xfrm>
-              <a:off x="5713681" y="1080555"/>
+              <a:off x="5865513" y="1080556"/>
               <a:ext cx="329898" cy="117100"/>
             </a:xfrm>
             <a:prstGeom prst="rect">
@@ -7304,12 +6841,12 @@
             </a:ln>
           </p:spPr>
           <p:txBody>
-            <a:bodyPr anchorCtr="0" anchor="t" bIns="0" lIns="0" spcFirstLastPara="1" rIns="0" wrap="square" tIns="0">
+            <a:bodyPr spcFirstLastPara="1" wrap="square" lIns="0" tIns="0" rIns="0" bIns="0" anchor="t" anchorCtr="0">
               <a:spAutoFit/>
             </a:bodyPr>
             <a:lstStyle/>
             <a:p>
-              <a:pPr indent="0" lvl="0" marL="0" marR="0" rtl="0" algn="l">
+              <a:pPr marL="0" marR="0" lvl="0" indent="0" algn="l" rtl="0">
                 <a:lnSpc>
                   <a:spcPct val="100000"/>
                 </a:lnSpc>
@@ -7327,7 +6864,7 @@
                 <a:buNone/>
               </a:pPr>
               <a:r>
-                <a:rPr b="1" i="0" lang="en-US" sz="714" u="none" cap="none" strike="noStrike">
+                <a:rPr lang="en-US" sz="714" b="1" i="0" u="none" strike="noStrike" cap="none" dirty="0">
                   <a:solidFill>
                     <a:srgbClr val="FFFFFF"/>
                   </a:solidFill>
@@ -7338,7 +6875,7 @@
                 </a:rPr>
                 <a:t>(unit)</a:t>
               </a:r>
-              <a:endParaRPr b="0" i="0" sz="1400" u="none" cap="none" strike="noStrike">
+              <a:endParaRPr sz="1400" b="0" i="0" u="none" strike="noStrike" cap="none" dirty="0">
                 <a:solidFill>
                   <a:srgbClr val="000000"/>
                 </a:solidFill>
@@ -7355,29 +6892,31 @@
         <p:nvCxnSpPr>
           <p:cNvPr id="95" name="Google Shape;95;p1"/>
           <p:cNvCxnSpPr>
+            <a:cxnSpLocks/>
+            <a:stCxn id="32" idx="3"/>
             <a:endCxn id="87" idx="1"/>
           </p:cNvCxnSpPr>
           <p:nvPr/>
         </p:nvCxnSpPr>
         <p:spPr>
-          <a:xfrm flipH="1" rot="10800000">
-            <a:off x="5176425" y="1853400"/>
-            <a:ext cx="372600" cy="296700"/>
+          <a:xfrm flipV="1">
+            <a:off x="5040430" y="1094128"/>
+            <a:ext cx="815745" cy="1003093"/>
           </a:xfrm>
           <a:prstGeom prst="bentConnector3">
             <a:avLst>
-              <a:gd fmla="val 50000" name="adj1"/>
+              <a:gd name="adj1" fmla="val 50000"/>
             </a:avLst>
           </a:prstGeom>
           <a:noFill/>
-          <a:ln cap="flat" cmpd="sng" w="9525">
+          <a:ln w="9525" cap="flat" cmpd="sng">
             <a:solidFill>
               <a:srgbClr val="94A5B9"/>
             </a:solidFill>
             <a:prstDash val="solid"/>
             <a:round/>
-            <a:headEnd len="sm" w="sm" type="none"/>
-            <a:tailEnd len="sm" w="sm" type="none"/>
+            <a:headEnd type="none" w="sm" len="sm"/>
+            <a:tailEnd type="none" w="sm" len="sm"/>
           </a:ln>
         </p:spPr>
       </p:cxnSp>
@@ -7391,24 +6930,24 @@
           <p:nvPr/>
         </p:nvCxnSpPr>
         <p:spPr>
-          <a:xfrm>
-            <a:off x="5165352" y="2150094"/>
-            <a:ext cx="392700" cy="164700"/>
+          <a:xfrm flipV="1">
+            <a:off x="5040430" y="1591554"/>
+            <a:ext cx="824787" cy="505667"/>
           </a:xfrm>
           <a:prstGeom prst="bentConnector3">
             <a:avLst>
-              <a:gd fmla="val 50000" name="adj1"/>
+              <a:gd name="adj1" fmla="val 50000"/>
             </a:avLst>
           </a:prstGeom>
           <a:noFill/>
-          <a:ln cap="flat" cmpd="sng" w="9525">
+          <a:ln w="9525" cap="flat" cmpd="sng">
             <a:solidFill>
               <a:srgbClr val="94A5B9"/>
             </a:solidFill>
             <a:prstDash val="solid"/>
             <a:round/>
-            <a:headEnd len="sm" w="sm" type="none"/>
-            <a:tailEnd len="sm" w="sm" type="none"/>
+            <a:headEnd type="none" w="sm" len="sm"/>
+            <a:tailEnd type="none" w="sm" len="sm"/>
           </a:ln>
         </p:spPr>
       </p:cxnSp>
@@ -7416,30 +6955,31 @@
         <p:nvCxnSpPr>
           <p:cNvPr id="97" name="Google Shape;97;p1"/>
           <p:cNvCxnSpPr>
+            <a:cxnSpLocks/>
             <a:stCxn id="25" idx="3"/>
             <a:endCxn id="83" idx="1"/>
           </p:cNvCxnSpPr>
           <p:nvPr/>
         </p:nvCxnSpPr>
         <p:spPr>
-          <a:xfrm flipH="1" rot="10800000">
-            <a:off x="5117305" y="2779092"/>
-            <a:ext cx="431700" cy="79500"/>
+          <a:xfrm flipV="1">
+            <a:off x="5046700" y="2039009"/>
+            <a:ext cx="839456" cy="873849"/>
           </a:xfrm>
           <a:prstGeom prst="bentConnector3">
             <a:avLst>
-              <a:gd fmla="val 50000" name="adj1"/>
+              <a:gd name="adj1" fmla="val 50000"/>
             </a:avLst>
           </a:prstGeom>
           <a:noFill/>
-          <a:ln cap="flat" cmpd="sng" w="9525">
+          <a:ln w="9525" cap="flat" cmpd="sng">
             <a:solidFill>
               <a:srgbClr val="94A5B9"/>
             </a:solidFill>
             <a:prstDash val="solid"/>
             <a:round/>
-            <a:headEnd len="sm" w="sm" type="none"/>
-            <a:tailEnd len="sm" w="sm" type="none"/>
+            <a:headEnd type="none" w="sm" len="sm"/>
+            <a:tailEnd type="none" w="sm" len="sm"/>
           </a:ln>
         </p:spPr>
       </p:cxnSp>
@@ -7451,8 +6991,8 @@
         </p:nvGrpSpPr>
         <p:grpSpPr>
           <a:xfrm>
-            <a:off x="5549025" y="3127952"/>
-            <a:ext cx="1183540" cy="425774"/>
+            <a:off x="5886156" y="2464792"/>
+            <a:ext cx="1629995" cy="451429"/>
             <a:chOff x="4934192" y="1056229"/>
             <a:chExt cx="1131757" cy="444628"/>
           </a:xfrm>
@@ -7474,23 +7014,23 @@
             <a:solidFill>
               <a:schemeClr val="lt1"/>
             </a:solidFill>
-            <a:ln cap="flat" cmpd="sng" w="12700">
+            <a:ln w="12700" cap="flat" cmpd="sng">
               <a:solidFill>
                 <a:schemeClr val="accent2"/>
               </a:solidFill>
               <a:prstDash val="solid"/>
               <a:round/>
-              <a:headEnd len="sm" w="sm" type="none"/>
-              <a:tailEnd len="sm" w="sm" type="none"/>
+              <a:headEnd type="none" w="sm" len="sm"/>
+              <a:tailEnd type="none" w="sm" len="sm"/>
             </a:ln>
           </p:spPr>
           <p:txBody>
-            <a:bodyPr anchorCtr="0" anchor="ctr" bIns="45700" lIns="91425" spcFirstLastPara="1" rIns="91425" wrap="square" tIns="45700">
+            <a:bodyPr spcFirstLastPara="1" wrap="square" lIns="91425" tIns="45700" rIns="91425" bIns="45700" anchor="ctr" anchorCtr="0">
               <a:noAutofit/>
             </a:bodyPr>
             <a:lstStyle/>
             <a:p>
-              <a:pPr indent="0" lvl="0" marL="0" marR="0" rtl="0" algn="ctr">
+              <a:pPr marL="0" marR="0" lvl="0" indent="0" algn="ctr" rtl="0">
                 <a:lnSpc>
                   <a:spcPct val="100000"/>
                 </a:lnSpc>
@@ -7507,10 +7047,7 @@
                 <a:buFont typeface="Arial"/>
                 <a:buNone/>
               </a:pPr>
-              <a:r>
-                <a:t/>
-              </a:r>
-              <a:endParaRPr b="0" i="0" sz="714" u="none" cap="none" strike="noStrike">
+              <a:endParaRPr sz="714" b="0" i="0" u="none" strike="noStrike" cap="none">
                 <a:solidFill>
                   <a:srgbClr val="002C46"/>
                 </a:solidFill>
@@ -7539,23 +7076,23 @@
             <a:solidFill>
               <a:srgbClr val="00C09D"/>
             </a:solidFill>
-            <a:ln cap="flat" cmpd="sng" w="12700">
+            <a:ln w="12700" cap="flat" cmpd="sng">
               <a:solidFill>
                 <a:schemeClr val="accent2"/>
               </a:solidFill>
               <a:prstDash val="solid"/>
               <a:round/>
-              <a:headEnd len="sm" w="sm" type="none"/>
-              <a:tailEnd len="sm" w="sm" type="none"/>
+              <a:headEnd type="none" w="sm" len="sm"/>
+              <a:tailEnd type="none" w="sm" len="sm"/>
             </a:ln>
           </p:spPr>
           <p:txBody>
-            <a:bodyPr anchorCtr="0" anchor="ctr" bIns="45700" lIns="91425" spcFirstLastPara="1" rIns="91425" wrap="square" tIns="45700">
+            <a:bodyPr spcFirstLastPara="1" wrap="square" lIns="91425" tIns="45700" rIns="91425" bIns="45700" anchor="ctr" anchorCtr="0">
               <a:noAutofit/>
             </a:bodyPr>
             <a:lstStyle/>
             <a:p>
-              <a:pPr indent="0" lvl="0" marL="0" marR="0" rtl="0" algn="ctr">
+              <a:pPr marL="0" marR="0" lvl="0" indent="0" algn="ctr" rtl="0">
                 <a:lnSpc>
                   <a:spcPct val="100000"/>
                 </a:lnSpc>
@@ -7572,10 +7109,7 @@
                 <a:buFont typeface="Arial"/>
                 <a:buNone/>
               </a:pPr>
-              <a:r>
-                <a:t/>
-              </a:r>
-              <a:endParaRPr b="0" i="0" sz="714" u="none" cap="none" strike="noStrike">
+              <a:endParaRPr sz="714" b="0" i="0" u="none" strike="noStrike" cap="none">
                 <a:solidFill>
                   <a:srgbClr val="002C46"/>
                 </a:solidFill>
@@ -7607,12 +7141,12 @@
             </a:ln>
           </p:spPr>
           <p:txBody>
-            <a:bodyPr anchorCtr="0" anchor="t" bIns="0" lIns="0" spcFirstLastPara="1" rIns="0" wrap="square" tIns="0">
+            <a:bodyPr spcFirstLastPara="1" wrap="square" lIns="0" tIns="0" rIns="0" bIns="0" anchor="t" anchorCtr="0">
               <a:spAutoFit/>
             </a:bodyPr>
             <a:lstStyle/>
             <a:p>
-              <a:pPr indent="0" lvl="0" marL="0" marR="0" rtl="0" algn="l">
+              <a:pPr marL="0" marR="0" lvl="0" indent="0" algn="l" rtl="0">
                 <a:lnSpc>
                   <a:spcPct val="100000"/>
                 </a:lnSpc>
@@ -7630,7 +7164,7 @@
                 <a:buNone/>
               </a:pPr>
               <a:r>
-                <a:rPr b="1" i="0" lang="en-US" sz="714" u="none" cap="none" strike="noStrike">
+                <a:rPr lang="en-US" sz="714" b="1" i="0" u="none" strike="noStrike" cap="none" dirty="0">
                   <a:solidFill>
                     <a:srgbClr val="FFFFFF"/>
                   </a:solidFill>
@@ -7641,7 +7175,7 @@
                 </a:rPr>
                 <a:t>Unscheduled Maintenance</a:t>
               </a:r>
-              <a:endParaRPr b="0" i="0" sz="1400" u="none" cap="none" strike="noStrike">
+              <a:endParaRPr sz="1400" b="0" i="0" u="none" strike="noStrike" cap="none" dirty="0">
                 <a:solidFill>
                   <a:srgbClr val="000000"/>
                 </a:solidFill>
@@ -7658,30 +7192,31 @@
         <p:nvCxnSpPr>
           <p:cNvPr id="102" name="Google Shape;102;p1"/>
           <p:cNvCxnSpPr>
+            <a:cxnSpLocks/>
             <a:stCxn id="100" idx="1"/>
             <a:endCxn id="25" idx="3"/>
           </p:cNvCxnSpPr>
           <p:nvPr/>
         </p:nvCxnSpPr>
         <p:spPr>
-          <a:xfrm rot="10800000">
-            <a:off x="5117325" y="2858577"/>
-            <a:ext cx="431700" cy="396000"/>
+          <a:xfrm rot="10800000" flipV="1">
+            <a:off x="5046700" y="2599046"/>
+            <a:ext cx="839456" cy="313811"/>
           </a:xfrm>
           <a:prstGeom prst="bentConnector3">
             <a:avLst>
-              <a:gd fmla="val 50000" name="adj1"/>
+              <a:gd name="adj1" fmla="val 50000"/>
             </a:avLst>
           </a:prstGeom>
           <a:noFill/>
-          <a:ln cap="flat" cmpd="sng" w="9525">
+          <a:ln w="9525" cap="flat" cmpd="sng">
             <a:solidFill>
               <a:srgbClr val="94A5B9"/>
             </a:solidFill>
             <a:prstDash val="solid"/>
             <a:round/>
-            <a:headEnd len="sm" w="sm" type="none"/>
-            <a:tailEnd len="sm" w="sm" type="none"/>
+            <a:headEnd type="none" w="sm" len="sm"/>
+            <a:tailEnd type="none" w="sm" len="sm"/>
           </a:ln>
         </p:spPr>
       </p:cxnSp>
@@ -7693,8 +7228,8 @@
         </p:nvGrpSpPr>
         <p:grpSpPr>
           <a:xfrm>
-            <a:off x="5558056" y="3615650"/>
-            <a:ext cx="1183540" cy="425774"/>
+            <a:off x="5895188" y="2952490"/>
+            <a:ext cx="1641682" cy="451429"/>
             <a:chOff x="4934192" y="1056229"/>
             <a:chExt cx="1131757" cy="444628"/>
           </a:xfrm>
@@ -7716,23 +7251,23 @@
             <a:solidFill>
               <a:schemeClr val="lt1"/>
             </a:solidFill>
-            <a:ln cap="flat" cmpd="sng" w="12700">
+            <a:ln w="12700" cap="flat" cmpd="sng">
               <a:solidFill>
                 <a:schemeClr val="accent2"/>
               </a:solidFill>
               <a:prstDash val="solid"/>
               <a:round/>
-              <a:headEnd len="sm" w="sm" type="none"/>
-              <a:tailEnd len="sm" w="sm" type="none"/>
+              <a:headEnd type="none" w="sm" len="sm"/>
+              <a:tailEnd type="none" w="sm" len="sm"/>
             </a:ln>
           </p:spPr>
           <p:txBody>
-            <a:bodyPr anchorCtr="0" anchor="ctr" bIns="45700" lIns="91425" spcFirstLastPara="1" rIns="91425" wrap="square" tIns="45700">
+            <a:bodyPr spcFirstLastPara="1" wrap="square" lIns="91425" tIns="45700" rIns="91425" bIns="45700" anchor="ctr" anchorCtr="0">
               <a:noAutofit/>
             </a:bodyPr>
             <a:lstStyle/>
             <a:p>
-              <a:pPr indent="0" lvl="0" marL="0" marR="0" rtl="0" algn="ctr">
+              <a:pPr marL="0" marR="0" lvl="0" indent="0" algn="ctr" rtl="0">
                 <a:lnSpc>
                   <a:spcPct val="100000"/>
                 </a:lnSpc>
@@ -7749,10 +7284,7 @@
                 <a:buFont typeface="Arial"/>
                 <a:buNone/>
               </a:pPr>
-              <a:r>
-                <a:t/>
-              </a:r>
-              <a:endParaRPr b="0" i="0" sz="714" u="none" cap="none" strike="noStrike">
+              <a:endParaRPr sz="714" b="0" i="0" u="none" strike="noStrike" cap="none">
                 <a:solidFill>
                   <a:srgbClr val="002C46"/>
                 </a:solidFill>
@@ -7781,23 +7313,23 @@
             <a:solidFill>
               <a:srgbClr val="00C09D"/>
             </a:solidFill>
-            <a:ln cap="flat" cmpd="sng" w="12700">
+            <a:ln w="12700" cap="flat" cmpd="sng">
               <a:solidFill>
                 <a:schemeClr val="accent2"/>
               </a:solidFill>
               <a:prstDash val="solid"/>
               <a:round/>
-              <a:headEnd len="sm" w="sm" type="none"/>
-              <a:tailEnd len="sm" w="sm" type="none"/>
+              <a:headEnd type="none" w="sm" len="sm"/>
+              <a:tailEnd type="none" w="sm" len="sm"/>
             </a:ln>
           </p:spPr>
           <p:txBody>
-            <a:bodyPr anchorCtr="0" anchor="ctr" bIns="45700" lIns="91425" spcFirstLastPara="1" rIns="91425" wrap="square" tIns="45700">
+            <a:bodyPr spcFirstLastPara="1" wrap="square" lIns="91425" tIns="45700" rIns="91425" bIns="45700" anchor="ctr" anchorCtr="0">
               <a:noAutofit/>
             </a:bodyPr>
             <a:lstStyle/>
             <a:p>
-              <a:pPr indent="0" lvl="0" marL="0" marR="0" rtl="0" algn="ctr">
+              <a:pPr marL="0" marR="0" lvl="0" indent="0" algn="ctr" rtl="0">
                 <a:lnSpc>
                   <a:spcPct val="100000"/>
                 </a:lnSpc>
@@ -7814,10 +7346,7 @@
                 <a:buFont typeface="Arial"/>
                 <a:buNone/>
               </a:pPr>
-              <a:r>
-                <a:t/>
-              </a:r>
-              <a:endParaRPr b="0" i="0" sz="714" u="none" cap="none" strike="noStrike">
+              <a:endParaRPr sz="714" b="0" i="0" u="none" strike="noStrike" cap="none">
                 <a:solidFill>
                   <a:srgbClr val="002C46"/>
                 </a:solidFill>
@@ -7837,8 +7366,8 @@
           </p:nvSpPr>
           <p:spPr>
             <a:xfrm>
-              <a:off x="4989808" y="1080554"/>
-              <a:ext cx="699523" cy="229537"/>
+              <a:off x="4989807" y="1080554"/>
+              <a:ext cx="1061858" cy="108246"/>
             </a:xfrm>
             <a:prstGeom prst="rect">
               <a:avLst/>
@@ -7849,12 +7378,12 @@
             </a:ln>
           </p:spPr>
           <p:txBody>
-            <a:bodyPr anchorCtr="0" anchor="t" bIns="0" lIns="0" spcFirstLastPara="1" rIns="0" wrap="square" tIns="0">
+            <a:bodyPr spcFirstLastPara="1" wrap="square" lIns="0" tIns="0" rIns="0" bIns="0" anchor="t" anchorCtr="0">
               <a:spAutoFit/>
             </a:bodyPr>
             <a:lstStyle/>
             <a:p>
-              <a:pPr indent="0" lvl="0" marL="0" marR="0" rtl="0" algn="l">
+              <a:pPr marL="0" marR="0" lvl="0" indent="0" algn="l" rtl="0">
                 <a:lnSpc>
                   <a:spcPct val="100000"/>
                 </a:lnSpc>
@@ -7872,18 +7401,14 @@
                 <a:buNone/>
               </a:pPr>
               <a:r>
-                <a:rPr b="1" i="0" lang="en-US" sz="714" u="none" cap="none" strike="noStrike">
+                <a:rPr lang="en-US" sz="714" b="1" dirty="0">
                   <a:solidFill>
                     <a:srgbClr val="FFFFFF"/>
                   </a:solidFill>
-                  <a:latin typeface="Arial"/>
-                  <a:ea typeface="Arial"/>
-                  <a:cs typeface="Arial"/>
-                  <a:sym typeface="Arial"/>
                 </a:rPr>
-                <a:t>Emergency Maintenance</a:t>
+                <a:t>Can I prevent </a:t>
               </a:r>
-              <a:endParaRPr b="0" i="0" sz="1400" u="none" cap="none" strike="noStrike">
+              <a:endParaRPr sz="1400" b="0" i="0" u="none" strike="noStrike" cap="none" dirty="0">
                 <a:solidFill>
                   <a:srgbClr val="000000"/>
                 </a:solidFill>
@@ -7900,27 +7425,30 @@
         <p:nvCxnSpPr>
           <p:cNvPr id="107" name="Google Shape;107;p1"/>
           <p:cNvCxnSpPr>
-            <a:endCxn id="105" idx="1"/>
+            <a:cxnSpLocks/>
+            <a:stCxn id="25" idx="3"/>
           </p:cNvCxnSpPr>
           <p:nvPr/>
         </p:nvCxnSpPr>
         <p:spPr>
-          <a:xfrm flipH="1" rot="-5400000">
-            <a:off x="4907356" y="3091575"/>
-            <a:ext cx="874500" cy="426900"/>
+          <a:xfrm>
+            <a:off x="5046700" y="2912858"/>
+            <a:ext cx="835943" cy="297377"/>
           </a:xfrm>
-          <a:prstGeom prst="bentConnector2">
-            <a:avLst/>
+          <a:prstGeom prst="bentConnector3">
+            <a:avLst>
+              <a:gd name="adj1" fmla="val 50000"/>
+            </a:avLst>
           </a:prstGeom>
           <a:noFill/>
-          <a:ln cap="flat" cmpd="sng" w="9525">
+          <a:ln w="9525" cap="flat" cmpd="sng">
             <a:solidFill>
               <a:srgbClr val="94A5B9"/>
             </a:solidFill>
             <a:prstDash val="solid"/>
             <a:round/>
-            <a:headEnd len="sm" w="sm" type="none"/>
-            <a:tailEnd len="sm" w="sm" type="none"/>
+            <a:headEnd type="none" w="sm" len="sm"/>
+            <a:tailEnd type="none" w="sm" len="sm"/>
           </a:ln>
         </p:spPr>
       </p:cxnSp>
@@ -7932,7 +7460,7 @@
         </p:nvSpPr>
         <p:spPr>
           <a:xfrm>
-            <a:off x="1747398" y="5796125"/>
+            <a:off x="960265" y="4466235"/>
             <a:ext cx="948000" cy="522000"/>
           </a:xfrm>
           <a:prstGeom prst="rect">
@@ -7941,23 +7469,23 @@
           <a:solidFill>
             <a:srgbClr val="00C09D"/>
           </a:solidFill>
-          <a:ln cap="flat" cmpd="sng" w="12700">
+          <a:ln w="12700" cap="flat" cmpd="sng">
             <a:solidFill>
               <a:schemeClr val="accent2"/>
             </a:solidFill>
             <a:prstDash val="solid"/>
             <a:round/>
-            <a:headEnd len="sm" w="sm" type="none"/>
-            <a:tailEnd len="sm" w="sm" type="none"/>
+            <a:headEnd type="none" w="sm" len="sm"/>
+            <a:tailEnd type="none" w="sm" len="sm"/>
           </a:ln>
         </p:spPr>
         <p:txBody>
-          <a:bodyPr anchorCtr="0" anchor="ctr" bIns="45700" lIns="91425" spcFirstLastPara="1" rIns="91425" wrap="square" tIns="45700">
+          <a:bodyPr spcFirstLastPara="1" wrap="square" lIns="91425" tIns="45700" rIns="91425" bIns="45700" anchor="ctr" anchorCtr="0">
             <a:noAutofit/>
           </a:bodyPr>
           <a:lstStyle/>
           <a:p>
-            <a:pPr indent="0" lvl="0" marL="0" marR="0" rtl="0" algn="ctr">
+            <a:pPr marL="0" marR="0" lvl="0" indent="0" algn="ctr" rtl="0">
               <a:lnSpc>
                 <a:spcPct val="100000"/>
               </a:lnSpc>
@@ -7975,14 +7503,14 @@
               <a:buNone/>
             </a:pPr>
             <a:r>
-              <a:rPr lang="en-US" sz="714">
+              <a:rPr lang="en-US" sz="714" dirty="0">
                 <a:solidFill>
                   <a:srgbClr val="002C46"/>
                 </a:solidFill>
               </a:rPr>
               <a:t>increase revenue</a:t>
             </a:r>
-            <a:endParaRPr b="0" i="0" sz="714" u="none" cap="none" strike="noStrike">
+            <a:endParaRPr sz="714" b="0" i="0" u="none" strike="noStrike" cap="none" dirty="0">
               <a:solidFill>
                 <a:srgbClr val="002C46"/>
               </a:solidFill>
@@ -8002,159 +7530,78 @@
         </p:nvGrpSpPr>
         <p:grpSpPr>
           <a:xfrm>
-            <a:off x="1652142" y="3771564"/>
-            <a:ext cx="2593569" cy="521973"/>
-            <a:chOff x="312539" y="3202323"/>
-            <a:chExt cx="2614221" cy="570774"/>
+            <a:off x="986028" y="2943410"/>
+            <a:ext cx="3195923" cy="521973"/>
+            <a:chOff x="-294612" y="3215257"/>
+            <a:chExt cx="3221371" cy="570774"/>
           </a:xfrm>
         </p:grpSpPr>
-        <p:grpSp>
-          <p:nvGrpSpPr>
-            <p:cNvPr id="110" name="Google Shape;110;p1"/>
-            <p:cNvGrpSpPr/>
+        <p:sp>
+          <p:nvSpPr>
+            <p:cNvPr id="112" name="Google Shape;112;p1"/>
+            <p:cNvSpPr txBox="1"/>
             <p:nvPr/>
-          </p:nvGrpSpPr>
-          <p:grpSpPr>
+          </p:nvSpPr>
+          <p:spPr>
             <a:xfrm>
-              <a:off x="1699846" y="3521681"/>
-              <a:ext cx="1226915" cy="154866"/>
-              <a:chOff x="4954832" y="1080555"/>
-              <a:chExt cx="1088849" cy="147900"/>
+              <a:off x="2554916" y="3521683"/>
+              <a:ext cx="371843" cy="154866"/>
             </a:xfrm>
-          </p:grpSpPr>
-          <p:sp>
-            <p:nvSpPr>
-              <p:cNvPr id="111" name="Google Shape;111;p1"/>
-              <p:cNvSpPr txBox="1"/>
-              <p:nvPr/>
-            </p:nvSpPr>
-            <p:spPr>
-              <a:xfrm>
-                <a:off x="4954832" y="1080555"/>
-                <a:ext cx="769500" cy="147900"/>
-              </a:xfrm>
-              <a:prstGeom prst="rect">
-                <a:avLst/>
-              </a:prstGeom>
+            <a:prstGeom prst="rect">
+              <a:avLst/>
+            </a:prstGeom>
+            <a:noFill/>
+            <a:ln>
               <a:noFill/>
-              <a:ln>
-                <a:noFill/>
-              </a:ln>
-            </p:spPr>
-            <p:txBody>
-              <a:bodyPr anchorCtr="0" anchor="t" bIns="0" lIns="0" spcFirstLastPara="1" rIns="0" wrap="square" tIns="0">
-                <a:noAutofit/>
-              </a:bodyPr>
-              <a:lstStyle/>
-              <a:p>
-                <a:pPr indent="0" lvl="0" marL="0" marR="0" rtl="0" algn="l">
-                  <a:lnSpc>
-                    <a:spcPct val="100000"/>
-                  </a:lnSpc>
-                  <a:spcBef>
-                    <a:spcPts val="0"/>
-                  </a:spcBef>
-                  <a:spcAft>
-                    <a:spcPts val="0"/>
-                  </a:spcAft>
-                  <a:buClr>
-                    <a:srgbClr val="879C16"/>
-                  </a:buClr>
-                  <a:buSzPts val="714"/>
-                  <a:buFont typeface="Arial"/>
-                  <a:buNone/>
-                </a:pPr>
-                <a:r>
-                  <a:rPr b="1" i="0" lang="en-US" sz="714" u="none" cap="none" strike="noStrike">
-                    <a:solidFill>
-                      <a:srgbClr val="FFFFFF"/>
-                    </a:solidFill>
-                    <a:latin typeface="Arial"/>
-                    <a:ea typeface="Arial"/>
-                    <a:cs typeface="Arial"/>
-                    <a:sym typeface="Arial"/>
-                  </a:rPr>
-                  <a:t>Coal based costs</a:t>
-                </a:r>
-                <a:endParaRPr b="0" i="0" sz="1400" u="none" cap="none" strike="noStrike">
+            </a:ln>
+          </p:spPr>
+          <p:txBody>
+            <a:bodyPr spcFirstLastPara="1" wrap="square" lIns="0" tIns="0" rIns="0" bIns="0" anchor="t" anchorCtr="0">
+              <a:noAutofit/>
+            </a:bodyPr>
+            <a:lstStyle/>
+            <a:p>
+              <a:pPr marL="0" marR="0" lvl="0" indent="0" algn="ctr" rtl="0">
+                <a:lnSpc>
+                  <a:spcPct val="100000"/>
+                </a:lnSpc>
+                <a:spcBef>
+                  <a:spcPts val="0"/>
+                </a:spcBef>
+                <a:spcAft>
+                  <a:spcPts val="0"/>
+                </a:spcAft>
+                <a:buClr>
+                  <a:srgbClr val="879C16"/>
+                </a:buClr>
+                <a:buSzPts val="714"/>
+                <a:buFont typeface="Arial"/>
+                <a:buNone/>
+              </a:pPr>
+              <a:r>
+                <a:rPr lang="en-US" sz="714" b="1" i="0" u="none" strike="noStrike" cap="none">
                   <a:solidFill>
-                    <a:srgbClr val="000000"/>
+                    <a:srgbClr val="FFFFFF"/>
                   </a:solidFill>
                   <a:latin typeface="Arial"/>
                   <a:ea typeface="Arial"/>
                   <a:cs typeface="Arial"/>
                   <a:sym typeface="Arial"/>
-                </a:endParaRPr>
-              </a:p>
-            </p:txBody>
-          </p:sp>
-          <p:sp>
-            <p:nvSpPr>
-              <p:cNvPr id="112" name="Google Shape;112;p1"/>
-              <p:cNvSpPr txBox="1"/>
-              <p:nvPr/>
-            </p:nvSpPr>
-            <p:spPr>
-              <a:xfrm>
-                <a:off x="5713681" y="1080555"/>
-                <a:ext cx="330000" cy="147900"/>
-              </a:xfrm>
-              <a:prstGeom prst="rect">
-                <a:avLst/>
-              </a:prstGeom>
-              <a:noFill/>
-              <a:ln>
-                <a:noFill/>
-              </a:ln>
-            </p:spPr>
-            <p:txBody>
-              <a:bodyPr anchorCtr="0" anchor="t" bIns="0" lIns="0" spcFirstLastPara="1" rIns="0" wrap="square" tIns="0">
-                <a:noAutofit/>
-              </a:bodyPr>
-              <a:lstStyle/>
-              <a:p>
-                <a:pPr indent="0" lvl="0" marL="0" marR="0" rtl="0" algn="ctr">
-                  <a:lnSpc>
-                    <a:spcPct val="100000"/>
-                  </a:lnSpc>
-                  <a:spcBef>
-                    <a:spcPts val="0"/>
-                  </a:spcBef>
-                  <a:spcAft>
-                    <a:spcPts val="0"/>
-                  </a:spcAft>
-                  <a:buClr>
-                    <a:srgbClr val="879C16"/>
-                  </a:buClr>
-                  <a:buSzPts val="714"/>
-                  <a:buFont typeface="Arial"/>
-                  <a:buNone/>
-                </a:pPr>
-                <a:r>
-                  <a:rPr b="1" i="0" lang="en-US" sz="714" u="none" cap="none" strike="noStrike">
-                    <a:solidFill>
-                      <a:srgbClr val="FFFFFF"/>
-                    </a:solidFill>
-                    <a:latin typeface="Arial"/>
-                    <a:ea typeface="Arial"/>
-                    <a:cs typeface="Arial"/>
-                    <a:sym typeface="Arial"/>
-                  </a:rPr>
-                  <a:t>($)</a:t>
-                </a:r>
-                <a:endParaRPr b="0" i="0" sz="1400" u="none" cap="none" strike="noStrike">
-                  <a:solidFill>
-                    <a:srgbClr val="000000"/>
-                  </a:solidFill>
-                  <a:latin typeface="Arial"/>
-                  <a:ea typeface="Arial"/>
-                  <a:cs typeface="Arial"/>
-                  <a:sym typeface="Arial"/>
-                </a:endParaRPr>
-              </a:p>
-            </p:txBody>
-          </p:sp>
-        </p:grpSp>
+                </a:rPr>
+                <a:t>($)</a:t>
+              </a:r>
+              <a:endParaRPr sz="1400" b="0" i="0" u="none" strike="noStrike" cap="none">
+                <a:solidFill>
+                  <a:srgbClr val="000000"/>
+                </a:solidFill>
+                <a:latin typeface="Arial"/>
+                <a:ea typeface="Arial"/>
+                <a:cs typeface="Arial"/>
+                <a:sym typeface="Arial"/>
+              </a:endParaRPr>
+            </a:p>
+          </p:txBody>
+        </p:sp>
         <p:sp>
           <p:nvSpPr>
             <p:cNvPr id="113" name="Google Shape;113;p1"/>
@@ -8163,7 +7610,7 @@
           </p:nvSpPr>
           <p:spPr>
             <a:xfrm>
-              <a:off x="312539" y="3202323"/>
+              <a:off x="-294612" y="3215257"/>
               <a:ext cx="995190" cy="570774"/>
             </a:xfrm>
             <a:prstGeom prst="rect">
@@ -8172,23 +7619,23 @@
             <a:solidFill>
               <a:srgbClr val="00C09D"/>
             </a:solidFill>
-            <a:ln cap="flat" cmpd="sng" w="12700">
+            <a:ln w="12700" cap="flat" cmpd="sng">
               <a:solidFill>
                 <a:schemeClr val="accent2"/>
               </a:solidFill>
               <a:prstDash val="solid"/>
               <a:round/>
-              <a:headEnd len="sm" w="sm" type="none"/>
-              <a:tailEnd len="sm" w="sm" type="none"/>
+              <a:headEnd type="none" w="sm" len="sm"/>
+              <a:tailEnd type="none" w="sm" len="sm"/>
             </a:ln>
           </p:spPr>
           <p:txBody>
-            <a:bodyPr anchorCtr="0" anchor="ctr" bIns="45700" lIns="91425" spcFirstLastPara="1" rIns="91425" wrap="square" tIns="45700">
+            <a:bodyPr spcFirstLastPara="1" wrap="square" lIns="91425" tIns="45700" rIns="91425" bIns="45700" anchor="ctr" anchorCtr="0">
               <a:noAutofit/>
             </a:bodyPr>
             <a:lstStyle/>
             <a:p>
-              <a:pPr indent="0" lvl="0" marL="0" marR="0" rtl="0" algn="ctr">
+              <a:pPr marL="0" marR="0" lvl="0" indent="0" algn="ctr" rtl="0">
                 <a:lnSpc>
                   <a:spcPct val="100000"/>
                 </a:lnSpc>
@@ -8206,14 +7653,14 @@
                 <a:buNone/>
               </a:pPr>
               <a:r>
-                <a:rPr lang="en-US" sz="714">
+                <a:rPr lang="en-US" sz="714" dirty="0">
                   <a:solidFill>
                     <a:srgbClr val="002C46"/>
                   </a:solidFill>
                 </a:rPr>
                 <a:t>Reduce cost</a:t>
               </a:r>
-              <a:endParaRPr b="0" i="0" sz="714" u="none" cap="none" strike="noStrike">
+              <a:endParaRPr sz="714" b="0" i="0" u="none" strike="noStrike" cap="none" dirty="0">
                 <a:solidFill>
                   <a:srgbClr val="002C46"/>
                 </a:solidFill>
@@ -8226,6 +7673,3359 @@
           </p:txBody>
         </p:sp>
       </p:grpSp>
+      <p:cxnSp>
+        <p:nvCxnSpPr>
+          <p:cNvPr id="8" name="Connector: Elbow 7">
+            <a:extLst>
+              <a:ext uri="{FF2B5EF4-FFF2-40B4-BE49-F238E27FC236}">
+                <a16:creationId xmlns:a16="http://schemas.microsoft.com/office/drawing/2014/main" id="{4084651E-C15D-495D-A543-97FBC2FA17F9}"/>
+              </a:ext>
+            </a:extLst>
+          </p:cNvPr>
+          <p:cNvCxnSpPr>
+            <a:cxnSpLocks/>
+            <a:stCxn id="38" idx="2"/>
+            <a:endCxn id="113" idx="1"/>
+          </p:cNvCxnSpPr>
+          <p:nvPr/>
+        </p:nvCxnSpPr>
+        <p:spPr>
+          <a:xfrm rot="16200000" flipH="1">
+            <a:off x="623543" y="2841912"/>
+            <a:ext cx="505500" cy="219469"/>
+          </a:xfrm>
+          <a:prstGeom prst="bentConnector2">
+            <a:avLst/>
+          </a:prstGeom>
+        </p:spPr>
+        <p:style>
+          <a:lnRef idx="1">
+            <a:schemeClr val="accent1"/>
+          </a:lnRef>
+          <a:fillRef idx="0">
+            <a:schemeClr val="accent1"/>
+          </a:fillRef>
+          <a:effectRef idx="0">
+            <a:schemeClr val="accent1"/>
+          </a:effectRef>
+          <a:fontRef idx="minor">
+            <a:schemeClr val="tx1"/>
+          </a:fontRef>
+        </p:style>
+      </p:cxnSp>
+      <p:cxnSp>
+        <p:nvCxnSpPr>
+          <p:cNvPr id="10" name="Connector: Elbow 9">
+            <a:extLst>
+              <a:ext uri="{FF2B5EF4-FFF2-40B4-BE49-F238E27FC236}">
+                <a16:creationId xmlns:a16="http://schemas.microsoft.com/office/drawing/2014/main" id="{F84C822E-88A0-441B-B027-736AC3DFFBEA}"/>
+              </a:ext>
+            </a:extLst>
+          </p:cNvPr>
+          <p:cNvCxnSpPr>
+            <a:cxnSpLocks/>
+            <a:stCxn id="38" idx="2"/>
+            <a:endCxn id="108" idx="1"/>
+          </p:cNvCxnSpPr>
+          <p:nvPr/>
+        </p:nvCxnSpPr>
+        <p:spPr>
+          <a:xfrm rot="16200000" flipH="1">
+            <a:off x="-150757" y="3616213"/>
+            <a:ext cx="2028338" cy="193706"/>
+          </a:xfrm>
+          <a:prstGeom prst="bentConnector2">
+            <a:avLst/>
+          </a:prstGeom>
+        </p:spPr>
+        <p:style>
+          <a:lnRef idx="1">
+            <a:schemeClr val="accent1"/>
+          </a:lnRef>
+          <a:fillRef idx="0">
+            <a:schemeClr val="accent1"/>
+          </a:fillRef>
+          <a:effectRef idx="0">
+            <a:schemeClr val="accent1"/>
+          </a:effectRef>
+          <a:fontRef idx="minor">
+            <a:schemeClr val="tx1"/>
+          </a:fontRef>
+        </p:style>
+      </p:cxnSp>
+      <p:grpSp>
+        <p:nvGrpSpPr>
+          <p:cNvPr id="114" name="Google Shape;66;p1">
+            <a:extLst>
+              <a:ext uri="{FF2B5EF4-FFF2-40B4-BE49-F238E27FC236}">
+                <a16:creationId xmlns:a16="http://schemas.microsoft.com/office/drawing/2014/main" id="{D00988F5-C0F2-4412-8590-CFEF0F1049E4}"/>
+              </a:ext>
+            </a:extLst>
+          </p:cNvPr>
+          <p:cNvGrpSpPr/>
+          <p:nvPr/>
+        </p:nvGrpSpPr>
+        <p:grpSpPr>
+          <a:xfrm>
+            <a:off x="4133109" y="3329326"/>
+            <a:ext cx="933864" cy="389690"/>
+            <a:chOff x="4934192" y="1056229"/>
+            <a:chExt cx="1131757" cy="444628"/>
+          </a:xfrm>
+        </p:grpSpPr>
+        <p:sp>
+          <p:nvSpPr>
+            <p:cNvPr id="115" name="Google Shape;32;p1">
+              <a:extLst>
+                <a:ext uri="{FF2B5EF4-FFF2-40B4-BE49-F238E27FC236}">
+                  <a16:creationId xmlns:a16="http://schemas.microsoft.com/office/drawing/2014/main" id="{308ADC12-790B-4C46-A0BE-B0AAAB12EFB2}"/>
+                </a:ext>
+              </a:extLst>
+            </p:cNvPr>
+            <p:cNvSpPr/>
+            <p:nvPr/>
+          </p:nvSpPr>
+          <p:spPr>
+            <a:xfrm>
+              <a:off x="4934192" y="1056229"/>
+              <a:ext cx="1131757" cy="444628"/>
+            </a:xfrm>
+            <a:prstGeom prst="rect">
+              <a:avLst/>
+            </a:prstGeom>
+            <a:solidFill>
+              <a:schemeClr val="lt1"/>
+            </a:solidFill>
+            <a:ln w="12700" cap="flat" cmpd="sng">
+              <a:solidFill>
+                <a:schemeClr val="accent2"/>
+              </a:solidFill>
+              <a:prstDash val="solid"/>
+              <a:round/>
+              <a:headEnd type="none" w="sm" len="sm"/>
+              <a:tailEnd type="none" w="sm" len="sm"/>
+            </a:ln>
+          </p:spPr>
+          <p:txBody>
+            <a:bodyPr spcFirstLastPara="1" wrap="square" lIns="91425" tIns="45700" rIns="91425" bIns="45700" anchor="ctr" anchorCtr="0">
+              <a:noAutofit/>
+            </a:bodyPr>
+            <a:lstStyle/>
+            <a:p>
+              <a:pPr marL="0" marR="0" lvl="0" indent="0" algn="ctr" rtl="0">
+                <a:lnSpc>
+                  <a:spcPct val="100000"/>
+                </a:lnSpc>
+                <a:spcBef>
+                  <a:spcPts val="0"/>
+                </a:spcBef>
+                <a:spcAft>
+                  <a:spcPts val="0"/>
+                </a:spcAft>
+                <a:buClr>
+                  <a:srgbClr val="000000"/>
+                </a:buClr>
+                <a:buSzPts val="714"/>
+                <a:buFont typeface="Arial"/>
+                <a:buNone/>
+              </a:pPr>
+              <a:endParaRPr sz="714" b="0" i="0" u="none" strike="noStrike" cap="none" dirty="0">
+                <a:solidFill>
+                  <a:srgbClr val="002C46"/>
+                </a:solidFill>
+                <a:latin typeface="Arial"/>
+                <a:ea typeface="Arial"/>
+                <a:cs typeface="Arial"/>
+                <a:sym typeface="Arial"/>
+              </a:endParaRPr>
+            </a:p>
+          </p:txBody>
+        </p:sp>
+        <p:sp>
+          <p:nvSpPr>
+            <p:cNvPr id="116" name="Google Shape;67;p1">
+              <a:extLst>
+                <a:ext uri="{FF2B5EF4-FFF2-40B4-BE49-F238E27FC236}">
+                  <a16:creationId xmlns:a16="http://schemas.microsoft.com/office/drawing/2014/main" id="{1F5A4300-ABE4-43D8-8975-733DCEF20BE5}"/>
+                </a:ext>
+              </a:extLst>
+            </p:cNvPr>
+            <p:cNvSpPr/>
+            <p:nvPr/>
+          </p:nvSpPr>
+          <p:spPr>
+            <a:xfrm>
+              <a:off x="4934192" y="1056229"/>
+              <a:ext cx="1131757" cy="264464"/>
+            </a:xfrm>
+            <a:prstGeom prst="rect">
+              <a:avLst/>
+            </a:prstGeom>
+            <a:solidFill>
+              <a:srgbClr val="00C09D"/>
+            </a:solidFill>
+            <a:ln w="12700" cap="flat" cmpd="sng">
+              <a:solidFill>
+                <a:schemeClr val="accent2"/>
+              </a:solidFill>
+              <a:prstDash val="solid"/>
+              <a:round/>
+              <a:headEnd type="none" w="sm" len="sm"/>
+              <a:tailEnd type="none" w="sm" len="sm"/>
+            </a:ln>
+          </p:spPr>
+          <p:txBody>
+            <a:bodyPr spcFirstLastPara="1" wrap="square" lIns="91425" tIns="45700" rIns="91425" bIns="45700" anchor="ctr" anchorCtr="0">
+              <a:noAutofit/>
+            </a:bodyPr>
+            <a:lstStyle/>
+            <a:p>
+              <a:pPr marL="0" marR="0" lvl="0" indent="0" algn="ctr" rtl="0">
+                <a:lnSpc>
+                  <a:spcPct val="100000"/>
+                </a:lnSpc>
+                <a:spcBef>
+                  <a:spcPts val="0"/>
+                </a:spcBef>
+                <a:spcAft>
+                  <a:spcPts val="0"/>
+                </a:spcAft>
+                <a:buClr>
+                  <a:srgbClr val="000000"/>
+                </a:buClr>
+                <a:buSzPts val="714"/>
+                <a:buFont typeface="Arial"/>
+                <a:buNone/>
+              </a:pPr>
+              <a:endParaRPr sz="714" b="0" i="0" u="none" strike="noStrike" cap="none">
+                <a:solidFill>
+                  <a:srgbClr val="002C46"/>
+                </a:solidFill>
+                <a:latin typeface="Arial"/>
+                <a:ea typeface="Arial"/>
+                <a:cs typeface="Arial"/>
+                <a:sym typeface="Arial"/>
+              </a:endParaRPr>
+            </a:p>
+          </p:txBody>
+        </p:sp>
+        <p:sp>
+          <p:nvSpPr>
+            <p:cNvPr id="117" name="Google Shape;68;p1">
+              <a:extLst>
+                <a:ext uri="{FF2B5EF4-FFF2-40B4-BE49-F238E27FC236}">
+                  <a16:creationId xmlns:a16="http://schemas.microsoft.com/office/drawing/2014/main" id="{C6CA3B07-2B19-4FB4-989B-510896254CCE}"/>
+                </a:ext>
+              </a:extLst>
+            </p:cNvPr>
+            <p:cNvSpPr txBox="1"/>
+            <p:nvPr/>
+          </p:nvSpPr>
+          <p:spPr>
+            <a:xfrm>
+              <a:off x="4978025" y="1078603"/>
+              <a:ext cx="769475" cy="128563"/>
+            </a:xfrm>
+            <a:prstGeom prst="rect">
+              <a:avLst/>
+            </a:prstGeom>
+            <a:noFill/>
+            <a:ln>
+              <a:noFill/>
+            </a:ln>
+          </p:spPr>
+          <p:txBody>
+            <a:bodyPr spcFirstLastPara="1" wrap="square" lIns="0" tIns="0" rIns="0" bIns="0" anchor="t" anchorCtr="0">
+              <a:spAutoFit/>
+            </a:bodyPr>
+            <a:lstStyle/>
+            <a:p>
+              <a:pPr marL="0" marR="0" lvl="0" indent="0" algn="l" rtl="0">
+                <a:lnSpc>
+                  <a:spcPct val="100000"/>
+                </a:lnSpc>
+                <a:spcBef>
+                  <a:spcPts val="0"/>
+                </a:spcBef>
+                <a:spcAft>
+                  <a:spcPts val="0"/>
+                </a:spcAft>
+                <a:buClr>
+                  <a:srgbClr val="879C16"/>
+                </a:buClr>
+                <a:buSzPts val="714"/>
+                <a:buFont typeface="Arial"/>
+                <a:buNone/>
+              </a:pPr>
+              <a:r>
+                <a:rPr lang="en-US" sz="800" b="0" i="0" u="none" strike="noStrike" cap="none">
+                  <a:solidFill>
+                    <a:srgbClr val="FFFFFF"/>
+                  </a:solidFill>
+                  <a:latin typeface="Arial"/>
+                  <a:ea typeface="Arial"/>
+                  <a:cs typeface="Arial"/>
+                  <a:sym typeface="Arial"/>
+                </a:rPr>
+                <a:t>Fixed Cost</a:t>
+              </a:r>
+              <a:endParaRPr sz="800" b="0" i="0" u="none" strike="noStrike" cap="none">
+                <a:solidFill>
+                  <a:srgbClr val="000000"/>
+                </a:solidFill>
+                <a:latin typeface="Arial"/>
+                <a:ea typeface="Arial"/>
+                <a:cs typeface="Arial"/>
+                <a:sym typeface="Arial"/>
+              </a:endParaRPr>
+            </a:p>
+          </p:txBody>
+        </p:sp>
+        <p:sp>
+          <p:nvSpPr>
+            <p:cNvPr id="118" name="Google Shape;69;p1">
+              <a:extLst>
+                <a:ext uri="{FF2B5EF4-FFF2-40B4-BE49-F238E27FC236}">
+                  <a16:creationId xmlns:a16="http://schemas.microsoft.com/office/drawing/2014/main" id="{79B85DEF-D1A3-4A76-AACD-6523CE4B187A}"/>
+                </a:ext>
+              </a:extLst>
+            </p:cNvPr>
+            <p:cNvSpPr txBox="1"/>
+            <p:nvPr/>
+          </p:nvSpPr>
+          <p:spPr>
+            <a:xfrm>
+              <a:off x="5713681" y="1080555"/>
+              <a:ext cx="329898" cy="125396"/>
+            </a:xfrm>
+            <a:prstGeom prst="rect">
+              <a:avLst/>
+            </a:prstGeom>
+            <a:noFill/>
+            <a:ln>
+              <a:noFill/>
+            </a:ln>
+          </p:spPr>
+          <p:txBody>
+            <a:bodyPr spcFirstLastPara="1" wrap="square" lIns="0" tIns="0" rIns="0" bIns="0" anchor="t" anchorCtr="0">
+              <a:spAutoFit/>
+            </a:bodyPr>
+            <a:lstStyle/>
+            <a:p>
+              <a:pPr marL="0" marR="0" lvl="0" indent="0" algn="l" rtl="0">
+                <a:lnSpc>
+                  <a:spcPct val="100000"/>
+                </a:lnSpc>
+                <a:spcBef>
+                  <a:spcPts val="0"/>
+                </a:spcBef>
+                <a:spcAft>
+                  <a:spcPts val="0"/>
+                </a:spcAft>
+                <a:buClr>
+                  <a:srgbClr val="879C16"/>
+                </a:buClr>
+                <a:buSzPts val="714"/>
+                <a:buFont typeface="Arial"/>
+                <a:buNone/>
+              </a:pPr>
+              <a:r>
+                <a:rPr lang="en-US" sz="714" b="1" i="0" u="none" strike="noStrike" cap="none" dirty="0">
+                  <a:solidFill>
+                    <a:srgbClr val="FFFFFF"/>
+                  </a:solidFill>
+                  <a:latin typeface="Arial"/>
+                  <a:ea typeface="Arial"/>
+                  <a:cs typeface="Arial"/>
+                  <a:sym typeface="Arial"/>
+                </a:rPr>
+                <a:t>($)</a:t>
+              </a:r>
+              <a:endParaRPr sz="1400" b="0" i="0" u="none" strike="noStrike" cap="none" dirty="0">
+                <a:solidFill>
+                  <a:srgbClr val="000000"/>
+                </a:solidFill>
+                <a:latin typeface="Arial"/>
+                <a:ea typeface="Arial"/>
+                <a:cs typeface="Arial"/>
+                <a:sym typeface="Arial"/>
+              </a:endParaRPr>
+            </a:p>
+          </p:txBody>
+        </p:sp>
+      </p:grpSp>
+      <p:grpSp>
+        <p:nvGrpSpPr>
+          <p:cNvPr id="119" name="Google Shape;70;p1">
+            <a:extLst>
+              <a:ext uri="{FF2B5EF4-FFF2-40B4-BE49-F238E27FC236}">
+                <a16:creationId xmlns:a16="http://schemas.microsoft.com/office/drawing/2014/main" id="{93A64E05-61A2-4969-BC78-C10E480584F4}"/>
+              </a:ext>
+            </a:extLst>
+          </p:cNvPr>
+          <p:cNvGrpSpPr/>
+          <p:nvPr/>
+        </p:nvGrpSpPr>
+        <p:grpSpPr>
+          <a:xfrm>
+            <a:off x="4131821" y="3886755"/>
+            <a:ext cx="973709" cy="402480"/>
+            <a:chOff x="4934192" y="1056229"/>
+            <a:chExt cx="1156890" cy="444628"/>
+          </a:xfrm>
+        </p:grpSpPr>
+        <p:sp>
+          <p:nvSpPr>
+            <p:cNvPr id="120" name="Google Shape;25;p1">
+              <a:extLst>
+                <a:ext uri="{FF2B5EF4-FFF2-40B4-BE49-F238E27FC236}">
+                  <a16:creationId xmlns:a16="http://schemas.microsoft.com/office/drawing/2014/main" id="{B40BB4DA-27B5-4AC9-90B3-5517EC3C2E14}"/>
+                </a:ext>
+              </a:extLst>
+            </p:cNvPr>
+            <p:cNvSpPr/>
+            <p:nvPr/>
+          </p:nvSpPr>
+          <p:spPr>
+            <a:xfrm>
+              <a:off x="4934192" y="1056229"/>
+              <a:ext cx="1131757" cy="444628"/>
+            </a:xfrm>
+            <a:prstGeom prst="rect">
+              <a:avLst/>
+            </a:prstGeom>
+            <a:solidFill>
+              <a:schemeClr val="lt1"/>
+            </a:solidFill>
+            <a:ln w="12700" cap="flat" cmpd="sng">
+              <a:solidFill>
+                <a:schemeClr val="accent2"/>
+              </a:solidFill>
+              <a:prstDash val="solid"/>
+              <a:round/>
+              <a:headEnd type="none" w="sm" len="sm"/>
+              <a:tailEnd type="none" w="sm" len="sm"/>
+            </a:ln>
+          </p:spPr>
+          <p:txBody>
+            <a:bodyPr spcFirstLastPara="1" wrap="square" lIns="91425" tIns="45700" rIns="91425" bIns="45700" anchor="ctr" anchorCtr="0">
+              <a:noAutofit/>
+            </a:bodyPr>
+            <a:lstStyle/>
+            <a:p>
+              <a:pPr marL="0" marR="0" lvl="0" indent="0" algn="ctr" rtl="0">
+                <a:lnSpc>
+                  <a:spcPct val="100000"/>
+                </a:lnSpc>
+                <a:spcBef>
+                  <a:spcPts val="0"/>
+                </a:spcBef>
+                <a:spcAft>
+                  <a:spcPts val="0"/>
+                </a:spcAft>
+                <a:buClr>
+                  <a:srgbClr val="000000"/>
+                </a:buClr>
+                <a:buSzPts val="714"/>
+                <a:buFont typeface="Arial"/>
+                <a:buNone/>
+              </a:pPr>
+              <a:endParaRPr sz="714" b="0" i="0" u="none" strike="noStrike" cap="none">
+                <a:solidFill>
+                  <a:srgbClr val="002C46"/>
+                </a:solidFill>
+                <a:latin typeface="Arial"/>
+                <a:ea typeface="Arial"/>
+                <a:cs typeface="Arial"/>
+                <a:sym typeface="Arial"/>
+              </a:endParaRPr>
+            </a:p>
+          </p:txBody>
+        </p:sp>
+        <p:sp>
+          <p:nvSpPr>
+            <p:cNvPr id="121" name="Google Shape;71;p1">
+              <a:extLst>
+                <a:ext uri="{FF2B5EF4-FFF2-40B4-BE49-F238E27FC236}">
+                  <a16:creationId xmlns:a16="http://schemas.microsoft.com/office/drawing/2014/main" id="{6667275C-A1A1-4E37-B62D-EBD63EFB16B7}"/>
+                </a:ext>
+              </a:extLst>
+            </p:cNvPr>
+            <p:cNvSpPr/>
+            <p:nvPr/>
+          </p:nvSpPr>
+          <p:spPr>
+            <a:xfrm>
+              <a:off x="4934192" y="1056229"/>
+              <a:ext cx="1131757" cy="264464"/>
+            </a:xfrm>
+            <a:prstGeom prst="rect">
+              <a:avLst/>
+            </a:prstGeom>
+            <a:solidFill>
+              <a:srgbClr val="00C09D"/>
+            </a:solidFill>
+            <a:ln w="12700" cap="flat" cmpd="sng">
+              <a:solidFill>
+                <a:schemeClr val="accent2"/>
+              </a:solidFill>
+              <a:prstDash val="solid"/>
+              <a:round/>
+              <a:headEnd type="none" w="sm" len="sm"/>
+              <a:tailEnd type="none" w="sm" len="sm"/>
+            </a:ln>
+          </p:spPr>
+          <p:txBody>
+            <a:bodyPr spcFirstLastPara="1" wrap="square" lIns="91425" tIns="45700" rIns="91425" bIns="45700" anchor="ctr" anchorCtr="0">
+              <a:noAutofit/>
+            </a:bodyPr>
+            <a:lstStyle/>
+            <a:p>
+              <a:pPr marL="0" marR="0" lvl="0" indent="0" algn="ctr" rtl="0">
+                <a:lnSpc>
+                  <a:spcPct val="100000"/>
+                </a:lnSpc>
+                <a:spcBef>
+                  <a:spcPts val="0"/>
+                </a:spcBef>
+                <a:spcAft>
+                  <a:spcPts val="0"/>
+                </a:spcAft>
+                <a:buClr>
+                  <a:srgbClr val="000000"/>
+                </a:buClr>
+                <a:buSzPts val="714"/>
+                <a:buFont typeface="Arial"/>
+                <a:buNone/>
+              </a:pPr>
+              <a:endParaRPr sz="714" b="0" i="0" u="none" strike="noStrike" cap="none">
+                <a:solidFill>
+                  <a:srgbClr val="002C46"/>
+                </a:solidFill>
+                <a:latin typeface="Arial"/>
+                <a:ea typeface="Arial"/>
+                <a:cs typeface="Arial"/>
+                <a:sym typeface="Arial"/>
+              </a:endParaRPr>
+            </a:p>
+          </p:txBody>
+        </p:sp>
+        <p:sp>
+          <p:nvSpPr>
+            <p:cNvPr id="122" name="Google Shape;72;p1">
+              <a:extLst>
+                <a:ext uri="{FF2B5EF4-FFF2-40B4-BE49-F238E27FC236}">
+                  <a16:creationId xmlns:a16="http://schemas.microsoft.com/office/drawing/2014/main" id="{C52D20F8-B9B9-480C-A833-73EC7C490A63}"/>
+                </a:ext>
+              </a:extLst>
+            </p:cNvPr>
+            <p:cNvSpPr txBox="1"/>
+            <p:nvPr/>
+          </p:nvSpPr>
+          <p:spPr>
+            <a:xfrm>
+              <a:off x="4954832" y="1080554"/>
+              <a:ext cx="736354" cy="128563"/>
+            </a:xfrm>
+            <a:prstGeom prst="rect">
+              <a:avLst/>
+            </a:prstGeom>
+            <a:noFill/>
+            <a:ln>
+              <a:noFill/>
+            </a:ln>
+          </p:spPr>
+          <p:txBody>
+            <a:bodyPr spcFirstLastPara="1" wrap="square" lIns="0" tIns="0" rIns="0" bIns="0" anchor="t" anchorCtr="0">
+              <a:spAutoFit/>
+            </a:bodyPr>
+            <a:lstStyle/>
+            <a:p>
+              <a:pPr marL="0" marR="0" lvl="0" indent="0" algn="l" rtl="0">
+                <a:lnSpc>
+                  <a:spcPct val="100000"/>
+                </a:lnSpc>
+                <a:spcBef>
+                  <a:spcPts val="0"/>
+                </a:spcBef>
+                <a:spcAft>
+                  <a:spcPts val="0"/>
+                </a:spcAft>
+                <a:buClr>
+                  <a:srgbClr val="879C16"/>
+                </a:buClr>
+                <a:buSzPts val="714"/>
+                <a:buFont typeface="Arial"/>
+                <a:buNone/>
+              </a:pPr>
+              <a:r>
+                <a:rPr lang="en-US" sz="800" b="0" i="0" u="none" strike="noStrike" cap="none" dirty="0">
+                  <a:solidFill>
+                    <a:schemeClr val="lt1"/>
+                  </a:solidFill>
+                  <a:latin typeface="Arial"/>
+                  <a:ea typeface="Arial"/>
+                  <a:cs typeface="Arial"/>
+                  <a:sym typeface="Arial"/>
+                </a:rPr>
+                <a:t>Variable Cost</a:t>
+              </a:r>
+              <a:endParaRPr sz="800" b="0" i="0" u="none" strike="noStrike" cap="none" dirty="0">
+                <a:solidFill>
+                  <a:schemeClr val="lt1"/>
+                </a:solidFill>
+                <a:latin typeface="Arial"/>
+                <a:ea typeface="Arial"/>
+                <a:cs typeface="Arial"/>
+                <a:sym typeface="Arial"/>
+              </a:endParaRPr>
+            </a:p>
+          </p:txBody>
+        </p:sp>
+        <p:sp>
+          <p:nvSpPr>
+            <p:cNvPr id="123" name="Google Shape;73;p1">
+              <a:extLst>
+                <a:ext uri="{FF2B5EF4-FFF2-40B4-BE49-F238E27FC236}">
+                  <a16:creationId xmlns:a16="http://schemas.microsoft.com/office/drawing/2014/main" id="{131CDFA7-79B8-4B58-8C19-1FC438914CEA}"/>
+                </a:ext>
+              </a:extLst>
+            </p:cNvPr>
+            <p:cNvSpPr txBox="1"/>
+            <p:nvPr/>
+          </p:nvSpPr>
+          <p:spPr>
+            <a:xfrm>
+              <a:off x="5761184" y="1085816"/>
+              <a:ext cx="329898" cy="121411"/>
+            </a:xfrm>
+            <a:prstGeom prst="rect">
+              <a:avLst/>
+            </a:prstGeom>
+            <a:noFill/>
+            <a:ln>
+              <a:noFill/>
+            </a:ln>
+          </p:spPr>
+          <p:txBody>
+            <a:bodyPr spcFirstLastPara="1" wrap="square" lIns="0" tIns="0" rIns="0" bIns="0" anchor="t" anchorCtr="0">
+              <a:spAutoFit/>
+            </a:bodyPr>
+            <a:lstStyle/>
+            <a:p>
+              <a:pPr marL="0" marR="0" lvl="0" indent="0" algn="l" rtl="0">
+                <a:lnSpc>
+                  <a:spcPct val="100000"/>
+                </a:lnSpc>
+                <a:spcBef>
+                  <a:spcPts val="0"/>
+                </a:spcBef>
+                <a:spcAft>
+                  <a:spcPts val="0"/>
+                </a:spcAft>
+                <a:buClr>
+                  <a:srgbClr val="879C16"/>
+                </a:buClr>
+                <a:buSzPts val="714"/>
+                <a:buFont typeface="Arial"/>
+                <a:buNone/>
+              </a:pPr>
+              <a:r>
+                <a:rPr lang="en-US" sz="714" b="1" i="0" u="none" strike="noStrike" cap="none" dirty="0">
+                  <a:solidFill>
+                    <a:srgbClr val="FFFFFF"/>
+                  </a:solidFill>
+                  <a:latin typeface="Arial"/>
+                  <a:ea typeface="Arial"/>
+                  <a:cs typeface="Arial"/>
+                  <a:sym typeface="Arial"/>
+                </a:rPr>
+                <a:t>($)</a:t>
+              </a:r>
+              <a:endParaRPr sz="1400" b="0" i="0" u="none" strike="noStrike" cap="none" dirty="0">
+                <a:solidFill>
+                  <a:srgbClr val="000000"/>
+                </a:solidFill>
+                <a:latin typeface="Arial"/>
+                <a:ea typeface="Arial"/>
+                <a:cs typeface="Arial"/>
+                <a:sym typeface="Arial"/>
+              </a:endParaRPr>
+            </a:p>
+          </p:txBody>
+        </p:sp>
+      </p:grpSp>
+      <p:grpSp>
+        <p:nvGrpSpPr>
+          <p:cNvPr id="124" name="Google Shape;81;p1">
+            <a:extLst>
+              <a:ext uri="{FF2B5EF4-FFF2-40B4-BE49-F238E27FC236}">
+                <a16:creationId xmlns:a16="http://schemas.microsoft.com/office/drawing/2014/main" id="{28111B82-3DF5-470E-ACC9-5E239F0A48DB}"/>
+              </a:ext>
+            </a:extLst>
+          </p:cNvPr>
+          <p:cNvGrpSpPr/>
+          <p:nvPr/>
+        </p:nvGrpSpPr>
+        <p:grpSpPr>
+          <a:xfrm>
+            <a:off x="5899401" y="3493785"/>
+            <a:ext cx="1641683" cy="475405"/>
+            <a:chOff x="4934192" y="1056228"/>
+            <a:chExt cx="1131758" cy="444629"/>
+          </a:xfrm>
+        </p:grpSpPr>
+        <p:sp>
+          <p:nvSpPr>
+            <p:cNvPr id="125" name="Google Shape;82;p1">
+              <a:extLst>
+                <a:ext uri="{FF2B5EF4-FFF2-40B4-BE49-F238E27FC236}">
+                  <a16:creationId xmlns:a16="http://schemas.microsoft.com/office/drawing/2014/main" id="{C78EEF37-37E9-4EA7-B6B9-532631E3D3BE}"/>
+                </a:ext>
+              </a:extLst>
+            </p:cNvPr>
+            <p:cNvSpPr/>
+            <p:nvPr/>
+          </p:nvSpPr>
+          <p:spPr>
+            <a:xfrm>
+              <a:off x="4934192" y="1056229"/>
+              <a:ext cx="1131757" cy="444628"/>
+            </a:xfrm>
+            <a:prstGeom prst="rect">
+              <a:avLst/>
+            </a:prstGeom>
+            <a:solidFill>
+              <a:schemeClr val="lt1"/>
+            </a:solidFill>
+            <a:ln w="12700" cap="flat" cmpd="sng">
+              <a:solidFill>
+                <a:schemeClr val="accent2"/>
+              </a:solidFill>
+              <a:prstDash val="solid"/>
+              <a:round/>
+              <a:headEnd type="none" w="sm" len="sm"/>
+              <a:tailEnd type="none" w="sm" len="sm"/>
+            </a:ln>
+          </p:spPr>
+          <p:txBody>
+            <a:bodyPr spcFirstLastPara="1" wrap="square" lIns="91425" tIns="45700" rIns="91425" bIns="45700" anchor="ctr" anchorCtr="0">
+              <a:noAutofit/>
+            </a:bodyPr>
+            <a:lstStyle/>
+            <a:p>
+              <a:pPr marL="0" marR="0" lvl="0" indent="0" algn="ctr" rtl="0">
+                <a:lnSpc>
+                  <a:spcPct val="100000"/>
+                </a:lnSpc>
+                <a:spcBef>
+                  <a:spcPts val="0"/>
+                </a:spcBef>
+                <a:spcAft>
+                  <a:spcPts val="0"/>
+                </a:spcAft>
+                <a:buClr>
+                  <a:srgbClr val="000000"/>
+                </a:buClr>
+                <a:buSzPts val="714"/>
+                <a:buFont typeface="Arial"/>
+                <a:buNone/>
+              </a:pPr>
+              <a:endParaRPr sz="714" b="0" i="0" u="none" strike="noStrike" cap="none">
+                <a:solidFill>
+                  <a:srgbClr val="002C46"/>
+                </a:solidFill>
+                <a:latin typeface="Arial"/>
+                <a:ea typeface="Arial"/>
+                <a:cs typeface="Arial"/>
+                <a:sym typeface="Arial"/>
+              </a:endParaRPr>
+            </a:p>
+          </p:txBody>
+        </p:sp>
+        <p:sp>
+          <p:nvSpPr>
+            <p:cNvPr id="126" name="Google Shape;83;p1">
+              <a:extLst>
+                <a:ext uri="{FF2B5EF4-FFF2-40B4-BE49-F238E27FC236}">
+                  <a16:creationId xmlns:a16="http://schemas.microsoft.com/office/drawing/2014/main" id="{04A9F7B5-AE0B-44F8-AF8A-968A45CBE7B2}"/>
+                </a:ext>
+              </a:extLst>
+            </p:cNvPr>
+            <p:cNvSpPr/>
+            <p:nvPr/>
+          </p:nvSpPr>
+          <p:spPr>
+            <a:xfrm>
+              <a:off x="4934193" y="1056228"/>
+              <a:ext cx="1131757" cy="264464"/>
+            </a:xfrm>
+            <a:prstGeom prst="rect">
+              <a:avLst/>
+            </a:prstGeom>
+            <a:solidFill>
+              <a:srgbClr val="00C09D"/>
+            </a:solidFill>
+            <a:ln w="12700" cap="flat" cmpd="sng">
+              <a:solidFill>
+                <a:schemeClr val="accent2"/>
+              </a:solidFill>
+              <a:prstDash val="solid"/>
+              <a:round/>
+              <a:headEnd type="none" w="sm" len="sm"/>
+              <a:tailEnd type="none" w="sm" len="sm"/>
+            </a:ln>
+          </p:spPr>
+          <p:txBody>
+            <a:bodyPr spcFirstLastPara="1" wrap="square" lIns="91425" tIns="45700" rIns="91425" bIns="45700" anchor="ctr" anchorCtr="0">
+              <a:noAutofit/>
+            </a:bodyPr>
+            <a:lstStyle/>
+            <a:p>
+              <a:pPr marL="0" marR="0" lvl="0" indent="0" algn="ctr" rtl="0">
+                <a:lnSpc>
+                  <a:spcPct val="100000"/>
+                </a:lnSpc>
+                <a:spcBef>
+                  <a:spcPts val="0"/>
+                </a:spcBef>
+                <a:spcAft>
+                  <a:spcPts val="0"/>
+                </a:spcAft>
+                <a:buClr>
+                  <a:srgbClr val="000000"/>
+                </a:buClr>
+                <a:buSzPts val="714"/>
+                <a:buFont typeface="Arial"/>
+                <a:buNone/>
+              </a:pPr>
+              <a:endParaRPr sz="714" b="0" i="0" u="none" strike="noStrike" cap="none">
+                <a:solidFill>
+                  <a:srgbClr val="002C46"/>
+                </a:solidFill>
+                <a:latin typeface="Arial"/>
+                <a:ea typeface="Arial"/>
+                <a:cs typeface="Arial"/>
+                <a:sym typeface="Arial"/>
+              </a:endParaRPr>
+            </a:p>
+          </p:txBody>
+        </p:sp>
+        <p:sp>
+          <p:nvSpPr>
+            <p:cNvPr id="127" name="Google Shape;84;p1">
+              <a:extLst>
+                <a:ext uri="{FF2B5EF4-FFF2-40B4-BE49-F238E27FC236}">
+                  <a16:creationId xmlns:a16="http://schemas.microsoft.com/office/drawing/2014/main" id="{97974BCA-83BC-484E-9E81-F0D62ADB98C1}"/>
+                </a:ext>
+              </a:extLst>
+            </p:cNvPr>
+            <p:cNvSpPr txBox="1"/>
+            <p:nvPr/>
+          </p:nvSpPr>
+          <p:spPr>
+            <a:xfrm>
+              <a:off x="4954832" y="1080554"/>
+              <a:ext cx="1093930" cy="230282"/>
+            </a:xfrm>
+            <a:prstGeom prst="rect">
+              <a:avLst/>
+            </a:prstGeom>
+            <a:noFill/>
+            <a:ln>
+              <a:noFill/>
+            </a:ln>
+          </p:spPr>
+          <p:txBody>
+            <a:bodyPr spcFirstLastPara="1" wrap="square" lIns="0" tIns="0" rIns="0" bIns="0" anchor="t" anchorCtr="0">
+              <a:spAutoFit/>
+            </a:bodyPr>
+            <a:lstStyle/>
+            <a:p>
+              <a:pPr marL="0" marR="0" lvl="0" indent="0" algn="l" rtl="0">
+                <a:lnSpc>
+                  <a:spcPct val="100000"/>
+                </a:lnSpc>
+                <a:spcBef>
+                  <a:spcPts val="0"/>
+                </a:spcBef>
+                <a:spcAft>
+                  <a:spcPts val="0"/>
+                </a:spcAft>
+                <a:buClr>
+                  <a:srgbClr val="879C16"/>
+                </a:buClr>
+                <a:buSzPts val="714"/>
+                <a:buFont typeface="Arial"/>
+                <a:buNone/>
+              </a:pPr>
+              <a:r>
+                <a:rPr lang="en-US" sz="800" b="0" i="0" u="none" strike="noStrike" cap="none" dirty="0">
+                  <a:solidFill>
+                    <a:schemeClr val="lt1"/>
+                  </a:solidFill>
+                  <a:latin typeface="Arial"/>
+                  <a:ea typeface="Arial"/>
+                  <a:cs typeface="Arial"/>
+                  <a:sym typeface="Arial"/>
+                </a:rPr>
+                <a:t>Can I add </a:t>
+              </a:r>
+              <a:r>
+                <a:rPr lang="en-US" sz="800" dirty="0">
+                  <a:solidFill>
+                    <a:schemeClr val="lt1"/>
+                  </a:solidFill>
+                </a:rPr>
+                <a:t>extra time between s</a:t>
+              </a:r>
+              <a:r>
+                <a:rPr lang="en-US" sz="800" b="0" i="0" u="none" strike="noStrike" cap="none" dirty="0">
+                  <a:solidFill>
+                    <a:schemeClr val="lt1"/>
+                  </a:solidFill>
+                  <a:latin typeface="Arial"/>
+                  <a:ea typeface="Arial"/>
+                  <a:cs typeface="Arial"/>
+                  <a:sym typeface="Arial"/>
+                </a:rPr>
+                <a:t>cheduled </a:t>
+              </a:r>
+              <a:r>
+                <a:rPr lang="en-US" sz="800" dirty="0">
+                  <a:solidFill>
+                    <a:schemeClr val="lt1"/>
+                  </a:solidFill>
+                </a:rPr>
+                <a:t>m</a:t>
+              </a:r>
+              <a:r>
+                <a:rPr lang="en-US" sz="800" b="0" i="0" u="none" strike="noStrike" cap="none" dirty="0">
+                  <a:solidFill>
+                    <a:schemeClr val="lt1"/>
+                  </a:solidFill>
+                  <a:latin typeface="Arial"/>
+                  <a:ea typeface="Arial"/>
+                  <a:cs typeface="Arial"/>
+                  <a:sym typeface="Arial"/>
+                </a:rPr>
+                <a:t>aintenance </a:t>
+              </a:r>
+              <a:endParaRPr sz="800" b="0" i="0" u="none" strike="noStrike" cap="none" dirty="0">
+                <a:solidFill>
+                  <a:schemeClr val="lt1"/>
+                </a:solidFill>
+                <a:latin typeface="Arial"/>
+                <a:ea typeface="Arial"/>
+                <a:cs typeface="Arial"/>
+                <a:sym typeface="Arial"/>
+              </a:endParaRPr>
+            </a:p>
+          </p:txBody>
+        </p:sp>
+      </p:grpSp>
+      <p:grpSp>
+        <p:nvGrpSpPr>
+          <p:cNvPr id="128" name="Google Shape;81;p1">
+            <a:extLst>
+              <a:ext uri="{FF2B5EF4-FFF2-40B4-BE49-F238E27FC236}">
+                <a16:creationId xmlns:a16="http://schemas.microsoft.com/office/drawing/2014/main" id="{431508BA-2753-4E12-B036-5B3285115469}"/>
+              </a:ext>
+            </a:extLst>
+          </p:cNvPr>
+          <p:cNvGrpSpPr/>
+          <p:nvPr/>
+        </p:nvGrpSpPr>
+        <p:grpSpPr>
+          <a:xfrm>
+            <a:off x="5897181" y="4067022"/>
+            <a:ext cx="1666408" cy="425777"/>
+            <a:chOff x="4934191" y="1056225"/>
+            <a:chExt cx="1131760" cy="444632"/>
+          </a:xfrm>
+        </p:grpSpPr>
+        <p:sp>
+          <p:nvSpPr>
+            <p:cNvPr id="129" name="Google Shape;82;p1">
+              <a:extLst>
+                <a:ext uri="{FF2B5EF4-FFF2-40B4-BE49-F238E27FC236}">
+                  <a16:creationId xmlns:a16="http://schemas.microsoft.com/office/drawing/2014/main" id="{05ADE5C6-4DF4-4900-A300-BDFF1F9480A9}"/>
+                </a:ext>
+              </a:extLst>
+            </p:cNvPr>
+            <p:cNvSpPr/>
+            <p:nvPr/>
+          </p:nvSpPr>
+          <p:spPr>
+            <a:xfrm>
+              <a:off x="4934191" y="1056229"/>
+              <a:ext cx="1131757" cy="444628"/>
+            </a:xfrm>
+            <a:prstGeom prst="rect">
+              <a:avLst/>
+            </a:prstGeom>
+            <a:solidFill>
+              <a:schemeClr val="lt1"/>
+            </a:solidFill>
+            <a:ln w="12700" cap="flat" cmpd="sng">
+              <a:solidFill>
+                <a:schemeClr val="accent2"/>
+              </a:solidFill>
+              <a:prstDash val="solid"/>
+              <a:round/>
+              <a:headEnd type="none" w="sm" len="sm"/>
+              <a:tailEnd type="none" w="sm" len="sm"/>
+            </a:ln>
+          </p:spPr>
+          <p:txBody>
+            <a:bodyPr spcFirstLastPara="1" wrap="square" lIns="91425" tIns="45700" rIns="91425" bIns="45700" anchor="ctr" anchorCtr="0">
+              <a:noAutofit/>
+            </a:bodyPr>
+            <a:lstStyle/>
+            <a:p>
+              <a:pPr marL="0" marR="0" lvl="0" indent="0" algn="ctr" rtl="0">
+                <a:lnSpc>
+                  <a:spcPct val="100000"/>
+                </a:lnSpc>
+                <a:spcBef>
+                  <a:spcPts val="0"/>
+                </a:spcBef>
+                <a:spcAft>
+                  <a:spcPts val="0"/>
+                </a:spcAft>
+                <a:buClr>
+                  <a:srgbClr val="000000"/>
+                </a:buClr>
+                <a:buSzPts val="714"/>
+                <a:buFont typeface="Arial"/>
+                <a:buNone/>
+              </a:pPr>
+              <a:endParaRPr sz="714" b="0" i="0" u="none" strike="noStrike" cap="none" dirty="0">
+                <a:solidFill>
+                  <a:srgbClr val="002C46"/>
+                </a:solidFill>
+                <a:latin typeface="Arial"/>
+                <a:ea typeface="Arial"/>
+                <a:cs typeface="Arial"/>
+                <a:sym typeface="Arial"/>
+              </a:endParaRPr>
+            </a:p>
+          </p:txBody>
+        </p:sp>
+        <p:sp>
+          <p:nvSpPr>
+            <p:cNvPr id="130" name="Google Shape;83;p1">
+              <a:extLst>
+                <a:ext uri="{FF2B5EF4-FFF2-40B4-BE49-F238E27FC236}">
+                  <a16:creationId xmlns:a16="http://schemas.microsoft.com/office/drawing/2014/main" id="{246BE04D-A124-4070-BB25-E4A410B76AF0}"/>
+                </a:ext>
+              </a:extLst>
+            </p:cNvPr>
+            <p:cNvSpPr/>
+            <p:nvPr/>
+          </p:nvSpPr>
+          <p:spPr>
+            <a:xfrm>
+              <a:off x="4934194" y="1056225"/>
+              <a:ext cx="1131757" cy="264463"/>
+            </a:xfrm>
+            <a:prstGeom prst="rect">
+              <a:avLst/>
+            </a:prstGeom>
+            <a:solidFill>
+              <a:srgbClr val="00C09D"/>
+            </a:solidFill>
+            <a:ln w="12700" cap="flat" cmpd="sng">
+              <a:solidFill>
+                <a:schemeClr val="accent2"/>
+              </a:solidFill>
+              <a:prstDash val="solid"/>
+              <a:round/>
+              <a:headEnd type="none" w="sm" len="sm"/>
+              <a:tailEnd type="none" w="sm" len="sm"/>
+            </a:ln>
+          </p:spPr>
+          <p:txBody>
+            <a:bodyPr spcFirstLastPara="1" wrap="square" lIns="91425" tIns="45700" rIns="91425" bIns="45700" anchor="ctr" anchorCtr="0">
+              <a:noAutofit/>
+            </a:bodyPr>
+            <a:lstStyle/>
+            <a:p>
+              <a:pPr marL="0" marR="0" lvl="0" indent="0" algn="ctr" rtl="0">
+                <a:lnSpc>
+                  <a:spcPct val="100000"/>
+                </a:lnSpc>
+                <a:spcBef>
+                  <a:spcPts val="0"/>
+                </a:spcBef>
+                <a:spcAft>
+                  <a:spcPts val="0"/>
+                </a:spcAft>
+                <a:buClr>
+                  <a:srgbClr val="000000"/>
+                </a:buClr>
+                <a:buSzPts val="714"/>
+                <a:buFont typeface="Arial"/>
+                <a:buNone/>
+              </a:pPr>
+              <a:endParaRPr sz="714" b="0" i="0" u="none" strike="noStrike" cap="none">
+                <a:solidFill>
+                  <a:srgbClr val="002C46"/>
+                </a:solidFill>
+                <a:latin typeface="Arial"/>
+                <a:ea typeface="Arial"/>
+                <a:cs typeface="Arial"/>
+                <a:sym typeface="Arial"/>
+              </a:endParaRPr>
+            </a:p>
+          </p:txBody>
+        </p:sp>
+        <p:sp>
+          <p:nvSpPr>
+            <p:cNvPr id="131" name="Google Shape;84;p1">
+              <a:extLst>
+                <a:ext uri="{FF2B5EF4-FFF2-40B4-BE49-F238E27FC236}">
+                  <a16:creationId xmlns:a16="http://schemas.microsoft.com/office/drawing/2014/main" id="{44D64BA7-C5DD-41A3-BA51-E2D6D825870F}"/>
+                </a:ext>
+              </a:extLst>
+            </p:cNvPr>
+            <p:cNvSpPr txBox="1"/>
+            <p:nvPr/>
+          </p:nvSpPr>
+          <p:spPr>
+            <a:xfrm>
+              <a:off x="4954833" y="1080555"/>
+              <a:ext cx="1063079" cy="385688"/>
+            </a:xfrm>
+            <a:prstGeom prst="rect">
+              <a:avLst/>
+            </a:prstGeom>
+            <a:noFill/>
+            <a:ln>
+              <a:noFill/>
+            </a:ln>
+          </p:spPr>
+          <p:txBody>
+            <a:bodyPr spcFirstLastPara="1" wrap="square" lIns="0" tIns="0" rIns="0" bIns="0" anchor="t" anchorCtr="0">
+              <a:spAutoFit/>
+            </a:bodyPr>
+            <a:lstStyle/>
+            <a:p>
+              <a:pPr marL="0" marR="0" lvl="0" indent="0" algn="l" rtl="0">
+                <a:lnSpc>
+                  <a:spcPct val="100000"/>
+                </a:lnSpc>
+                <a:spcBef>
+                  <a:spcPts val="0"/>
+                </a:spcBef>
+                <a:spcAft>
+                  <a:spcPts val="0"/>
+                </a:spcAft>
+                <a:buClr>
+                  <a:srgbClr val="879C16"/>
+                </a:buClr>
+                <a:buSzPts val="714"/>
+                <a:buFont typeface="Arial"/>
+                <a:buNone/>
+              </a:pPr>
+              <a:r>
+                <a:rPr lang="en-US" sz="800" b="0" i="0" u="none" strike="noStrike" cap="none" dirty="0">
+                  <a:solidFill>
+                    <a:schemeClr val="lt1"/>
+                  </a:solidFill>
+                  <a:latin typeface="Arial"/>
+                  <a:ea typeface="Arial"/>
+                  <a:cs typeface="Arial"/>
+                  <a:sym typeface="Arial"/>
+                </a:rPr>
+                <a:t>Eliminate Unscheduled Maintenance </a:t>
+              </a:r>
+              <a:endParaRPr sz="800" b="0" i="0" u="none" strike="noStrike" cap="none" dirty="0">
+                <a:solidFill>
+                  <a:schemeClr val="lt1"/>
+                </a:solidFill>
+                <a:latin typeface="Arial"/>
+                <a:ea typeface="Arial"/>
+                <a:cs typeface="Arial"/>
+                <a:sym typeface="Arial"/>
+              </a:endParaRPr>
+            </a:p>
+          </p:txBody>
+        </p:sp>
+      </p:grpSp>
+      <p:cxnSp>
+        <p:nvCxnSpPr>
+          <p:cNvPr id="15" name="Connector: Elbow 14">
+            <a:extLst>
+              <a:ext uri="{FF2B5EF4-FFF2-40B4-BE49-F238E27FC236}">
+                <a16:creationId xmlns:a16="http://schemas.microsoft.com/office/drawing/2014/main" id="{1FF6067D-338C-4799-B21B-10AF3DD7D03A}"/>
+              </a:ext>
+            </a:extLst>
+          </p:cNvPr>
+          <p:cNvCxnSpPr>
+            <a:cxnSpLocks/>
+            <a:stCxn id="43" idx="3"/>
+            <a:endCxn id="115" idx="1"/>
+          </p:cNvCxnSpPr>
+          <p:nvPr/>
+        </p:nvCxnSpPr>
+        <p:spPr>
+          <a:xfrm>
+            <a:off x="3486915" y="3327063"/>
+            <a:ext cx="646194" cy="197108"/>
+          </a:xfrm>
+          <a:prstGeom prst="bentConnector3">
+            <a:avLst/>
+          </a:prstGeom>
+        </p:spPr>
+        <p:style>
+          <a:lnRef idx="1">
+            <a:schemeClr val="accent1"/>
+          </a:lnRef>
+          <a:fillRef idx="0">
+            <a:schemeClr val="accent1"/>
+          </a:fillRef>
+          <a:effectRef idx="0">
+            <a:schemeClr val="accent1"/>
+          </a:effectRef>
+          <a:fontRef idx="minor">
+            <a:schemeClr val="tx1"/>
+          </a:fontRef>
+        </p:style>
+      </p:cxnSp>
+      <p:cxnSp>
+        <p:nvCxnSpPr>
+          <p:cNvPr id="18" name="Connector: Elbow 17">
+            <a:extLst>
+              <a:ext uri="{FF2B5EF4-FFF2-40B4-BE49-F238E27FC236}">
+                <a16:creationId xmlns:a16="http://schemas.microsoft.com/office/drawing/2014/main" id="{D46D8850-D542-48E9-B734-F896237A184A}"/>
+              </a:ext>
+            </a:extLst>
+          </p:cNvPr>
+          <p:cNvCxnSpPr>
+            <a:cxnSpLocks/>
+            <a:stCxn id="120" idx="1"/>
+            <a:endCxn id="43" idx="3"/>
+          </p:cNvCxnSpPr>
+          <p:nvPr/>
+        </p:nvCxnSpPr>
+        <p:spPr>
+          <a:xfrm rot="10800000">
+            <a:off x="3486915" y="3327063"/>
+            <a:ext cx="644906" cy="760932"/>
+          </a:xfrm>
+          <a:prstGeom prst="bentConnector3">
+            <a:avLst/>
+          </a:prstGeom>
+        </p:spPr>
+        <p:style>
+          <a:lnRef idx="1">
+            <a:schemeClr val="accent1"/>
+          </a:lnRef>
+          <a:fillRef idx="0">
+            <a:schemeClr val="accent1"/>
+          </a:fillRef>
+          <a:effectRef idx="0">
+            <a:schemeClr val="accent1"/>
+          </a:effectRef>
+          <a:fontRef idx="minor">
+            <a:schemeClr val="tx1"/>
+          </a:fontRef>
+        </p:style>
+      </p:cxnSp>
+      <p:grpSp>
+        <p:nvGrpSpPr>
+          <p:cNvPr id="135" name="Google Shape;70;p1">
+            <a:extLst>
+              <a:ext uri="{FF2B5EF4-FFF2-40B4-BE49-F238E27FC236}">
+                <a16:creationId xmlns:a16="http://schemas.microsoft.com/office/drawing/2014/main" id="{4A546D91-E691-47B8-AE48-5498185BDD46}"/>
+              </a:ext>
+            </a:extLst>
+          </p:cNvPr>
+          <p:cNvGrpSpPr/>
+          <p:nvPr/>
+        </p:nvGrpSpPr>
+        <p:grpSpPr>
+          <a:xfrm>
+            <a:off x="4131822" y="4373248"/>
+            <a:ext cx="973709" cy="402480"/>
+            <a:chOff x="4934192" y="1056229"/>
+            <a:chExt cx="1156890" cy="444628"/>
+          </a:xfrm>
+        </p:grpSpPr>
+        <p:sp>
+          <p:nvSpPr>
+            <p:cNvPr id="136" name="Google Shape;25;p1">
+              <a:extLst>
+                <a:ext uri="{FF2B5EF4-FFF2-40B4-BE49-F238E27FC236}">
+                  <a16:creationId xmlns:a16="http://schemas.microsoft.com/office/drawing/2014/main" id="{AA8FC899-E73D-47E2-8BC9-D78D0CF96EDF}"/>
+                </a:ext>
+              </a:extLst>
+            </p:cNvPr>
+            <p:cNvSpPr/>
+            <p:nvPr/>
+          </p:nvSpPr>
+          <p:spPr>
+            <a:xfrm>
+              <a:off x="4934192" y="1056229"/>
+              <a:ext cx="1131757" cy="444628"/>
+            </a:xfrm>
+            <a:prstGeom prst="rect">
+              <a:avLst/>
+            </a:prstGeom>
+            <a:solidFill>
+              <a:schemeClr val="lt1"/>
+            </a:solidFill>
+            <a:ln w="12700" cap="flat" cmpd="sng">
+              <a:solidFill>
+                <a:schemeClr val="accent2"/>
+              </a:solidFill>
+              <a:prstDash val="solid"/>
+              <a:round/>
+              <a:headEnd type="none" w="sm" len="sm"/>
+              <a:tailEnd type="none" w="sm" len="sm"/>
+            </a:ln>
+          </p:spPr>
+          <p:txBody>
+            <a:bodyPr spcFirstLastPara="1" wrap="square" lIns="91425" tIns="45700" rIns="91425" bIns="45700" anchor="ctr" anchorCtr="0">
+              <a:noAutofit/>
+            </a:bodyPr>
+            <a:lstStyle/>
+            <a:p>
+              <a:pPr marL="0" marR="0" lvl="0" indent="0" algn="ctr" rtl="0">
+                <a:lnSpc>
+                  <a:spcPct val="100000"/>
+                </a:lnSpc>
+                <a:spcBef>
+                  <a:spcPts val="0"/>
+                </a:spcBef>
+                <a:spcAft>
+                  <a:spcPts val="0"/>
+                </a:spcAft>
+                <a:buClr>
+                  <a:srgbClr val="000000"/>
+                </a:buClr>
+                <a:buSzPts val="714"/>
+                <a:buFont typeface="Arial"/>
+                <a:buNone/>
+              </a:pPr>
+              <a:endParaRPr sz="714" b="0" i="0" u="none" strike="noStrike" cap="none">
+                <a:solidFill>
+                  <a:srgbClr val="002C46"/>
+                </a:solidFill>
+                <a:latin typeface="Arial"/>
+                <a:ea typeface="Arial"/>
+                <a:cs typeface="Arial"/>
+                <a:sym typeface="Arial"/>
+              </a:endParaRPr>
+            </a:p>
+          </p:txBody>
+        </p:sp>
+        <p:sp>
+          <p:nvSpPr>
+            <p:cNvPr id="137" name="Google Shape;71;p1">
+              <a:extLst>
+                <a:ext uri="{FF2B5EF4-FFF2-40B4-BE49-F238E27FC236}">
+                  <a16:creationId xmlns:a16="http://schemas.microsoft.com/office/drawing/2014/main" id="{62FEA750-3FA7-4B0B-9265-846450E4923D}"/>
+                </a:ext>
+              </a:extLst>
+            </p:cNvPr>
+            <p:cNvSpPr/>
+            <p:nvPr/>
+          </p:nvSpPr>
+          <p:spPr>
+            <a:xfrm>
+              <a:off x="4934192" y="1056229"/>
+              <a:ext cx="1131757" cy="264464"/>
+            </a:xfrm>
+            <a:prstGeom prst="rect">
+              <a:avLst/>
+            </a:prstGeom>
+            <a:solidFill>
+              <a:srgbClr val="00C09D"/>
+            </a:solidFill>
+            <a:ln w="12700" cap="flat" cmpd="sng">
+              <a:solidFill>
+                <a:schemeClr val="accent2"/>
+              </a:solidFill>
+              <a:prstDash val="solid"/>
+              <a:round/>
+              <a:headEnd type="none" w="sm" len="sm"/>
+              <a:tailEnd type="none" w="sm" len="sm"/>
+            </a:ln>
+          </p:spPr>
+          <p:txBody>
+            <a:bodyPr spcFirstLastPara="1" wrap="square" lIns="91425" tIns="45700" rIns="91425" bIns="45700" anchor="ctr" anchorCtr="0">
+              <a:noAutofit/>
+            </a:bodyPr>
+            <a:lstStyle/>
+            <a:p>
+              <a:pPr marL="0" marR="0" lvl="0" indent="0" algn="ctr" rtl="0">
+                <a:lnSpc>
+                  <a:spcPct val="100000"/>
+                </a:lnSpc>
+                <a:spcBef>
+                  <a:spcPts val="0"/>
+                </a:spcBef>
+                <a:spcAft>
+                  <a:spcPts val="0"/>
+                </a:spcAft>
+                <a:buClr>
+                  <a:srgbClr val="000000"/>
+                </a:buClr>
+                <a:buSzPts val="714"/>
+                <a:buFont typeface="Arial"/>
+                <a:buNone/>
+              </a:pPr>
+              <a:endParaRPr sz="714" b="0" i="0" u="none" strike="noStrike" cap="none">
+                <a:solidFill>
+                  <a:srgbClr val="002C46"/>
+                </a:solidFill>
+                <a:latin typeface="Arial"/>
+                <a:ea typeface="Arial"/>
+                <a:cs typeface="Arial"/>
+                <a:sym typeface="Arial"/>
+              </a:endParaRPr>
+            </a:p>
+          </p:txBody>
+        </p:sp>
+        <p:sp>
+          <p:nvSpPr>
+            <p:cNvPr id="138" name="Google Shape;72;p1">
+              <a:extLst>
+                <a:ext uri="{FF2B5EF4-FFF2-40B4-BE49-F238E27FC236}">
+                  <a16:creationId xmlns:a16="http://schemas.microsoft.com/office/drawing/2014/main" id="{93944EAE-EBF4-479D-8565-80C9855877FC}"/>
+                </a:ext>
+              </a:extLst>
+            </p:cNvPr>
+            <p:cNvSpPr txBox="1"/>
+            <p:nvPr/>
+          </p:nvSpPr>
+          <p:spPr>
+            <a:xfrm>
+              <a:off x="4954831" y="1080554"/>
+              <a:ext cx="736354" cy="272005"/>
+            </a:xfrm>
+            <a:prstGeom prst="rect">
+              <a:avLst/>
+            </a:prstGeom>
+            <a:noFill/>
+            <a:ln>
+              <a:noFill/>
+            </a:ln>
+          </p:spPr>
+          <p:txBody>
+            <a:bodyPr spcFirstLastPara="1" wrap="square" lIns="0" tIns="0" rIns="0" bIns="0" anchor="t" anchorCtr="0">
+              <a:spAutoFit/>
+            </a:bodyPr>
+            <a:lstStyle/>
+            <a:p>
+              <a:pPr marL="0" marR="0" lvl="0" indent="0" algn="l" rtl="0">
+                <a:lnSpc>
+                  <a:spcPct val="100000"/>
+                </a:lnSpc>
+                <a:spcBef>
+                  <a:spcPts val="0"/>
+                </a:spcBef>
+                <a:spcAft>
+                  <a:spcPts val="0"/>
+                </a:spcAft>
+                <a:buClr>
+                  <a:srgbClr val="879C16"/>
+                </a:buClr>
+                <a:buSzPts val="714"/>
+                <a:buFont typeface="Arial"/>
+                <a:buNone/>
+              </a:pPr>
+              <a:r>
+                <a:rPr lang="en-US" sz="800" b="0" i="0" u="none" strike="noStrike" cap="none" dirty="0">
+                  <a:solidFill>
+                    <a:schemeClr val="lt1"/>
+                  </a:solidFill>
+                  <a:latin typeface="Arial"/>
+                  <a:ea typeface="Arial"/>
+                  <a:cs typeface="Arial"/>
+                  <a:sym typeface="Arial"/>
+                </a:rPr>
+                <a:t>Sell Price </a:t>
+              </a:r>
+            </a:p>
+            <a:p>
+              <a:pPr marL="0" marR="0" lvl="0" indent="0" algn="l" rtl="0">
+                <a:lnSpc>
+                  <a:spcPct val="100000"/>
+                </a:lnSpc>
+                <a:spcBef>
+                  <a:spcPts val="0"/>
+                </a:spcBef>
+                <a:spcAft>
+                  <a:spcPts val="0"/>
+                </a:spcAft>
+                <a:buClr>
+                  <a:srgbClr val="879C16"/>
+                </a:buClr>
+                <a:buSzPts val="714"/>
+                <a:buFont typeface="Arial"/>
+                <a:buNone/>
+              </a:pPr>
+              <a:r>
+                <a:rPr lang="en-US" sz="800" dirty="0">
+                  <a:solidFill>
+                    <a:schemeClr val="lt1"/>
+                  </a:solidFill>
+                </a:rPr>
+                <a:t>Increases</a:t>
+              </a:r>
+              <a:endParaRPr sz="800" b="0" i="0" u="none" strike="noStrike" cap="none" dirty="0">
+                <a:solidFill>
+                  <a:schemeClr val="lt1"/>
+                </a:solidFill>
+                <a:latin typeface="Arial"/>
+                <a:ea typeface="Arial"/>
+                <a:cs typeface="Arial"/>
+                <a:sym typeface="Arial"/>
+              </a:endParaRPr>
+            </a:p>
+          </p:txBody>
+        </p:sp>
+        <p:sp>
+          <p:nvSpPr>
+            <p:cNvPr id="139" name="Google Shape;73;p1">
+              <a:extLst>
+                <a:ext uri="{FF2B5EF4-FFF2-40B4-BE49-F238E27FC236}">
+                  <a16:creationId xmlns:a16="http://schemas.microsoft.com/office/drawing/2014/main" id="{BCE57D09-9F51-441C-8502-4E1734802D5F}"/>
+                </a:ext>
+              </a:extLst>
+            </p:cNvPr>
+            <p:cNvSpPr txBox="1"/>
+            <p:nvPr/>
+          </p:nvSpPr>
+          <p:spPr>
+            <a:xfrm>
+              <a:off x="5761184" y="1085816"/>
+              <a:ext cx="329898" cy="121411"/>
+            </a:xfrm>
+            <a:prstGeom prst="rect">
+              <a:avLst/>
+            </a:prstGeom>
+            <a:noFill/>
+            <a:ln>
+              <a:noFill/>
+            </a:ln>
+          </p:spPr>
+          <p:txBody>
+            <a:bodyPr spcFirstLastPara="1" wrap="square" lIns="0" tIns="0" rIns="0" bIns="0" anchor="t" anchorCtr="0">
+              <a:spAutoFit/>
+            </a:bodyPr>
+            <a:lstStyle/>
+            <a:p>
+              <a:pPr marL="0" marR="0" lvl="0" indent="0" algn="l" rtl="0">
+                <a:lnSpc>
+                  <a:spcPct val="100000"/>
+                </a:lnSpc>
+                <a:spcBef>
+                  <a:spcPts val="0"/>
+                </a:spcBef>
+                <a:spcAft>
+                  <a:spcPts val="0"/>
+                </a:spcAft>
+                <a:buClr>
+                  <a:srgbClr val="879C16"/>
+                </a:buClr>
+                <a:buSzPts val="714"/>
+                <a:buFont typeface="Arial"/>
+                <a:buNone/>
+              </a:pPr>
+              <a:r>
+                <a:rPr lang="en-US" sz="714" b="1" i="0" u="none" strike="noStrike" cap="none" dirty="0">
+                  <a:solidFill>
+                    <a:srgbClr val="FFFFFF"/>
+                  </a:solidFill>
+                  <a:latin typeface="Arial"/>
+                  <a:ea typeface="Arial"/>
+                  <a:cs typeface="Arial"/>
+                  <a:sym typeface="Arial"/>
+                </a:rPr>
+                <a:t>($)</a:t>
+              </a:r>
+              <a:endParaRPr sz="1400" b="0" i="0" u="none" strike="noStrike" cap="none" dirty="0">
+                <a:solidFill>
+                  <a:srgbClr val="000000"/>
+                </a:solidFill>
+                <a:latin typeface="Arial"/>
+                <a:ea typeface="Arial"/>
+                <a:cs typeface="Arial"/>
+                <a:sym typeface="Arial"/>
+              </a:endParaRPr>
+            </a:p>
+          </p:txBody>
+        </p:sp>
+      </p:grpSp>
+      <p:grpSp>
+        <p:nvGrpSpPr>
+          <p:cNvPr id="140" name="Google Shape;70;p1">
+            <a:extLst>
+              <a:ext uri="{FF2B5EF4-FFF2-40B4-BE49-F238E27FC236}">
+                <a16:creationId xmlns:a16="http://schemas.microsoft.com/office/drawing/2014/main" id="{E8933DC8-6B10-4BD9-88C2-6631458C3B45}"/>
+              </a:ext>
+            </a:extLst>
+          </p:cNvPr>
+          <p:cNvGrpSpPr/>
+          <p:nvPr/>
+        </p:nvGrpSpPr>
+        <p:grpSpPr>
+          <a:xfrm>
+            <a:off x="2371708" y="4301126"/>
+            <a:ext cx="1183539" cy="402480"/>
+            <a:chOff x="4934192" y="1056229"/>
+            <a:chExt cx="1156890" cy="444628"/>
+          </a:xfrm>
+        </p:grpSpPr>
+        <p:sp>
+          <p:nvSpPr>
+            <p:cNvPr id="141" name="Google Shape;25;p1">
+              <a:extLst>
+                <a:ext uri="{FF2B5EF4-FFF2-40B4-BE49-F238E27FC236}">
+                  <a16:creationId xmlns:a16="http://schemas.microsoft.com/office/drawing/2014/main" id="{F5C263D2-A3C9-40C2-977E-81326C6897BC}"/>
+                </a:ext>
+              </a:extLst>
+            </p:cNvPr>
+            <p:cNvSpPr/>
+            <p:nvPr/>
+          </p:nvSpPr>
+          <p:spPr>
+            <a:xfrm>
+              <a:off x="4934192" y="1056229"/>
+              <a:ext cx="1131757" cy="444628"/>
+            </a:xfrm>
+            <a:prstGeom prst="rect">
+              <a:avLst/>
+            </a:prstGeom>
+            <a:solidFill>
+              <a:schemeClr val="lt1"/>
+            </a:solidFill>
+            <a:ln w="12700" cap="flat" cmpd="sng">
+              <a:solidFill>
+                <a:schemeClr val="accent2"/>
+              </a:solidFill>
+              <a:prstDash val="solid"/>
+              <a:round/>
+              <a:headEnd type="none" w="sm" len="sm"/>
+              <a:tailEnd type="none" w="sm" len="sm"/>
+            </a:ln>
+          </p:spPr>
+          <p:txBody>
+            <a:bodyPr spcFirstLastPara="1" wrap="square" lIns="91425" tIns="45700" rIns="91425" bIns="45700" anchor="ctr" anchorCtr="0">
+              <a:noAutofit/>
+            </a:bodyPr>
+            <a:lstStyle/>
+            <a:p>
+              <a:pPr marL="0" marR="0" lvl="0" indent="0" algn="ctr" rtl="0">
+                <a:lnSpc>
+                  <a:spcPct val="100000"/>
+                </a:lnSpc>
+                <a:spcBef>
+                  <a:spcPts val="0"/>
+                </a:spcBef>
+                <a:spcAft>
+                  <a:spcPts val="0"/>
+                </a:spcAft>
+                <a:buClr>
+                  <a:srgbClr val="000000"/>
+                </a:buClr>
+                <a:buSzPts val="714"/>
+                <a:buFont typeface="Arial"/>
+                <a:buNone/>
+              </a:pPr>
+              <a:endParaRPr sz="714" b="0" i="0" u="none" strike="noStrike" cap="none" dirty="0">
+                <a:solidFill>
+                  <a:srgbClr val="002C46"/>
+                </a:solidFill>
+                <a:latin typeface="Arial"/>
+                <a:ea typeface="Arial"/>
+                <a:cs typeface="Arial"/>
+                <a:sym typeface="Arial"/>
+              </a:endParaRPr>
+            </a:p>
+          </p:txBody>
+        </p:sp>
+        <p:sp>
+          <p:nvSpPr>
+            <p:cNvPr id="142" name="Google Shape;71;p1">
+              <a:extLst>
+                <a:ext uri="{FF2B5EF4-FFF2-40B4-BE49-F238E27FC236}">
+                  <a16:creationId xmlns:a16="http://schemas.microsoft.com/office/drawing/2014/main" id="{42C3BC72-4FDB-4154-A7C6-DE14FE7ACC64}"/>
+                </a:ext>
+              </a:extLst>
+            </p:cNvPr>
+            <p:cNvSpPr/>
+            <p:nvPr/>
+          </p:nvSpPr>
+          <p:spPr>
+            <a:xfrm>
+              <a:off x="4934192" y="1056229"/>
+              <a:ext cx="1131757" cy="292263"/>
+            </a:xfrm>
+            <a:prstGeom prst="rect">
+              <a:avLst/>
+            </a:prstGeom>
+            <a:solidFill>
+              <a:srgbClr val="00C09D"/>
+            </a:solidFill>
+            <a:ln w="12700" cap="flat" cmpd="sng">
+              <a:solidFill>
+                <a:schemeClr val="accent2"/>
+              </a:solidFill>
+              <a:prstDash val="solid"/>
+              <a:round/>
+              <a:headEnd type="none" w="sm" len="sm"/>
+              <a:tailEnd type="none" w="sm" len="sm"/>
+            </a:ln>
+          </p:spPr>
+          <p:txBody>
+            <a:bodyPr spcFirstLastPara="1" wrap="square" lIns="91425" tIns="45700" rIns="91425" bIns="45700" anchor="ctr" anchorCtr="0">
+              <a:noAutofit/>
+            </a:bodyPr>
+            <a:lstStyle/>
+            <a:p>
+              <a:pPr marL="0" marR="0" lvl="0" indent="0" algn="ctr" rtl="0">
+                <a:lnSpc>
+                  <a:spcPct val="100000"/>
+                </a:lnSpc>
+                <a:spcBef>
+                  <a:spcPts val="0"/>
+                </a:spcBef>
+                <a:spcAft>
+                  <a:spcPts val="0"/>
+                </a:spcAft>
+                <a:buClr>
+                  <a:srgbClr val="000000"/>
+                </a:buClr>
+                <a:buSzPts val="714"/>
+                <a:buFont typeface="Arial"/>
+                <a:buNone/>
+              </a:pPr>
+              <a:endParaRPr sz="714" b="0" i="0" u="none" strike="noStrike" cap="none">
+                <a:solidFill>
+                  <a:srgbClr val="002C46"/>
+                </a:solidFill>
+                <a:latin typeface="Arial"/>
+                <a:ea typeface="Arial"/>
+                <a:cs typeface="Arial"/>
+                <a:sym typeface="Arial"/>
+              </a:endParaRPr>
+            </a:p>
+          </p:txBody>
+        </p:sp>
+        <p:sp>
+          <p:nvSpPr>
+            <p:cNvPr id="143" name="Google Shape;72;p1">
+              <a:extLst>
+                <a:ext uri="{FF2B5EF4-FFF2-40B4-BE49-F238E27FC236}">
+                  <a16:creationId xmlns:a16="http://schemas.microsoft.com/office/drawing/2014/main" id="{2E4D5D20-3A56-4F65-954A-F51FC2EE6A54}"/>
+                </a:ext>
+              </a:extLst>
+            </p:cNvPr>
+            <p:cNvSpPr txBox="1"/>
+            <p:nvPr/>
+          </p:nvSpPr>
+          <p:spPr>
+            <a:xfrm>
+              <a:off x="4954831" y="1080554"/>
+              <a:ext cx="736354" cy="272005"/>
+            </a:xfrm>
+            <a:prstGeom prst="rect">
+              <a:avLst/>
+            </a:prstGeom>
+            <a:noFill/>
+            <a:ln>
+              <a:noFill/>
+            </a:ln>
+          </p:spPr>
+          <p:txBody>
+            <a:bodyPr spcFirstLastPara="1" wrap="square" lIns="0" tIns="0" rIns="0" bIns="0" anchor="t" anchorCtr="0">
+              <a:spAutoFit/>
+            </a:bodyPr>
+            <a:lstStyle/>
+            <a:p>
+              <a:pPr marL="0" marR="0" lvl="0" indent="0" algn="l" rtl="0">
+                <a:lnSpc>
+                  <a:spcPct val="100000"/>
+                </a:lnSpc>
+                <a:spcBef>
+                  <a:spcPts val="0"/>
+                </a:spcBef>
+                <a:spcAft>
+                  <a:spcPts val="0"/>
+                </a:spcAft>
+                <a:buClr>
+                  <a:srgbClr val="879C16"/>
+                </a:buClr>
+                <a:buSzPts val="714"/>
+                <a:buFont typeface="Arial"/>
+                <a:buNone/>
+              </a:pPr>
+              <a:r>
+                <a:rPr lang="en-US" sz="800" b="1" i="0" u="none" strike="noStrike" cap="none" dirty="0">
+                  <a:solidFill>
+                    <a:schemeClr val="tx1"/>
+                  </a:solidFill>
+                  <a:latin typeface="Arial"/>
+                  <a:ea typeface="Arial"/>
+                  <a:cs typeface="Arial"/>
+                  <a:sym typeface="Arial"/>
+                </a:rPr>
+                <a:t>Ore Price</a:t>
+              </a:r>
+            </a:p>
+            <a:p>
+              <a:pPr marL="0" marR="0" lvl="0" indent="0" algn="l" rtl="0">
+                <a:lnSpc>
+                  <a:spcPct val="100000"/>
+                </a:lnSpc>
+                <a:spcBef>
+                  <a:spcPts val="0"/>
+                </a:spcBef>
+                <a:spcAft>
+                  <a:spcPts val="0"/>
+                </a:spcAft>
+                <a:buClr>
+                  <a:srgbClr val="879C16"/>
+                </a:buClr>
+                <a:buSzPts val="714"/>
+                <a:buFont typeface="Arial"/>
+                <a:buNone/>
+              </a:pPr>
+              <a:r>
+                <a:rPr lang="en-US" sz="800" b="1" dirty="0">
+                  <a:solidFill>
+                    <a:schemeClr val="tx1"/>
+                  </a:solidFill>
+                </a:rPr>
+                <a:t>Increase</a:t>
+              </a:r>
+              <a:endParaRPr sz="800" b="1" i="0" u="none" strike="noStrike" cap="none" dirty="0">
+                <a:solidFill>
+                  <a:schemeClr val="tx1"/>
+                </a:solidFill>
+                <a:sym typeface="Arial"/>
+              </a:endParaRPr>
+            </a:p>
+          </p:txBody>
+        </p:sp>
+        <p:sp>
+          <p:nvSpPr>
+            <p:cNvPr id="144" name="Google Shape;73;p1">
+              <a:extLst>
+                <a:ext uri="{FF2B5EF4-FFF2-40B4-BE49-F238E27FC236}">
+                  <a16:creationId xmlns:a16="http://schemas.microsoft.com/office/drawing/2014/main" id="{BFD66389-50ED-45FD-B867-541AAF708513}"/>
+                </a:ext>
+              </a:extLst>
+            </p:cNvPr>
+            <p:cNvSpPr txBox="1"/>
+            <p:nvPr/>
+          </p:nvSpPr>
+          <p:spPr>
+            <a:xfrm>
+              <a:off x="5761184" y="1085816"/>
+              <a:ext cx="329898" cy="121411"/>
+            </a:xfrm>
+            <a:prstGeom prst="rect">
+              <a:avLst/>
+            </a:prstGeom>
+            <a:noFill/>
+            <a:ln>
+              <a:noFill/>
+            </a:ln>
+          </p:spPr>
+          <p:txBody>
+            <a:bodyPr spcFirstLastPara="1" wrap="square" lIns="0" tIns="0" rIns="0" bIns="0" anchor="t" anchorCtr="0">
+              <a:spAutoFit/>
+            </a:bodyPr>
+            <a:lstStyle/>
+            <a:p>
+              <a:pPr marL="0" marR="0" lvl="0" indent="0" algn="l" rtl="0">
+                <a:lnSpc>
+                  <a:spcPct val="100000"/>
+                </a:lnSpc>
+                <a:spcBef>
+                  <a:spcPts val="0"/>
+                </a:spcBef>
+                <a:spcAft>
+                  <a:spcPts val="0"/>
+                </a:spcAft>
+                <a:buClr>
+                  <a:srgbClr val="879C16"/>
+                </a:buClr>
+                <a:buSzPts val="714"/>
+                <a:buFont typeface="Arial"/>
+                <a:buNone/>
+              </a:pPr>
+              <a:r>
+                <a:rPr lang="en-US" sz="714" b="1" i="0" u="none" strike="noStrike" cap="none" dirty="0">
+                  <a:solidFill>
+                    <a:schemeClr val="tx1"/>
+                  </a:solidFill>
+                  <a:latin typeface="Arial"/>
+                  <a:ea typeface="Arial"/>
+                  <a:cs typeface="Arial"/>
+                  <a:sym typeface="Arial"/>
+                </a:rPr>
+                <a:t>($)</a:t>
+              </a:r>
+              <a:endParaRPr sz="1400" b="1" i="0" u="none" strike="noStrike" cap="none" dirty="0">
+                <a:solidFill>
+                  <a:schemeClr val="tx1"/>
+                </a:solidFill>
+                <a:latin typeface="Arial"/>
+                <a:ea typeface="Arial"/>
+                <a:cs typeface="Arial"/>
+                <a:sym typeface="Arial"/>
+              </a:endParaRPr>
+            </a:p>
+          </p:txBody>
+        </p:sp>
+      </p:grpSp>
+      <p:grpSp>
+        <p:nvGrpSpPr>
+          <p:cNvPr id="132" name="Google Shape;70;p1">
+            <a:extLst>
+              <a:ext uri="{FF2B5EF4-FFF2-40B4-BE49-F238E27FC236}">
+                <a16:creationId xmlns:a16="http://schemas.microsoft.com/office/drawing/2014/main" id="{3832DC46-153A-44BF-BCE2-A74B7D13FCF7}"/>
+              </a:ext>
+            </a:extLst>
+          </p:cNvPr>
+          <p:cNvGrpSpPr/>
+          <p:nvPr/>
+        </p:nvGrpSpPr>
+        <p:grpSpPr>
+          <a:xfrm>
+            <a:off x="2358851" y="4920231"/>
+            <a:ext cx="1183539" cy="402480"/>
+            <a:chOff x="4934192" y="1056229"/>
+            <a:chExt cx="1156890" cy="444628"/>
+          </a:xfrm>
+        </p:grpSpPr>
+        <p:sp>
+          <p:nvSpPr>
+            <p:cNvPr id="134" name="Google Shape;25;p1">
+              <a:extLst>
+                <a:ext uri="{FF2B5EF4-FFF2-40B4-BE49-F238E27FC236}">
+                  <a16:creationId xmlns:a16="http://schemas.microsoft.com/office/drawing/2014/main" id="{455F513B-3217-42B9-9E8E-72FC25A5F702}"/>
+                </a:ext>
+              </a:extLst>
+            </p:cNvPr>
+            <p:cNvSpPr/>
+            <p:nvPr/>
+          </p:nvSpPr>
+          <p:spPr>
+            <a:xfrm>
+              <a:off x="4934192" y="1056229"/>
+              <a:ext cx="1131757" cy="444628"/>
+            </a:xfrm>
+            <a:prstGeom prst="rect">
+              <a:avLst/>
+            </a:prstGeom>
+            <a:solidFill>
+              <a:schemeClr val="lt1"/>
+            </a:solidFill>
+            <a:ln w="12700" cap="flat" cmpd="sng">
+              <a:solidFill>
+                <a:schemeClr val="accent2"/>
+              </a:solidFill>
+              <a:prstDash val="solid"/>
+              <a:round/>
+              <a:headEnd type="none" w="sm" len="sm"/>
+              <a:tailEnd type="none" w="sm" len="sm"/>
+            </a:ln>
+          </p:spPr>
+          <p:txBody>
+            <a:bodyPr spcFirstLastPara="1" wrap="square" lIns="91425" tIns="45700" rIns="91425" bIns="45700" anchor="ctr" anchorCtr="0">
+              <a:noAutofit/>
+            </a:bodyPr>
+            <a:lstStyle/>
+            <a:p>
+              <a:pPr marL="0" marR="0" lvl="0" indent="0" algn="ctr" rtl="0">
+                <a:lnSpc>
+                  <a:spcPct val="100000"/>
+                </a:lnSpc>
+                <a:spcBef>
+                  <a:spcPts val="0"/>
+                </a:spcBef>
+                <a:spcAft>
+                  <a:spcPts val="0"/>
+                </a:spcAft>
+                <a:buClr>
+                  <a:srgbClr val="000000"/>
+                </a:buClr>
+                <a:buSzPts val="714"/>
+                <a:buFont typeface="Arial"/>
+                <a:buNone/>
+              </a:pPr>
+              <a:endParaRPr sz="714" b="0" i="0" u="none" strike="noStrike" cap="none" dirty="0">
+                <a:solidFill>
+                  <a:srgbClr val="002C46"/>
+                </a:solidFill>
+                <a:latin typeface="Arial"/>
+                <a:ea typeface="Arial"/>
+                <a:cs typeface="Arial"/>
+                <a:sym typeface="Arial"/>
+              </a:endParaRPr>
+            </a:p>
+          </p:txBody>
+        </p:sp>
+        <p:sp>
+          <p:nvSpPr>
+            <p:cNvPr id="145" name="Google Shape;71;p1">
+              <a:extLst>
+                <a:ext uri="{FF2B5EF4-FFF2-40B4-BE49-F238E27FC236}">
+                  <a16:creationId xmlns:a16="http://schemas.microsoft.com/office/drawing/2014/main" id="{C334D750-2A34-4A44-BE03-7F1C7668CBC5}"/>
+                </a:ext>
+              </a:extLst>
+            </p:cNvPr>
+            <p:cNvSpPr/>
+            <p:nvPr/>
+          </p:nvSpPr>
+          <p:spPr>
+            <a:xfrm>
+              <a:off x="4934192" y="1056229"/>
+              <a:ext cx="1131757" cy="264464"/>
+            </a:xfrm>
+            <a:prstGeom prst="rect">
+              <a:avLst/>
+            </a:prstGeom>
+            <a:solidFill>
+              <a:srgbClr val="00C09D"/>
+            </a:solidFill>
+            <a:ln w="12700" cap="flat" cmpd="sng">
+              <a:solidFill>
+                <a:schemeClr val="accent2"/>
+              </a:solidFill>
+              <a:prstDash val="solid"/>
+              <a:round/>
+              <a:headEnd type="none" w="sm" len="sm"/>
+              <a:tailEnd type="none" w="sm" len="sm"/>
+            </a:ln>
+          </p:spPr>
+          <p:txBody>
+            <a:bodyPr spcFirstLastPara="1" wrap="square" lIns="91425" tIns="45700" rIns="91425" bIns="45700" anchor="ctr" anchorCtr="0">
+              <a:noAutofit/>
+            </a:bodyPr>
+            <a:lstStyle/>
+            <a:p>
+              <a:pPr marL="0" marR="0" lvl="0" indent="0" algn="ctr" rtl="0">
+                <a:lnSpc>
+                  <a:spcPct val="100000"/>
+                </a:lnSpc>
+                <a:spcBef>
+                  <a:spcPts val="0"/>
+                </a:spcBef>
+                <a:spcAft>
+                  <a:spcPts val="0"/>
+                </a:spcAft>
+                <a:buClr>
+                  <a:srgbClr val="000000"/>
+                </a:buClr>
+                <a:buSzPts val="714"/>
+                <a:buFont typeface="Arial"/>
+                <a:buNone/>
+              </a:pPr>
+              <a:endParaRPr sz="714" b="0" i="0" u="none" strike="noStrike" cap="none">
+                <a:solidFill>
+                  <a:srgbClr val="002C46"/>
+                </a:solidFill>
+                <a:latin typeface="Arial"/>
+                <a:ea typeface="Arial"/>
+                <a:cs typeface="Arial"/>
+                <a:sym typeface="Arial"/>
+              </a:endParaRPr>
+            </a:p>
+          </p:txBody>
+        </p:sp>
+        <p:sp>
+          <p:nvSpPr>
+            <p:cNvPr id="146" name="Google Shape;72;p1">
+              <a:extLst>
+                <a:ext uri="{FF2B5EF4-FFF2-40B4-BE49-F238E27FC236}">
+                  <a16:creationId xmlns:a16="http://schemas.microsoft.com/office/drawing/2014/main" id="{E9615487-87C9-48AB-B345-3300B524FF08}"/>
+                </a:ext>
+              </a:extLst>
+            </p:cNvPr>
+            <p:cNvSpPr txBox="1"/>
+            <p:nvPr/>
+          </p:nvSpPr>
+          <p:spPr>
+            <a:xfrm>
+              <a:off x="4954831" y="1080554"/>
+              <a:ext cx="736354" cy="136003"/>
+            </a:xfrm>
+            <a:prstGeom prst="rect">
+              <a:avLst/>
+            </a:prstGeom>
+            <a:noFill/>
+            <a:ln>
+              <a:noFill/>
+            </a:ln>
+          </p:spPr>
+          <p:txBody>
+            <a:bodyPr spcFirstLastPara="1" wrap="square" lIns="0" tIns="0" rIns="0" bIns="0" anchor="t" anchorCtr="0">
+              <a:spAutoFit/>
+            </a:bodyPr>
+            <a:lstStyle/>
+            <a:p>
+              <a:pPr marL="0" marR="0" lvl="0" indent="0" algn="l" rtl="0">
+                <a:lnSpc>
+                  <a:spcPct val="100000"/>
+                </a:lnSpc>
+                <a:spcBef>
+                  <a:spcPts val="0"/>
+                </a:spcBef>
+                <a:spcAft>
+                  <a:spcPts val="0"/>
+                </a:spcAft>
+                <a:buClr>
+                  <a:srgbClr val="879C16"/>
+                </a:buClr>
+                <a:buSzPts val="714"/>
+                <a:buFont typeface="Arial"/>
+                <a:buNone/>
+              </a:pPr>
+              <a:r>
+                <a:rPr lang="en-US" sz="800" b="1" dirty="0">
+                  <a:solidFill>
+                    <a:schemeClr val="tx1"/>
+                  </a:solidFill>
+                </a:rPr>
+                <a:t>Sell More Ore</a:t>
+              </a:r>
+              <a:endParaRPr sz="800" b="1" i="0" u="none" strike="noStrike" cap="none" dirty="0">
+                <a:solidFill>
+                  <a:schemeClr val="tx1"/>
+                </a:solidFill>
+                <a:sym typeface="Arial"/>
+              </a:endParaRPr>
+            </a:p>
+          </p:txBody>
+        </p:sp>
+        <p:sp>
+          <p:nvSpPr>
+            <p:cNvPr id="147" name="Google Shape;73;p1">
+              <a:extLst>
+                <a:ext uri="{FF2B5EF4-FFF2-40B4-BE49-F238E27FC236}">
+                  <a16:creationId xmlns:a16="http://schemas.microsoft.com/office/drawing/2014/main" id="{DE189861-61B0-4806-ABF0-DFADF66900DB}"/>
+                </a:ext>
+              </a:extLst>
+            </p:cNvPr>
+            <p:cNvSpPr txBox="1"/>
+            <p:nvPr/>
+          </p:nvSpPr>
+          <p:spPr>
+            <a:xfrm>
+              <a:off x="5761184" y="1085816"/>
+              <a:ext cx="329898" cy="121411"/>
+            </a:xfrm>
+            <a:prstGeom prst="rect">
+              <a:avLst/>
+            </a:prstGeom>
+            <a:noFill/>
+            <a:ln>
+              <a:noFill/>
+            </a:ln>
+          </p:spPr>
+          <p:txBody>
+            <a:bodyPr spcFirstLastPara="1" wrap="square" lIns="0" tIns="0" rIns="0" bIns="0" anchor="t" anchorCtr="0">
+              <a:spAutoFit/>
+            </a:bodyPr>
+            <a:lstStyle/>
+            <a:p>
+              <a:pPr marL="0" marR="0" lvl="0" indent="0" algn="l" rtl="0">
+                <a:lnSpc>
+                  <a:spcPct val="100000"/>
+                </a:lnSpc>
+                <a:spcBef>
+                  <a:spcPts val="0"/>
+                </a:spcBef>
+                <a:spcAft>
+                  <a:spcPts val="0"/>
+                </a:spcAft>
+                <a:buClr>
+                  <a:srgbClr val="879C16"/>
+                </a:buClr>
+                <a:buSzPts val="714"/>
+                <a:buFont typeface="Arial"/>
+                <a:buNone/>
+              </a:pPr>
+              <a:r>
+                <a:rPr lang="en-US" sz="714" b="1" i="0" u="none" strike="noStrike" cap="none" dirty="0">
+                  <a:solidFill>
+                    <a:schemeClr val="tx1"/>
+                  </a:solidFill>
+                  <a:latin typeface="Arial"/>
+                  <a:ea typeface="Arial"/>
+                  <a:cs typeface="Arial"/>
+                  <a:sym typeface="Arial"/>
+                </a:rPr>
+                <a:t>($)</a:t>
+              </a:r>
+              <a:endParaRPr sz="1400" b="1" i="0" u="none" strike="noStrike" cap="none" dirty="0">
+                <a:solidFill>
+                  <a:schemeClr val="tx1"/>
+                </a:solidFill>
+                <a:latin typeface="Arial"/>
+                <a:ea typeface="Arial"/>
+                <a:cs typeface="Arial"/>
+                <a:sym typeface="Arial"/>
+              </a:endParaRPr>
+            </a:p>
+          </p:txBody>
+        </p:sp>
+      </p:grpSp>
+      <p:grpSp>
+        <p:nvGrpSpPr>
+          <p:cNvPr id="148" name="Google Shape;70;p1">
+            <a:extLst>
+              <a:ext uri="{FF2B5EF4-FFF2-40B4-BE49-F238E27FC236}">
+                <a16:creationId xmlns:a16="http://schemas.microsoft.com/office/drawing/2014/main" id="{550CA11A-40A7-4A19-A210-9A61EE3AECDE}"/>
+              </a:ext>
+            </a:extLst>
+          </p:cNvPr>
+          <p:cNvGrpSpPr/>
+          <p:nvPr/>
+        </p:nvGrpSpPr>
+        <p:grpSpPr>
+          <a:xfrm>
+            <a:off x="4127059" y="4972224"/>
+            <a:ext cx="973709" cy="522000"/>
+            <a:chOff x="4946540" y="1056228"/>
+            <a:chExt cx="1135410" cy="361998"/>
+          </a:xfrm>
+        </p:grpSpPr>
+        <p:sp>
+          <p:nvSpPr>
+            <p:cNvPr id="149" name="Google Shape;25;p1">
+              <a:extLst>
+                <a:ext uri="{FF2B5EF4-FFF2-40B4-BE49-F238E27FC236}">
+                  <a16:creationId xmlns:a16="http://schemas.microsoft.com/office/drawing/2014/main" id="{76B5F60B-E1C5-4A59-BA13-77D8E0C05564}"/>
+                </a:ext>
+              </a:extLst>
+            </p:cNvPr>
+            <p:cNvSpPr/>
+            <p:nvPr/>
+          </p:nvSpPr>
+          <p:spPr>
+            <a:xfrm>
+              <a:off x="4950193" y="1056230"/>
+              <a:ext cx="1131757" cy="361996"/>
+            </a:xfrm>
+            <a:prstGeom prst="rect">
+              <a:avLst/>
+            </a:prstGeom>
+            <a:solidFill>
+              <a:schemeClr val="lt1"/>
+            </a:solidFill>
+            <a:ln w="12700" cap="flat" cmpd="sng">
+              <a:solidFill>
+                <a:schemeClr val="accent2"/>
+              </a:solidFill>
+              <a:prstDash val="solid"/>
+              <a:round/>
+              <a:headEnd type="none" w="sm" len="sm"/>
+              <a:tailEnd type="none" w="sm" len="sm"/>
+            </a:ln>
+          </p:spPr>
+          <p:txBody>
+            <a:bodyPr spcFirstLastPara="1" wrap="square" lIns="91425" tIns="45700" rIns="91425" bIns="45700" anchor="ctr" anchorCtr="0">
+              <a:noAutofit/>
+            </a:bodyPr>
+            <a:lstStyle/>
+            <a:p>
+              <a:pPr marL="0" marR="0" lvl="0" indent="0" algn="ctr" rtl="0">
+                <a:lnSpc>
+                  <a:spcPct val="100000"/>
+                </a:lnSpc>
+                <a:spcBef>
+                  <a:spcPts val="0"/>
+                </a:spcBef>
+                <a:spcAft>
+                  <a:spcPts val="0"/>
+                </a:spcAft>
+                <a:buClr>
+                  <a:srgbClr val="000000"/>
+                </a:buClr>
+                <a:buSzPts val="714"/>
+                <a:buFont typeface="Arial"/>
+                <a:buNone/>
+              </a:pPr>
+              <a:endParaRPr sz="714" b="0" i="0" u="none" strike="noStrike" cap="none">
+                <a:solidFill>
+                  <a:srgbClr val="002C46"/>
+                </a:solidFill>
+                <a:latin typeface="Arial"/>
+                <a:ea typeface="Arial"/>
+                <a:cs typeface="Arial"/>
+                <a:sym typeface="Arial"/>
+              </a:endParaRPr>
+            </a:p>
+          </p:txBody>
+        </p:sp>
+        <p:sp>
+          <p:nvSpPr>
+            <p:cNvPr id="150" name="Google Shape;71;p1">
+              <a:extLst>
+                <a:ext uri="{FF2B5EF4-FFF2-40B4-BE49-F238E27FC236}">
+                  <a16:creationId xmlns:a16="http://schemas.microsoft.com/office/drawing/2014/main" id="{814E00B8-FF92-47A9-BDAE-92237BC346CF}"/>
+                </a:ext>
+              </a:extLst>
+            </p:cNvPr>
+            <p:cNvSpPr/>
+            <p:nvPr/>
+          </p:nvSpPr>
+          <p:spPr>
+            <a:xfrm>
+              <a:off x="4946540" y="1056228"/>
+              <a:ext cx="1131757" cy="276931"/>
+            </a:xfrm>
+            <a:prstGeom prst="rect">
+              <a:avLst/>
+            </a:prstGeom>
+            <a:solidFill>
+              <a:srgbClr val="00C09D"/>
+            </a:solidFill>
+            <a:ln w="12700" cap="flat" cmpd="sng">
+              <a:solidFill>
+                <a:schemeClr val="accent2"/>
+              </a:solidFill>
+              <a:prstDash val="solid"/>
+              <a:round/>
+              <a:headEnd type="none" w="sm" len="sm"/>
+              <a:tailEnd type="none" w="sm" len="sm"/>
+            </a:ln>
+          </p:spPr>
+          <p:txBody>
+            <a:bodyPr spcFirstLastPara="1" wrap="square" lIns="91425" tIns="45700" rIns="91425" bIns="45700" anchor="ctr" anchorCtr="0">
+              <a:noAutofit/>
+            </a:bodyPr>
+            <a:lstStyle/>
+            <a:p>
+              <a:pPr marL="0" marR="0" lvl="0" indent="0" algn="ctr" rtl="0">
+                <a:lnSpc>
+                  <a:spcPct val="100000"/>
+                </a:lnSpc>
+                <a:spcBef>
+                  <a:spcPts val="0"/>
+                </a:spcBef>
+                <a:spcAft>
+                  <a:spcPts val="0"/>
+                </a:spcAft>
+                <a:buClr>
+                  <a:srgbClr val="000000"/>
+                </a:buClr>
+                <a:buSzPts val="714"/>
+                <a:buFont typeface="Arial"/>
+                <a:buNone/>
+              </a:pPr>
+              <a:endParaRPr sz="714" b="0" i="0" u="none" strike="noStrike" cap="none">
+                <a:solidFill>
+                  <a:srgbClr val="002C46"/>
+                </a:solidFill>
+                <a:latin typeface="Arial"/>
+                <a:ea typeface="Arial"/>
+                <a:cs typeface="Arial"/>
+                <a:sym typeface="Arial"/>
+              </a:endParaRPr>
+            </a:p>
+          </p:txBody>
+        </p:sp>
+        <p:sp>
+          <p:nvSpPr>
+            <p:cNvPr id="151" name="Google Shape;72;p1">
+              <a:extLst>
+                <a:ext uri="{FF2B5EF4-FFF2-40B4-BE49-F238E27FC236}">
+                  <a16:creationId xmlns:a16="http://schemas.microsoft.com/office/drawing/2014/main" id="{2C87ECA7-1BE1-4C8E-8A31-9932B81661C8}"/>
+                </a:ext>
+              </a:extLst>
+            </p:cNvPr>
+            <p:cNvSpPr txBox="1"/>
+            <p:nvPr/>
+          </p:nvSpPr>
+          <p:spPr>
+            <a:xfrm>
+              <a:off x="4954829" y="1057361"/>
+              <a:ext cx="1101945" cy="300876"/>
+            </a:xfrm>
+            <a:prstGeom prst="rect">
+              <a:avLst/>
+            </a:prstGeom>
+            <a:noFill/>
+            <a:ln>
+              <a:noFill/>
+            </a:ln>
+          </p:spPr>
+          <p:txBody>
+            <a:bodyPr spcFirstLastPara="1" wrap="square" lIns="0" tIns="0" rIns="0" bIns="0" anchor="t" anchorCtr="0">
+              <a:spAutoFit/>
+            </a:bodyPr>
+            <a:lstStyle/>
+            <a:p>
+              <a:pPr marL="0" marR="0" lvl="0" indent="0" algn="l" rtl="0">
+                <a:lnSpc>
+                  <a:spcPct val="100000"/>
+                </a:lnSpc>
+                <a:spcBef>
+                  <a:spcPts val="0"/>
+                </a:spcBef>
+                <a:spcAft>
+                  <a:spcPts val="0"/>
+                </a:spcAft>
+                <a:buClr>
+                  <a:srgbClr val="879C16"/>
+                </a:buClr>
+                <a:buSzPts val="714"/>
+                <a:buFont typeface="Arial"/>
+                <a:buNone/>
+              </a:pPr>
+              <a:r>
+                <a:rPr lang="en-US" sz="800" dirty="0">
+                  <a:solidFill>
+                    <a:schemeClr val="lt1"/>
+                  </a:solidFill>
+                </a:rPr>
+                <a:t>Increase </a:t>
+              </a:r>
+            </a:p>
+            <a:p>
+              <a:pPr marL="0" marR="0" lvl="0" indent="0" algn="l" rtl="0">
+                <a:lnSpc>
+                  <a:spcPct val="100000"/>
+                </a:lnSpc>
+                <a:spcBef>
+                  <a:spcPts val="0"/>
+                </a:spcBef>
+                <a:spcAft>
+                  <a:spcPts val="0"/>
+                </a:spcAft>
+                <a:buClr>
+                  <a:srgbClr val="879C16"/>
+                </a:buClr>
+                <a:buSzPts val="714"/>
+                <a:buFont typeface="Arial"/>
+                <a:buNone/>
+              </a:pPr>
+              <a:r>
+                <a:rPr lang="en-US" sz="800" b="0" i="0" u="none" strike="noStrike" cap="none" dirty="0">
+                  <a:solidFill>
+                    <a:schemeClr val="lt1"/>
+                  </a:solidFill>
+                  <a:latin typeface="Arial"/>
+                  <a:ea typeface="Arial"/>
+                  <a:cs typeface="Arial"/>
+                  <a:sym typeface="Arial"/>
+                </a:rPr>
+                <a:t>Efficiency </a:t>
+              </a:r>
+            </a:p>
+            <a:p>
+              <a:pPr marL="0" marR="0" lvl="0" indent="0" algn="l" rtl="0">
+                <a:lnSpc>
+                  <a:spcPct val="100000"/>
+                </a:lnSpc>
+                <a:spcBef>
+                  <a:spcPts val="0"/>
+                </a:spcBef>
+                <a:spcAft>
+                  <a:spcPts val="0"/>
+                </a:spcAft>
+                <a:buClr>
+                  <a:srgbClr val="879C16"/>
+                </a:buClr>
+                <a:buSzPts val="714"/>
+                <a:buFont typeface="Arial"/>
+                <a:buNone/>
+              </a:pPr>
+              <a:r>
+                <a:rPr lang="en-US" sz="800" b="0" i="0" u="none" strike="noStrike" cap="none" dirty="0">
+                  <a:solidFill>
+                    <a:schemeClr val="lt1"/>
+                  </a:solidFill>
+                  <a:latin typeface="Arial"/>
+                  <a:ea typeface="Arial"/>
+                  <a:cs typeface="Arial"/>
+                  <a:sym typeface="Arial"/>
+                </a:rPr>
+                <a:t>on Ore extraction</a:t>
+              </a:r>
+            </a:p>
+          </p:txBody>
+        </p:sp>
+        <p:sp>
+          <p:nvSpPr>
+            <p:cNvPr id="152" name="Google Shape;73;p1">
+              <a:extLst>
+                <a:ext uri="{FF2B5EF4-FFF2-40B4-BE49-F238E27FC236}">
+                  <a16:creationId xmlns:a16="http://schemas.microsoft.com/office/drawing/2014/main" id="{1717B22A-E577-4124-85AC-D59E7C57ABE0}"/>
+                </a:ext>
+              </a:extLst>
+            </p:cNvPr>
+            <p:cNvSpPr txBox="1"/>
+            <p:nvPr/>
+          </p:nvSpPr>
+          <p:spPr>
+            <a:xfrm>
+              <a:off x="5763094" y="1080365"/>
+              <a:ext cx="304441" cy="89532"/>
+            </a:xfrm>
+            <a:prstGeom prst="rect">
+              <a:avLst/>
+            </a:prstGeom>
+            <a:noFill/>
+            <a:ln>
+              <a:noFill/>
+            </a:ln>
+          </p:spPr>
+          <p:txBody>
+            <a:bodyPr spcFirstLastPara="1" wrap="square" lIns="0" tIns="0" rIns="0" bIns="0" anchor="t" anchorCtr="0">
+              <a:spAutoFit/>
+            </a:bodyPr>
+            <a:lstStyle/>
+            <a:p>
+              <a:pPr marL="0" marR="0" lvl="0" indent="0" algn="r" rtl="0">
+                <a:lnSpc>
+                  <a:spcPct val="100000"/>
+                </a:lnSpc>
+                <a:spcBef>
+                  <a:spcPts val="0"/>
+                </a:spcBef>
+                <a:spcAft>
+                  <a:spcPts val="0"/>
+                </a:spcAft>
+                <a:buClr>
+                  <a:srgbClr val="879C16"/>
+                </a:buClr>
+                <a:buSzPts val="714"/>
+                <a:buFont typeface="Arial"/>
+                <a:buNone/>
+              </a:pPr>
+              <a:r>
+                <a:rPr lang="en-US" sz="714" b="1" i="0" u="none" strike="noStrike" cap="none" dirty="0">
+                  <a:solidFill>
+                    <a:srgbClr val="FFFFFF"/>
+                  </a:solidFill>
+                  <a:latin typeface="Arial"/>
+                  <a:ea typeface="Arial"/>
+                  <a:cs typeface="Arial"/>
+                  <a:sym typeface="Arial"/>
+                </a:rPr>
+                <a:t>(Ton)</a:t>
+              </a:r>
+              <a:endParaRPr sz="1400" b="0" i="0" u="none" strike="noStrike" cap="none" dirty="0">
+                <a:solidFill>
+                  <a:srgbClr val="000000"/>
+                </a:solidFill>
+                <a:latin typeface="Arial"/>
+                <a:ea typeface="Arial"/>
+                <a:cs typeface="Arial"/>
+                <a:sym typeface="Arial"/>
+              </a:endParaRPr>
+            </a:p>
+          </p:txBody>
+        </p:sp>
+      </p:grpSp>
+      <p:cxnSp>
+        <p:nvCxnSpPr>
+          <p:cNvPr id="7" name="Connector: Elbow 6">
+            <a:extLst>
+              <a:ext uri="{FF2B5EF4-FFF2-40B4-BE49-F238E27FC236}">
+                <a16:creationId xmlns:a16="http://schemas.microsoft.com/office/drawing/2014/main" id="{15DE09DE-99D2-4B97-BCB7-F19364ED0517}"/>
+              </a:ext>
+            </a:extLst>
+          </p:cNvPr>
+          <p:cNvCxnSpPr>
+            <a:cxnSpLocks/>
+          </p:cNvCxnSpPr>
+          <p:nvPr/>
+        </p:nvCxnSpPr>
+        <p:spPr>
+          <a:xfrm>
+            <a:off x="5032352" y="3561113"/>
+            <a:ext cx="881338" cy="199675"/>
+          </a:xfrm>
+          <a:prstGeom prst="bentConnector3">
+            <a:avLst/>
+          </a:prstGeom>
+        </p:spPr>
+        <p:style>
+          <a:lnRef idx="1">
+            <a:schemeClr val="accent1"/>
+          </a:lnRef>
+          <a:fillRef idx="0">
+            <a:schemeClr val="accent1"/>
+          </a:fillRef>
+          <a:effectRef idx="0">
+            <a:schemeClr val="accent1"/>
+          </a:effectRef>
+          <a:fontRef idx="minor">
+            <a:schemeClr val="tx1"/>
+          </a:fontRef>
+        </p:style>
+      </p:cxnSp>
+      <p:cxnSp>
+        <p:nvCxnSpPr>
+          <p:cNvPr id="159" name="Connector: Elbow 158">
+            <a:extLst>
+              <a:ext uri="{FF2B5EF4-FFF2-40B4-BE49-F238E27FC236}">
+                <a16:creationId xmlns:a16="http://schemas.microsoft.com/office/drawing/2014/main" id="{96954DD9-D2F1-42D0-95CE-7141B3E33C45}"/>
+              </a:ext>
+            </a:extLst>
+          </p:cNvPr>
+          <p:cNvCxnSpPr>
+            <a:stCxn id="120" idx="3"/>
+            <a:endCxn id="129" idx="1"/>
+          </p:cNvCxnSpPr>
+          <p:nvPr/>
+        </p:nvCxnSpPr>
+        <p:spPr>
+          <a:xfrm>
+            <a:off x="5084377" y="4087995"/>
+            <a:ext cx="812804" cy="191918"/>
+          </a:xfrm>
+          <a:prstGeom prst="bentConnector3">
+            <a:avLst/>
+          </a:prstGeom>
+        </p:spPr>
+        <p:style>
+          <a:lnRef idx="1">
+            <a:schemeClr val="accent1"/>
+          </a:lnRef>
+          <a:fillRef idx="0">
+            <a:schemeClr val="accent1"/>
+          </a:fillRef>
+          <a:effectRef idx="0">
+            <a:schemeClr val="accent1"/>
+          </a:effectRef>
+          <a:fontRef idx="minor">
+            <a:schemeClr val="tx1"/>
+          </a:fontRef>
+        </p:style>
+      </p:cxnSp>
+      <p:sp>
+        <p:nvSpPr>
+          <p:cNvPr id="170" name="TextBox 169">
+            <a:extLst>
+              <a:ext uri="{FF2B5EF4-FFF2-40B4-BE49-F238E27FC236}">
+                <a16:creationId xmlns:a16="http://schemas.microsoft.com/office/drawing/2014/main" id="{C329C1AC-5D60-4EEC-A91F-25AAD63C2C2E}"/>
+              </a:ext>
+            </a:extLst>
+          </p:cNvPr>
+          <p:cNvSpPr txBox="1"/>
+          <p:nvPr/>
+        </p:nvSpPr>
+        <p:spPr>
+          <a:xfrm>
+            <a:off x="2403979" y="4525082"/>
+            <a:ext cx="154206" cy="215444"/>
+          </a:xfrm>
+          <a:prstGeom prst="rect">
+            <a:avLst/>
+          </a:prstGeom>
+          <a:noFill/>
+        </p:spPr>
+        <p:txBody>
+          <a:bodyPr wrap="square" rtlCol="0">
+            <a:spAutoFit/>
+          </a:bodyPr>
+          <a:lstStyle/>
+          <a:p>
+            <a:r>
+              <a:rPr lang="en-US" sz="800" dirty="0"/>
+              <a:t>$</a:t>
+            </a:r>
+          </a:p>
+        </p:txBody>
+      </p:sp>
+      <p:sp>
+        <p:nvSpPr>
+          <p:cNvPr id="171" name="TextBox 170">
+            <a:extLst>
+              <a:ext uri="{FF2B5EF4-FFF2-40B4-BE49-F238E27FC236}">
+                <a16:creationId xmlns:a16="http://schemas.microsoft.com/office/drawing/2014/main" id="{9257D661-B4A0-460A-9B38-47791D48AA85}"/>
+              </a:ext>
+            </a:extLst>
+          </p:cNvPr>
+          <p:cNvSpPr txBox="1"/>
+          <p:nvPr/>
+        </p:nvSpPr>
+        <p:spPr>
+          <a:xfrm>
+            <a:off x="2333139" y="5148832"/>
+            <a:ext cx="426902" cy="215444"/>
+          </a:xfrm>
+          <a:prstGeom prst="rect">
+            <a:avLst/>
+          </a:prstGeom>
+          <a:noFill/>
+        </p:spPr>
+        <p:txBody>
+          <a:bodyPr wrap="square" rtlCol="0">
+            <a:spAutoFit/>
+          </a:bodyPr>
+          <a:lstStyle/>
+          <a:p>
+            <a:r>
+              <a:rPr lang="en-US" sz="800" dirty="0"/>
+              <a:t>Ton</a:t>
+            </a:r>
+          </a:p>
+        </p:txBody>
+      </p:sp>
+      <p:cxnSp>
+        <p:nvCxnSpPr>
+          <p:cNvPr id="175" name="Connector: Elbow 174">
+            <a:extLst>
+              <a:ext uri="{FF2B5EF4-FFF2-40B4-BE49-F238E27FC236}">
+                <a16:creationId xmlns:a16="http://schemas.microsoft.com/office/drawing/2014/main" id="{4CE9B1FA-55BA-419E-B5A4-B06AE309113E}"/>
+              </a:ext>
+            </a:extLst>
+          </p:cNvPr>
+          <p:cNvCxnSpPr>
+            <a:cxnSpLocks/>
+            <a:endCxn id="136" idx="1"/>
+          </p:cNvCxnSpPr>
+          <p:nvPr/>
+        </p:nvCxnSpPr>
+        <p:spPr>
+          <a:xfrm>
+            <a:off x="3540692" y="4565684"/>
+            <a:ext cx="591130" cy="8804"/>
+          </a:xfrm>
+          <a:prstGeom prst="bentConnector3">
+            <a:avLst/>
+          </a:prstGeom>
+        </p:spPr>
+        <p:style>
+          <a:lnRef idx="1">
+            <a:schemeClr val="accent1"/>
+          </a:lnRef>
+          <a:fillRef idx="0">
+            <a:schemeClr val="accent1"/>
+          </a:fillRef>
+          <a:effectRef idx="0">
+            <a:schemeClr val="accent1"/>
+          </a:effectRef>
+          <a:fontRef idx="minor">
+            <a:schemeClr val="tx1"/>
+          </a:fontRef>
+        </p:style>
+      </p:cxnSp>
+      <p:cxnSp>
+        <p:nvCxnSpPr>
+          <p:cNvPr id="178" name="Straight Connector 177">
+            <a:extLst>
+              <a:ext uri="{FF2B5EF4-FFF2-40B4-BE49-F238E27FC236}">
+                <a16:creationId xmlns:a16="http://schemas.microsoft.com/office/drawing/2014/main" id="{395F7483-A43E-4B2F-AC1F-395F2DB9DD70}"/>
+              </a:ext>
+            </a:extLst>
+          </p:cNvPr>
+          <p:cNvCxnSpPr/>
+          <p:nvPr/>
+        </p:nvCxnSpPr>
+        <p:spPr>
+          <a:xfrm>
+            <a:off x="3516678" y="5257257"/>
+            <a:ext cx="610381" cy="114301"/>
+          </a:xfrm>
+          <a:prstGeom prst="line">
+            <a:avLst/>
+          </a:prstGeom>
+        </p:spPr>
+        <p:style>
+          <a:lnRef idx="1">
+            <a:schemeClr val="accent1"/>
+          </a:lnRef>
+          <a:fillRef idx="0">
+            <a:schemeClr val="accent1"/>
+          </a:fillRef>
+          <a:effectRef idx="0">
+            <a:schemeClr val="accent1"/>
+          </a:effectRef>
+          <a:fontRef idx="minor">
+            <a:schemeClr val="tx1"/>
+          </a:fontRef>
+        </p:style>
+      </p:cxnSp>
+      <p:cxnSp>
+        <p:nvCxnSpPr>
+          <p:cNvPr id="180" name="Connector: Elbow 179">
+            <a:extLst>
+              <a:ext uri="{FF2B5EF4-FFF2-40B4-BE49-F238E27FC236}">
+                <a16:creationId xmlns:a16="http://schemas.microsoft.com/office/drawing/2014/main" id="{7FB1533A-6513-4412-817A-3FB4ABF824E2}"/>
+              </a:ext>
+            </a:extLst>
+          </p:cNvPr>
+          <p:cNvCxnSpPr>
+            <a:stCxn id="108" idx="3"/>
+            <a:endCxn id="141" idx="1"/>
+          </p:cNvCxnSpPr>
+          <p:nvPr/>
+        </p:nvCxnSpPr>
+        <p:spPr>
+          <a:xfrm flipV="1">
+            <a:off x="1908265" y="4502366"/>
+            <a:ext cx="463443" cy="224869"/>
+          </a:xfrm>
+          <a:prstGeom prst="bentConnector3">
+            <a:avLst/>
+          </a:prstGeom>
+        </p:spPr>
+        <p:style>
+          <a:lnRef idx="1">
+            <a:schemeClr val="accent1"/>
+          </a:lnRef>
+          <a:fillRef idx="0">
+            <a:schemeClr val="accent1"/>
+          </a:fillRef>
+          <a:effectRef idx="0">
+            <a:schemeClr val="accent1"/>
+          </a:effectRef>
+          <a:fontRef idx="minor">
+            <a:schemeClr val="tx1"/>
+          </a:fontRef>
+        </p:style>
+      </p:cxnSp>
+      <p:cxnSp>
+        <p:nvCxnSpPr>
+          <p:cNvPr id="182" name="Connector: Elbow 181">
+            <a:extLst>
+              <a:ext uri="{FF2B5EF4-FFF2-40B4-BE49-F238E27FC236}">
+                <a16:creationId xmlns:a16="http://schemas.microsoft.com/office/drawing/2014/main" id="{0FCD947C-8B7C-4319-9310-0B1C2DCF2F7C}"/>
+              </a:ext>
+            </a:extLst>
+          </p:cNvPr>
+          <p:cNvCxnSpPr>
+            <a:stCxn id="145" idx="1"/>
+            <a:endCxn id="108" idx="3"/>
+          </p:cNvCxnSpPr>
+          <p:nvPr/>
+        </p:nvCxnSpPr>
+        <p:spPr>
+          <a:xfrm rot="10800000">
+            <a:off x="1908265" y="4727236"/>
+            <a:ext cx="450586" cy="312693"/>
+          </a:xfrm>
+          <a:prstGeom prst="bentConnector3">
+            <a:avLst/>
+          </a:prstGeom>
+        </p:spPr>
+        <p:style>
+          <a:lnRef idx="1">
+            <a:schemeClr val="accent1"/>
+          </a:lnRef>
+          <a:fillRef idx="0">
+            <a:schemeClr val="accent1"/>
+          </a:fillRef>
+          <a:effectRef idx="0">
+            <a:schemeClr val="accent1"/>
+          </a:effectRef>
+          <a:fontRef idx="minor">
+            <a:schemeClr val="tx1"/>
+          </a:fontRef>
+        </p:style>
+      </p:cxnSp>
+      <p:grpSp>
+        <p:nvGrpSpPr>
+          <p:cNvPr id="153" name="Google Shape;81;p1">
+            <a:extLst>
+              <a:ext uri="{FF2B5EF4-FFF2-40B4-BE49-F238E27FC236}">
+                <a16:creationId xmlns:a16="http://schemas.microsoft.com/office/drawing/2014/main" id="{374936E2-E586-44B1-A690-168F2E9C77DB}"/>
+              </a:ext>
+            </a:extLst>
+          </p:cNvPr>
+          <p:cNvGrpSpPr/>
+          <p:nvPr/>
+        </p:nvGrpSpPr>
+        <p:grpSpPr>
+          <a:xfrm>
+            <a:off x="5902788" y="4562458"/>
+            <a:ext cx="1666412" cy="425777"/>
+            <a:chOff x="4934191" y="1056225"/>
+            <a:chExt cx="1131760" cy="444632"/>
+          </a:xfrm>
+        </p:grpSpPr>
+        <p:sp>
+          <p:nvSpPr>
+            <p:cNvPr id="154" name="Google Shape;82;p1">
+              <a:extLst>
+                <a:ext uri="{FF2B5EF4-FFF2-40B4-BE49-F238E27FC236}">
+                  <a16:creationId xmlns:a16="http://schemas.microsoft.com/office/drawing/2014/main" id="{642038EE-EE27-400A-BEB2-236DBAC4AC7D}"/>
+                </a:ext>
+              </a:extLst>
+            </p:cNvPr>
+            <p:cNvSpPr/>
+            <p:nvPr/>
+          </p:nvSpPr>
+          <p:spPr>
+            <a:xfrm>
+              <a:off x="4934191" y="1056229"/>
+              <a:ext cx="1131757" cy="444628"/>
+            </a:xfrm>
+            <a:prstGeom prst="rect">
+              <a:avLst/>
+            </a:prstGeom>
+            <a:solidFill>
+              <a:schemeClr val="lt1"/>
+            </a:solidFill>
+            <a:ln w="12700" cap="flat" cmpd="sng">
+              <a:solidFill>
+                <a:schemeClr val="accent2"/>
+              </a:solidFill>
+              <a:prstDash val="solid"/>
+              <a:round/>
+              <a:headEnd type="none" w="sm" len="sm"/>
+              <a:tailEnd type="none" w="sm" len="sm"/>
+            </a:ln>
+          </p:spPr>
+          <p:txBody>
+            <a:bodyPr spcFirstLastPara="1" wrap="square" lIns="91425" tIns="45700" rIns="91425" bIns="45700" anchor="ctr" anchorCtr="0">
+              <a:noAutofit/>
+            </a:bodyPr>
+            <a:lstStyle/>
+            <a:p>
+              <a:pPr marL="0" marR="0" lvl="0" indent="0" algn="ctr" rtl="0">
+                <a:lnSpc>
+                  <a:spcPct val="100000"/>
+                </a:lnSpc>
+                <a:spcBef>
+                  <a:spcPts val="0"/>
+                </a:spcBef>
+                <a:spcAft>
+                  <a:spcPts val="0"/>
+                </a:spcAft>
+                <a:buClr>
+                  <a:srgbClr val="000000"/>
+                </a:buClr>
+                <a:buSzPts val="714"/>
+                <a:buFont typeface="Arial"/>
+                <a:buNone/>
+              </a:pPr>
+              <a:endParaRPr sz="714" b="0" i="0" u="none" strike="noStrike" cap="none" dirty="0">
+                <a:solidFill>
+                  <a:srgbClr val="002C46"/>
+                </a:solidFill>
+                <a:latin typeface="Arial"/>
+                <a:ea typeface="Arial"/>
+                <a:cs typeface="Arial"/>
+                <a:sym typeface="Arial"/>
+              </a:endParaRPr>
+            </a:p>
+          </p:txBody>
+        </p:sp>
+        <p:sp>
+          <p:nvSpPr>
+            <p:cNvPr id="155" name="Google Shape;83;p1">
+              <a:extLst>
+                <a:ext uri="{FF2B5EF4-FFF2-40B4-BE49-F238E27FC236}">
+                  <a16:creationId xmlns:a16="http://schemas.microsoft.com/office/drawing/2014/main" id="{F5ADD91C-A4B1-438D-B025-AF2745D357A4}"/>
+                </a:ext>
+              </a:extLst>
+            </p:cNvPr>
+            <p:cNvSpPr/>
+            <p:nvPr/>
+          </p:nvSpPr>
+          <p:spPr>
+            <a:xfrm>
+              <a:off x="4934194" y="1056225"/>
+              <a:ext cx="1131757" cy="264463"/>
+            </a:xfrm>
+            <a:prstGeom prst="rect">
+              <a:avLst/>
+            </a:prstGeom>
+            <a:solidFill>
+              <a:srgbClr val="00C09D"/>
+            </a:solidFill>
+            <a:ln w="12700" cap="flat" cmpd="sng">
+              <a:solidFill>
+                <a:schemeClr val="accent2"/>
+              </a:solidFill>
+              <a:prstDash val="solid"/>
+              <a:round/>
+              <a:headEnd type="none" w="sm" len="sm"/>
+              <a:tailEnd type="none" w="sm" len="sm"/>
+            </a:ln>
+          </p:spPr>
+          <p:txBody>
+            <a:bodyPr spcFirstLastPara="1" wrap="square" lIns="91425" tIns="45700" rIns="91425" bIns="45700" anchor="ctr" anchorCtr="0">
+              <a:noAutofit/>
+            </a:bodyPr>
+            <a:lstStyle/>
+            <a:p>
+              <a:pPr marL="0" marR="0" lvl="0" indent="0" algn="ctr" rtl="0">
+                <a:lnSpc>
+                  <a:spcPct val="100000"/>
+                </a:lnSpc>
+                <a:spcBef>
+                  <a:spcPts val="0"/>
+                </a:spcBef>
+                <a:spcAft>
+                  <a:spcPts val="0"/>
+                </a:spcAft>
+                <a:buClr>
+                  <a:srgbClr val="000000"/>
+                </a:buClr>
+                <a:buSzPts val="714"/>
+                <a:buFont typeface="Arial"/>
+                <a:buNone/>
+              </a:pPr>
+              <a:endParaRPr sz="714" b="0" i="0" u="none" strike="noStrike" cap="none">
+                <a:solidFill>
+                  <a:srgbClr val="002C46"/>
+                </a:solidFill>
+                <a:latin typeface="Arial"/>
+                <a:ea typeface="Arial"/>
+                <a:cs typeface="Arial"/>
+                <a:sym typeface="Arial"/>
+              </a:endParaRPr>
+            </a:p>
+          </p:txBody>
+        </p:sp>
+        <p:sp>
+          <p:nvSpPr>
+            <p:cNvPr id="156" name="Google Shape;84;p1">
+              <a:extLst>
+                <a:ext uri="{FF2B5EF4-FFF2-40B4-BE49-F238E27FC236}">
+                  <a16:creationId xmlns:a16="http://schemas.microsoft.com/office/drawing/2014/main" id="{48D70402-E0E8-4B7C-90C4-DB4A585C3049}"/>
+                </a:ext>
+              </a:extLst>
+            </p:cNvPr>
+            <p:cNvSpPr txBox="1"/>
+            <p:nvPr/>
+          </p:nvSpPr>
+          <p:spPr>
+            <a:xfrm>
+              <a:off x="4954833" y="1080555"/>
+              <a:ext cx="1063079" cy="257125"/>
+            </a:xfrm>
+            <a:prstGeom prst="rect">
+              <a:avLst/>
+            </a:prstGeom>
+            <a:noFill/>
+            <a:ln>
+              <a:noFill/>
+            </a:ln>
+          </p:spPr>
+          <p:txBody>
+            <a:bodyPr spcFirstLastPara="1" wrap="square" lIns="0" tIns="0" rIns="0" bIns="0" anchor="t" anchorCtr="0">
+              <a:spAutoFit/>
+            </a:bodyPr>
+            <a:lstStyle/>
+            <a:p>
+              <a:pPr marL="0" marR="0" lvl="0" indent="0" algn="l" rtl="0">
+                <a:lnSpc>
+                  <a:spcPct val="100000"/>
+                </a:lnSpc>
+                <a:spcBef>
+                  <a:spcPts val="0"/>
+                </a:spcBef>
+                <a:spcAft>
+                  <a:spcPts val="0"/>
+                </a:spcAft>
+                <a:buClr>
+                  <a:srgbClr val="879C16"/>
+                </a:buClr>
+                <a:buSzPts val="714"/>
+                <a:buFont typeface="Arial"/>
+                <a:buNone/>
+              </a:pPr>
+              <a:r>
+                <a:rPr lang="en-US" sz="800" b="0" i="0" u="none" strike="noStrike" cap="none" dirty="0">
+                  <a:solidFill>
+                    <a:schemeClr val="lt1"/>
+                  </a:solidFill>
+                  <a:latin typeface="Arial"/>
+                  <a:ea typeface="Arial"/>
+                  <a:cs typeface="Arial"/>
+                  <a:sym typeface="Arial"/>
+                </a:rPr>
+                <a:t>Is there a model where Ore Cost going up in near future</a:t>
+              </a:r>
+              <a:endParaRPr sz="800" b="0" i="0" u="none" strike="noStrike" cap="none" dirty="0">
+                <a:solidFill>
+                  <a:schemeClr val="lt1"/>
+                </a:solidFill>
+                <a:latin typeface="Arial"/>
+                <a:ea typeface="Arial"/>
+                <a:cs typeface="Arial"/>
+                <a:sym typeface="Arial"/>
+              </a:endParaRPr>
+            </a:p>
+          </p:txBody>
+        </p:sp>
+      </p:grpSp>
+      <p:grpSp>
+        <p:nvGrpSpPr>
+          <p:cNvPr id="157" name="Google Shape;81;p1">
+            <a:extLst>
+              <a:ext uri="{FF2B5EF4-FFF2-40B4-BE49-F238E27FC236}">
+                <a16:creationId xmlns:a16="http://schemas.microsoft.com/office/drawing/2014/main" id="{9D4ADB4F-E5F7-4F49-B2BD-13736F87AE6B}"/>
+              </a:ext>
+            </a:extLst>
+          </p:cNvPr>
+          <p:cNvGrpSpPr/>
+          <p:nvPr/>
+        </p:nvGrpSpPr>
+        <p:grpSpPr>
+          <a:xfrm>
+            <a:off x="5890670" y="5045784"/>
+            <a:ext cx="1149096" cy="425777"/>
+            <a:chOff x="4934191" y="1056225"/>
+            <a:chExt cx="1131760" cy="444632"/>
+          </a:xfrm>
+        </p:grpSpPr>
+        <p:sp>
+          <p:nvSpPr>
+            <p:cNvPr id="158" name="Google Shape;82;p1">
+              <a:extLst>
+                <a:ext uri="{FF2B5EF4-FFF2-40B4-BE49-F238E27FC236}">
+                  <a16:creationId xmlns:a16="http://schemas.microsoft.com/office/drawing/2014/main" id="{E96DA38F-C5B0-4AE2-9882-523D4BFE6E99}"/>
+                </a:ext>
+              </a:extLst>
+            </p:cNvPr>
+            <p:cNvSpPr/>
+            <p:nvPr/>
+          </p:nvSpPr>
+          <p:spPr>
+            <a:xfrm>
+              <a:off x="4934191" y="1056229"/>
+              <a:ext cx="1131757" cy="444628"/>
+            </a:xfrm>
+            <a:prstGeom prst="rect">
+              <a:avLst/>
+            </a:prstGeom>
+            <a:solidFill>
+              <a:schemeClr val="lt1"/>
+            </a:solidFill>
+            <a:ln w="12700" cap="flat" cmpd="sng">
+              <a:solidFill>
+                <a:schemeClr val="accent2"/>
+              </a:solidFill>
+              <a:prstDash val="solid"/>
+              <a:round/>
+              <a:headEnd type="none" w="sm" len="sm"/>
+              <a:tailEnd type="none" w="sm" len="sm"/>
+            </a:ln>
+          </p:spPr>
+          <p:txBody>
+            <a:bodyPr spcFirstLastPara="1" wrap="square" lIns="91425" tIns="45700" rIns="91425" bIns="45700" anchor="ctr" anchorCtr="0">
+              <a:noAutofit/>
+            </a:bodyPr>
+            <a:lstStyle/>
+            <a:p>
+              <a:pPr marL="0" marR="0" lvl="0" indent="0" algn="ctr" rtl="0">
+                <a:lnSpc>
+                  <a:spcPct val="100000"/>
+                </a:lnSpc>
+                <a:spcBef>
+                  <a:spcPts val="0"/>
+                </a:spcBef>
+                <a:spcAft>
+                  <a:spcPts val="0"/>
+                </a:spcAft>
+                <a:buClr>
+                  <a:srgbClr val="000000"/>
+                </a:buClr>
+                <a:buSzPts val="714"/>
+                <a:buFont typeface="Arial"/>
+                <a:buNone/>
+              </a:pPr>
+              <a:endParaRPr sz="714" b="0" i="0" u="none" strike="noStrike" cap="none" dirty="0">
+                <a:solidFill>
+                  <a:srgbClr val="002C46"/>
+                </a:solidFill>
+                <a:latin typeface="Arial"/>
+                <a:ea typeface="Arial"/>
+                <a:cs typeface="Arial"/>
+                <a:sym typeface="Arial"/>
+              </a:endParaRPr>
+            </a:p>
+          </p:txBody>
+        </p:sp>
+        <p:sp>
+          <p:nvSpPr>
+            <p:cNvPr id="160" name="Google Shape;83;p1">
+              <a:extLst>
+                <a:ext uri="{FF2B5EF4-FFF2-40B4-BE49-F238E27FC236}">
+                  <a16:creationId xmlns:a16="http://schemas.microsoft.com/office/drawing/2014/main" id="{7495529F-9771-4EBD-8951-483E1FBDBAC9}"/>
+                </a:ext>
+              </a:extLst>
+            </p:cNvPr>
+            <p:cNvSpPr/>
+            <p:nvPr/>
+          </p:nvSpPr>
+          <p:spPr>
+            <a:xfrm>
+              <a:off x="4934194" y="1056225"/>
+              <a:ext cx="1131757" cy="264463"/>
+            </a:xfrm>
+            <a:prstGeom prst="rect">
+              <a:avLst/>
+            </a:prstGeom>
+            <a:solidFill>
+              <a:srgbClr val="00C09D"/>
+            </a:solidFill>
+            <a:ln w="12700" cap="flat" cmpd="sng">
+              <a:solidFill>
+                <a:schemeClr val="accent2"/>
+              </a:solidFill>
+              <a:prstDash val="solid"/>
+              <a:round/>
+              <a:headEnd type="none" w="sm" len="sm"/>
+              <a:tailEnd type="none" w="sm" len="sm"/>
+            </a:ln>
+          </p:spPr>
+          <p:txBody>
+            <a:bodyPr spcFirstLastPara="1" wrap="square" lIns="91425" tIns="45700" rIns="91425" bIns="45700" anchor="ctr" anchorCtr="0">
+              <a:noAutofit/>
+            </a:bodyPr>
+            <a:lstStyle/>
+            <a:p>
+              <a:pPr marL="0" marR="0" lvl="0" indent="0" algn="ctr" rtl="0">
+                <a:lnSpc>
+                  <a:spcPct val="100000"/>
+                </a:lnSpc>
+                <a:spcBef>
+                  <a:spcPts val="0"/>
+                </a:spcBef>
+                <a:spcAft>
+                  <a:spcPts val="0"/>
+                </a:spcAft>
+                <a:buClr>
+                  <a:srgbClr val="000000"/>
+                </a:buClr>
+                <a:buSzPts val="714"/>
+                <a:buFont typeface="Arial"/>
+                <a:buNone/>
+              </a:pPr>
+              <a:endParaRPr sz="714" b="0" i="0" u="none" strike="noStrike" cap="none">
+                <a:solidFill>
+                  <a:srgbClr val="002C46"/>
+                </a:solidFill>
+                <a:latin typeface="Arial"/>
+                <a:ea typeface="Arial"/>
+                <a:cs typeface="Arial"/>
+                <a:sym typeface="Arial"/>
+              </a:endParaRPr>
+            </a:p>
+          </p:txBody>
+        </p:sp>
+        <p:sp>
+          <p:nvSpPr>
+            <p:cNvPr id="161" name="Google Shape;84;p1">
+              <a:extLst>
+                <a:ext uri="{FF2B5EF4-FFF2-40B4-BE49-F238E27FC236}">
+                  <a16:creationId xmlns:a16="http://schemas.microsoft.com/office/drawing/2014/main" id="{5CBA10B2-2AF5-4A9D-98F5-B5B490EF02F5}"/>
+                </a:ext>
+              </a:extLst>
+            </p:cNvPr>
+            <p:cNvSpPr txBox="1"/>
+            <p:nvPr/>
+          </p:nvSpPr>
+          <p:spPr>
+            <a:xfrm>
+              <a:off x="4954833" y="1080555"/>
+              <a:ext cx="1063079" cy="257125"/>
+            </a:xfrm>
+            <a:prstGeom prst="rect">
+              <a:avLst/>
+            </a:prstGeom>
+            <a:noFill/>
+            <a:ln>
+              <a:noFill/>
+            </a:ln>
+          </p:spPr>
+          <p:txBody>
+            <a:bodyPr spcFirstLastPara="1" wrap="square" lIns="0" tIns="0" rIns="0" bIns="0" anchor="t" anchorCtr="0">
+              <a:spAutoFit/>
+            </a:bodyPr>
+            <a:lstStyle/>
+            <a:p>
+              <a:pPr marL="0" marR="0" lvl="0" indent="0" algn="l" rtl="0">
+                <a:lnSpc>
+                  <a:spcPct val="100000"/>
+                </a:lnSpc>
+                <a:spcBef>
+                  <a:spcPts val="0"/>
+                </a:spcBef>
+                <a:spcAft>
+                  <a:spcPts val="0"/>
+                </a:spcAft>
+                <a:buClr>
+                  <a:srgbClr val="879C16"/>
+                </a:buClr>
+                <a:buSzPts val="714"/>
+                <a:buFont typeface="Arial"/>
+                <a:buNone/>
+              </a:pPr>
+              <a:r>
+                <a:rPr lang="en-US" sz="800" b="0" i="0" u="none" strike="noStrike" cap="none" dirty="0">
+                  <a:solidFill>
+                    <a:schemeClr val="lt1"/>
+                  </a:solidFill>
+                  <a:latin typeface="Arial"/>
+                  <a:ea typeface="Arial"/>
+                  <a:cs typeface="Arial"/>
+                  <a:sym typeface="Arial"/>
+                </a:rPr>
+                <a:t>Can I mine more at same Operating Cost</a:t>
+              </a:r>
+              <a:endParaRPr sz="800" b="0" i="0" u="none" strike="noStrike" cap="none" dirty="0">
+                <a:solidFill>
+                  <a:schemeClr val="lt1"/>
+                </a:solidFill>
+                <a:latin typeface="Arial"/>
+                <a:ea typeface="Arial"/>
+                <a:cs typeface="Arial"/>
+                <a:sym typeface="Arial"/>
+              </a:endParaRPr>
+            </a:p>
+          </p:txBody>
+        </p:sp>
+      </p:grpSp>
+      <p:cxnSp>
+        <p:nvCxnSpPr>
+          <p:cNvPr id="3" name="Connector: Elbow 2">
+            <a:extLst>
+              <a:ext uri="{FF2B5EF4-FFF2-40B4-BE49-F238E27FC236}">
+                <a16:creationId xmlns:a16="http://schemas.microsoft.com/office/drawing/2014/main" id="{12C0B4A1-859A-447E-BA6A-6A22B3BE90A6}"/>
+              </a:ext>
+            </a:extLst>
+          </p:cNvPr>
+          <p:cNvCxnSpPr>
+            <a:stCxn id="150" idx="3"/>
+          </p:cNvCxnSpPr>
+          <p:nvPr/>
+        </p:nvCxnSpPr>
+        <p:spPr>
+          <a:xfrm>
+            <a:off x="5097635" y="5171891"/>
+            <a:ext cx="744263" cy="85366"/>
+          </a:xfrm>
+          <a:prstGeom prst="bentConnector3">
+            <a:avLst/>
+          </a:prstGeom>
+        </p:spPr>
+        <p:style>
+          <a:lnRef idx="1">
+            <a:schemeClr val="accent1"/>
+          </a:lnRef>
+          <a:fillRef idx="0">
+            <a:schemeClr val="accent1"/>
+          </a:fillRef>
+          <a:effectRef idx="0">
+            <a:schemeClr val="accent1"/>
+          </a:effectRef>
+          <a:fontRef idx="minor">
+            <a:schemeClr val="tx1"/>
+          </a:fontRef>
+        </p:style>
+      </p:cxnSp>
     </p:spTree>
   </p:cSld>
   <p:clrMapOvr>
@@ -8235,7 +11035,7 @@
 </file>
 
 <file path=ppt/theme/theme1.xml><?xml version="1.0" encoding="utf-8"?>
-<a:theme xmlns:a="http://schemas.openxmlformats.org/drawingml/2006/main" xmlns:r="http://schemas.openxmlformats.org/officeDocument/2006/relationships" name="Synergy_CF_YNR002">
+<a:theme xmlns:a="http://schemas.openxmlformats.org/drawingml/2006/main" name="Synergy_CF_YNR002">
   <a:themeElements>
     <a:clrScheme name="Current">
       <a:dk1>
@@ -8510,11 +11310,13 @@
       </a:bgFillStyleLst>
     </a:fmtScheme>
   </a:themeElements>
+  <a:objectDefaults/>
+  <a:extraClrSchemeLst/>
 </a:theme>
 </file>
 
 <file path=ppt/theme/theme2.xml><?xml version="1.0" encoding="utf-8"?>
-<a:theme xmlns:a="http://schemas.openxmlformats.org/drawingml/2006/main" xmlns:r="http://schemas.openxmlformats.org/officeDocument/2006/relationships" name="Office Theme">
+<a:theme xmlns:a="http://schemas.openxmlformats.org/drawingml/2006/main" name="Office Theme">
   <a:themeElements>
     <a:clrScheme name="Office">
       <a:dk1>
@@ -8789,5 +11591,7 @@
       </a:bgFillStyleLst>
     </a:fmtScheme>
   </a:themeElements>
+  <a:objectDefaults/>
+  <a:extraClrSchemeLst/>
 </a:theme>
 </file>